--- a/Software Engineering.pptx
+++ b/Software Engineering.pptx
@@ -2,24 +2,37 @@
 <file path=ppt/presentation.xml><?xml version="1.0" encoding="utf-8"?>
 <p:presentation xmlns:a="http://schemas.openxmlformats.org/drawingml/2006/main" xmlns:r="http://schemas.openxmlformats.org/officeDocument/2006/relationships" xmlns:p="http://schemas.openxmlformats.org/presentationml/2006/main" saveSubsetFonts="1">
   <p:sldMasterIdLst>
-    <p:sldMasterId id="2147483648" r:id="rId1"/>
+    <p:sldMasterId id="2147483791" r:id="rId1"/>
   </p:sldMasterIdLst>
   <p:sldIdLst>
     <p:sldId id="256" r:id="rId2"/>
     <p:sldId id="257" r:id="rId3"/>
-    <p:sldId id="258" r:id="rId4"/>
-    <p:sldId id="259" r:id="rId5"/>
-    <p:sldId id="260" r:id="rId6"/>
-    <p:sldId id="261" r:id="rId7"/>
-    <p:sldId id="263" r:id="rId8"/>
-    <p:sldId id="264" r:id="rId9"/>
-    <p:sldId id="265" r:id="rId10"/>
-    <p:sldId id="266" r:id="rId11"/>
-    <p:sldId id="267" r:id="rId12"/>
-    <p:sldId id="268" r:id="rId13"/>
-    <p:sldId id="269" r:id="rId14"/>
-    <p:sldId id="270" r:id="rId15"/>
-    <p:sldId id="271" r:id="rId16"/>
+    <p:sldId id="284" r:id="rId4"/>
+    <p:sldId id="285" r:id="rId5"/>
+    <p:sldId id="258" r:id="rId6"/>
+    <p:sldId id="259" r:id="rId7"/>
+    <p:sldId id="273" r:id="rId8"/>
+    <p:sldId id="272" r:id="rId9"/>
+    <p:sldId id="283" r:id="rId10"/>
+    <p:sldId id="282" r:id="rId11"/>
+    <p:sldId id="274" r:id="rId12"/>
+    <p:sldId id="260" r:id="rId13"/>
+    <p:sldId id="261" r:id="rId14"/>
+    <p:sldId id="275" r:id="rId15"/>
+    <p:sldId id="263" r:id="rId16"/>
+    <p:sldId id="264" r:id="rId17"/>
+    <p:sldId id="276" r:id="rId18"/>
+    <p:sldId id="266" r:id="rId19"/>
+    <p:sldId id="267" r:id="rId20"/>
+    <p:sldId id="268" r:id="rId21"/>
+    <p:sldId id="269" r:id="rId22"/>
+    <p:sldId id="270" r:id="rId23"/>
+    <p:sldId id="277" r:id="rId24"/>
+    <p:sldId id="278" r:id="rId25"/>
+    <p:sldId id="279" r:id="rId26"/>
+    <p:sldId id="280" r:id="rId27"/>
+    <p:sldId id="281" r:id="rId28"/>
+    <p:sldId id="286" r:id="rId29"/>
   </p:sldIdLst>
   <p:sldSz cx="9144000" cy="6858000" type="screen4x3"/>
   <p:notesSz cx="6858000" cy="9144000"/>
@@ -118,6 +131,22 @@
       </a:defRPr>
     </a:lvl9pPr>
   </p:defaultTextStyle>
+  <p:extLst>
+    <p:ext uri="{EFAFB233-063F-42B5-8137-9DF3F51BA10A}">
+      <p15:sldGuideLst xmlns:p15="http://schemas.microsoft.com/office/powerpoint/2012/main">
+        <p15:guide id="1" orient="horz" pos="2160">
+          <p15:clr>
+            <a:srgbClr val="A4A3A4"/>
+          </p15:clr>
+        </p15:guide>
+        <p15:guide id="2" pos="2880">
+          <p15:clr>
+            <a:srgbClr val="A4A3A4"/>
+          </p15:clr>
+        </p15:guide>
+      </p15:sldGuideLst>
+    </p:ext>
+  </p:extLst>
 </p:presentation>
 </file>
 
@@ -150,19 +179,23 @@
         </p:nvSpPr>
         <p:spPr>
           <a:xfrm>
-            <a:off x="685800" y="2130425"/>
-            <a:ext cx="7772400" cy="1470025"/>
+            <a:off x="866442" y="1447801"/>
+            <a:ext cx="6620968" cy="3329581"/>
           </a:xfrm>
         </p:spPr>
         <p:txBody>
-          <a:bodyPr/>
-          <a:lstStyle/>
+          <a:bodyPr anchor="b"/>
+          <a:lstStyle>
+            <a:lvl1pPr>
+              <a:defRPr sz="7200"/>
+            </a:lvl1pPr>
+          </a:lstStyle>
           <a:p>
             <a:r>
               <a:rPr lang="en-US" smtClean="0"/>
               <a:t>Click to edit Master title style</a:t>
             </a:r>
-            <a:endParaRPr lang="en-US"/>
+            <a:endParaRPr lang="en-US" dirty="0"/>
           </a:p>
         </p:txBody>
       </p:sp>
@@ -178,20 +211,18 @@
         </p:nvSpPr>
         <p:spPr>
           <a:xfrm>
-            <a:off x="1371600" y="3886200"/>
-            <a:ext cx="6400800" cy="1752600"/>
+            <a:off x="866442" y="4777380"/>
+            <a:ext cx="6620968" cy="861420"/>
           </a:xfrm>
         </p:spPr>
         <p:txBody>
-          <a:bodyPr/>
+          <a:bodyPr anchor="t"/>
           <a:lstStyle>
-            <a:lvl1pPr marL="0" indent="0" algn="ctr">
-              <a:buNone/>
-              <a:defRPr>
+            <a:lvl1pPr marL="0" indent="0" algn="l">
+              <a:buNone/>
+              <a:defRPr cap="all">
                 <a:solidFill>
-                  <a:schemeClr val="tx1">
-                    <a:tint val="75000"/>
-                  </a:schemeClr>
+                  <a:schemeClr val="accent1"/>
                 </a:solidFill>
               </a:defRPr>
             </a:lvl1pPr>
@@ -281,7 +312,7 @@
               <a:rPr lang="en-US" smtClean="0"/>
               <a:t>Click to edit Master subtitle style</a:t>
             </a:r>
-            <a:endParaRPr lang="en-US"/>
+            <a:endParaRPr lang="en-US" dirty="0"/>
           </a:p>
         </p:txBody>
       </p:sp>
@@ -353,7 +384,7 @@
     </p:spTree>
     <p:extLst>
       <p:ext uri="{BB962C8B-B14F-4D97-AF65-F5344CB8AC3E}">
-        <p14:creationId xmlns:p14="http://schemas.microsoft.com/office/powerpoint/2010/main" val="3136274472"/>
+        <p14:creationId xmlns:p14="http://schemas.microsoft.com/office/powerpoint/2010/main" val="278680750"/>
       </p:ext>
     </p:extLst>
   </p:cSld>
@@ -364,6 +395,2532 @@
 </file>
 
 <file path=ppt/slideLayouts/slideLayout10.xml><?xml version="1.0" encoding="utf-8"?>
+<p:sldLayout xmlns:a="http://schemas.openxmlformats.org/drawingml/2006/main" xmlns:r="http://schemas.openxmlformats.org/officeDocument/2006/relationships" xmlns:p="http://schemas.openxmlformats.org/presentationml/2006/main" preserve="1">
+  <p:cSld name="Panoramic Picture with Caption">
+    <p:spTree>
+      <p:nvGrpSpPr>
+        <p:cNvPr id="1" name=""/>
+        <p:cNvGrpSpPr/>
+        <p:nvPr/>
+      </p:nvGrpSpPr>
+      <p:grpSpPr>
+        <a:xfrm>
+          <a:off x="0" y="0"/>
+          <a:ext cx="0" cy="0"/>
+          <a:chOff x="0" y="0"/>
+          <a:chExt cx="0" cy="0"/>
+        </a:xfrm>
+      </p:grpSpPr>
+      <p:sp>
+        <p:nvSpPr>
+          <p:cNvPr id="2" name="Title 1"/>
+          <p:cNvSpPr>
+            <a:spLocks noGrp="1"/>
+          </p:cNvSpPr>
+          <p:nvPr>
+            <p:ph type="title"/>
+          </p:nvPr>
+        </p:nvSpPr>
+        <p:spPr>
+          <a:xfrm>
+            <a:off x="866443" y="4800587"/>
+            <a:ext cx="6620967" cy="566738"/>
+          </a:xfrm>
+        </p:spPr>
+        <p:txBody>
+          <a:bodyPr anchor="b">
+            <a:normAutofit/>
+          </a:bodyPr>
+          <a:lstStyle>
+            <a:lvl1pPr algn="l">
+              <a:defRPr sz="2400" b="0"/>
+            </a:lvl1pPr>
+          </a:lstStyle>
+          <a:p>
+            <a:r>
+              <a:rPr lang="en-US" smtClean="0"/>
+              <a:t>Click to edit Master title style</a:t>
+            </a:r>
+            <a:endParaRPr lang="en-US" dirty="0"/>
+          </a:p>
+        </p:txBody>
+      </p:sp>
+      <p:sp>
+        <p:nvSpPr>
+          <p:cNvPr id="3" name="Picture Placeholder 2"/>
+          <p:cNvSpPr>
+            <a:spLocks noGrp="1" noChangeAspect="1"/>
+          </p:cNvSpPr>
+          <p:nvPr>
+            <p:ph type="pic" idx="1"/>
+          </p:nvPr>
+        </p:nvSpPr>
+        <p:spPr>
+          <a:xfrm>
+            <a:off x="866442" y="685800"/>
+            <a:ext cx="6620968" cy="3640666"/>
+          </a:xfrm>
+          <a:prstGeom prst="roundRect">
+            <a:avLst>
+              <a:gd name="adj" fmla="val 1858"/>
+            </a:avLst>
+          </a:prstGeom>
+          <a:effectLst>
+            <a:outerShdw blurRad="50800" dist="50800" dir="5400000" algn="tl" rotWithShape="0">
+              <a:srgbClr val="000000">
+                <a:alpha val="43000"/>
+              </a:srgbClr>
+            </a:outerShdw>
+          </a:effectLst>
+        </p:spPr>
+        <p:txBody>
+          <a:bodyPr anchor="t">
+            <a:normAutofit/>
+          </a:bodyPr>
+          <a:lstStyle>
+            <a:lvl1pPr marL="0" indent="0" algn="ctr">
+              <a:buNone/>
+              <a:defRPr sz="1600"/>
+            </a:lvl1pPr>
+            <a:lvl2pPr marL="457200" indent="0">
+              <a:buNone/>
+              <a:defRPr sz="1600"/>
+            </a:lvl2pPr>
+            <a:lvl3pPr marL="914400" indent="0">
+              <a:buNone/>
+              <a:defRPr sz="1600"/>
+            </a:lvl3pPr>
+            <a:lvl4pPr marL="1371600" indent="0">
+              <a:buNone/>
+              <a:defRPr sz="1600"/>
+            </a:lvl4pPr>
+            <a:lvl5pPr marL="1828800" indent="0">
+              <a:buNone/>
+              <a:defRPr sz="1600"/>
+            </a:lvl5pPr>
+            <a:lvl6pPr marL="2286000" indent="0">
+              <a:buNone/>
+              <a:defRPr sz="1600"/>
+            </a:lvl6pPr>
+            <a:lvl7pPr marL="2743200" indent="0">
+              <a:buNone/>
+              <a:defRPr sz="1600"/>
+            </a:lvl7pPr>
+            <a:lvl8pPr marL="3200400" indent="0">
+              <a:buNone/>
+              <a:defRPr sz="1600"/>
+            </a:lvl8pPr>
+            <a:lvl9pPr marL="3657600" indent="0">
+              <a:buNone/>
+              <a:defRPr sz="1600"/>
+            </a:lvl9pPr>
+          </a:lstStyle>
+          <a:p>
+            <a:r>
+              <a:rPr lang="en-US" smtClean="0"/>
+              <a:t>Click icon to add picture</a:t>
+            </a:r>
+            <a:endParaRPr lang="en-US" dirty="0"/>
+          </a:p>
+        </p:txBody>
+      </p:sp>
+      <p:sp>
+        <p:nvSpPr>
+          <p:cNvPr id="4" name="Text Placeholder 3"/>
+          <p:cNvSpPr>
+            <a:spLocks noGrp="1"/>
+          </p:cNvSpPr>
+          <p:nvPr>
+            <p:ph type="body" sz="half" idx="2"/>
+          </p:nvPr>
+        </p:nvSpPr>
+        <p:spPr>
+          <a:xfrm>
+            <a:off x="866443" y="5367325"/>
+            <a:ext cx="6620966" cy="493712"/>
+          </a:xfrm>
+        </p:spPr>
+        <p:txBody>
+          <a:bodyPr>
+            <a:normAutofit/>
+          </a:bodyPr>
+          <a:lstStyle>
+            <a:lvl1pPr marL="0" indent="0">
+              <a:buNone/>
+              <a:defRPr sz="1200"/>
+            </a:lvl1pPr>
+            <a:lvl2pPr marL="457200" indent="0">
+              <a:buNone/>
+              <a:defRPr sz="1200"/>
+            </a:lvl2pPr>
+            <a:lvl3pPr marL="914400" indent="0">
+              <a:buNone/>
+              <a:defRPr sz="1000"/>
+            </a:lvl3pPr>
+            <a:lvl4pPr marL="1371600" indent="0">
+              <a:buNone/>
+              <a:defRPr sz="900"/>
+            </a:lvl4pPr>
+            <a:lvl5pPr marL="1828800" indent="0">
+              <a:buNone/>
+              <a:defRPr sz="900"/>
+            </a:lvl5pPr>
+            <a:lvl6pPr marL="2286000" indent="0">
+              <a:buNone/>
+              <a:defRPr sz="900"/>
+            </a:lvl6pPr>
+            <a:lvl7pPr marL="2743200" indent="0">
+              <a:buNone/>
+              <a:defRPr sz="900"/>
+            </a:lvl7pPr>
+            <a:lvl8pPr marL="3200400" indent="0">
+              <a:buNone/>
+              <a:defRPr sz="900"/>
+            </a:lvl8pPr>
+            <a:lvl9pPr marL="3657600" indent="0">
+              <a:buNone/>
+              <a:defRPr sz="900"/>
+            </a:lvl9pPr>
+          </a:lstStyle>
+          <a:p>
+            <a:pPr lvl="0"/>
+            <a:r>
+              <a:rPr lang="en-US" smtClean="0"/>
+              <a:t>Edit Master text styles</a:t>
+            </a:r>
+          </a:p>
+        </p:txBody>
+      </p:sp>
+      <p:sp>
+        <p:nvSpPr>
+          <p:cNvPr id="5" name="Date Placeholder 4"/>
+          <p:cNvSpPr>
+            <a:spLocks noGrp="1"/>
+          </p:cNvSpPr>
+          <p:nvPr>
+            <p:ph type="dt" sz="half" idx="10"/>
+          </p:nvPr>
+        </p:nvSpPr>
+        <p:spPr/>
+        <p:txBody>
+          <a:bodyPr/>
+          <a:lstStyle/>
+          <a:p>
+            <a:fld id="{35FCE708-3684-473C-A788-4D90E1C784B6}" type="datetimeFigureOut">
+              <a:rPr lang="en-US" smtClean="0"/>
+              <a:t>11/15/2016</a:t>
+            </a:fld>
+            <a:endParaRPr lang="en-US"/>
+          </a:p>
+        </p:txBody>
+      </p:sp>
+      <p:sp>
+        <p:nvSpPr>
+          <p:cNvPr id="6" name="Footer Placeholder 5"/>
+          <p:cNvSpPr>
+            <a:spLocks noGrp="1"/>
+          </p:cNvSpPr>
+          <p:nvPr>
+            <p:ph type="ftr" sz="quarter" idx="11"/>
+          </p:nvPr>
+        </p:nvSpPr>
+        <p:spPr/>
+        <p:txBody>
+          <a:bodyPr/>
+          <a:lstStyle/>
+          <a:p>
+            <a:endParaRPr lang="en-US"/>
+          </a:p>
+        </p:txBody>
+      </p:sp>
+      <p:sp>
+        <p:nvSpPr>
+          <p:cNvPr id="7" name="Slide Number Placeholder 6"/>
+          <p:cNvSpPr>
+            <a:spLocks noGrp="1"/>
+          </p:cNvSpPr>
+          <p:nvPr>
+            <p:ph type="sldNum" sz="quarter" idx="12"/>
+          </p:nvPr>
+        </p:nvSpPr>
+        <p:spPr/>
+        <p:txBody>
+          <a:bodyPr/>
+          <a:lstStyle/>
+          <a:p>
+            <a:fld id="{8DC966BA-83AE-4962-82F4-C3E6C28D279E}" type="slidenum">
+              <a:rPr lang="en-US" smtClean="0"/>
+              <a:t>‹#›</a:t>
+            </a:fld>
+            <a:endParaRPr lang="en-US"/>
+          </a:p>
+        </p:txBody>
+      </p:sp>
+    </p:spTree>
+    <p:extLst>
+      <p:ext uri="{BB962C8B-B14F-4D97-AF65-F5344CB8AC3E}">
+        <p14:creationId xmlns:p14="http://schemas.microsoft.com/office/powerpoint/2010/main" val="3685494648"/>
+      </p:ext>
+    </p:extLst>
+  </p:cSld>
+  <p:clrMapOvr>
+    <a:masterClrMapping/>
+  </p:clrMapOvr>
+</p:sldLayout>
+</file>
+
+<file path=ppt/slideLayouts/slideLayout11.xml><?xml version="1.0" encoding="utf-8"?>
+<p:sldLayout xmlns:a="http://schemas.openxmlformats.org/drawingml/2006/main" xmlns:r="http://schemas.openxmlformats.org/officeDocument/2006/relationships" xmlns:p="http://schemas.openxmlformats.org/presentationml/2006/main" preserve="1">
+  <p:cSld name="Title and Caption">
+    <p:spTree>
+      <p:nvGrpSpPr>
+        <p:cNvPr id="1" name=""/>
+        <p:cNvGrpSpPr/>
+        <p:nvPr/>
+      </p:nvGrpSpPr>
+      <p:grpSpPr>
+        <a:xfrm>
+          <a:off x="0" y="0"/>
+          <a:ext cx="0" cy="0"/>
+          <a:chOff x="0" y="0"/>
+          <a:chExt cx="0" cy="0"/>
+        </a:xfrm>
+      </p:grpSpPr>
+      <p:sp>
+        <p:nvSpPr>
+          <p:cNvPr id="2" name="Title 1"/>
+          <p:cNvSpPr>
+            <a:spLocks noGrp="1"/>
+          </p:cNvSpPr>
+          <p:nvPr>
+            <p:ph type="title"/>
+          </p:nvPr>
+        </p:nvSpPr>
+        <p:spPr>
+          <a:xfrm>
+            <a:off x="866442" y="1447800"/>
+            <a:ext cx="6620968" cy="1981200"/>
+          </a:xfrm>
+        </p:spPr>
+        <p:txBody>
+          <a:bodyPr/>
+          <a:lstStyle>
+            <a:lvl1pPr>
+              <a:defRPr sz="4800"/>
+            </a:lvl1pPr>
+          </a:lstStyle>
+          <a:p>
+            <a:r>
+              <a:rPr lang="en-US" smtClean="0"/>
+              <a:t>Click to edit Master title style</a:t>
+            </a:r>
+            <a:endParaRPr lang="en-US" dirty="0"/>
+          </a:p>
+        </p:txBody>
+      </p:sp>
+      <p:sp>
+        <p:nvSpPr>
+          <p:cNvPr id="8" name="Text Placeholder 3"/>
+          <p:cNvSpPr>
+            <a:spLocks noGrp="1"/>
+          </p:cNvSpPr>
+          <p:nvPr>
+            <p:ph type="body" sz="half" idx="2"/>
+          </p:nvPr>
+        </p:nvSpPr>
+        <p:spPr>
+          <a:xfrm>
+            <a:off x="866442" y="3657600"/>
+            <a:ext cx="6620968" cy="2362200"/>
+          </a:xfrm>
+        </p:spPr>
+        <p:txBody>
+          <a:bodyPr anchor="ctr">
+            <a:normAutofit/>
+          </a:bodyPr>
+          <a:lstStyle>
+            <a:lvl1pPr marL="0" indent="0">
+              <a:buNone/>
+              <a:defRPr sz="1800"/>
+            </a:lvl1pPr>
+            <a:lvl2pPr marL="457200" indent="0">
+              <a:buNone/>
+              <a:defRPr sz="1200"/>
+            </a:lvl2pPr>
+            <a:lvl3pPr marL="914400" indent="0">
+              <a:buNone/>
+              <a:defRPr sz="1000"/>
+            </a:lvl3pPr>
+            <a:lvl4pPr marL="1371600" indent="0">
+              <a:buNone/>
+              <a:defRPr sz="900"/>
+            </a:lvl4pPr>
+            <a:lvl5pPr marL="1828800" indent="0">
+              <a:buNone/>
+              <a:defRPr sz="900"/>
+            </a:lvl5pPr>
+            <a:lvl6pPr marL="2286000" indent="0">
+              <a:buNone/>
+              <a:defRPr sz="900"/>
+            </a:lvl6pPr>
+            <a:lvl7pPr marL="2743200" indent="0">
+              <a:buNone/>
+              <a:defRPr sz="900"/>
+            </a:lvl7pPr>
+            <a:lvl8pPr marL="3200400" indent="0">
+              <a:buNone/>
+              <a:defRPr sz="900"/>
+            </a:lvl8pPr>
+            <a:lvl9pPr marL="3657600" indent="0">
+              <a:buNone/>
+              <a:defRPr sz="900"/>
+            </a:lvl9pPr>
+          </a:lstStyle>
+          <a:p>
+            <a:pPr lvl="0"/>
+            <a:r>
+              <a:rPr lang="en-US" smtClean="0"/>
+              <a:t>Edit Master text styles</a:t>
+            </a:r>
+          </a:p>
+        </p:txBody>
+      </p:sp>
+      <p:sp>
+        <p:nvSpPr>
+          <p:cNvPr id="4" name="Date Placeholder 3"/>
+          <p:cNvSpPr>
+            <a:spLocks noGrp="1"/>
+          </p:cNvSpPr>
+          <p:nvPr>
+            <p:ph type="dt" sz="half" idx="10"/>
+          </p:nvPr>
+        </p:nvSpPr>
+        <p:spPr/>
+        <p:txBody>
+          <a:bodyPr/>
+          <a:lstStyle/>
+          <a:p>
+            <a:fld id="{35FCE708-3684-473C-A788-4D90E1C784B6}" type="datetimeFigureOut">
+              <a:rPr lang="en-US" smtClean="0"/>
+              <a:t>11/15/2016</a:t>
+            </a:fld>
+            <a:endParaRPr lang="en-US"/>
+          </a:p>
+        </p:txBody>
+      </p:sp>
+      <p:sp>
+        <p:nvSpPr>
+          <p:cNvPr id="5" name="Footer Placeholder 4"/>
+          <p:cNvSpPr>
+            <a:spLocks noGrp="1"/>
+          </p:cNvSpPr>
+          <p:nvPr>
+            <p:ph type="ftr" sz="quarter" idx="11"/>
+          </p:nvPr>
+        </p:nvSpPr>
+        <p:spPr/>
+        <p:txBody>
+          <a:bodyPr/>
+          <a:lstStyle/>
+          <a:p>
+            <a:endParaRPr lang="en-US"/>
+          </a:p>
+        </p:txBody>
+      </p:sp>
+      <p:sp>
+        <p:nvSpPr>
+          <p:cNvPr id="6" name="Slide Number Placeholder 5"/>
+          <p:cNvSpPr>
+            <a:spLocks noGrp="1"/>
+          </p:cNvSpPr>
+          <p:nvPr>
+            <p:ph type="sldNum" sz="quarter" idx="12"/>
+          </p:nvPr>
+        </p:nvSpPr>
+        <p:spPr/>
+        <p:txBody>
+          <a:bodyPr/>
+          <a:lstStyle/>
+          <a:p>
+            <a:fld id="{8DC966BA-83AE-4962-82F4-C3E6C28D279E}" type="slidenum">
+              <a:rPr lang="en-US" smtClean="0"/>
+              <a:t>‹#›</a:t>
+            </a:fld>
+            <a:endParaRPr lang="en-US"/>
+          </a:p>
+        </p:txBody>
+      </p:sp>
+    </p:spTree>
+    <p:extLst>
+      <p:ext uri="{BB962C8B-B14F-4D97-AF65-F5344CB8AC3E}">
+        <p14:creationId xmlns:p14="http://schemas.microsoft.com/office/powerpoint/2010/main" val="4213516681"/>
+      </p:ext>
+    </p:extLst>
+  </p:cSld>
+  <p:clrMapOvr>
+    <a:masterClrMapping/>
+  </p:clrMapOvr>
+</p:sldLayout>
+</file>
+
+<file path=ppt/slideLayouts/slideLayout12.xml><?xml version="1.0" encoding="utf-8"?>
+<p:sldLayout xmlns:a="http://schemas.openxmlformats.org/drawingml/2006/main" xmlns:r="http://schemas.openxmlformats.org/officeDocument/2006/relationships" xmlns:p="http://schemas.openxmlformats.org/presentationml/2006/main" preserve="1">
+  <p:cSld name="Quote with Caption">
+    <p:spTree>
+      <p:nvGrpSpPr>
+        <p:cNvPr id="1" name=""/>
+        <p:cNvGrpSpPr/>
+        <p:nvPr/>
+      </p:nvGrpSpPr>
+      <p:grpSpPr>
+        <a:xfrm>
+          <a:off x="0" y="0"/>
+          <a:ext cx="0" cy="0"/>
+          <a:chOff x="0" y="0"/>
+          <a:chExt cx="0" cy="0"/>
+        </a:xfrm>
+      </p:grpSpPr>
+      <p:sp>
+        <p:nvSpPr>
+          <p:cNvPr id="2" name="Title 1"/>
+          <p:cNvSpPr>
+            <a:spLocks noGrp="1"/>
+          </p:cNvSpPr>
+          <p:nvPr>
+            <p:ph type="title"/>
+          </p:nvPr>
+        </p:nvSpPr>
+        <p:spPr>
+          <a:xfrm>
+            <a:off x="1181409" y="1447800"/>
+            <a:ext cx="6001049" cy="2317649"/>
+          </a:xfrm>
+        </p:spPr>
+        <p:txBody>
+          <a:bodyPr/>
+          <a:lstStyle>
+            <a:lvl1pPr>
+              <a:defRPr sz="4800"/>
+            </a:lvl1pPr>
+          </a:lstStyle>
+          <a:p>
+            <a:r>
+              <a:rPr lang="en-US" smtClean="0"/>
+              <a:t>Click to edit Master title style</a:t>
+            </a:r>
+            <a:endParaRPr lang="en-US" dirty="0"/>
+          </a:p>
+        </p:txBody>
+      </p:sp>
+      <p:sp>
+        <p:nvSpPr>
+          <p:cNvPr id="14" name="Text Placeholder 3"/>
+          <p:cNvSpPr>
+            <a:spLocks noGrp="1"/>
+          </p:cNvSpPr>
+          <p:nvPr>
+            <p:ph type="body" sz="half" idx="13"/>
+          </p:nvPr>
+        </p:nvSpPr>
+        <p:spPr>
+          <a:xfrm>
+            <a:off x="1454530" y="3765449"/>
+            <a:ext cx="5449871" cy="342174"/>
+          </a:xfrm>
+        </p:spPr>
+        <p:txBody>
+          <a:bodyPr anchor="t">
+            <a:normAutofit/>
+          </a:bodyPr>
+          <a:lstStyle>
+            <a:lvl1pPr marL="0" indent="0">
+              <a:buNone/>
+              <a:defRPr lang="en-US" sz="1400" b="0" i="0" kern="1200" cap="small" dirty="0">
+                <a:solidFill>
+                  <a:schemeClr val="accent1"/>
+                </a:solidFill>
+                <a:latin typeface="+mj-lt"/>
+                <a:ea typeface="+mj-ea"/>
+                <a:cs typeface="+mj-cs"/>
+              </a:defRPr>
+            </a:lvl1pPr>
+            <a:lvl2pPr marL="457200" indent="0">
+              <a:buNone/>
+              <a:defRPr sz="1200"/>
+            </a:lvl2pPr>
+            <a:lvl3pPr marL="914400" indent="0">
+              <a:buNone/>
+              <a:defRPr sz="1000"/>
+            </a:lvl3pPr>
+            <a:lvl4pPr marL="1371600" indent="0">
+              <a:buNone/>
+              <a:defRPr sz="900"/>
+            </a:lvl4pPr>
+            <a:lvl5pPr marL="1828800" indent="0">
+              <a:buNone/>
+              <a:defRPr sz="900"/>
+            </a:lvl5pPr>
+            <a:lvl6pPr marL="2286000" indent="0">
+              <a:buNone/>
+              <a:defRPr sz="900"/>
+            </a:lvl6pPr>
+            <a:lvl7pPr marL="2743200" indent="0">
+              <a:buNone/>
+              <a:defRPr sz="900"/>
+            </a:lvl7pPr>
+            <a:lvl8pPr marL="3200400" indent="0">
+              <a:buNone/>
+              <a:defRPr sz="900"/>
+            </a:lvl8pPr>
+            <a:lvl9pPr marL="3657600" indent="0">
+              <a:buNone/>
+              <a:defRPr sz="900"/>
+            </a:lvl9pPr>
+          </a:lstStyle>
+          <a:p>
+            <a:pPr lvl="0"/>
+            <a:r>
+              <a:rPr lang="en-US" smtClean="0"/>
+              <a:t>Edit Master text styles</a:t>
+            </a:r>
+          </a:p>
+        </p:txBody>
+      </p:sp>
+      <p:sp>
+        <p:nvSpPr>
+          <p:cNvPr id="10" name="Text Placeholder 3"/>
+          <p:cNvSpPr>
+            <a:spLocks noGrp="1"/>
+          </p:cNvSpPr>
+          <p:nvPr>
+            <p:ph type="body" sz="half" idx="2"/>
+          </p:nvPr>
+        </p:nvSpPr>
+        <p:spPr>
+          <a:xfrm>
+            <a:off x="866442" y="4350657"/>
+            <a:ext cx="6620968" cy="1676400"/>
+          </a:xfrm>
+        </p:spPr>
+        <p:txBody>
+          <a:bodyPr anchor="ctr">
+            <a:normAutofit/>
+          </a:bodyPr>
+          <a:lstStyle>
+            <a:lvl1pPr marL="0" indent="0">
+              <a:buNone/>
+              <a:defRPr sz="1800"/>
+            </a:lvl1pPr>
+            <a:lvl2pPr marL="457200" indent="0">
+              <a:buNone/>
+              <a:defRPr sz="1200"/>
+            </a:lvl2pPr>
+            <a:lvl3pPr marL="914400" indent="0">
+              <a:buNone/>
+              <a:defRPr sz="1000"/>
+            </a:lvl3pPr>
+            <a:lvl4pPr marL="1371600" indent="0">
+              <a:buNone/>
+              <a:defRPr sz="900"/>
+            </a:lvl4pPr>
+            <a:lvl5pPr marL="1828800" indent="0">
+              <a:buNone/>
+              <a:defRPr sz="900"/>
+            </a:lvl5pPr>
+            <a:lvl6pPr marL="2286000" indent="0">
+              <a:buNone/>
+              <a:defRPr sz="900"/>
+            </a:lvl6pPr>
+            <a:lvl7pPr marL="2743200" indent="0">
+              <a:buNone/>
+              <a:defRPr sz="900"/>
+            </a:lvl7pPr>
+            <a:lvl8pPr marL="3200400" indent="0">
+              <a:buNone/>
+              <a:defRPr sz="900"/>
+            </a:lvl8pPr>
+            <a:lvl9pPr marL="3657600" indent="0">
+              <a:buNone/>
+              <a:defRPr sz="900"/>
+            </a:lvl9pPr>
+          </a:lstStyle>
+          <a:p>
+            <a:pPr lvl="0"/>
+            <a:r>
+              <a:rPr lang="en-US" smtClean="0"/>
+              <a:t>Edit Master text styles</a:t>
+            </a:r>
+          </a:p>
+        </p:txBody>
+      </p:sp>
+      <p:sp>
+        <p:nvSpPr>
+          <p:cNvPr id="4" name="Date Placeholder 3"/>
+          <p:cNvSpPr>
+            <a:spLocks noGrp="1"/>
+          </p:cNvSpPr>
+          <p:nvPr>
+            <p:ph type="dt" sz="half" idx="10"/>
+          </p:nvPr>
+        </p:nvSpPr>
+        <p:spPr/>
+        <p:txBody>
+          <a:bodyPr/>
+          <a:lstStyle/>
+          <a:p>
+            <a:fld id="{35FCE708-3684-473C-A788-4D90E1C784B6}" type="datetimeFigureOut">
+              <a:rPr lang="en-US" smtClean="0"/>
+              <a:t>11/15/2016</a:t>
+            </a:fld>
+            <a:endParaRPr lang="en-US"/>
+          </a:p>
+        </p:txBody>
+      </p:sp>
+      <p:sp>
+        <p:nvSpPr>
+          <p:cNvPr id="5" name="Footer Placeholder 4"/>
+          <p:cNvSpPr>
+            <a:spLocks noGrp="1"/>
+          </p:cNvSpPr>
+          <p:nvPr>
+            <p:ph type="ftr" sz="quarter" idx="11"/>
+          </p:nvPr>
+        </p:nvSpPr>
+        <p:spPr/>
+        <p:txBody>
+          <a:bodyPr/>
+          <a:lstStyle/>
+          <a:p>
+            <a:endParaRPr lang="en-US"/>
+          </a:p>
+        </p:txBody>
+      </p:sp>
+      <p:sp>
+        <p:nvSpPr>
+          <p:cNvPr id="6" name="Slide Number Placeholder 5"/>
+          <p:cNvSpPr>
+            <a:spLocks noGrp="1"/>
+          </p:cNvSpPr>
+          <p:nvPr>
+            <p:ph type="sldNum" sz="quarter" idx="12"/>
+          </p:nvPr>
+        </p:nvSpPr>
+        <p:spPr/>
+        <p:txBody>
+          <a:bodyPr/>
+          <a:lstStyle/>
+          <a:p>
+            <a:fld id="{8DC966BA-83AE-4962-82F4-C3E6C28D279E}" type="slidenum">
+              <a:rPr lang="en-US" smtClean="0"/>
+              <a:t>‹#›</a:t>
+            </a:fld>
+            <a:endParaRPr lang="en-US"/>
+          </a:p>
+        </p:txBody>
+      </p:sp>
+      <p:sp>
+        <p:nvSpPr>
+          <p:cNvPr id="9" name="TextBox 8"/>
+          <p:cNvSpPr txBox="1"/>
+          <p:nvPr/>
+        </p:nvSpPr>
+        <p:spPr>
+          <a:xfrm>
+            <a:off x="673897" y="971253"/>
+            <a:ext cx="601591" cy="1969770"/>
+          </a:xfrm>
+          <a:prstGeom prst="rect">
+            <a:avLst/>
+          </a:prstGeom>
+          <a:noFill/>
+        </p:spPr>
+        <p:txBody>
+          <a:bodyPr wrap="square" rtlCol="0">
+            <a:spAutoFit/>
+          </a:bodyPr>
+          <a:lstStyle>
+            <a:defPPr>
+              <a:defRPr lang="en-US"/>
+            </a:defPPr>
+            <a:lvl1pPr algn="r">
+              <a:defRPr sz="12200" b="0" i="0">
+                <a:solidFill>
+                  <a:schemeClr val="accent1"/>
+                </a:solidFill>
+                <a:latin typeface="Arial"/>
+                <a:ea typeface="+mj-ea"/>
+                <a:cs typeface="+mj-cs"/>
+              </a:defRPr>
+            </a:lvl1pPr>
+          </a:lstStyle>
+          <a:p>
+            <a:pPr lvl="0"/>
+            <a:r>
+              <a:rPr lang="en-US" sz="12200" dirty="0"/>
+              <a:t>“</a:t>
+            </a:r>
+          </a:p>
+        </p:txBody>
+      </p:sp>
+      <p:sp>
+        <p:nvSpPr>
+          <p:cNvPr id="13" name="TextBox 12"/>
+          <p:cNvSpPr txBox="1"/>
+          <p:nvPr/>
+        </p:nvSpPr>
+        <p:spPr>
+          <a:xfrm>
+            <a:off x="6999690" y="2613787"/>
+            <a:ext cx="601591" cy="1969770"/>
+          </a:xfrm>
+          <a:prstGeom prst="rect">
+            <a:avLst/>
+          </a:prstGeom>
+          <a:noFill/>
+        </p:spPr>
+        <p:txBody>
+          <a:bodyPr wrap="square" rtlCol="0">
+            <a:spAutoFit/>
+          </a:bodyPr>
+          <a:lstStyle>
+            <a:defPPr>
+              <a:defRPr lang="en-US"/>
+            </a:defPPr>
+            <a:lvl1pPr algn="r">
+              <a:defRPr sz="12200" b="0" i="0">
+                <a:solidFill>
+                  <a:schemeClr val="accent1"/>
+                </a:solidFill>
+                <a:latin typeface="Arial"/>
+                <a:ea typeface="+mj-ea"/>
+                <a:cs typeface="+mj-cs"/>
+              </a:defRPr>
+            </a:lvl1pPr>
+          </a:lstStyle>
+          <a:p>
+            <a:pPr lvl="0"/>
+            <a:r>
+              <a:rPr lang="en-US" sz="12200" dirty="0"/>
+              <a:t>”</a:t>
+            </a:r>
+          </a:p>
+        </p:txBody>
+      </p:sp>
+    </p:spTree>
+    <p:extLst>
+      <p:ext uri="{BB962C8B-B14F-4D97-AF65-F5344CB8AC3E}">
+        <p14:creationId xmlns:p14="http://schemas.microsoft.com/office/powerpoint/2010/main" val="3556108662"/>
+      </p:ext>
+    </p:extLst>
+  </p:cSld>
+  <p:clrMapOvr>
+    <a:masterClrMapping/>
+  </p:clrMapOvr>
+</p:sldLayout>
+</file>
+
+<file path=ppt/slideLayouts/slideLayout13.xml><?xml version="1.0" encoding="utf-8"?>
+<p:sldLayout xmlns:a="http://schemas.openxmlformats.org/drawingml/2006/main" xmlns:r="http://schemas.openxmlformats.org/officeDocument/2006/relationships" xmlns:p="http://schemas.openxmlformats.org/presentationml/2006/main" preserve="1">
+  <p:cSld name="Name Card">
+    <p:spTree>
+      <p:nvGrpSpPr>
+        <p:cNvPr id="1" name=""/>
+        <p:cNvGrpSpPr/>
+        <p:nvPr/>
+      </p:nvGrpSpPr>
+      <p:grpSpPr>
+        <a:xfrm>
+          <a:off x="0" y="0"/>
+          <a:ext cx="0" cy="0"/>
+          <a:chOff x="0" y="0"/>
+          <a:chExt cx="0" cy="0"/>
+        </a:xfrm>
+      </p:grpSpPr>
+      <p:sp>
+        <p:nvSpPr>
+          <p:cNvPr id="2" name="Title 1"/>
+          <p:cNvSpPr>
+            <a:spLocks noGrp="1"/>
+          </p:cNvSpPr>
+          <p:nvPr>
+            <p:ph type="title"/>
+          </p:nvPr>
+        </p:nvSpPr>
+        <p:spPr>
+          <a:xfrm>
+            <a:off x="866441" y="3124201"/>
+            <a:ext cx="6620969" cy="1653180"/>
+          </a:xfrm>
+        </p:spPr>
+        <p:txBody>
+          <a:bodyPr anchor="b"/>
+          <a:lstStyle>
+            <a:lvl1pPr algn="l">
+              <a:defRPr sz="4000" b="0" cap="none"/>
+            </a:lvl1pPr>
+          </a:lstStyle>
+          <a:p>
+            <a:r>
+              <a:rPr lang="en-US" smtClean="0"/>
+              <a:t>Click to edit Master title style</a:t>
+            </a:r>
+            <a:endParaRPr lang="en-US" dirty="0"/>
+          </a:p>
+        </p:txBody>
+      </p:sp>
+      <p:sp>
+        <p:nvSpPr>
+          <p:cNvPr id="3" name="Text Placeholder 2"/>
+          <p:cNvSpPr>
+            <a:spLocks noGrp="1"/>
+          </p:cNvSpPr>
+          <p:nvPr>
+            <p:ph type="body" idx="1"/>
+          </p:nvPr>
+        </p:nvSpPr>
+        <p:spPr>
+          <a:xfrm>
+            <a:off x="866442" y="4777381"/>
+            <a:ext cx="6620968" cy="860400"/>
+          </a:xfrm>
+        </p:spPr>
+        <p:txBody>
+          <a:bodyPr anchor="t"/>
+          <a:lstStyle>
+            <a:lvl1pPr marL="0" indent="0" algn="l">
+              <a:buNone/>
+              <a:defRPr sz="2000" cap="none">
+                <a:solidFill>
+                  <a:schemeClr val="accent1"/>
+                </a:solidFill>
+              </a:defRPr>
+            </a:lvl1pPr>
+            <a:lvl2pPr marL="457200" indent="0">
+              <a:buNone/>
+              <a:defRPr sz="1800">
+                <a:solidFill>
+                  <a:schemeClr val="tx1">
+                    <a:tint val="75000"/>
+                  </a:schemeClr>
+                </a:solidFill>
+              </a:defRPr>
+            </a:lvl2pPr>
+            <a:lvl3pPr marL="914400" indent="0">
+              <a:buNone/>
+              <a:defRPr sz="1600">
+                <a:solidFill>
+                  <a:schemeClr val="tx1">
+                    <a:tint val="75000"/>
+                  </a:schemeClr>
+                </a:solidFill>
+              </a:defRPr>
+            </a:lvl3pPr>
+            <a:lvl4pPr marL="1371600" indent="0">
+              <a:buNone/>
+              <a:defRPr sz="1400">
+                <a:solidFill>
+                  <a:schemeClr val="tx1">
+                    <a:tint val="75000"/>
+                  </a:schemeClr>
+                </a:solidFill>
+              </a:defRPr>
+            </a:lvl4pPr>
+            <a:lvl5pPr marL="1828800" indent="0">
+              <a:buNone/>
+              <a:defRPr sz="1400">
+                <a:solidFill>
+                  <a:schemeClr val="tx1">
+                    <a:tint val="75000"/>
+                  </a:schemeClr>
+                </a:solidFill>
+              </a:defRPr>
+            </a:lvl5pPr>
+            <a:lvl6pPr marL="2286000" indent="0">
+              <a:buNone/>
+              <a:defRPr sz="1400">
+                <a:solidFill>
+                  <a:schemeClr val="tx1">
+                    <a:tint val="75000"/>
+                  </a:schemeClr>
+                </a:solidFill>
+              </a:defRPr>
+            </a:lvl6pPr>
+            <a:lvl7pPr marL="2743200" indent="0">
+              <a:buNone/>
+              <a:defRPr sz="1400">
+                <a:solidFill>
+                  <a:schemeClr val="tx1">
+                    <a:tint val="75000"/>
+                  </a:schemeClr>
+                </a:solidFill>
+              </a:defRPr>
+            </a:lvl7pPr>
+            <a:lvl8pPr marL="3200400" indent="0">
+              <a:buNone/>
+              <a:defRPr sz="1400">
+                <a:solidFill>
+                  <a:schemeClr val="tx1">
+                    <a:tint val="75000"/>
+                  </a:schemeClr>
+                </a:solidFill>
+              </a:defRPr>
+            </a:lvl8pPr>
+            <a:lvl9pPr marL="3657600" indent="0">
+              <a:buNone/>
+              <a:defRPr sz="1400">
+                <a:solidFill>
+                  <a:schemeClr val="tx1">
+                    <a:tint val="75000"/>
+                  </a:schemeClr>
+                </a:solidFill>
+              </a:defRPr>
+            </a:lvl9pPr>
+          </a:lstStyle>
+          <a:p>
+            <a:pPr lvl="0"/>
+            <a:r>
+              <a:rPr lang="en-US" smtClean="0"/>
+              <a:t>Edit Master text styles</a:t>
+            </a:r>
+          </a:p>
+        </p:txBody>
+      </p:sp>
+      <p:sp>
+        <p:nvSpPr>
+          <p:cNvPr id="4" name="Date Placeholder 3"/>
+          <p:cNvSpPr>
+            <a:spLocks noGrp="1"/>
+          </p:cNvSpPr>
+          <p:nvPr>
+            <p:ph type="dt" sz="half" idx="10"/>
+          </p:nvPr>
+        </p:nvSpPr>
+        <p:spPr/>
+        <p:txBody>
+          <a:bodyPr/>
+          <a:lstStyle/>
+          <a:p>
+            <a:fld id="{35FCE708-3684-473C-A788-4D90E1C784B6}" type="datetimeFigureOut">
+              <a:rPr lang="en-US" smtClean="0"/>
+              <a:t>11/15/2016</a:t>
+            </a:fld>
+            <a:endParaRPr lang="en-US"/>
+          </a:p>
+        </p:txBody>
+      </p:sp>
+      <p:sp>
+        <p:nvSpPr>
+          <p:cNvPr id="5" name="Footer Placeholder 4"/>
+          <p:cNvSpPr>
+            <a:spLocks noGrp="1"/>
+          </p:cNvSpPr>
+          <p:nvPr>
+            <p:ph type="ftr" sz="quarter" idx="11"/>
+          </p:nvPr>
+        </p:nvSpPr>
+        <p:spPr/>
+        <p:txBody>
+          <a:bodyPr/>
+          <a:lstStyle/>
+          <a:p>
+            <a:endParaRPr lang="en-US"/>
+          </a:p>
+        </p:txBody>
+      </p:sp>
+      <p:sp>
+        <p:nvSpPr>
+          <p:cNvPr id="6" name="Slide Number Placeholder 5"/>
+          <p:cNvSpPr>
+            <a:spLocks noGrp="1"/>
+          </p:cNvSpPr>
+          <p:nvPr>
+            <p:ph type="sldNum" sz="quarter" idx="12"/>
+          </p:nvPr>
+        </p:nvSpPr>
+        <p:spPr/>
+        <p:txBody>
+          <a:bodyPr/>
+          <a:lstStyle/>
+          <a:p>
+            <a:fld id="{8DC966BA-83AE-4962-82F4-C3E6C28D279E}" type="slidenum">
+              <a:rPr lang="en-US" smtClean="0"/>
+              <a:t>‹#›</a:t>
+            </a:fld>
+            <a:endParaRPr lang="en-US"/>
+          </a:p>
+        </p:txBody>
+      </p:sp>
+    </p:spTree>
+    <p:extLst>
+      <p:ext uri="{BB962C8B-B14F-4D97-AF65-F5344CB8AC3E}">
+        <p14:creationId xmlns:p14="http://schemas.microsoft.com/office/powerpoint/2010/main" val="1357128247"/>
+      </p:ext>
+    </p:extLst>
+  </p:cSld>
+  <p:clrMapOvr>
+    <a:masterClrMapping/>
+  </p:clrMapOvr>
+</p:sldLayout>
+</file>
+
+<file path=ppt/slideLayouts/slideLayout14.xml><?xml version="1.0" encoding="utf-8"?>
+<p:sldLayout xmlns:a="http://schemas.openxmlformats.org/drawingml/2006/main" xmlns:r="http://schemas.openxmlformats.org/officeDocument/2006/relationships" xmlns:p="http://schemas.openxmlformats.org/presentationml/2006/main" preserve="1">
+  <p:cSld name="3 Column">
+    <p:spTree>
+      <p:nvGrpSpPr>
+        <p:cNvPr id="1" name=""/>
+        <p:cNvGrpSpPr/>
+        <p:nvPr/>
+      </p:nvGrpSpPr>
+      <p:grpSpPr>
+        <a:xfrm>
+          <a:off x="0" y="0"/>
+          <a:ext cx="0" cy="0"/>
+          <a:chOff x="0" y="0"/>
+          <a:chExt cx="0" cy="0"/>
+        </a:xfrm>
+      </p:grpSpPr>
+      <p:sp>
+        <p:nvSpPr>
+          <p:cNvPr id="2" name="Title 1"/>
+          <p:cNvSpPr>
+            <a:spLocks noGrp="1"/>
+          </p:cNvSpPr>
+          <p:nvPr>
+            <p:ph type="title"/>
+          </p:nvPr>
+        </p:nvSpPr>
+        <p:spPr/>
+        <p:txBody>
+          <a:bodyPr/>
+          <a:lstStyle>
+            <a:lvl1pPr>
+              <a:defRPr sz="4200"/>
+            </a:lvl1pPr>
+          </a:lstStyle>
+          <a:p>
+            <a:r>
+              <a:rPr lang="en-US" smtClean="0"/>
+              <a:t>Click to edit Master title style</a:t>
+            </a:r>
+            <a:endParaRPr lang="en-US" dirty="0"/>
+          </a:p>
+        </p:txBody>
+      </p:sp>
+      <p:sp>
+        <p:nvSpPr>
+          <p:cNvPr id="3" name="Text Placeholder 2"/>
+          <p:cNvSpPr>
+            <a:spLocks noGrp="1"/>
+          </p:cNvSpPr>
+          <p:nvPr>
+            <p:ph type="body" idx="1"/>
+          </p:nvPr>
+        </p:nvSpPr>
+        <p:spPr>
+          <a:xfrm>
+            <a:off x="474834" y="1981200"/>
+            <a:ext cx="2210725" cy="576262"/>
+          </a:xfrm>
+        </p:spPr>
+        <p:txBody>
+          <a:bodyPr anchor="b">
+            <a:noAutofit/>
+          </a:bodyPr>
+          <a:lstStyle>
+            <a:lvl1pPr marL="0" indent="0">
+              <a:buNone/>
+              <a:defRPr sz="2400" b="0">
+                <a:solidFill>
+                  <a:schemeClr val="accent1"/>
+                </a:solidFill>
+              </a:defRPr>
+            </a:lvl1pPr>
+            <a:lvl2pPr marL="457200" indent="0">
+              <a:buNone/>
+              <a:defRPr sz="2000" b="1"/>
+            </a:lvl2pPr>
+            <a:lvl3pPr marL="914400" indent="0">
+              <a:buNone/>
+              <a:defRPr sz="1800" b="1"/>
+            </a:lvl3pPr>
+            <a:lvl4pPr marL="1371600" indent="0">
+              <a:buNone/>
+              <a:defRPr sz="1600" b="1"/>
+            </a:lvl4pPr>
+            <a:lvl5pPr marL="1828800" indent="0">
+              <a:buNone/>
+              <a:defRPr sz="1600" b="1"/>
+            </a:lvl5pPr>
+            <a:lvl6pPr marL="2286000" indent="0">
+              <a:buNone/>
+              <a:defRPr sz="1600" b="1"/>
+            </a:lvl6pPr>
+            <a:lvl7pPr marL="2743200" indent="0">
+              <a:buNone/>
+              <a:defRPr sz="1600" b="1"/>
+            </a:lvl7pPr>
+            <a:lvl8pPr marL="3200400" indent="0">
+              <a:buNone/>
+              <a:defRPr sz="1600" b="1"/>
+            </a:lvl8pPr>
+            <a:lvl9pPr marL="3657600" indent="0">
+              <a:buNone/>
+              <a:defRPr sz="1600" b="1"/>
+            </a:lvl9pPr>
+          </a:lstStyle>
+          <a:p>
+            <a:pPr lvl="0"/>
+            <a:r>
+              <a:rPr lang="en-US" smtClean="0"/>
+              <a:t>Edit Master text styles</a:t>
+            </a:r>
+          </a:p>
+        </p:txBody>
+      </p:sp>
+      <p:sp>
+        <p:nvSpPr>
+          <p:cNvPr id="16" name="Text Placeholder 3"/>
+          <p:cNvSpPr>
+            <a:spLocks noGrp="1"/>
+          </p:cNvSpPr>
+          <p:nvPr>
+            <p:ph type="body" sz="half" idx="15"/>
+          </p:nvPr>
+        </p:nvSpPr>
+        <p:spPr>
+          <a:xfrm>
+            <a:off x="489475" y="2667000"/>
+            <a:ext cx="2196084" cy="3589338"/>
+          </a:xfrm>
+        </p:spPr>
+        <p:txBody>
+          <a:bodyPr anchor="t">
+            <a:normAutofit/>
+          </a:bodyPr>
+          <a:lstStyle>
+            <a:lvl1pPr marL="0" indent="0">
+              <a:buNone/>
+              <a:defRPr sz="1400"/>
+            </a:lvl1pPr>
+            <a:lvl2pPr marL="457200" indent="0">
+              <a:buNone/>
+              <a:defRPr sz="1200"/>
+            </a:lvl2pPr>
+            <a:lvl3pPr marL="914400" indent="0">
+              <a:buNone/>
+              <a:defRPr sz="1000"/>
+            </a:lvl3pPr>
+            <a:lvl4pPr marL="1371600" indent="0">
+              <a:buNone/>
+              <a:defRPr sz="900"/>
+            </a:lvl4pPr>
+            <a:lvl5pPr marL="1828800" indent="0">
+              <a:buNone/>
+              <a:defRPr sz="900"/>
+            </a:lvl5pPr>
+            <a:lvl6pPr marL="2286000" indent="0">
+              <a:buNone/>
+              <a:defRPr sz="900"/>
+            </a:lvl6pPr>
+            <a:lvl7pPr marL="2743200" indent="0">
+              <a:buNone/>
+              <a:defRPr sz="900"/>
+            </a:lvl7pPr>
+            <a:lvl8pPr marL="3200400" indent="0">
+              <a:buNone/>
+              <a:defRPr sz="900"/>
+            </a:lvl8pPr>
+            <a:lvl9pPr marL="3657600" indent="0">
+              <a:buNone/>
+              <a:defRPr sz="900"/>
+            </a:lvl9pPr>
+          </a:lstStyle>
+          <a:p>
+            <a:pPr lvl="0"/>
+            <a:r>
+              <a:rPr lang="en-US" smtClean="0"/>
+              <a:t>Edit Master text styles</a:t>
+            </a:r>
+          </a:p>
+        </p:txBody>
+      </p:sp>
+      <p:sp>
+        <p:nvSpPr>
+          <p:cNvPr id="5" name="Text Placeholder 4"/>
+          <p:cNvSpPr>
+            <a:spLocks noGrp="1"/>
+          </p:cNvSpPr>
+          <p:nvPr>
+            <p:ph type="body" sz="quarter" idx="3"/>
+          </p:nvPr>
+        </p:nvSpPr>
+        <p:spPr>
+          <a:xfrm>
+            <a:off x="2913504" y="1981200"/>
+            <a:ext cx="2202754" cy="576262"/>
+          </a:xfrm>
+        </p:spPr>
+        <p:txBody>
+          <a:bodyPr anchor="b">
+            <a:noAutofit/>
+          </a:bodyPr>
+          <a:lstStyle>
+            <a:lvl1pPr marL="0" indent="0">
+              <a:buNone/>
+              <a:defRPr sz="2400" b="0">
+                <a:solidFill>
+                  <a:schemeClr val="accent1"/>
+                </a:solidFill>
+              </a:defRPr>
+            </a:lvl1pPr>
+            <a:lvl2pPr marL="457200" indent="0">
+              <a:buNone/>
+              <a:defRPr sz="2000" b="1"/>
+            </a:lvl2pPr>
+            <a:lvl3pPr marL="914400" indent="0">
+              <a:buNone/>
+              <a:defRPr sz="1800" b="1"/>
+            </a:lvl3pPr>
+            <a:lvl4pPr marL="1371600" indent="0">
+              <a:buNone/>
+              <a:defRPr sz="1600" b="1"/>
+            </a:lvl4pPr>
+            <a:lvl5pPr marL="1828800" indent="0">
+              <a:buNone/>
+              <a:defRPr sz="1600" b="1"/>
+            </a:lvl5pPr>
+            <a:lvl6pPr marL="2286000" indent="0">
+              <a:buNone/>
+              <a:defRPr sz="1600" b="1"/>
+            </a:lvl6pPr>
+            <a:lvl7pPr marL="2743200" indent="0">
+              <a:buNone/>
+              <a:defRPr sz="1600" b="1"/>
+            </a:lvl7pPr>
+            <a:lvl8pPr marL="3200400" indent="0">
+              <a:buNone/>
+              <a:defRPr sz="1600" b="1"/>
+            </a:lvl8pPr>
+            <a:lvl9pPr marL="3657600" indent="0">
+              <a:buNone/>
+              <a:defRPr sz="1600" b="1"/>
+            </a:lvl9pPr>
+          </a:lstStyle>
+          <a:p>
+            <a:pPr lvl="0"/>
+            <a:r>
+              <a:rPr lang="en-US" smtClean="0"/>
+              <a:t>Edit Master text styles</a:t>
+            </a:r>
+          </a:p>
+        </p:txBody>
+      </p:sp>
+      <p:sp>
+        <p:nvSpPr>
+          <p:cNvPr id="19" name="Text Placeholder 3"/>
+          <p:cNvSpPr>
+            <a:spLocks noGrp="1"/>
+          </p:cNvSpPr>
+          <p:nvPr>
+            <p:ph type="body" sz="half" idx="16"/>
+          </p:nvPr>
+        </p:nvSpPr>
+        <p:spPr>
+          <a:xfrm>
+            <a:off x="2905586" y="2667000"/>
+            <a:ext cx="2210671" cy="3589338"/>
+          </a:xfrm>
+        </p:spPr>
+        <p:txBody>
+          <a:bodyPr anchor="t">
+            <a:normAutofit/>
+          </a:bodyPr>
+          <a:lstStyle>
+            <a:lvl1pPr marL="0" indent="0">
+              <a:buNone/>
+              <a:defRPr sz="1400"/>
+            </a:lvl1pPr>
+            <a:lvl2pPr marL="457200" indent="0">
+              <a:buNone/>
+              <a:defRPr sz="1200"/>
+            </a:lvl2pPr>
+            <a:lvl3pPr marL="914400" indent="0">
+              <a:buNone/>
+              <a:defRPr sz="1000"/>
+            </a:lvl3pPr>
+            <a:lvl4pPr marL="1371600" indent="0">
+              <a:buNone/>
+              <a:defRPr sz="900"/>
+            </a:lvl4pPr>
+            <a:lvl5pPr marL="1828800" indent="0">
+              <a:buNone/>
+              <a:defRPr sz="900"/>
+            </a:lvl5pPr>
+            <a:lvl6pPr marL="2286000" indent="0">
+              <a:buNone/>
+              <a:defRPr sz="900"/>
+            </a:lvl6pPr>
+            <a:lvl7pPr marL="2743200" indent="0">
+              <a:buNone/>
+              <a:defRPr sz="900"/>
+            </a:lvl7pPr>
+            <a:lvl8pPr marL="3200400" indent="0">
+              <a:buNone/>
+              <a:defRPr sz="900"/>
+            </a:lvl8pPr>
+            <a:lvl9pPr marL="3657600" indent="0">
+              <a:buNone/>
+              <a:defRPr sz="900"/>
+            </a:lvl9pPr>
+          </a:lstStyle>
+          <a:p>
+            <a:pPr lvl="0"/>
+            <a:r>
+              <a:rPr lang="en-US" smtClean="0"/>
+              <a:t>Edit Master text styles</a:t>
+            </a:r>
+          </a:p>
+        </p:txBody>
+      </p:sp>
+      <p:sp>
+        <p:nvSpPr>
+          <p:cNvPr id="14" name="Text Placeholder 4"/>
+          <p:cNvSpPr>
+            <a:spLocks noGrp="1"/>
+          </p:cNvSpPr>
+          <p:nvPr>
+            <p:ph type="body" sz="quarter" idx="13"/>
+          </p:nvPr>
+        </p:nvSpPr>
+        <p:spPr>
+          <a:xfrm>
+            <a:off x="5344917" y="1981200"/>
+            <a:ext cx="2199658" cy="576262"/>
+          </a:xfrm>
+        </p:spPr>
+        <p:txBody>
+          <a:bodyPr anchor="b">
+            <a:noAutofit/>
+          </a:bodyPr>
+          <a:lstStyle>
+            <a:lvl1pPr marL="0" indent="0">
+              <a:buNone/>
+              <a:defRPr sz="2400" b="0">
+                <a:solidFill>
+                  <a:schemeClr val="accent1"/>
+                </a:solidFill>
+              </a:defRPr>
+            </a:lvl1pPr>
+            <a:lvl2pPr marL="457200" indent="0">
+              <a:buNone/>
+              <a:defRPr sz="2000" b="1"/>
+            </a:lvl2pPr>
+            <a:lvl3pPr marL="914400" indent="0">
+              <a:buNone/>
+              <a:defRPr sz="1800" b="1"/>
+            </a:lvl3pPr>
+            <a:lvl4pPr marL="1371600" indent="0">
+              <a:buNone/>
+              <a:defRPr sz="1600" b="1"/>
+            </a:lvl4pPr>
+            <a:lvl5pPr marL="1828800" indent="0">
+              <a:buNone/>
+              <a:defRPr sz="1600" b="1"/>
+            </a:lvl5pPr>
+            <a:lvl6pPr marL="2286000" indent="0">
+              <a:buNone/>
+              <a:defRPr sz="1600" b="1"/>
+            </a:lvl6pPr>
+            <a:lvl7pPr marL="2743200" indent="0">
+              <a:buNone/>
+              <a:defRPr sz="1600" b="1"/>
+            </a:lvl7pPr>
+            <a:lvl8pPr marL="3200400" indent="0">
+              <a:buNone/>
+              <a:defRPr sz="1600" b="1"/>
+            </a:lvl8pPr>
+            <a:lvl9pPr marL="3657600" indent="0">
+              <a:buNone/>
+              <a:defRPr sz="1600" b="1"/>
+            </a:lvl9pPr>
+          </a:lstStyle>
+          <a:p>
+            <a:pPr lvl="0"/>
+            <a:r>
+              <a:rPr lang="en-US" smtClean="0"/>
+              <a:t>Edit Master text styles</a:t>
+            </a:r>
+          </a:p>
+        </p:txBody>
+      </p:sp>
+      <p:sp>
+        <p:nvSpPr>
+          <p:cNvPr id="20" name="Text Placeholder 3"/>
+          <p:cNvSpPr>
+            <a:spLocks noGrp="1"/>
+          </p:cNvSpPr>
+          <p:nvPr>
+            <p:ph type="body" sz="half" idx="17"/>
+          </p:nvPr>
+        </p:nvSpPr>
+        <p:spPr>
+          <a:xfrm>
+            <a:off x="5344917" y="2667000"/>
+            <a:ext cx="2199658" cy="3589338"/>
+          </a:xfrm>
+        </p:spPr>
+        <p:txBody>
+          <a:bodyPr anchor="t">
+            <a:normAutofit/>
+          </a:bodyPr>
+          <a:lstStyle>
+            <a:lvl1pPr marL="0" indent="0">
+              <a:buNone/>
+              <a:defRPr sz="1400"/>
+            </a:lvl1pPr>
+            <a:lvl2pPr marL="457200" indent="0">
+              <a:buNone/>
+              <a:defRPr sz="1200"/>
+            </a:lvl2pPr>
+            <a:lvl3pPr marL="914400" indent="0">
+              <a:buNone/>
+              <a:defRPr sz="1000"/>
+            </a:lvl3pPr>
+            <a:lvl4pPr marL="1371600" indent="0">
+              <a:buNone/>
+              <a:defRPr sz="900"/>
+            </a:lvl4pPr>
+            <a:lvl5pPr marL="1828800" indent="0">
+              <a:buNone/>
+              <a:defRPr sz="900"/>
+            </a:lvl5pPr>
+            <a:lvl6pPr marL="2286000" indent="0">
+              <a:buNone/>
+              <a:defRPr sz="900"/>
+            </a:lvl6pPr>
+            <a:lvl7pPr marL="2743200" indent="0">
+              <a:buNone/>
+              <a:defRPr sz="900"/>
+            </a:lvl7pPr>
+            <a:lvl8pPr marL="3200400" indent="0">
+              <a:buNone/>
+              <a:defRPr sz="900"/>
+            </a:lvl8pPr>
+            <a:lvl9pPr marL="3657600" indent="0">
+              <a:buNone/>
+              <a:defRPr sz="900"/>
+            </a:lvl9pPr>
+          </a:lstStyle>
+          <a:p>
+            <a:pPr lvl="0"/>
+            <a:r>
+              <a:rPr lang="en-US" smtClean="0"/>
+              <a:t>Edit Master text styles</a:t>
+            </a:r>
+          </a:p>
+        </p:txBody>
+      </p:sp>
+      <p:cxnSp>
+        <p:nvCxnSpPr>
+          <p:cNvPr id="17" name="Straight Connector 16"/>
+          <p:cNvCxnSpPr/>
+          <p:nvPr/>
+        </p:nvCxnSpPr>
+        <p:spPr>
+          <a:xfrm>
+            <a:off x="2795334" y="2133600"/>
+            <a:ext cx="0" cy="3962400"/>
+          </a:xfrm>
+          <a:prstGeom prst="line">
+            <a:avLst/>
+          </a:prstGeom>
+          <a:ln w="12700" cmpd="sng">
+            <a:solidFill>
+              <a:schemeClr val="accent1">
+                <a:alpha val="40000"/>
+              </a:schemeClr>
+            </a:solidFill>
+          </a:ln>
+        </p:spPr>
+        <p:style>
+          <a:lnRef idx="2">
+            <a:schemeClr val="accent1"/>
+          </a:lnRef>
+          <a:fillRef idx="0">
+            <a:schemeClr val="accent1"/>
+          </a:fillRef>
+          <a:effectRef idx="1">
+            <a:schemeClr val="accent1"/>
+          </a:effectRef>
+          <a:fontRef idx="minor">
+            <a:schemeClr val="tx1"/>
+          </a:fontRef>
+        </p:style>
+      </p:cxnSp>
+      <p:cxnSp>
+        <p:nvCxnSpPr>
+          <p:cNvPr id="18" name="Straight Connector 17"/>
+          <p:cNvCxnSpPr/>
+          <p:nvPr/>
+        </p:nvCxnSpPr>
+        <p:spPr>
+          <a:xfrm>
+            <a:off x="5223030" y="2133600"/>
+            <a:ext cx="0" cy="3966882"/>
+          </a:xfrm>
+          <a:prstGeom prst="line">
+            <a:avLst/>
+          </a:prstGeom>
+          <a:ln w="12700" cmpd="sng">
+            <a:solidFill>
+              <a:schemeClr val="accent1">
+                <a:alpha val="40000"/>
+              </a:schemeClr>
+            </a:solidFill>
+          </a:ln>
+        </p:spPr>
+        <p:style>
+          <a:lnRef idx="2">
+            <a:schemeClr val="accent1"/>
+          </a:lnRef>
+          <a:fillRef idx="0">
+            <a:schemeClr val="accent1"/>
+          </a:fillRef>
+          <a:effectRef idx="1">
+            <a:schemeClr val="accent1"/>
+          </a:effectRef>
+          <a:fontRef idx="minor">
+            <a:schemeClr val="tx1"/>
+          </a:fontRef>
+        </p:style>
+      </p:cxnSp>
+      <p:sp>
+        <p:nvSpPr>
+          <p:cNvPr id="7" name="Date Placeholder 3"/>
+          <p:cNvSpPr>
+            <a:spLocks noGrp="1"/>
+          </p:cNvSpPr>
+          <p:nvPr>
+            <p:ph type="dt" sz="half" idx="10"/>
+          </p:nvPr>
+        </p:nvSpPr>
+        <p:spPr/>
+        <p:txBody>
+          <a:bodyPr/>
+          <a:lstStyle/>
+          <a:p>
+            <a:fld id="{35FCE708-3684-473C-A788-4D90E1C784B6}" type="datetimeFigureOut">
+              <a:rPr lang="en-US" smtClean="0"/>
+              <a:t>11/15/2016</a:t>
+            </a:fld>
+            <a:endParaRPr lang="en-US"/>
+          </a:p>
+        </p:txBody>
+      </p:sp>
+      <p:sp>
+        <p:nvSpPr>
+          <p:cNvPr id="4" name="Footer Placeholder 4"/>
+          <p:cNvSpPr>
+            <a:spLocks noGrp="1"/>
+          </p:cNvSpPr>
+          <p:nvPr>
+            <p:ph type="ftr" sz="quarter" idx="11"/>
+          </p:nvPr>
+        </p:nvSpPr>
+        <p:spPr/>
+        <p:txBody>
+          <a:bodyPr/>
+          <a:lstStyle/>
+          <a:p>
+            <a:endParaRPr lang="en-US"/>
+          </a:p>
+        </p:txBody>
+      </p:sp>
+      <p:sp>
+        <p:nvSpPr>
+          <p:cNvPr id="6" name="Slide Number Placeholder 5"/>
+          <p:cNvSpPr>
+            <a:spLocks noGrp="1"/>
+          </p:cNvSpPr>
+          <p:nvPr>
+            <p:ph type="sldNum" sz="quarter" idx="12"/>
+          </p:nvPr>
+        </p:nvSpPr>
+        <p:spPr/>
+        <p:txBody>
+          <a:bodyPr/>
+          <a:lstStyle/>
+          <a:p>
+            <a:fld id="{8DC966BA-83AE-4962-82F4-C3E6C28D279E}" type="slidenum">
+              <a:rPr lang="en-US" smtClean="0"/>
+              <a:t>‹#›</a:t>
+            </a:fld>
+            <a:endParaRPr lang="en-US"/>
+          </a:p>
+        </p:txBody>
+      </p:sp>
+    </p:spTree>
+    <p:extLst>
+      <p:ext uri="{BB962C8B-B14F-4D97-AF65-F5344CB8AC3E}">
+        <p14:creationId xmlns:p14="http://schemas.microsoft.com/office/powerpoint/2010/main" val="541869778"/>
+      </p:ext>
+    </p:extLst>
+  </p:cSld>
+  <p:clrMapOvr>
+    <a:masterClrMapping/>
+  </p:clrMapOvr>
+</p:sldLayout>
+</file>
+
+<file path=ppt/slideLayouts/slideLayout15.xml><?xml version="1.0" encoding="utf-8"?>
+<p:sldLayout xmlns:a="http://schemas.openxmlformats.org/drawingml/2006/main" xmlns:r="http://schemas.openxmlformats.org/officeDocument/2006/relationships" xmlns:p="http://schemas.openxmlformats.org/presentationml/2006/main" preserve="1">
+  <p:cSld name="3 Picture Column">
+    <p:spTree>
+      <p:nvGrpSpPr>
+        <p:cNvPr id="1" name=""/>
+        <p:cNvGrpSpPr/>
+        <p:nvPr/>
+      </p:nvGrpSpPr>
+      <p:grpSpPr>
+        <a:xfrm>
+          <a:off x="0" y="0"/>
+          <a:ext cx="0" cy="0"/>
+          <a:chOff x="0" y="0"/>
+          <a:chExt cx="0" cy="0"/>
+        </a:xfrm>
+      </p:grpSpPr>
+      <p:sp>
+        <p:nvSpPr>
+          <p:cNvPr id="2" name="Title 1"/>
+          <p:cNvSpPr>
+            <a:spLocks noGrp="1"/>
+          </p:cNvSpPr>
+          <p:nvPr>
+            <p:ph type="title"/>
+          </p:nvPr>
+        </p:nvSpPr>
+        <p:spPr/>
+        <p:txBody>
+          <a:bodyPr/>
+          <a:lstStyle>
+            <a:lvl1pPr>
+              <a:defRPr sz="4200"/>
+            </a:lvl1pPr>
+          </a:lstStyle>
+          <a:p>
+            <a:r>
+              <a:rPr lang="en-US" smtClean="0"/>
+              <a:t>Click to edit Master title style</a:t>
+            </a:r>
+            <a:endParaRPr lang="en-US" dirty="0"/>
+          </a:p>
+        </p:txBody>
+      </p:sp>
+      <p:sp>
+        <p:nvSpPr>
+          <p:cNvPr id="3" name="Text Placeholder 2"/>
+          <p:cNvSpPr>
+            <a:spLocks noGrp="1"/>
+          </p:cNvSpPr>
+          <p:nvPr>
+            <p:ph type="body" idx="1"/>
+          </p:nvPr>
+        </p:nvSpPr>
+        <p:spPr>
+          <a:xfrm>
+            <a:off x="489475" y="4250949"/>
+            <a:ext cx="2205612" cy="576262"/>
+          </a:xfrm>
+        </p:spPr>
+        <p:txBody>
+          <a:bodyPr anchor="b">
+            <a:noAutofit/>
+          </a:bodyPr>
+          <a:lstStyle>
+            <a:lvl1pPr marL="0" indent="0">
+              <a:buNone/>
+              <a:defRPr sz="2400" b="0">
+                <a:solidFill>
+                  <a:schemeClr val="accent1"/>
+                </a:solidFill>
+              </a:defRPr>
+            </a:lvl1pPr>
+            <a:lvl2pPr marL="457200" indent="0">
+              <a:buNone/>
+              <a:defRPr sz="2000" b="1"/>
+            </a:lvl2pPr>
+            <a:lvl3pPr marL="914400" indent="0">
+              <a:buNone/>
+              <a:defRPr sz="1800" b="1"/>
+            </a:lvl3pPr>
+            <a:lvl4pPr marL="1371600" indent="0">
+              <a:buNone/>
+              <a:defRPr sz="1600" b="1"/>
+            </a:lvl4pPr>
+            <a:lvl5pPr marL="1828800" indent="0">
+              <a:buNone/>
+              <a:defRPr sz="1600" b="1"/>
+            </a:lvl5pPr>
+            <a:lvl6pPr marL="2286000" indent="0">
+              <a:buNone/>
+              <a:defRPr sz="1600" b="1"/>
+            </a:lvl6pPr>
+            <a:lvl7pPr marL="2743200" indent="0">
+              <a:buNone/>
+              <a:defRPr sz="1600" b="1"/>
+            </a:lvl7pPr>
+            <a:lvl8pPr marL="3200400" indent="0">
+              <a:buNone/>
+              <a:defRPr sz="1600" b="1"/>
+            </a:lvl8pPr>
+            <a:lvl9pPr marL="3657600" indent="0">
+              <a:buNone/>
+              <a:defRPr sz="1600" b="1"/>
+            </a:lvl9pPr>
+          </a:lstStyle>
+          <a:p>
+            <a:pPr lvl="0"/>
+            <a:r>
+              <a:rPr lang="en-US" smtClean="0"/>
+              <a:t>Edit Master text styles</a:t>
+            </a:r>
+          </a:p>
+        </p:txBody>
+      </p:sp>
+      <p:sp>
+        <p:nvSpPr>
+          <p:cNvPr id="29" name="Picture Placeholder 2"/>
+          <p:cNvSpPr>
+            <a:spLocks noGrp="1" noChangeAspect="1"/>
+          </p:cNvSpPr>
+          <p:nvPr>
+            <p:ph type="pic" idx="15"/>
+          </p:nvPr>
+        </p:nvSpPr>
+        <p:spPr>
+          <a:xfrm>
+            <a:off x="489475" y="2209800"/>
+            <a:ext cx="2205612" cy="1524000"/>
+          </a:xfrm>
+          <a:prstGeom prst="roundRect">
+            <a:avLst>
+              <a:gd name="adj" fmla="val 1858"/>
+            </a:avLst>
+          </a:prstGeom>
+          <a:effectLst>
+            <a:outerShdw blurRad="50800" dist="50800" dir="5400000" algn="tl" rotWithShape="0">
+              <a:srgbClr val="000000">
+                <a:alpha val="43000"/>
+              </a:srgbClr>
+            </a:outerShdw>
+          </a:effectLst>
+        </p:spPr>
+        <p:txBody>
+          <a:bodyPr anchor="t">
+            <a:normAutofit/>
+          </a:bodyPr>
+          <a:lstStyle>
+            <a:lvl1pPr marL="0" indent="0" algn="ctr">
+              <a:buNone/>
+              <a:defRPr sz="1600"/>
+            </a:lvl1pPr>
+            <a:lvl2pPr marL="457200" indent="0">
+              <a:buNone/>
+              <a:defRPr sz="1600"/>
+            </a:lvl2pPr>
+            <a:lvl3pPr marL="914400" indent="0">
+              <a:buNone/>
+              <a:defRPr sz="1600"/>
+            </a:lvl3pPr>
+            <a:lvl4pPr marL="1371600" indent="0">
+              <a:buNone/>
+              <a:defRPr sz="1600"/>
+            </a:lvl4pPr>
+            <a:lvl5pPr marL="1828800" indent="0">
+              <a:buNone/>
+              <a:defRPr sz="1600"/>
+            </a:lvl5pPr>
+            <a:lvl6pPr marL="2286000" indent="0">
+              <a:buNone/>
+              <a:defRPr sz="1600"/>
+            </a:lvl6pPr>
+            <a:lvl7pPr marL="2743200" indent="0">
+              <a:buNone/>
+              <a:defRPr sz="1600"/>
+            </a:lvl7pPr>
+            <a:lvl8pPr marL="3200400" indent="0">
+              <a:buNone/>
+              <a:defRPr sz="1600"/>
+            </a:lvl8pPr>
+            <a:lvl9pPr marL="3657600" indent="0">
+              <a:buNone/>
+              <a:defRPr sz="1600"/>
+            </a:lvl9pPr>
+          </a:lstStyle>
+          <a:p>
+            <a:r>
+              <a:rPr lang="en-US" smtClean="0"/>
+              <a:t>Click icon to add picture</a:t>
+            </a:r>
+            <a:endParaRPr lang="en-US" dirty="0"/>
+          </a:p>
+        </p:txBody>
+      </p:sp>
+      <p:sp>
+        <p:nvSpPr>
+          <p:cNvPr id="22" name="Text Placeholder 3"/>
+          <p:cNvSpPr>
+            <a:spLocks noGrp="1"/>
+          </p:cNvSpPr>
+          <p:nvPr>
+            <p:ph type="body" sz="half" idx="18"/>
+          </p:nvPr>
+        </p:nvSpPr>
+        <p:spPr>
+          <a:xfrm>
+            <a:off x="489475" y="4827212"/>
+            <a:ext cx="2205612" cy="659189"/>
+          </a:xfrm>
+        </p:spPr>
+        <p:txBody>
+          <a:bodyPr anchor="t">
+            <a:normAutofit/>
+          </a:bodyPr>
+          <a:lstStyle>
+            <a:lvl1pPr marL="0" indent="0">
+              <a:buNone/>
+              <a:defRPr sz="1400"/>
+            </a:lvl1pPr>
+            <a:lvl2pPr marL="457200" indent="0">
+              <a:buNone/>
+              <a:defRPr sz="1200"/>
+            </a:lvl2pPr>
+            <a:lvl3pPr marL="914400" indent="0">
+              <a:buNone/>
+              <a:defRPr sz="1000"/>
+            </a:lvl3pPr>
+            <a:lvl4pPr marL="1371600" indent="0">
+              <a:buNone/>
+              <a:defRPr sz="900"/>
+            </a:lvl4pPr>
+            <a:lvl5pPr marL="1828800" indent="0">
+              <a:buNone/>
+              <a:defRPr sz="900"/>
+            </a:lvl5pPr>
+            <a:lvl6pPr marL="2286000" indent="0">
+              <a:buNone/>
+              <a:defRPr sz="900"/>
+            </a:lvl6pPr>
+            <a:lvl7pPr marL="2743200" indent="0">
+              <a:buNone/>
+              <a:defRPr sz="900"/>
+            </a:lvl7pPr>
+            <a:lvl8pPr marL="3200400" indent="0">
+              <a:buNone/>
+              <a:defRPr sz="900"/>
+            </a:lvl8pPr>
+            <a:lvl9pPr marL="3657600" indent="0">
+              <a:buNone/>
+              <a:defRPr sz="900"/>
+            </a:lvl9pPr>
+          </a:lstStyle>
+          <a:p>
+            <a:pPr lvl="0"/>
+            <a:r>
+              <a:rPr lang="en-US" smtClean="0"/>
+              <a:t>Edit Master text styles</a:t>
+            </a:r>
+          </a:p>
+        </p:txBody>
+      </p:sp>
+      <p:sp>
+        <p:nvSpPr>
+          <p:cNvPr id="5" name="Text Placeholder 4"/>
+          <p:cNvSpPr>
+            <a:spLocks noGrp="1"/>
+          </p:cNvSpPr>
+          <p:nvPr>
+            <p:ph type="body" sz="quarter" idx="3"/>
+          </p:nvPr>
+        </p:nvSpPr>
+        <p:spPr>
+          <a:xfrm>
+            <a:off x="2917792" y="4250949"/>
+            <a:ext cx="2198466" cy="576262"/>
+          </a:xfrm>
+        </p:spPr>
+        <p:txBody>
+          <a:bodyPr anchor="b">
+            <a:noAutofit/>
+          </a:bodyPr>
+          <a:lstStyle>
+            <a:lvl1pPr marL="0" indent="0">
+              <a:buNone/>
+              <a:defRPr sz="2400" b="0">
+                <a:solidFill>
+                  <a:schemeClr val="accent1"/>
+                </a:solidFill>
+              </a:defRPr>
+            </a:lvl1pPr>
+            <a:lvl2pPr marL="457200" indent="0">
+              <a:buNone/>
+              <a:defRPr sz="2000" b="1"/>
+            </a:lvl2pPr>
+            <a:lvl3pPr marL="914400" indent="0">
+              <a:buNone/>
+              <a:defRPr sz="1800" b="1"/>
+            </a:lvl3pPr>
+            <a:lvl4pPr marL="1371600" indent="0">
+              <a:buNone/>
+              <a:defRPr sz="1600" b="1"/>
+            </a:lvl4pPr>
+            <a:lvl5pPr marL="1828800" indent="0">
+              <a:buNone/>
+              <a:defRPr sz="1600" b="1"/>
+            </a:lvl5pPr>
+            <a:lvl6pPr marL="2286000" indent="0">
+              <a:buNone/>
+              <a:defRPr sz="1600" b="1"/>
+            </a:lvl6pPr>
+            <a:lvl7pPr marL="2743200" indent="0">
+              <a:buNone/>
+              <a:defRPr sz="1600" b="1"/>
+            </a:lvl7pPr>
+            <a:lvl8pPr marL="3200400" indent="0">
+              <a:buNone/>
+              <a:defRPr sz="1600" b="1"/>
+            </a:lvl8pPr>
+            <a:lvl9pPr marL="3657600" indent="0">
+              <a:buNone/>
+              <a:defRPr sz="1600" b="1"/>
+            </a:lvl9pPr>
+          </a:lstStyle>
+          <a:p>
+            <a:pPr lvl="0"/>
+            <a:r>
+              <a:rPr lang="en-US" smtClean="0"/>
+              <a:t>Edit Master text styles</a:t>
+            </a:r>
+          </a:p>
+        </p:txBody>
+      </p:sp>
+      <p:sp>
+        <p:nvSpPr>
+          <p:cNvPr id="30" name="Picture Placeholder 2"/>
+          <p:cNvSpPr>
+            <a:spLocks noGrp="1" noChangeAspect="1"/>
+          </p:cNvSpPr>
+          <p:nvPr>
+            <p:ph type="pic" idx="21"/>
+          </p:nvPr>
+        </p:nvSpPr>
+        <p:spPr>
+          <a:xfrm>
+            <a:off x="2917791" y="2209800"/>
+            <a:ext cx="2198466" cy="1524000"/>
+          </a:xfrm>
+          <a:prstGeom prst="roundRect">
+            <a:avLst>
+              <a:gd name="adj" fmla="val 1858"/>
+            </a:avLst>
+          </a:prstGeom>
+          <a:effectLst>
+            <a:outerShdw blurRad="50800" dist="50800" dir="5400000" algn="tl" rotWithShape="0">
+              <a:srgbClr val="000000">
+                <a:alpha val="43000"/>
+              </a:srgbClr>
+            </a:outerShdw>
+          </a:effectLst>
+        </p:spPr>
+        <p:txBody>
+          <a:bodyPr anchor="t">
+            <a:normAutofit/>
+          </a:bodyPr>
+          <a:lstStyle>
+            <a:lvl1pPr marL="0" indent="0" algn="ctr">
+              <a:buNone/>
+              <a:defRPr sz="1600"/>
+            </a:lvl1pPr>
+            <a:lvl2pPr marL="457200" indent="0">
+              <a:buNone/>
+              <a:defRPr sz="1600"/>
+            </a:lvl2pPr>
+            <a:lvl3pPr marL="914400" indent="0">
+              <a:buNone/>
+              <a:defRPr sz="1600"/>
+            </a:lvl3pPr>
+            <a:lvl4pPr marL="1371600" indent="0">
+              <a:buNone/>
+              <a:defRPr sz="1600"/>
+            </a:lvl4pPr>
+            <a:lvl5pPr marL="1828800" indent="0">
+              <a:buNone/>
+              <a:defRPr sz="1600"/>
+            </a:lvl5pPr>
+            <a:lvl6pPr marL="2286000" indent="0">
+              <a:buNone/>
+              <a:defRPr sz="1600"/>
+            </a:lvl6pPr>
+            <a:lvl7pPr marL="2743200" indent="0">
+              <a:buNone/>
+              <a:defRPr sz="1600"/>
+            </a:lvl7pPr>
+            <a:lvl8pPr marL="3200400" indent="0">
+              <a:buNone/>
+              <a:defRPr sz="1600"/>
+            </a:lvl8pPr>
+            <a:lvl9pPr marL="3657600" indent="0">
+              <a:buNone/>
+              <a:defRPr sz="1600"/>
+            </a:lvl9pPr>
+          </a:lstStyle>
+          <a:p>
+            <a:r>
+              <a:rPr lang="en-US" smtClean="0"/>
+              <a:t>Click icon to add picture</a:t>
+            </a:r>
+            <a:endParaRPr lang="en-US" dirty="0"/>
+          </a:p>
+        </p:txBody>
+      </p:sp>
+      <p:sp>
+        <p:nvSpPr>
+          <p:cNvPr id="23" name="Text Placeholder 3"/>
+          <p:cNvSpPr>
+            <a:spLocks noGrp="1"/>
+          </p:cNvSpPr>
+          <p:nvPr>
+            <p:ph type="body" sz="half" idx="19"/>
+          </p:nvPr>
+        </p:nvSpPr>
+        <p:spPr>
+          <a:xfrm>
+            <a:off x="2916776" y="4827211"/>
+            <a:ext cx="2201378" cy="659189"/>
+          </a:xfrm>
+        </p:spPr>
+        <p:txBody>
+          <a:bodyPr anchor="t">
+            <a:normAutofit/>
+          </a:bodyPr>
+          <a:lstStyle>
+            <a:lvl1pPr marL="0" indent="0">
+              <a:buNone/>
+              <a:defRPr sz="1400"/>
+            </a:lvl1pPr>
+            <a:lvl2pPr marL="457200" indent="0">
+              <a:buNone/>
+              <a:defRPr sz="1200"/>
+            </a:lvl2pPr>
+            <a:lvl3pPr marL="914400" indent="0">
+              <a:buNone/>
+              <a:defRPr sz="1000"/>
+            </a:lvl3pPr>
+            <a:lvl4pPr marL="1371600" indent="0">
+              <a:buNone/>
+              <a:defRPr sz="900"/>
+            </a:lvl4pPr>
+            <a:lvl5pPr marL="1828800" indent="0">
+              <a:buNone/>
+              <a:defRPr sz="900"/>
+            </a:lvl5pPr>
+            <a:lvl6pPr marL="2286000" indent="0">
+              <a:buNone/>
+              <a:defRPr sz="900"/>
+            </a:lvl6pPr>
+            <a:lvl7pPr marL="2743200" indent="0">
+              <a:buNone/>
+              <a:defRPr sz="900"/>
+            </a:lvl7pPr>
+            <a:lvl8pPr marL="3200400" indent="0">
+              <a:buNone/>
+              <a:defRPr sz="900"/>
+            </a:lvl8pPr>
+            <a:lvl9pPr marL="3657600" indent="0">
+              <a:buNone/>
+              <a:defRPr sz="900"/>
+            </a:lvl9pPr>
+          </a:lstStyle>
+          <a:p>
+            <a:pPr lvl="0"/>
+            <a:r>
+              <a:rPr lang="en-US" smtClean="0"/>
+              <a:t>Edit Master text styles</a:t>
+            </a:r>
+          </a:p>
+        </p:txBody>
+      </p:sp>
+      <p:sp>
+        <p:nvSpPr>
+          <p:cNvPr id="14" name="Text Placeholder 4"/>
+          <p:cNvSpPr>
+            <a:spLocks noGrp="1"/>
+          </p:cNvSpPr>
+          <p:nvPr>
+            <p:ph type="body" sz="quarter" idx="13"/>
+          </p:nvPr>
+        </p:nvSpPr>
+        <p:spPr>
+          <a:xfrm>
+            <a:off x="5344917" y="4250949"/>
+            <a:ext cx="2199658" cy="576262"/>
+          </a:xfrm>
+        </p:spPr>
+        <p:txBody>
+          <a:bodyPr anchor="b">
+            <a:noAutofit/>
+          </a:bodyPr>
+          <a:lstStyle>
+            <a:lvl1pPr marL="0" indent="0">
+              <a:buNone/>
+              <a:defRPr sz="2400" b="0">
+                <a:solidFill>
+                  <a:schemeClr val="accent1"/>
+                </a:solidFill>
+              </a:defRPr>
+            </a:lvl1pPr>
+            <a:lvl2pPr marL="457200" indent="0">
+              <a:buNone/>
+              <a:defRPr sz="2000" b="1"/>
+            </a:lvl2pPr>
+            <a:lvl3pPr marL="914400" indent="0">
+              <a:buNone/>
+              <a:defRPr sz="1800" b="1"/>
+            </a:lvl3pPr>
+            <a:lvl4pPr marL="1371600" indent="0">
+              <a:buNone/>
+              <a:defRPr sz="1600" b="1"/>
+            </a:lvl4pPr>
+            <a:lvl5pPr marL="1828800" indent="0">
+              <a:buNone/>
+              <a:defRPr sz="1600" b="1"/>
+            </a:lvl5pPr>
+            <a:lvl6pPr marL="2286000" indent="0">
+              <a:buNone/>
+              <a:defRPr sz="1600" b="1"/>
+            </a:lvl6pPr>
+            <a:lvl7pPr marL="2743200" indent="0">
+              <a:buNone/>
+              <a:defRPr sz="1600" b="1"/>
+            </a:lvl7pPr>
+            <a:lvl8pPr marL="3200400" indent="0">
+              <a:buNone/>
+              <a:defRPr sz="1600" b="1"/>
+            </a:lvl8pPr>
+            <a:lvl9pPr marL="3657600" indent="0">
+              <a:buNone/>
+              <a:defRPr sz="1600" b="1"/>
+            </a:lvl9pPr>
+          </a:lstStyle>
+          <a:p>
+            <a:pPr lvl="0"/>
+            <a:r>
+              <a:rPr lang="en-US" smtClean="0"/>
+              <a:t>Edit Master text styles</a:t>
+            </a:r>
+          </a:p>
+        </p:txBody>
+      </p:sp>
+      <p:sp>
+        <p:nvSpPr>
+          <p:cNvPr id="31" name="Picture Placeholder 2"/>
+          <p:cNvSpPr>
+            <a:spLocks noGrp="1" noChangeAspect="1"/>
+          </p:cNvSpPr>
+          <p:nvPr>
+            <p:ph type="pic" idx="22"/>
+          </p:nvPr>
+        </p:nvSpPr>
+        <p:spPr>
+          <a:xfrm>
+            <a:off x="5344916" y="2209800"/>
+            <a:ext cx="2199658" cy="1524000"/>
+          </a:xfrm>
+          <a:prstGeom prst="roundRect">
+            <a:avLst>
+              <a:gd name="adj" fmla="val 1858"/>
+            </a:avLst>
+          </a:prstGeom>
+          <a:effectLst>
+            <a:outerShdw blurRad="50800" dist="50800" dir="5400000" algn="tl" rotWithShape="0">
+              <a:srgbClr val="000000">
+                <a:alpha val="43000"/>
+              </a:srgbClr>
+            </a:outerShdw>
+          </a:effectLst>
+        </p:spPr>
+        <p:txBody>
+          <a:bodyPr anchor="t">
+            <a:normAutofit/>
+          </a:bodyPr>
+          <a:lstStyle>
+            <a:lvl1pPr marL="0" indent="0" algn="ctr">
+              <a:buNone/>
+              <a:defRPr sz="1600"/>
+            </a:lvl1pPr>
+            <a:lvl2pPr marL="457200" indent="0">
+              <a:buNone/>
+              <a:defRPr sz="1600"/>
+            </a:lvl2pPr>
+            <a:lvl3pPr marL="914400" indent="0">
+              <a:buNone/>
+              <a:defRPr sz="1600"/>
+            </a:lvl3pPr>
+            <a:lvl4pPr marL="1371600" indent="0">
+              <a:buNone/>
+              <a:defRPr sz="1600"/>
+            </a:lvl4pPr>
+            <a:lvl5pPr marL="1828800" indent="0">
+              <a:buNone/>
+              <a:defRPr sz="1600"/>
+            </a:lvl5pPr>
+            <a:lvl6pPr marL="2286000" indent="0">
+              <a:buNone/>
+              <a:defRPr sz="1600"/>
+            </a:lvl6pPr>
+            <a:lvl7pPr marL="2743200" indent="0">
+              <a:buNone/>
+              <a:defRPr sz="1600"/>
+            </a:lvl7pPr>
+            <a:lvl8pPr marL="3200400" indent="0">
+              <a:buNone/>
+              <a:defRPr sz="1600"/>
+            </a:lvl8pPr>
+            <a:lvl9pPr marL="3657600" indent="0">
+              <a:buNone/>
+              <a:defRPr sz="1600"/>
+            </a:lvl9pPr>
+          </a:lstStyle>
+          <a:p>
+            <a:r>
+              <a:rPr lang="en-US" smtClean="0"/>
+              <a:t>Click icon to add picture</a:t>
+            </a:r>
+            <a:endParaRPr lang="en-US" dirty="0"/>
+          </a:p>
+        </p:txBody>
+      </p:sp>
+      <p:sp>
+        <p:nvSpPr>
+          <p:cNvPr id="24" name="Text Placeholder 3"/>
+          <p:cNvSpPr>
+            <a:spLocks noGrp="1"/>
+          </p:cNvSpPr>
+          <p:nvPr>
+            <p:ph type="body" sz="half" idx="20"/>
+          </p:nvPr>
+        </p:nvSpPr>
+        <p:spPr>
+          <a:xfrm>
+            <a:off x="5344824" y="4827209"/>
+            <a:ext cx="2202571" cy="659189"/>
+          </a:xfrm>
+        </p:spPr>
+        <p:txBody>
+          <a:bodyPr anchor="t">
+            <a:normAutofit/>
+          </a:bodyPr>
+          <a:lstStyle>
+            <a:lvl1pPr marL="0" indent="0">
+              <a:buNone/>
+              <a:defRPr sz="1400"/>
+            </a:lvl1pPr>
+            <a:lvl2pPr marL="457200" indent="0">
+              <a:buNone/>
+              <a:defRPr sz="1200"/>
+            </a:lvl2pPr>
+            <a:lvl3pPr marL="914400" indent="0">
+              <a:buNone/>
+              <a:defRPr sz="1000"/>
+            </a:lvl3pPr>
+            <a:lvl4pPr marL="1371600" indent="0">
+              <a:buNone/>
+              <a:defRPr sz="900"/>
+            </a:lvl4pPr>
+            <a:lvl5pPr marL="1828800" indent="0">
+              <a:buNone/>
+              <a:defRPr sz="900"/>
+            </a:lvl5pPr>
+            <a:lvl6pPr marL="2286000" indent="0">
+              <a:buNone/>
+              <a:defRPr sz="900"/>
+            </a:lvl6pPr>
+            <a:lvl7pPr marL="2743200" indent="0">
+              <a:buNone/>
+              <a:defRPr sz="900"/>
+            </a:lvl7pPr>
+            <a:lvl8pPr marL="3200400" indent="0">
+              <a:buNone/>
+              <a:defRPr sz="900"/>
+            </a:lvl8pPr>
+            <a:lvl9pPr marL="3657600" indent="0">
+              <a:buNone/>
+              <a:defRPr sz="900"/>
+            </a:lvl9pPr>
+          </a:lstStyle>
+          <a:p>
+            <a:pPr lvl="0"/>
+            <a:r>
+              <a:rPr lang="en-US" smtClean="0"/>
+              <a:t>Edit Master text styles</a:t>
+            </a:r>
+          </a:p>
+        </p:txBody>
+      </p:sp>
+      <p:cxnSp>
+        <p:nvCxnSpPr>
+          <p:cNvPr id="17" name="Straight Connector 16"/>
+          <p:cNvCxnSpPr/>
+          <p:nvPr/>
+        </p:nvCxnSpPr>
+        <p:spPr>
+          <a:xfrm>
+            <a:off x="2795334" y="2133600"/>
+            <a:ext cx="0" cy="3962400"/>
+          </a:xfrm>
+          <a:prstGeom prst="line">
+            <a:avLst/>
+          </a:prstGeom>
+          <a:ln w="12700" cmpd="sng">
+            <a:solidFill>
+              <a:schemeClr val="accent1">
+                <a:alpha val="40000"/>
+              </a:schemeClr>
+            </a:solidFill>
+          </a:ln>
+        </p:spPr>
+        <p:style>
+          <a:lnRef idx="2">
+            <a:schemeClr val="accent1"/>
+          </a:lnRef>
+          <a:fillRef idx="0">
+            <a:schemeClr val="accent1"/>
+          </a:fillRef>
+          <a:effectRef idx="1">
+            <a:schemeClr val="accent1"/>
+          </a:effectRef>
+          <a:fontRef idx="minor">
+            <a:schemeClr val="tx1"/>
+          </a:fontRef>
+        </p:style>
+      </p:cxnSp>
+      <p:cxnSp>
+        <p:nvCxnSpPr>
+          <p:cNvPr id="18" name="Straight Connector 17"/>
+          <p:cNvCxnSpPr/>
+          <p:nvPr/>
+        </p:nvCxnSpPr>
+        <p:spPr>
+          <a:xfrm>
+            <a:off x="5223030" y="2133600"/>
+            <a:ext cx="0" cy="3966882"/>
+          </a:xfrm>
+          <a:prstGeom prst="line">
+            <a:avLst/>
+          </a:prstGeom>
+          <a:ln w="12700" cmpd="sng">
+            <a:solidFill>
+              <a:schemeClr val="accent1">
+                <a:alpha val="40000"/>
+              </a:schemeClr>
+            </a:solidFill>
+          </a:ln>
+        </p:spPr>
+        <p:style>
+          <a:lnRef idx="2">
+            <a:schemeClr val="accent1"/>
+          </a:lnRef>
+          <a:fillRef idx="0">
+            <a:schemeClr val="accent1"/>
+          </a:fillRef>
+          <a:effectRef idx="1">
+            <a:schemeClr val="accent1"/>
+          </a:effectRef>
+          <a:fontRef idx="minor">
+            <a:schemeClr val="tx1"/>
+          </a:fontRef>
+        </p:style>
+      </p:cxnSp>
+      <p:sp>
+        <p:nvSpPr>
+          <p:cNvPr id="7" name="Date Placeholder 3"/>
+          <p:cNvSpPr>
+            <a:spLocks noGrp="1"/>
+          </p:cNvSpPr>
+          <p:nvPr>
+            <p:ph type="dt" sz="half" idx="10"/>
+          </p:nvPr>
+        </p:nvSpPr>
+        <p:spPr/>
+        <p:txBody>
+          <a:bodyPr/>
+          <a:lstStyle/>
+          <a:p>
+            <a:fld id="{35FCE708-3684-473C-A788-4D90E1C784B6}" type="datetimeFigureOut">
+              <a:rPr lang="en-US" smtClean="0"/>
+              <a:t>11/15/2016</a:t>
+            </a:fld>
+            <a:endParaRPr lang="en-US"/>
+          </a:p>
+        </p:txBody>
+      </p:sp>
+      <p:sp>
+        <p:nvSpPr>
+          <p:cNvPr id="4" name="Footer Placeholder 4"/>
+          <p:cNvSpPr>
+            <a:spLocks noGrp="1"/>
+          </p:cNvSpPr>
+          <p:nvPr>
+            <p:ph type="ftr" sz="quarter" idx="11"/>
+          </p:nvPr>
+        </p:nvSpPr>
+        <p:spPr/>
+        <p:txBody>
+          <a:bodyPr/>
+          <a:lstStyle/>
+          <a:p>
+            <a:endParaRPr lang="en-US"/>
+          </a:p>
+        </p:txBody>
+      </p:sp>
+      <p:sp>
+        <p:nvSpPr>
+          <p:cNvPr id="6" name="Slide Number Placeholder 5"/>
+          <p:cNvSpPr>
+            <a:spLocks noGrp="1"/>
+          </p:cNvSpPr>
+          <p:nvPr>
+            <p:ph type="sldNum" sz="quarter" idx="12"/>
+          </p:nvPr>
+        </p:nvSpPr>
+        <p:spPr/>
+        <p:txBody>
+          <a:bodyPr/>
+          <a:lstStyle/>
+          <a:p>
+            <a:fld id="{8DC966BA-83AE-4962-82F4-C3E6C28D279E}" type="slidenum">
+              <a:rPr lang="en-US" smtClean="0"/>
+              <a:t>‹#›</a:t>
+            </a:fld>
+            <a:endParaRPr lang="en-US"/>
+          </a:p>
+        </p:txBody>
+      </p:sp>
+    </p:spTree>
+    <p:extLst>
+      <p:ext uri="{BB962C8B-B14F-4D97-AF65-F5344CB8AC3E}">
+        <p14:creationId xmlns:p14="http://schemas.microsoft.com/office/powerpoint/2010/main" val="4269420039"/>
+      </p:ext>
+    </p:extLst>
+  </p:cSld>
+  <p:clrMapOvr>
+    <a:masterClrMapping/>
+  </p:clrMapOvr>
+</p:sldLayout>
+</file>
+
+<file path=ppt/slideLayouts/slideLayout16.xml><?xml version="1.0" encoding="utf-8"?>
 <p:sldLayout xmlns:a="http://schemas.openxmlformats.org/drawingml/2006/main" xmlns:r="http://schemas.openxmlformats.org/officeDocument/2006/relationships" xmlns:p="http://schemas.openxmlformats.org/presentationml/2006/main" type="vertTx" preserve="1">
   <p:cSld name="Title and Vertical Text">
     <p:spTree>
@@ -399,7 +2956,7 @@
               <a:rPr lang="en-US" smtClean="0"/>
               <a:t>Click to edit Master title style</a:t>
             </a:r>
-            <a:endParaRPr lang="en-US"/>
+            <a:endParaRPr lang="en-US" dirty="0"/>
           </a:p>
         </p:txBody>
       </p:sp>
@@ -415,13 +2972,13 @@
         </p:nvSpPr>
         <p:spPr/>
         <p:txBody>
-          <a:bodyPr vert="eaVert"/>
+          <a:bodyPr vert="eaVert" anchor="t" anchorCtr="0"/>
           <a:lstStyle/>
           <a:p>
             <a:pPr lvl="0"/>
             <a:r>
               <a:rPr lang="en-US" smtClean="0"/>
-              <a:t>Click to edit Master text styles</a:t>
+              <a:t>Edit Master text styles</a:t>
             </a:r>
           </a:p>
           <a:p>
@@ -451,7 +3008,7 @@
               <a:rPr lang="en-US" smtClean="0"/>
               <a:t>Fifth level</a:t>
             </a:r>
-            <a:endParaRPr lang="en-US"/>
+            <a:endParaRPr lang="en-US" dirty="0"/>
           </a:p>
         </p:txBody>
       </p:sp>
@@ -523,7 +3080,7 @@
     </p:spTree>
     <p:extLst>
       <p:ext uri="{BB962C8B-B14F-4D97-AF65-F5344CB8AC3E}">
-        <p14:creationId xmlns:p14="http://schemas.microsoft.com/office/powerpoint/2010/main" val="639549917"/>
+        <p14:creationId xmlns:p14="http://schemas.microsoft.com/office/powerpoint/2010/main" val="943784067"/>
       </p:ext>
     </p:extLst>
   </p:cSld>
@@ -533,7 +3090,7 @@
 </p:sldLayout>
 </file>
 
-<file path=ppt/slideLayouts/slideLayout11.xml><?xml version="1.0" encoding="utf-8"?>
+<file path=ppt/slideLayouts/slideLayout17.xml><?xml version="1.0" encoding="utf-8"?>
 <p:sldLayout xmlns:a="http://schemas.openxmlformats.org/drawingml/2006/main" xmlns:r="http://schemas.openxmlformats.org/officeDocument/2006/relationships" xmlns:p="http://schemas.openxmlformats.org/presentationml/2006/main" type="vertTitleAndTx" preserve="1">
   <p:cSld name="Vertical Title and Text">
     <p:spTree>
@@ -562,19 +3119,19 @@
         </p:nvSpPr>
         <p:spPr>
           <a:xfrm>
-            <a:off x="6629400" y="274638"/>
-            <a:ext cx="2057400" cy="5851525"/>
+            <a:off x="6229782" y="430214"/>
+            <a:ext cx="1314793" cy="5826125"/>
           </a:xfrm>
         </p:spPr>
         <p:txBody>
-          <a:bodyPr vert="eaVert"/>
+          <a:bodyPr vert="eaVert" anchor="b" anchorCtr="0"/>
           <a:lstStyle/>
           <a:p>
             <a:r>
               <a:rPr lang="en-US" smtClean="0"/>
               <a:t>Click to edit Master title style</a:t>
             </a:r>
-            <a:endParaRPr lang="en-US"/>
+            <a:endParaRPr lang="en-US" dirty="0"/>
           </a:p>
         </p:txBody>
       </p:sp>
@@ -590,8 +3147,8 @@
         </p:nvSpPr>
         <p:spPr>
           <a:xfrm>
-            <a:off x="457200" y="274638"/>
-            <a:ext cx="6019800" cy="5851525"/>
+            <a:off x="489475" y="773205"/>
+            <a:ext cx="5568812" cy="5483134"/>
           </a:xfrm>
         </p:spPr>
         <p:txBody>
@@ -601,7 +3158,7 @@
             <a:pPr lvl="0"/>
             <a:r>
               <a:rPr lang="en-US" smtClean="0"/>
-              <a:t>Click to edit Master text styles</a:t>
+              <a:t>Edit Master text styles</a:t>
             </a:r>
           </a:p>
           <a:p>
@@ -631,7 +3188,7 @@
               <a:rPr lang="en-US" smtClean="0"/>
               <a:t>Fifth level</a:t>
             </a:r>
-            <a:endParaRPr lang="en-US"/>
+            <a:endParaRPr lang="en-US" dirty="0"/>
           </a:p>
         </p:txBody>
       </p:sp>
@@ -703,7 +3260,7 @@
     </p:spTree>
     <p:extLst>
       <p:ext uri="{BB962C8B-B14F-4D97-AF65-F5344CB8AC3E}">
-        <p14:creationId xmlns:p14="http://schemas.microsoft.com/office/powerpoint/2010/main" val="217266990"/>
+        <p14:creationId xmlns:p14="http://schemas.microsoft.com/office/powerpoint/2010/main" val="2763301755"/>
       </p:ext>
     </p:extLst>
   </p:cSld>
@@ -749,7 +3306,7 @@
               <a:rPr lang="en-US" smtClean="0"/>
               <a:t>Click to edit Master title style</a:t>
             </a:r>
-            <a:endParaRPr lang="en-US"/>
+            <a:endParaRPr lang="en-US" dirty="0"/>
           </a:p>
         </p:txBody>
       </p:sp>
@@ -771,7 +3328,7 @@
             <a:pPr lvl="0"/>
             <a:r>
               <a:rPr lang="en-US" smtClean="0"/>
-              <a:t>Click to edit Master text styles</a:t>
+              <a:t>Edit Master text styles</a:t>
             </a:r>
           </a:p>
           <a:p>
@@ -801,7 +3358,7 @@
               <a:rPr lang="en-US" smtClean="0"/>
               <a:t>Fifth level</a:t>
             </a:r>
-            <a:endParaRPr lang="en-US"/>
+            <a:endParaRPr lang="en-US" dirty="0"/>
           </a:p>
         </p:txBody>
       </p:sp>
@@ -873,7 +3430,7 @@
     </p:spTree>
     <p:extLst>
       <p:ext uri="{BB962C8B-B14F-4D97-AF65-F5344CB8AC3E}">
-        <p14:creationId xmlns:p14="http://schemas.microsoft.com/office/powerpoint/2010/main" val="2199845400"/>
+        <p14:creationId xmlns:p14="http://schemas.microsoft.com/office/powerpoint/2010/main" val="759262304"/>
       </p:ext>
     </p:extLst>
   </p:cSld>
@@ -912,52 +3469,50 @@
         </p:nvSpPr>
         <p:spPr>
           <a:xfrm>
-            <a:off x="722313" y="4406900"/>
-            <a:ext cx="7772400" cy="1362075"/>
+            <a:off x="866443" y="2861734"/>
+            <a:ext cx="6620967" cy="1915647"/>
           </a:xfrm>
         </p:spPr>
         <p:txBody>
+          <a:bodyPr anchor="b"/>
+          <a:lstStyle>
+            <a:lvl1pPr algn="l">
+              <a:defRPr sz="4000" b="0" cap="none"/>
+            </a:lvl1pPr>
+          </a:lstStyle>
+          <a:p>
+            <a:r>
+              <a:rPr lang="en-US" smtClean="0"/>
+              <a:t>Click to edit Master title style</a:t>
+            </a:r>
+            <a:endParaRPr lang="en-US" dirty="0"/>
+          </a:p>
+        </p:txBody>
+      </p:sp>
+      <p:sp>
+        <p:nvSpPr>
+          <p:cNvPr id="3" name="Text Placeholder 2"/>
+          <p:cNvSpPr>
+            <a:spLocks noGrp="1"/>
+          </p:cNvSpPr>
+          <p:nvPr>
+            <p:ph type="body" idx="1"/>
+          </p:nvPr>
+        </p:nvSpPr>
+        <p:spPr>
+          <a:xfrm>
+            <a:off x="866442" y="4777381"/>
+            <a:ext cx="6620968" cy="860400"/>
+          </a:xfrm>
+        </p:spPr>
+        <p:txBody>
           <a:bodyPr anchor="t"/>
           <a:lstStyle>
-            <a:lvl1pPr algn="l">
-              <a:defRPr sz="4000" b="1" cap="all"/>
-            </a:lvl1pPr>
-          </a:lstStyle>
-          <a:p>
-            <a:r>
-              <a:rPr lang="en-US" smtClean="0"/>
-              <a:t>Click to edit Master title style</a:t>
-            </a:r>
-            <a:endParaRPr lang="en-US"/>
-          </a:p>
-        </p:txBody>
-      </p:sp>
-      <p:sp>
-        <p:nvSpPr>
-          <p:cNvPr id="3" name="Text Placeholder 2"/>
-          <p:cNvSpPr>
-            <a:spLocks noGrp="1"/>
-          </p:cNvSpPr>
-          <p:nvPr>
-            <p:ph type="body" idx="1"/>
-          </p:nvPr>
-        </p:nvSpPr>
-        <p:spPr>
-          <a:xfrm>
-            <a:off x="722313" y="2906713"/>
-            <a:ext cx="7772400" cy="1500187"/>
-          </a:xfrm>
-        </p:spPr>
-        <p:txBody>
-          <a:bodyPr anchor="b"/>
-          <a:lstStyle>
-            <a:lvl1pPr marL="0" indent="0">
-              <a:buNone/>
-              <a:defRPr sz="2000">
+            <a:lvl1pPr marL="0" indent="0" algn="l">
+              <a:buNone/>
+              <a:defRPr sz="2000" cap="all">
                 <a:solidFill>
-                  <a:schemeClr val="tx1">
-                    <a:tint val="75000"/>
-                  </a:schemeClr>
+                  <a:schemeClr val="accent1"/>
                 </a:solidFill>
               </a:defRPr>
             </a:lvl1pPr>
@@ -1046,7 +3601,7 @@
             <a:pPr lvl="0"/>
             <a:r>
               <a:rPr lang="en-US" smtClean="0"/>
-              <a:t>Click to edit Master text styles</a:t>
+              <a:t>Edit Master text styles</a:t>
             </a:r>
           </a:p>
         </p:txBody>
@@ -1119,7 +3674,7 @@
     </p:spTree>
     <p:extLst>
       <p:ext uri="{BB962C8B-B14F-4D97-AF65-F5344CB8AC3E}">
-        <p14:creationId xmlns:p14="http://schemas.microsoft.com/office/powerpoint/2010/main" val="2286750906"/>
+        <p14:creationId xmlns:p14="http://schemas.microsoft.com/office/powerpoint/2010/main" val="861857246"/>
       </p:ext>
     </p:extLst>
   </p:cSld>
@@ -1165,7 +3720,7 @@
               <a:rPr lang="en-US" smtClean="0"/>
               <a:t>Click to edit Master title style</a:t>
             </a:r>
-            <a:endParaRPr lang="en-US"/>
+            <a:endParaRPr lang="en-US" dirty="0"/>
           </a:p>
         </p:txBody>
       </p:sp>
@@ -1181,46 +3736,48 @@
         </p:nvSpPr>
         <p:spPr>
           <a:xfrm>
-            <a:off x="457200" y="1600200"/>
-            <a:ext cx="4038600" cy="4525963"/>
+            <a:off x="827700" y="2060576"/>
+            <a:ext cx="3298113" cy="4195763"/>
           </a:xfrm>
         </p:spPr>
         <p:txBody>
-          <a:bodyPr/>
+          <a:bodyPr>
+            <a:normAutofit/>
+          </a:bodyPr>
           <a:lstStyle>
             <a:lvl1pPr>
-              <a:defRPr sz="2800"/>
+              <a:defRPr sz="1800"/>
             </a:lvl1pPr>
             <a:lvl2pPr>
-              <a:defRPr sz="2400"/>
+              <a:defRPr sz="1600"/>
             </a:lvl2pPr>
             <a:lvl3pPr>
-              <a:defRPr sz="2000"/>
+              <a:defRPr sz="1400"/>
             </a:lvl3pPr>
             <a:lvl4pPr>
-              <a:defRPr sz="1800"/>
+              <a:defRPr sz="1200"/>
             </a:lvl4pPr>
             <a:lvl5pPr>
-              <a:defRPr sz="1800"/>
+              <a:defRPr sz="1200"/>
             </a:lvl5pPr>
             <a:lvl6pPr>
-              <a:defRPr sz="1800"/>
+              <a:defRPr sz="1200"/>
             </a:lvl6pPr>
             <a:lvl7pPr>
-              <a:defRPr sz="1800"/>
+              <a:defRPr sz="1200"/>
             </a:lvl7pPr>
             <a:lvl8pPr>
-              <a:defRPr sz="1800"/>
+              <a:defRPr sz="1200"/>
             </a:lvl8pPr>
             <a:lvl9pPr>
-              <a:defRPr sz="1800"/>
+              <a:defRPr sz="1200"/>
             </a:lvl9pPr>
           </a:lstStyle>
           <a:p>
             <a:pPr lvl="0"/>
             <a:r>
               <a:rPr lang="en-US" smtClean="0"/>
-              <a:t>Click to edit Master text styles</a:t>
+              <a:t>Edit Master text styles</a:t>
             </a:r>
           </a:p>
           <a:p>
@@ -1250,7 +3807,7 @@
               <a:rPr lang="en-US" smtClean="0"/>
               <a:t>Fifth level</a:t>
             </a:r>
-            <a:endParaRPr lang="en-US"/>
+            <a:endParaRPr lang="en-US" dirty="0"/>
           </a:p>
         </p:txBody>
       </p:sp>
@@ -1266,46 +3823,48 @@
         </p:nvSpPr>
         <p:spPr>
           <a:xfrm>
-            <a:off x="4648200" y="1600200"/>
-            <a:ext cx="4038600" cy="4525963"/>
+            <a:off x="4241975" y="2056093"/>
+            <a:ext cx="3298115" cy="4200245"/>
           </a:xfrm>
         </p:spPr>
         <p:txBody>
-          <a:bodyPr/>
+          <a:bodyPr>
+            <a:normAutofit/>
+          </a:bodyPr>
           <a:lstStyle>
             <a:lvl1pPr>
-              <a:defRPr sz="2800"/>
+              <a:defRPr sz="1800"/>
             </a:lvl1pPr>
             <a:lvl2pPr>
-              <a:defRPr sz="2400"/>
+              <a:defRPr sz="1600"/>
             </a:lvl2pPr>
             <a:lvl3pPr>
-              <a:defRPr sz="2000"/>
+              <a:defRPr sz="1400"/>
             </a:lvl3pPr>
             <a:lvl4pPr>
-              <a:defRPr sz="1800"/>
+              <a:defRPr sz="1200"/>
             </a:lvl4pPr>
             <a:lvl5pPr>
-              <a:defRPr sz="1800"/>
+              <a:defRPr sz="1200"/>
             </a:lvl5pPr>
             <a:lvl6pPr>
-              <a:defRPr sz="1800"/>
+              <a:defRPr sz="1200"/>
             </a:lvl6pPr>
             <a:lvl7pPr>
-              <a:defRPr sz="1800"/>
+              <a:defRPr sz="1200"/>
             </a:lvl7pPr>
             <a:lvl8pPr>
-              <a:defRPr sz="1800"/>
+              <a:defRPr sz="1200"/>
             </a:lvl8pPr>
             <a:lvl9pPr>
-              <a:defRPr sz="1800"/>
+              <a:defRPr sz="1200"/>
             </a:lvl9pPr>
           </a:lstStyle>
           <a:p>
             <a:pPr lvl="0"/>
             <a:r>
               <a:rPr lang="en-US" smtClean="0"/>
-              <a:t>Click to edit Master text styles</a:t>
+              <a:t>Edit Master text styles</a:t>
             </a:r>
           </a:p>
           <a:p>
@@ -1335,7 +3894,7 @@
               <a:rPr lang="en-US" smtClean="0"/>
               <a:t>Fifth level</a:t>
             </a:r>
-            <a:endParaRPr lang="en-US"/>
+            <a:endParaRPr lang="en-US" dirty="0"/>
           </a:p>
         </p:txBody>
       </p:sp>
@@ -1407,7 +3966,7 @@
     </p:spTree>
     <p:extLst>
       <p:ext uri="{BB962C8B-B14F-4D97-AF65-F5344CB8AC3E}">
-        <p14:creationId xmlns:p14="http://schemas.microsoft.com/office/powerpoint/2010/main" val="4056675610"/>
+        <p14:creationId xmlns:p14="http://schemas.microsoft.com/office/powerpoint/2010/main" val="2173044467"/>
       </p:ext>
     </p:extLst>
   </p:cSld>
@@ -1457,7 +4016,7 @@
               <a:rPr lang="en-US" smtClean="0"/>
               <a:t>Click to edit Master title style</a:t>
             </a:r>
-            <a:endParaRPr lang="en-US"/>
+            <a:endParaRPr lang="en-US" dirty="0"/>
           </a:p>
         </p:txBody>
       </p:sp>
@@ -1473,16 +4032,22 @@
         </p:nvSpPr>
         <p:spPr>
           <a:xfrm>
-            <a:off x="457200" y="1535113"/>
-            <a:ext cx="4040188" cy="639762"/>
+            <a:off x="827700" y="1905000"/>
+            <a:ext cx="3298112" cy="576262"/>
           </a:xfrm>
         </p:spPr>
         <p:txBody>
-          <a:bodyPr anchor="b"/>
+          <a:bodyPr anchor="b">
+            <a:noAutofit/>
+          </a:bodyPr>
           <a:lstStyle>
             <a:lvl1pPr marL="0" indent="0">
               <a:buNone/>
-              <a:defRPr sz="2400" b="1"/>
+              <a:defRPr sz="2400" b="0">
+                <a:solidFill>
+                  <a:schemeClr val="accent1"/>
+                </a:solidFill>
+              </a:defRPr>
             </a:lvl1pPr>
             <a:lvl2pPr marL="457200" indent="0">
               <a:buNone/>
@@ -1521,7 +4086,7 @@
             <a:pPr lvl="0"/>
             <a:r>
               <a:rPr lang="en-US" smtClean="0"/>
-              <a:t>Click to edit Master text styles</a:t>
+              <a:t>Edit Master text styles</a:t>
             </a:r>
           </a:p>
         </p:txBody>
@@ -1538,46 +4103,48 @@
         </p:nvSpPr>
         <p:spPr>
           <a:xfrm>
-            <a:off x="457200" y="2174875"/>
-            <a:ext cx="4040188" cy="3951288"/>
+            <a:off x="827700" y="2514600"/>
+            <a:ext cx="3298113" cy="3741738"/>
           </a:xfrm>
         </p:spPr>
         <p:txBody>
-          <a:bodyPr/>
+          <a:bodyPr>
+            <a:normAutofit/>
+          </a:bodyPr>
           <a:lstStyle>
             <a:lvl1pPr>
-              <a:defRPr sz="2400"/>
+              <a:defRPr sz="1800"/>
             </a:lvl1pPr>
             <a:lvl2pPr>
-              <a:defRPr sz="2000"/>
+              <a:defRPr sz="1600"/>
             </a:lvl2pPr>
             <a:lvl3pPr>
-              <a:defRPr sz="1800"/>
+              <a:defRPr sz="1400"/>
             </a:lvl3pPr>
             <a:lvl4pPr>
-              <a:defRPr sz="1600"/>
+              <a:defRPr sz="1200"/>
             </a:lvl4pPr>
             <a:lvl5pPr>
-              <a:defRPr sz="1600"/>
+              <a:defRPr sz="1200"/>
             </a:lvl5pPr>
             <a:lvl6pPr>
-              <a:defRPr sz="1600"/>
+              <a:defRPr sz="1200"/>
             </a:lvl6pPr>
             <a:lvl7pPr>
-              <a:defRPr sz="1600"/>
+              <a:defRPr sz="1200"/>
             </a:lvl7pPr>
             <a:lvl8pPr>
-              <a:defRPr sz="1600"/>
+              <a:defRPr sz="1200"/>
             </a:lvl8pPr>
             <a:lvl9pPr>
-              <a:defRPr sz="1600"/>
+              <a:defRPr sz="1200"/>
             </a:lvl9pPr>
           </a:lstStyle>
           <a:p>
             <a:pPr lvl="0"/>
             <a:r>
               <a:rPr lang="en-US" smtClean="0"/>
-              <a:t>Click to edit Master text styles</a:t>
+              <a:t>Edit Master text styles</a:t>
             </a:r>
           </a:p>
           <a:p>
@@ -1607,7 +4174,7 @@
               <a:rPr lang="en-US" smtClean="0"/>
               <a:t>Fifth level</a:t>
             </a:r>
-            <a:endParaRPr lang="en-US"/>
+            <a:endParaRPr lang="en-US" dirty="0"/>
           </a:p>
         </p:txBody>
       </p:sp>
@@ -1623,16 +4190,22 @@
         </p:nvSpPr>
         <p:spPr>
           <a:xfrm>
-            <a:off x="4645025" y="1535113"/>
-            <a:ext cx="4041775" cy="639762"/>
+            <a:off x="4241976" y="1905000"/>
+            <a:ext cx="3298113" cy="576262"/>
           </a:xfrm>
         </p:spPr>
         <p:txBody>
-          <a:bodyPr anchor="b"/>
+          <a:bodyPr anchor="b">
+            <a:noAutofit/>
+          </a:bodyPr>
           <a:lstStyle>
             <a:lvl1pPr marL="0" indent="0">
               <a:buNone/>
-              <a:defRPr sz="2400" b="1"/>
+              <a:defRPr sz="2400" b="0">
+                <a:solidFill>
+                  <a:schemeClr val="accent1"/>
+                </a:solidFill>
+              </a:defRPr>
             </a:lvl1pPr>
             <a:lvl2pPr marL="457200" indent="0">
               <a:buNone/>
@@ -1671,7 +4244,7 @@
             <a:pPr lvl="0"/>
             <a:r>
               <a:rPr lang="en-US" smtClean="0"/>
-              <a:t>Click to edit Master text styles</a:t>
+              <a:t>Edit Master text styles</a:t>
             </a:r>
           </a:p>
         </p:txBody>
@@ -1688,46 +4261,48 @@
         </p:nvSpPr>
         <p:spPr>
           <a:xfrm>
-            <a:off x="4645025" y="2174875"/>
-            <a:ext cx="4041775" cy="3951288"/>
+            <a:off x="4241976" y="2514600"/>
+            <a:ext cx="3298113" cy="3741738"/>
           </a:xfrm>
         </p:spPr>
         <p:txBody>
-          <a:bodyPr/>
+          <a:bodyPr>
+            <a:normAutofit/>
+          </a:bodyPr>
           <a:lstStyle>
             <a:lvl1pPr>
-              <a:defRPr sz="2400"/>
+              <a:defRPr sz="1800"/>
             </a:lvl1pPr>
             <a:lvl2pPr>
-              <a:defRPr sz="2000"/>
+              <a:defRPr sz="1600"/>
             </a:lvl2pPr>
             <a:lvl3pPr>
-              <a:defRPr sz="1800"/>
+              <a:defRPr sz="1400"/>
             </a:lvl3pPr>
             <a:lvl4pPr>
-              <a:defRPr sz="1600"/>
+              <a:defRPr sz="1200"/>
             </a:lvl4pPr>
             <a:lvl5pPr>
-              <a:defRPr sz="1600"/>
+              <a:defRPr sz="1200"/>
             </a:lvl5pPr>
             <a:lvl6pPr>
-              <a:defRPr sz="1600"/>
+              <a:defRPr sz="1200"/>
             </a:lvl6pPr>
             <a:lvl7pPr>
-              <a:defRPr sz="1600"/>
+              <a:defRPr sz="1200"/>
             </a:lvl7pPr>
             <a:lvl8pPr>
-              <a:defRPr sz="1600"/>
+              <a:defRPr sz="1200"/>
             </a:lvl8pPr>
             <a:lvl9pPr>
-              <a:defRPr sz="1600"/>
+              <a:defRPr sz="1200"/>
             </a:lvl9pPr>
           </a:lstStyle>
           <a:p>
             <a:pPr lvl="0"/>
             <a:r>
               <a:rPr lang="en-US" smtClean="0"/>
-              <a:t>Click to edit Master text styles</a:t>
+              <a:t>Edit Master text styles</a:t>
             </a:r>
           </a:p>
           <a:p>
@@ -1757,7 +4332,7 @@
               <a:rPr lang="en-US" smtClean="0"/>
               <a:t>Fifth level</a:t>
             </a:r>
-            <a:endParaRPr lang="en-US"/>
+            <a:endParaRPr lang="en-US" dirty="0"/>
           </a:p>
         </p:txBody>
       </p:sp>
@@ -1829,7 +4404,7 @@
     </p:spTree>
     <p:extLst>
       <p:ext uri="{BB962C8B-B14F-4D97-AF65-F5344CB8AC3E}">
-        <p14:creationId xmlns:p14="http://schemas.microsoft.com/office/powerpoint/2010/main" val="3722116646"/>
+        <p14:creationId xmlns:p14="http://schemas.microsoft.com/office/powerpoint/2010/main" val="803884053"/>
       </p:ext>
     </p:extLst>
   </p:cSld>
@@ -1875,13 +4450,13 @@
               <a:rPr lang="en-US" smtClean="0"/>
               <a:t>Click to edit Master title style</a:t>
             </a:r>
-            <a:endParaRPr lang="en-US"/>
-          </a:p>
-        </p:txBody>
-      </p:sp>
-      <p:sp>
-        <p:nvSpPr>
-          <p:cNvPr id="3" name="Date Placeholder 2"/>
+            <a:endParaRPr lang="en-US" dirty="0"/>
+          </a:p>
+        </p:txBody>
+      </p:sp>
+      <p:sp>
+        <p:nvSpPr>
+          <p:cNvPr id="7" name="Date Placeholder 2"/>
           <p:cNvSpPr>
             <a:spLocks noGrp="1"/>
           </p:cNvSpPr>
@@ -1904,7 +4479,7 @@
       </p:sp>
       <p:sp>
         <p:nvSpPr>
-          <p:cNvPr id="4" name="Footer Placeholder 3"/>
+          <p:cNvPr id="5" name="Footer Placeholder 3"/>
           <p:cNvSpPr>
             <a:spLocks noGrp="1"/>
           </p:cNvSpPr>
@@ -1923,7 +4498,7 @@
       </p:sp>
       <p:sp>
         <p:nvSpPr>
-          <p:cNvPr id="5" name="Slide Number Placeholder 4"/>
+          <p:cNvPr id="6" name="Slide Number Placeholder 4"/>
           <p:cNvSpPr>
             <a:spLocks noGrp="1"/>
           </p:cNvSpPr>
@@ -1947,7 +4522,7 @@
     </p:spTree>
     <p:extLst>
       <p:ext uri="{BB962C8B-B14F-4D97-AF65-F5344CB8AC3E}">
-        <p14:creationId xmlns:p14="http://schemas.microsoft.com/office/powerpoint/2010/main" val="220088437"/>
+        <p14:creationId xmlns:p14="http://schemas.microsoft.com/office/powerpoint/2010/main" val="1026275591"/>
       </p:ext>
     </p:extLst>
   </p:cSld>
@@ -1976,7 +4551,7 @@
       </p:grpSpPr>
       <p:sp>
         <p:nvSpPr>
-          <p:cNvPr id="2" name="Date Placeholder 1"/>
+          <p:cNvPr id="7" name="Date Placeholder 1"/>
           <p:cNvSpPr>
             <a:spLocks noGrp="1"/>
           </p:cNvSpPr>
@@ -1999,7 +4574,7 @@
       </p:sp>
       <p:sp>
         <p:nvSpPr>
-          <p:cNvPr id="3" name="Footer Placeholder 2"/>
+          <p:cNvPr id="5" name="Footer Placeholder 2"/>
           <p:cNvSpPr>
             <a:spLocks noGrp="1"/>
           </p:cNvSpPr>
@@ -2018,7 +4593,7 @@
       </p:sp>
       <p:sp>
         <p:nvSpPr>
-          <p:cNvPr id="4" name="Slide Number Placeholder 3"/>
+          <p:cNvPr id="6" name="Slide Number Placeholder 3"/>
           <p:cNvSpPr>
             <a:spLocks noGrp="1"/>
           </p:cNvSpPr>
@@ -2042,7 +4617,7 @@
     </p:spTree>
     <p:extLst>
       <p:ext uri="{BB962C8B-B14F-4D97-AF65-F5344CB8AC3E}">
-        <p14:creationId xmlns:p14="http://schemas.microsoft.com/office/powerpoint/2010/main" val="3081806004"/>
+        <p14:creationId xmlns:p14="http://schemas.microsoft.com/office/powerpoint/2010/main" val="172919734"/>
       </p:ext>
     </p:extLst>
   </p:cSld>
@@ -2081,15 +4656,15 @@
         </p:nvSpPr>
         <p:spPr>
           <a:xfrm>
-            <a:off x="457200" y="273050"/>
-            <a:ext cx="3008313" cy="1162050"/>
+            <a:off x="866441" y="1447800"/>
+            <a:ext cx="2551462" cy="1447800"/>
           </a:xfrm>
         </p:spPr>
         <p:txBody>
           <a:bodyPr anchor="b"/>
           <a:lstStyle>
             <a:lvl1pPr algn="l">
-              <a:defRPr sz="2000" b="1"/>
+              <a:defRPr sz="2400" b="0"/>
             </a:lvl1pPr>
           </a:lstStyle>
           <a:p>
@@ -2097,7 +4672,7 @@
               <a:rPr lang="en-US" smtClean="0"/>
               <a:t>Click to edit Master title style</a:t>
             </a:r>
-            <a:endParaRPr lang="en-US"/>
+            <a:endParaRPr lang="en-US" dirty="0"/>
           </a:p>
         </p:txBody>
       </p:sp>
@@ -2113,46 +4688,48 @@
         </p:nvSpPr>
         <p:spPr>
           <a:xfrm>
-            <a:off x="3575050" y="273050"/>
-            <a:ext cx="5111750" cy="5853113"/>
+            <a:off x="3589397" y="1447800"/>
+            <a:ext cx="3898013" cy="4572000"/>
           </a:xfrm>
         </p:spPr>
         <p:txBody>
-          <a:bodyPr/>
+          <a:bodyPr anchor="ctr">
+            <a:normAutofit/>
+          </a:bodyPr>
           <a:lstStyle>
             <a:lvl1pPr>
-              <a:defRPr sz="3200"/>
+              <a:defRPr sz="2000"/>
             </a:lvl1pPr>
             <a:lvl2pPr>
-              <a:defRPr sz="2800"/>
+              <a:defRPr sz="1800"/>
             </a:lvl2pPr>
             <a:lvl3pPr>
-              <a:defRPr sz="2400"/>
+              <a:defRPr sz="1600"/>
             </a:lvl3pPr>
             <a:lvl4pPr>
-              <a:defRPr sz="2000"/>
+              <a:defRPr sz="1400"/>
             </a:lvl4pPr>
             <a:lvl5pPr>
-              <a:defRPr sz="2000"/>
+              <a:defRPr sz="1400"/>
             </a:lvl5pPr>
             <a:lvl6pPr>
-              <a:defRPr sz="2000"/>
+              <a:defRPr sz="1400"/>
             </a:lvl6pPr>
             <a:lvl7pPr>
-              <a:defRPr sz="2000"/>
+              <a:defRPr sz="1400"/>
             </a:lvl7pPr>
             <a:lvl8pPr>
-              <a:defRPr sz="2000"/>
+              <a:defRPr sz="1400"/>
             </a:lvl8pPr>
             <a:lvl9pPr>
-              <a:defRPr sz="2000"/>
+              <a:defRPr sz="1400"/>
             </a:lvl9pPr>
           </a:lstStyle>
           <a:p>
             <a:pPr lvl="0"/>
             <a:r>
               <a:rPr lang="en-US" smtClean="0"/>
-              <a:t>Click to edit Master text styles</a:t>
+              <a:t>Edit Master text styles</a:t>
             </a:r>
           </a:p>
           <a:p>
@@ -2182,7 +4759,7 @@
               <a:rPr lang="en-US" smtClean="0"/>
               <a:t>Fifth level</a:t>
             </a:r>
-            <a:endParaRPr lang="en-US"/>
+            <a:endParaRPr lang="en-US" dirty="0"/>
           </a:p>
         </p:txBody>
       </p:sp>
@@ -2198,8 +4775,8 @@
         </p:nvSpPr>
         <p:spPr>
           <a:xfrm>
-            <a:off x="457200" y="1435100"/>
-            <a:ext cx="3008313" cy="4691063"/>
+            <a:off x="866441" y="3129281"/>
+            <a:ext cx="2551462" cy="2895599"/>
           </a:xfrm>
         </p:spPr>
         <p:txBody>
@@ -2246,14 +4823,14 @@
             <a:pPr lvl="0"/>
             <a:r>
               <a:rPr lang="en-US" smtClean="0"/>
-              <a:t>Click to edit Master text styles</a:t>
-            </a:r>
-          </a:p>
-        </p:txBody>
-      </p:sp>
-      <p:sp>
-        <p:nvSpPr>
-          <p:cNvPr id="5" name="Date Placeholder 4"/>
+              <a:t>Edit Master text styles</a:t>
+            </a:r>
+          </a:p>
+        </p:txBody>
+      </p:sp>
+      <p:sp>
+        <p:nvSpPr>
+          <p:cNvPr id="7" name="Date Placeholder 4"/>
           <p:cNvSpPr>
             <a:spLocks noGrp="1"/>
           </p:cNvSpPr>
@@ -2276,7 +4853,7 @@
       </p:sp>
       <p:sp>
         <p:nvSpPr>
-          <p:cNvPr id="6" name="Footer Placeholder 5"/>
+          <p:cNvPr id="5" name="Footer Placeholder 5"/>
           <p:cNvSpPr>
             <a:spLocks noGrp="1"/>
           </p:cNvSpPr>
@@ -2295,7 +4872,7 @@
       </p:sp>
       <p:sp>
         <p:nvSpPr>
-          <p:cNvPr id="7" name="Slide Number Placeholder 6"/>
+          <p:cNvPr id="6" name="Slide Number Placeholder 6"/>
           <p:cNvSpPr>
             <a:spLocks noGrp="1"/>
           </p:cNvSpPr>
@@ -2319,7 +4896,7 @@
     </p:spTree>
     <p:extLst>
       <p:ext uri="{BB962C8B-B14F-4D97-AF65-F5344CB8AC3E}">
-        <p14:creationId xmlns:p14="http://schemas.microsoft.com/office/powerpoint/2010/main" val="438233123"/>
+        <p14:creationId xmlns:p14="http://schemas.microsoft.com/office/powerpoint/2010/main" val="3025598880"/>
       </p:ext>
     </p:extLst>
   </p:cSld>
@@ -2358,15 +4935,17 @@
         </p:nvSpPr>
         <p:spPr>
           <a:xfrm>
-            <a:off x="1792288" y="4800600"/>
-            <a:ext cx="5486400" cy="566738"/>
+            <a:off x="865656" y="1854192"/>
+            <a:ext cx="3820674" cy="1574808"/>
           </a:xfrm>
         </p:spPr>
         <p:txBody>
-          <a:bodyPr anchor="b"/>
+          <a:bodyPr anchor="b">
+            <a:normAutofit/>
+          </a:bodyPr>
           <a:lstStyle>
             <a:lvl1pPr algn="l">
-              <a:defRPr sz="2000" b="1"/>
+              <a:defRPr sz="3600" b="0"/>
             </a:lvl1pPr>
           </a:lstStyle>
           <a:p>
@@ -2374,7 +4953,7 @@
               <a:rPr lang="en-US" smtClean="0"/>
               <a:t>Click to edit Master title style</a:t>
             </a:r>
-            <a:endParaRPr lang="en-US"/>
+            <a:endParaRPr lang="en-US" dirty="0"/>
           </a:p>
         </p:txBody>
       </p:sp>
@@ -2382,7 +4961,7 @@
         <p:nvSpPr>
           <p:cNvPr id="3" name="Picture Placeholder 2"/>
           <p:cNvSpPr>
-            <a:spLocks noGrp="1"/>
+            <a:spLocks noGrp="1" noChangeAspect="1"/>
           </p:cNvSpPr>
           <p:nvPr>
             <p:ph type="pic" idx="1"/>
@@ -2390,73 +4969,93 @@
         </p:nvSpPr>
         <p:spPr>
           <a:xfrm>
-            <a:off x="1792288" y="612775"/>
-            <a:ext cx="5486400" cy="4114800"/>
+            <a:off x="5213517" y="1143000"/>
+            <a:ext cx="2400925" cy="4572000"/>
+          </a:xfrm>
+          <a:prstGeom prst="roundRect">
+            <a:avLst>
+              <a:gd name="adj" fmla="val 1858"/>
+            </a:avLst>
+          </a:prstGeom>
+          <a:effectLst>
+            <a:outerShdw blurRad="50800" dist="50800" dir="5400000" algn="tl" rotWithShape="0">
+              <a:srgbClr val="000000">
+                <a:alpha val="43000"/>
+              </a:srgbClr>
+            </a:outerShdw>
+          </a:effectLst>
+        </p:spPr>
+        <p:txBody>
+          <a:bodyPr anchor="t">
+            <a:normAutofit/>
+          </a:bodyPr>
+          <a:lstStyle>
+            <a:lvl1pPr marL="0" indent="0" algn="ctr">
+              <a:buNone/>
+              <a:defRPr sz="1600"/>
+            </a:lvl1pPr>
+            <a:lvl2pPr marL="457200" indent="0">
+              <a:buNone/>
+              <a:defRPr sz="1600"/>
+            </a:lvl2pPr>
+            <a:lvl3pPr marL="914400" indent="0">
+              <a:buNone/>
+              <a:defRPr sz="1600"/>
+            </a:lvl3pPr>
+            <a:lvl4pPr marL="1371600" indent="0">
+              <a:buNone/>
+              <a:defRPr sz="1600"/>
+            </a:lvl4pPr>
+            <a:lvl5pPr marL="1828800" indent="0">
+              <a:buNone/>
+              <a:defRPr sz="1600"/>
+            </a:lvl5pPr>
+            <a:lvl6pPr marL="2286000" indent="0">
+              <a:buNone/>
+              <a:defRPr sz="1600"/>
+            </a:lvl6pPr>
+            <a:lvl7pPr marL="2743200" indent="0">
+              <a:buNone/>
+              <a:defRPr sz="1600"/>
+            </a:lvl7pPr>
+            <a:lvl8pPr marL="3200400" indent="0">
+              <a:buNone/>
+              <a:defRPr sz="1600"/>
+            </a:lvl8pPr>
+            <a:lvl9pPr marL="3657600" indent="0">
+              <a:buNone/>
+              <a:defRPr sz="1600"/>
+            </a:lvl9pPr>
+          </a:lstStyle>
+          <a:p>
+            <a:r>
+              <a:rPr lang="en-US" smtClean="0"/>
+              <a:t>Click icon to add picture</a:t>
+            </a:r>
+            <a:endParaRPr lang="en-US" dirty="0"/>
+          </a:p>
+        </p:txBody>
+      </p:sp>
+      <p:sp>
+        <p:nvSpPr>
+          <p:cNvPr id="4" name="Text Placeholder 3"/>
+          <p:cNvSpPr>
+            <a:spLocks noGrp="1"/>
+          </p:cNvSpPr>
+          <p:nvPr>
+            <p:ph type="body" sz="half" idx="2"/>
+          </p:nvPr>
+        </p:nvSpPr>
+        <p:spPr>
+          <a:xfrm>
+            <a:off x="866441" y="3657600"/>
+            <a:ext cx="3814728" cy="1371600"/>
           </a:xfrm>
         </p:spPr>
         <p:txBody>
-          <a:bodyPr/>
-          <a:lstStyle>
-            <a:lvl1pPr marL="0" indent="0">
-              <a:buNone/>
-              <a:defRPr sz="3200"/>
-            </a:lvl1pPr>
-            <a:lvl2pPr marL="457200" indent="0">
-              <a:buNone/>
-              <a:defRPr sz="2800"/>
-            </a:lvl2pPr>
-            <a:lvl3pPr marL="914400" indent="0">
-              <a:buNone/>
-              <a:defRPr sz="2400"/>
-            </a:lvl3pPr>
-            <a:lvl4pPr marL="1371600" indent="0">
-              <a:buNone/>
-              <a:defRPr sz="2000"/>
-            </a:lvl4pPr>
-            <a:lvl5pPr marL="1828800" indent="0">
-              <a:buNone/>
-              <a:defRPr sz="2000"/>
-            </a:lvl5pPr>
-            <a:lvl6pPr marL="2286000" indent="0">
-              <a:buNone/>
-              <a:defRPr sz="2000"/>
-            </a:lvl6pPr>
-            <a:lvl7pPr marL="2743200" indent="0">
-              <a:buNone/>
-              <a:defRPr sz="2000"/>
-            </a:lvl7pPr>
-            <a:lvl8pPr marL="3200400" indent="0">
-              <a:buNone/>
-              <a:defRPr sz="2000"/>
-            </a:lvl8pPr>
-            <a:lvl9pPr marL="3657600" indent="0">
-              <a:buNone/>
-              <a:defRPr sz="2000"/>
-            </a:lvl9pPr>
-          </a:lstStyle>
-          <a:p>
-            <a:endParaRPr lang="en-US"/>
-          </a:p>
-        </p:txBody>
-      </p:sp>
-      <p:sp>
-        <p:nvSpPr>
-          <p:cNvPr id="4" name="Text Placeholder 3"/>
-          <p:cNvSpPr>
-            <a:spLocks noGrp="1"/>
-          </p:cNvSpPr>
-          <p:nvPr>
-            <p:ph type="body" sz="half" idx="2"/>
-          </p:nvPr>
-        </p:nvSpPr>
-        <p:spPr>
-          <a:xfrm>
-            <a:off x="1792288" y="5367338"/>
-            <a:ext cx="5486400" cy="804862"/>
-          </a:xfrm>
-        </p:spPr>
-        <p:txBody>
-          <a:bodyPr/>
+          <a:bodyPr>
+            <a:normAutofit/>
+          </a:bodyPr>
           <a:lstStyle>
             <a:lvl1pPr marL="0" indent="0">
               <a:buNone/>
@@ -2499,7 +5098,7 @@
             <a:pPr lvl="0"/>
             <a:r>
               <a:rPr lang="en-US" smtClean="0"/>
-              <a:t>Click to edit Master text styles</a:t>
+              <a:t>Edit Master text styles</a:t>
             </a:r>
           </a:p>
         </p:txBody>
@@ -2572,7 +5171,7 @@
     </p:spTree>
     <p:extLst>
       <p:ext uri="{BB962C8B-B14F-4D97-AF65-F5344CB8AC3E}">
-        <p14:creationId xmlns:p14="http://schemas.microsoft.com/office/powerpoint/2010/main" val="3882441506"/>
+        <p14:creationId xmlns:p14="http://schemas.microsoft.com/office/powerpoint/2010/main" val="1977584667"/>
       </p:ext>
     </p:extLst>
   </p:cSld>
@@ -2586,8 +5185,8 @@
 <p:sldMaster xmlns:a="http://schemas.openxmlformats.org/drawingml/2006/main" xmlns:r="http://schemas.openxmlformats.org/officeDocument/2006/relationships" xmlns:p="http://schemas.openxmlformats.org/presentationml/2006/main">
   <p:cSld>
     <p:bg>
-      <p:bgRef idx="1001">
-        <a:schemeClr val="bg1"/>
+      <p:bgRef idx="1003">
+        <a:schemeClr val="bg2"/>
       </p:bgRef>
     </p:bg>
     <p:spTree>
@@ -2606,26 +5205,377 @@
       </p:grpSpPr>
       <p:sp>
         <p:nvSpPr>
-          <p:cNvPr id="2" name="Title Placeholder 1"/>
-          <p:cNvSpPr>
-            <a:spLocks noGrp="1"/>
-          </p:cNvSpPr>
-          <p:nvPr>
-            <p:ph type="title"/>
-          </p:nvPr>
+          <p:cNvPr id="22" name="Oval 21"/>
+          <p:cNvSpPr/>
+          <p:nvPr/>
         </p:nvSpPr>
         <p:spPr>
           <a:xfrm>
-            <a:off x="457200" y="274638"/>
-            <a:ext cx="8229600" cy="1143000"/>
+            <a:off x="6299432" y="1676400"/>
+            <a:ext cx="2819400" cy="2819400"/>
+          </a:xfrm>
+          <a:prstGeom prst="ellipse">
+            <a:avLst/>
+          </a:prstGeom>
+          <a:gradFill flip="none" rotWithShape="1">
+            <a:gsLst>
+              <a:gs pos="0">
+                <a:schemeClr val="bg2">
+                  <a:lumMod val="40000"/>
+                  <a:lumOff val="60000"/>
+                  <a:alpha val="7000"/>
+                </a:schemeClr>
+              </a:gs>
+              <a:gs pos="69000">
+                <a:schemeClr val="bg2">
+                  <a:lumMod val="40000"/>
+                  <a:lumOff val="60000"/>
+                  <a:alpha val="0"/>
+                </a:schemeClr>
+              </a:gs>
+              <a:gs pos="36000">
+                <a:schemeClr val="bg2">
+                  <a:lumMod val="40000"/>
+                  <a:lumOff val="60000"/>
+                  <a:alpha val="6000"/>
+                </a:schemeClr>
+              </a:gs>
+            </a:gsLst>
+            <a:path path="circle">
+              <a:fillToRect l="50000" t="50000" r="50000" b="50000"/>
+            </a:path>
+            <a:tileRect/>
+          </a:gradFill>
+          <a:ln>
+            <a:noFill/>
+          </a:ln>
+          <a:effectLst/>
+        </p:spPr>
+        <p:style>
+          <a:lnRef idx="1">
+            <a:schemeClr val="accent1"/>
+          </a:lnRef>
+          <a:fillRef idx="3">
+            <a:schemeClr val="accent1"/>
+          </a:fillRef>
+          <a:effectRef idx="2">
+            <a:schemeClr val="accent1"/>
+          </a:effectRef>
+          <a:fontRef idx="minor">
+            <a:schemeClr val="lt1"/>
+          </a:fontRef>
+        </p:style>
+      </p:sp>
+      <p:sp>
+        <p:nvSpPr>
+          <p:cNvPr id="23" name="Oval 22"/>
+          <p:cNvSpPr/>
+          <p:nvPr/>
+        </p:nvSpPr>
+        <p:spPr>
+          <a:xfrm>
+            <a:off x="5689832" y="-457200"/>
+            <a:ext cx="1600200" cy="1600200"/>
+          </a:xfrm>
+          <a:prstGeom prst="ellipse">
+            <a:avLst/>
+          </a:prstGeom>
+          <a:gradFill flip="none" rotWithShape="1">
+            <a:gsLst>
+              <a:gs pos="0">
+                <a:schemeClr val="bg2">
+                  <a:lumMod val="40000"/>
+                  <a:lumOff val="60000"/>
+                  <a:alpha val="14000"/>
+                </a:schemeClr>
+              </a:gs>
+              <a:gs pos="73000">
+                <a:schemeClr val="bg2">
+                  <a:lumMod val="40000"/>
+                  <a:lumOff val="60000"/>
+                  <a:alpha val="0"/>
+                </a:schemeClr>
+              </a:gs>
+              <a:gs pos="36000">
+                <a:schemeClr val="bg2">
+                  <a:lumMod val="40000"/>
+                  <a:lumOff val="60000"/>
+                  <a:alpha val="7000"/>
+                </a:schemeClr>
+              </a:gs>
+            </a:gsLst>
+            <a:path path="circle">
+              <a:fillToRect l="50000" t="50000" r="50000" b="50000"/>
+            </a:path>
+            <a:tileRect/>
+          </a:gradFill>
+          <a:ln>
+            <a:noFill/>
+          </a:ln>
+          <a:effectLst/>
+        </p:spPr>
+        <p:style>
+          <a:lnRef idx="1">
+            <a:schemeClr val="accent1"/>
+          </a:lnRef>
+          <a:fillRef idx="3">
+            <a:schemeClr val="accent1"/>
+          </a:fillRef>
+          <a:effectRef idx="2">
+            <a:schemeClr val="accent1"/>
+          </a:effectRef>
+          <a:fontRef idx="minor">
+            <a:schemeClr val="lt1"/>
+          </a:fontRef>
+        </p:style>
+      </p:sp>
+      <p:sp>
+        <p:nvSpPr>
+          <p:cNvPr id="24" name="Oval 23"/>
+          <p:cNvSpPr/>
+          <p:nvPr/>
+        </p:nvSpPr>
+        <p:spPr>
+          <a:xfrm>
+            <a:off x="6299432" y="6096000"/>
+            <a:ext cx="990600" cy="990600"/>
+          </a:xfrm>
+          <a:prstGeom prst="ellipse">
+            <a:avLst/>
+          </a:prstGeom>
+          <a:gradFill flip="none" rotWithShape="1">
+            <a:gsLst>
+              <a:gs pos="0">
+                <a:schemeClr val="bg2">
+                  <a:lumMod val="40000"/>
+                  <a:lumOff val="60000"/>
+                  <a:alpha val="14000"/>
+                </a:schemeClr>
+              </a:gs>
+              <a:gs pos="66000">
+                <a:schemeClr val="bg2">
+                  <a:lumMod val="40000"/>
+                  <a:lumOff val="60000"/>
+                  <a:alpha val="0"/>
+                </a:schemeClr>
+              </a:gs>
+              <a:gs pos="36000">
+                <a:schemeClr val="bg2">
+                  <a:lumMod val="40000"/>
+                  <a:lumOff val="60000"/>
+                  <a:alpha val="7000"/>
+                </a:schemeClr>
+              </a:gs>
+            </a:gsLst>
+            <a:path path="circle">
+              <a:fillToRect l="50000" t="50000" r="50000" b="50000"/>
+            </a:path>
+            <a:tileRect/>
+          </a:gradFill>
+          <a:ln>
+            <a:noFill/>
+          </a:ln>
+          <a:effectLst/>
+        </p:spPr>
+        <p:style>
+          <a:lnRef idx="1">
+            <a:schemeClr val="accent1"/>
+          </a:lnRef>
+          <a:fillRef idx="3">
+            <a:schemeClr val="accent1"/>
+          </a:fillRef>
+          <a:effectRef idx="2">
+            <a:schemeClr val="accent1"/>
+          </a:effectRef>
+          <a:fontRef idx="minor">
+            <a:schemeClr val="lt1"/>
+          </a:fontRef>
+        </p:style>
+      </p:sp>
+      <p:sp>
+        <p:nvSpPr>
+          <p:cNvPr id="20" name="Oval 19"/>
+          <p:cNvSpPr/>
+          <p:nvPr/>
+        </p:nvSpPr>
+        <p:spPr>
+          <a:xfrm>
+            <a:off x="-153988" y="2667000"/>
+            <a:ext cx="4191000" cy="4191000"/>
+          </a:xfrm>
+          <a:prstGeom prst="ellipse">
+            <a:avLst/>
+          </a:prstGeom>
+          <a:gradFill flip="none" rotWithShape="1">
+            <a:gsLst>
+              <a:gs pos="0">
+                <a:schemeClr val="bg2">
+                  <a:lumMod val="40000"/>
+                  <a:lumOff val="60000"/>
+                  <a:alpha val="11000"/>
+                </a:schemeClr>
+              </a:gs>
+              <a:gs pos="75000">
+                <a:schemeClr val="bg2">
+                  <a:lumMod val="40000"/>
+                  <a:lumOff val="60000"/>
+                  <a:alpha val="0"/>
+                </a:schemeClr>
+              </a:gs>
+              <a:gs pos="36000">
+                <a:schemeClr val="bg2">
+                  <a:lumMod val="40000"/>
+                  <a:lumOff val="60000"/>
+                  <a:alpha val="10000"/>
+                </a:schemeClr>
+              </a:gs>
+            </a:gsLst>
+            <a:path path="circle">
+              <a:fillToRect l="50000" t="50000" r="50000" b="50000"/>
+            </a:path>
+            <a:tileRect/>
+          </a:gradFill>
+          <a:ln>
+            <a:noFill/>
+          </a:ln>
+          <a:effectLst/>
+        </p:spPr>
+        <p:style>
+          <a:lnRef idx="1">
+            <a:schemeClr val="accent1"/>
+          </a:lnRef>
+          <a:fillRef idx="3">
+            <a:schemeClr val="accent1"/>
+          </a:fillRef>
+          <a:effectRef idx="2">
+            <a:schemeClr val="accent1"/>
+          </a:effectRef>
+          <a:fontRef idx="minor">
+            <a:schemeClr val="lt1"/>
+          </a:fontRef>
+        </p:style>
+      </p:sp>
+      <p:sp>
+        <p:nvSpPr>
+          <p:cNvPr id="21" name="Oval 20"/>
+          <p:cNvSpPr/>
+          <p:nvPr/>
+        </p:nvSpPr>
+        <p:spPr>
+          <a:xfrm>
+            <a:off x="-839788" y="2895600"/>
+            <a:ext cx="2362200" cy="2362200"/>
+          </a:xfrm>
+          <a:prstGeom prst="ellipse">
+            <a:avLst/>
+          </a:prstGeom>
+          <a:gradFill flip="none" rotWithShape="1">
+            <a:gsLst>
+              <a:gs pos="0">
+                <a:schemeClr val="bg2">
+                  <a:lumMod val="40000"/>
+                  <a:lumOff val="60000"/>
+                  <a:alpha val="8000"/>
+                </a:schemeClr>
+              </a:gs>
+              <a:gs pos="72000">
+                <a:schemeClr val="bg2">
+                  <a:lumMod val="40000"/>
+                  <a:lumOff val="60000"/>
+                  <a:alpha val="0"/>
+                </a:schemeClr>
+              </a:gs>
+              <a:gs pos="36000">
+                <a:schemeClr val="bg2">
+                  <a:lumMod val="40000"/>
+                  <a:lumOff val="60000"/>
+                  <a:alpha val="8000"/>
+                </a:schemeClr>
+              </a:gs>
+            </a:gsLst>
+            <a:path path="circle">
+              <a:fillToRect l="50000" t="50000" r="50000" b="50000"/>
+            </a:path>
+            <a:tileRect/>
+          </a:gradFill>
+          <a:ln>
+            <a:noFill/>
+          </a:ln>
+          <a:effectLst/>
+        </p:spPr>
+        <p:style>
+          <a:lnRef idx="1">
+            <a:schemeClr val="accent1"/>
+          </a:lnRef>
+          <a:fillRef idx="3">
+            <a:schemeClr val="accent1"/>
+          </a:fillRef>
+          <a:effectRef idx="2">
+            <a:schemeClr val="accent1"/>
+          </a:effectRef>
+          <a:fontRef idx="minor">
+            <a:schemeClr val="lt1"/>
+          </a:fontRef>
+        </p:style>
+      </p:sp>
+      <p:sp>
+        <p:nvSpPr>
+          <p:cNvPr id="19" name="Rectangle 18"/>
+          <p:cNvSpPr/>
+          <p:nvPr/>
+        </p:nvSpPr>
+        <p:spPr>
+          <a:xfrm>
+            <a:off x="7745644" y="0"/>
+            <a:ext cx="685800" cy="1099458"/>
+          </a:xfrm>
+          <a:prstGeom prst="rect">
+            <a:avLst/>
+          </a:prstGeom>
+          <a:solidFill>
+            <a:schemeClr val="accent1"/>
+          </a:solidFill>
+          <a:ln>
+            <a:noFill/>
+          </a:ln>
+        </p:spPr>
+        <p:style>
+          <a:lnRef idx="1">
+            <a:schemeClr val="accent1"/>
+          </a:lnRef>
+          <a:fillRef idx="3">
+            <a:schemeClr val="accent1"/>
+          </a:fillRef>
+          <a:effectRef idx="2">
+            <a:schemeClr val="accent1"/>
+          </a:effectRef>
+          <a:fontRef idx="minor">
+            <a:schemeClr val="lt1"/>
+          </a:fontRef>
+        </p:style>
+      </p:sp>
+      <p:sp>
+        <p:nvSpPr>
+          <p:cNvPr id="2" name="Title Placeholder 1"/>
+          <p:cNvSpPr>
+            <a:spLocks noGrp="1"/>
+          </p:cNvSpPr>
+          <p:nvPr>
+            <p:ph type="title"/>
+          </p:nvPr>
+        </p:nvSpPr>
+        <p:spPr>
+          <a:xfrm>
+            <a:off x="484710" y="452718"/>
+            <a:ext cx="7055380" cy="1400530"/>
           </a:xfrm>
           <a:prstGeom prst="rect">
             <a:avLst/>
           </a:prstGeom>
         </p:spPr>
         <p:txBody>
-          <a:bodyPr vert="horz" lIns="91440" tIns="45720" rIns="91440" bIns="45720" rtlCol="0" anchor="ctr">
-            <a:normAutofit/>
+          <a:bodyPr vert="horz" lIns="91440" tIns="45720" rIns="91440" bIns="45720" rtlCol="0" anchor="t">
+            <a:noAutofit/>
           </a:bodyPr>
           <a:lstStyle/>
           <a:p>
@@ -2633,7 +5583,7 @@
               <a:rPr lang="en-US" smtClean="0"/>
               <a:t>Click to edit Master title style</a:t>
             </a:r>
-            <a:endParaRPr lang="en-US"/>
+            <a:endParaRPr lang="en-US" dirty="0"/>
           </a:p>
         </p:txBody>
       </p:sp>
@@ -2649,8 +5599,8 @@
         </p:nvSpPr>
         <p:spPr>
           <a:xfrm>
-            <a:off x="457200" y="1600200"/>
-            <a:ext cx="8229600" cy="4525963"/>
+            <a:off x="827700" y="2052925"/>
+            <a:ext cx="6711654" cy="4195481"/>
           </a:xfrm>
           <a:prstGeom prst="rect">
             <a:avLst/>
@@ -2665,7 +5615,7 @@
             <a:pPr lvl="0"/>
             <a:r>
               <a:rPr lang="en-US" smtClean="0"/>
-              <a:t>Click to edit Master text styles</a:t>
+              <a:t>Edit Master text styles</a:t>
             </a:r>
           </a:p>
           <a:p>
@@ -2695,7 +5645,7 @@
               <a:rPr lang="en-US" smtClean="0"/>
               <a:t>Fifth level</a:t>
             </a:r>
-            <a:endParaRPr lang="en-US"/>
+            <a:endParaRPr lang="en-US" dirty="0"/>
           </a:p>
         </p:txBody>
       </p:sp>
@@ -2710,19 +5660,99 @@
           </p:nvPr>
         </p:nvSpPr>
         <p:spPr>
-          <a:xfrm>
-            <a:off x="457200" y="6356350"/>
-            <a:ext cx="2133600" cy="365125"/>
+          <a:xfrm rot="5400000">
+            <a:off x="7494989" y="1828771"/>
+            <a:ext cx="990599" cy="228659"/>
           </a:xfrm>
           <a:prstGeom prst="rect">
             <a:avLst/>
           </a:prstGeom>
         </p:spPr>
         <p:txBody>
-          <a:bodyPr vert="horz" lIns="91440" tIns="45720" rIns="91440" bIns="45720" rtlCol="0" anchor="ctr"/>
+          <a:bodyPr vert="horz" lIns="91440" tIns="45720" rIns="91440" bIns="45720" rtlCol="0" anchor="t"/>
           <a:lstStyle>
             <a:lvl1pPr algn="l">
-              <a:defRPr sz="1200">
+              <a:defRPr sz="1100" b="0" i="0">
+                <a:solidFill>
+                  <a:schemeClr val="tx1">
+                    <a:tint val="75000"/>
+                    <a:alpha val="60000"/>
+                  </a:schemeClr>
+                </a:solidFill>
+              </a:defRPr>
+            </a:lvl1pPr>
+          </a:lstStyle>
+          <a:p>
+            <a:fld id="{35FCE708-3684-473C-A788-4D90E1C784B6}" type="datetimeFigureOut">
+              <a:rPr lang="en-US" smtClean="0"/>
+              <a:t>11/15/2016</a:t>
+            </a:fld>
+            <a:endParaRPr lang="en-US"/>
+          </a:p>
+        </p:txBody>
+      </p:sp>
+      <p:sp>
+        <p:nvSpPr>
+          <p:cNvPr id="5" name="Footer Placeholder 4"/>
+          <p:cNvSpPr>
+            <a:spLocks noGrp="1"/>
+          </p:cNvSpPr>
+          <p:nvPr>
+            <p:ph type="ftr" sz="quarter" idx="3"/>
+          </p:nvPr>
+        </p:nvSpPr>
+        <p:spPr>
+          <a:xfrm rot="5400000">
+            <a:off x="6233335" y="3263371"/>
+            <a:ext cx="3859795" cy="228660"/>
+          </a:xfrm>
+          <a:prstGeom prst="rect">
+            <a:avLst/>
+          </a:prstGeom>
+        </p:spPr>
+        <p:txBody>
+          <a:bodyPr vert="horz" lIns="91440" tIns="45720" rIns="91440" bIns="45720" rtlCol="0" anchor="b"/>
+          <a:lstStyle>
+            <a:lvl1pPr algn="l">
+              <a:defRPr sz="1100" b="0" i="0">
+                <a:solidFill>
+                  <a:schemeClr val="tx1">
+                    <a:tint val="75000"/>
+                    <a:alpha val="60000"/>
+                  </a:schemeClr>
+                </a:solidFill>
+              </a:defRPr>
+            </a:lvl1pPr>
+          </a:lstStyle>
+          <a:p>
+            <a:endParaRPr lang="en-US"/>
+          </a:p>
+        </p:txBody>
+      </p:sp>
+      <p:sp>
+        <p:nvSpPr>
+          <p:cNvPr id="6" name="Slide Number Placeholder 5"/>
+          <p:cNvSpPr>
+            <a:spLocks noGrp="1"/>
+          </p:cNvSpPr>
+          <p:nvPr>
+            <p:ph type="sldNum" sz="quarter" idx="4"/>
+          </p:nvPr>
+        </p:nvSpPr>
+        <p:spPr>
+          <a:xfrm>
+            <a:off x="7766431" y="295736"/>
+            <a:ext cx="628813" cy="767687"/>
+          </a:xfrm>
+          <a:prstGeom prst="rect">
+            <a:avLst/>
+          </a:prstGeom>
+        </p:spPr>
+        <p:txBody>
+          <a:bodyPr vert="horz" lIns="91440" tIns="45720" rIns="91440" bIns="45720" rtlCol="0" anchor="b"/>
+          <a:lstStyle>
+            <a:lvl1pPr algn="ctr">
+              <a:defRPr sz="2801" b="0" i="0">
                 <a:solidFill>
                   <a:schemeClr val="tx1">
                     <a:tint val="75000"/>
@@ -2732,84 +5762,6 @@
             </a:lvl1pPr>
           </a:lstStyle>
           <a:p>
-            <a:fld id="{35FCE708-3684-473C-A788-4D90E1C784B6}" type="datetimeFigureOut">
-              <a:rPr lang="en-US" smtClean="0"/>
-              <a:t>11/15/2016</a:t>
-            </a:fld>
-            <a:endParaRPr lang="en-US"/>
-          </a:p>
-        </p:txBody>
-      </p:sp>
-      <p:sp>
-        <p:nvSpPr>
-          <p:cNvPr id="5" name="Footer Placeholder 4"/>
-          <p:cNvSpPr>
-            <a:spLocks noGrp="1"/>
-          </p:cNvSpPr>
-          <p:nvPr>
-            <p:ph type="ftr" sz="quarter" idx="3"/>
-          </p:nvPr>
-        </p:nvSpPr>
-        <p:spPr>
-          <a:xfrm>
-            <a:off x="3124200" y="6356350"/>
-            <a:ext cx="2895600" cy="365125"/>
-          </a:xfrm>
-          <a:prstGeom prst="rect">
-            <a:avLst/>
-          </a:prstGeom>
-        </p:spPr>
-        <p:txBody>
-          <a:bodyPr vert="horz" lIns="91440" tIns="45720" rIns="91440" bIns="45720" rtlCol="0" anchor="ctr"/>
-          <a:lstStyle>
-            <a:lvl1pPr algn="ctr">
-              <a:defRPr sz="1200">
-                <a:solidFill>
-                  <a:schemeClr val="tx1">
-                    <a:tint val="75000"/>
-                  </a:schemeClr>
-                </a:solidFill>
-              </a:defRPr>
-            </a:lvl1pPr>
-          </a:lstStyle>
-          <a:p>
-            <a:endParaRPr lang="en-US"/>
-          </a:p>
-        </p:txBody>
-      </p:sp>
-      <p:sp>
-        <p:nvSpPr>
-          <p:cNvPr id="6" name="Slide Number Placeholder 5"/>
-          <p:cNvSpPr>
-            <a:spLocks noGrp="1"/>
-          </p:cNvSpPr>
-          <p:nvPr>
-            <p:ph type="sldNum" sz="quarter" idx="4"/>
-          </p:nvPr>
-        </p:nvSpPr>
-        <p:spPr>
-          <a:xfrm>
-            <a:off x="6553200" y="6356350"/>
-            <a:ext cx="2133600" cy="365125"/>
-          </a:xfrm>
-          <a:prstGeom prst="rect">
-            <a:avLst/>
-          </a:prstGeom>
-        </p:spPr>
-        <p:txBody>
-          <a:bodyPr vert="horz" lIns="91440" tIns="45720" rIns="91440" bIns="45720" rtlCol="0" anchor="ctr"/>
-          <a:lstStyle>
-            <a:lvl1pPr algn="r">
-              <a:defRPr sz="1200">
-                <a:solidFill>
-                  <a:schemeClr val="tx1">
-                    <a:tint val="75000"/>
-                  </a:schemeClr>
-                </a:solidFill>
-              </a:defRPr>
-            </a:lvl1pPr>
-          </a:lstStyle>
-          <a:p>
             <a:fld id="{8DC966BA-83AE-4962-82F4-C3E6C28D279E}" type="slidenum">
               <a:rPr lang="en-US" smtClean="0"/>
               <a:t>‹#›</a:t>
@@ -2821,32 +5773,118 @@
     </p:spTree>
     <p:extLst>
       <p:ext uri="{BB962C8B-B14F-4D97-AF65-F5344CB8AC3E}">
-        <p14:creationId xmlns:p14="http://schemas.microsoft.com/office/powerpoint/2010/main" val="3469890579"/>
+        <p14:creationId xmlns:p14="http://schemas.microsoft.com/office/powerpoint/2010/main" val="2147720525"/>
       </p:ext>
     </p:extLst>
   </p:cSld>
-  <p:clrMap bg1="lt1" tx1="dk1" bg2="lt2" tx2="dk2" accent1="accent1" accent2="accent2" accent3="accent3" accent4="accent4" accent5="accent5" accent6="accent6" hlink="hlink" folHlink="folHlink"/>
+  <p:clrMap bg1="dk1" tx1="lt1" bg2="dk2" tx2="lt2" accent1="accent1" accent2="accent2" accent3="accent3" accent4="accent4" accent5="accent5" accent6="accent6" hlink="hlink" folHlink="folHlink"/>
   <p:sldLayoutIdLst>
-    <p:sldLayoutId id="2147483649" r:id="rId1"/>
-    <p:sldLayoutId id="2147483650" r:id="rId2"/>
-    <p:sldLayoutId id="2147483651" r:id="rId3"/>
-    <p:sldLayoutId id="2147483652" r:id="rId4"/>
-    <p:sldLayoutId id="2147483653" r:id="rId5"/>
-    <p:sldLayoutId id="2147483654" r:id="rId6"/>
-    <p:sldLayoutId id="2147483655" r:id="rId7"/>
-    <p:sldLayoutId id="2147483656" r:id="rId8"/>
-    <p:sldLayoutId id="2147483657" r:id="rId9"/>
-    <p:sldLayoutId id="2147483658" r:id="rId10"/>
-    <p:sldLayoutId id="2147483659" r:id="rId11"/>
+    <p:sldLayoutId id="2147483792" r:id="rId1"/>
+    <p:sldLayoutId id="2147483793" r:id="rId2"/>
+    <p:sldLayoutId id="2147483794" r:id="rId3"/>
+    <p:sldLayoutId id="2147483795" r:id="rId4"/>
+    <p:sldLayoutId id="2147483796" r:id="rId5"/>
+    <p:sldLayoutId id="2147483797" r:id="rId6"/>
+    <p:sldLayoutId id="2147483798" r:id="rId7"/>
+    <p:sldLayoutId id="2147483799" r:id="rId8"/>
+    <p:sldLayoutId id="2147483800" r:id="rId9"/>
+    <p:sldLayoutId id="2147483801" r:id="rId10"/>
+    <p:sldLayoutId id="2147483802" r:id="rId11"/>
+    <p:sldLayoutId id="2147483803" r:id="rId12"/>
+    <p:sldLayoutId id="2147483804" r:id="rId13"/>
+    <p:sldLayoutId id="2147483805" r:id="rId14"/>
+    <p:sldLayoutId id="2147483806" r:id="rId15"/>
+    <p:sldLayoutId id="2147483807" r:id="rId16"/>
+    <p:sldLayoutId id="2147483808" r:id="rId17"/>
   </p:sldLayoutIdLst>
   <p:txStyles>
     <p:titleStyle>
-      <a:lvl1pPr algn="ctr" defTabSz="914400" rtl="0" eaLnBrk="1" latinLnBrk="0" hangingPunct="1">
+      <a:lvl1pPr algn="l" defTabSz="457200" rtl="0" eaLnBrk="1" latinLnBrk="0" hangingPunct="1">
         <a:spcBef>
           <a:spcPct val="0"/>
         </a:spcBef>
         <a:buNone/>
-        <a:defRPr sz="4400" kern="1200">
+        <a:defRPr sz="4200" b="0" i="0" kern="1200">
+          <a:solidFill>
+            <a:schemeClr val="tx2"/>
+          </a:solidFill>
+          <a:latin typeface="+mj-lt"/>
+          <a:ea typeface="+mj-ea"/>
+          <a:cs typeface="+mj-cs"/>
+        </a:defRPr>
+      </a:lvl1pPr>
+      <a:lvl2pPr eaLnBrk="1" hangingPunct="1">
+        <a:defRPr>
+          <a:solidFill>
+            <a:schemeClr val="tx2"/>
+          </a:solidFill>
+        </a:defRPr>
+      </a:lvl2pPr>
+      <a:lvl3pPr eaLnBrk="1" hangingPunct="1">
+        <a:defRPr>
+          <a:solidFill>
+            <a:schemeClr val="tx2"/>
+          </a:solidFill>
+        </a:defRPr>
+      </a:lvl3pPr>
+      <a:lvl4pPr eaLnBrk="1" hangingPunct="1">
+        <a:defRPr>
+          <a:solidFill>
+            <a:schemeClr val="tx2"/>
+          </a:solidFill>
+        </a:defRPr>
+      </a:lvl4pPr>
+      <a:lvl5pPr eaLnBrk="1" hangingPunct="1">
+        <a:defRPr>
+          <a:solidFill>
+            <a:schemeClr val="tx2"/>
+          </a:solidFill>
+        </a:defRPr>
+      </a:lvl5pPr>
+      <a:lvl6pPr eaLnBrk="1" hangingPunct="1">
+        <a:defRPr>
+          <a:solidFill>
+            <a:schemeClr val="tx2"/>
+          </a:solidFill>
+        </a:defRPr>
+      </a:lvl6pPr>
+      <a:lvl7pPr eaLnBrk="1" hangingPunct="1">
+        <a:defRPr>
+          <a:solidFill>
+            <a:schemeClr val="tx2"/>
+          </a:solidFill>
+        </a:defRPr>
+      </a:lvl7pPr>
+      <a:lvl8pPr eaLnBrk="1" hangingPunct="1">
+        <a:defRPr>
+          <a:solidFill>
+            <a:schemeClr val="tx2"/>
+          </a:solidFill>
+        </a:defRPr>
+      </a:lvl8pPr>
+      <a:lvl9pPr eaLnBrk="1" hangingPunct="1">
+        <a:defRPr>
+          <a:solidFill>
+            <a:schemeClr val="tx2"/>
+          </a:solidFill>
+        </a:defRPr>
+      </a:lvl9pPr>
+    </p:titleStyle>
+    <p:bodyStyle>
+      <a:lvl1pPr marL="342900" indent="-342900" algn="l" defTabSz="457200" rtl="0" eaLnBrk="1" latinLnBrk="0" hangingPunct="1">
+        <a:spcBef>
+          <a:spcPts val="1000"/>
+        </a:spcBef>
+        <a:spcAft>
+          <a:spcPts val="0"/>
+        </a:spcAft>
+        <a:buClr>
+          <a:schemeClr val="accent1"/>
+        </a:buClr>
+        <a:buSzPct val="80000"/>
+        <a:buFont typeface="Wingdings 3" charset="2"/>
+        <a:buChar char=""/>
+        <a:defRPr sz="2000" b="0" i="0" kern="1200">
           <a:solidFill>
             <a:schemeClr val="tx1"/>
           </a:solidFill>
@@ -2855,141 +5893,180 @@
           <a:cs typeface="+mj-cs"/>
         </a:defRPr>
       </a:lvl1pPr>
-    </p:titleStyle>
-    <p:bodyStyle>
-      <a:lvl1pPr marL="342900" indent="-342900" algn="l" defTabSz="914400" rtl="0" eaLnBrk="1" latinLnBrk="0" hangingPunct="1">
+      <a:lvl2pPr marL="742950" indent="-285750" algn="l" defTabSz="457200" rtl="0" eaLnBrk="1" latinLnBrk="0" hangingPunct="1">
         <a:spcBef>
-          <a:spcPct val="20000"/>
+          <a:spcPts val="1000"/>
         </a:spcBef>
-        <a:buFont typeface="Arial" pitchFamily="34" charset="0"/>
-        <a:buChar char="•"/>
-        <a:defRPr sz="3200" kern="1200">
+        <a:spcAft>
+          <a:spcPts val="0"/>
+        </a:spcAft>
+        <a:buClr>
+          <a:schemeClr val="accent1"/>
+        </a:buClr>
+        <a:buSzPct val="80000"/>
+        <a:buFont typeface="Wingdings 3" charset="2"/>
+        <a:buChar char=""/>
+        <a:defRPr sz="1800" b="0" i="0" kern="1200">
           <a:solidFill>
             <a:schemeClr val="tx1"/>
           </a:solidFill>
-          <a:latin typeface="+mn-lt"/>
-          <a:ea typeface="+mn-ea"/>
-          <a:cs typeface="+mn-cs"/>
+          <a:latin typeface="+mj-lt"/>
+          <a:ea typeface="+mj-ea"/>
+          <a:cs typeface="+mj-cs"/>
         </a:defRPr>
-      </a:lvl1pPr>
-      <a:lvl2pPr marL="742950" indent="-285750" algn="l" defTabSz="914400" rtl="0" eaLnBrk="1" latinLnBrk="0" hangingPunct="1">
+      </a:lvl2pPr>
+      <a:lvl3pPr marL="1143000" indent="-228600" algn="l" defTabSz="457200" rtl="0" eaLnBrk="1" latinLnBrk="0" hangingPunct="1">
         <a:spcBef>
-          <a:spcPct val="20000"/>
+          <a:spcPts val="1000"/>
         </a:spcBef>
-        <a:buFont typeface="Arial" pitchFamily="34" charset="0"/>
-        <a:buChar char="–"/>
-        <a:defRPr sz="2800" kern="1200">
+        <a:spcAft>
+          <a:spcPts val="0"/>
+        </a:spcAft>
+        <a:buClr>
+          <a:schemeClr val="accent1"/>
+        </a:buClr>
+        <a:buSzPct val="80000"/>
+        <a:buFont typeface="Wingdings 3" charset="2"/>
+        <a:buChar char=""/>
+        <a:defRPr sz="1600" b="0" i="0" kern="1200">
           <a:solidFill>
             <a:schemeClr val="tx1"/>
           </a:solidFill>
-          <a:latin typeface="+mn-lt"/>
-          <a:ea typeface="+mn-ea"/>
-          <a:cs typeface="+mn-cs"/>
+          <a:latin typeface="+mj-lt"/>
+          <a:ea typeface="+mj-ea"/>
+          <a:cs typeface="+mj-cs"/>
         </a:defRPr>
-      </a:lvl2pPr>
-      <a:lvl3pPr marL="1143000" indent="-228600" algn="l" defTabSz="914400" rtl="0" eaLnBrk="1" latinLnBrk="0" hangingPunct="1">
+      </a:lvl3pPr>
+      <a:lvl4pPr marL="1600200" indent="-228600" algn="l" defTabSz="457200" rtl="0" eaLnBrk="1" latinLnBrk="0" hangingPunct="1">
         <a:spcBef>
-          <a:spcPct val="20000"/>
+          <a:spcPts val="1000"/>
         </a:spcBef>
-        <a:buFont typeface="Arial" pitchFamily="34" charset="0"/>
-        <a:buChar char="•"/>
-        <a:defRPr sz="2400" kern="1200">
+        <a:spcAft>
+          <a:spcPts val="0"/>
+        </a:spcAft>
+        <a:buClr>
+          <a:schemeClr val="accent1"/>
+        </a:buClr>
+        <a:buSzPct val="80000"/>
+        <a:buFont typeface="Wingdings 3" charset="2"/>
+        <a:buChar char=""/>
+        <a:defRPr sz="1400" b="0" i="0" kern="1200">
           <a:solidFill>
             <a:schemeClr val="tx1"/>
           </a:solidFill>
-          <a:latin typeface="+mn-lt"/>
-          <a:ea typeface="+mn-ea"/>
-          <a:cs typeface="+mn-cs"/>
+          <a:latin typeface="+mj-lt"/>
+          <a:ea typeface="+mj-ea"/>
+          <a:cs typeface="+mj-cs"/>
         </a:defRPr>
-      </a:lvl3pPr>
-      <a:lvl4pPr marL="1600200" indent="-228600" algn="l" defTabSz="914400" rtl="0" eaLnBrk="1" latinLnBrk="0" hangingPunct="1">
+      </a:lvl4pPr>
+      <a:lvl5pPr marL="2057400" indent="-228600" algn="l" defTabSz="457200" rtl="0" eaLnBrk="1" latinLnBrk="0" hangingPunct="1">
         <a:spcBef>
-          <a:spcPct val="20000"/>
+          <a:spcPts val="1000"/>
         </a:spcBef>
-        <a:buFont typeface="Arial" pitchFamily="34" charset="0"/>
-        <a:buChar char="–"/>
-        <a:defRPr sz="2000" kern="1200">
+        <a:spcAft>
+          <a:spcPts val="0"/>
+        </a:spcAft>
+        <a:buClr>
+          <a:schemeClr val="accent1"/>
+        </a:buClr>
+        <a:buSzPct val="80000"/>
+        <a:buFont typeface="Wingdings 3" charset="2"/>
+        <a:buChar char=""/>
+        <a:defRPr sz="1400" b="0" i="0" kern="1200">
           <a:solidFill>
             <a:schemeClr val="tx1"/>
           </a:solidFill>
-          <a:latin typeface="+mn-lt"/>
-          <a:ea typeface="+mn-ea"/>
-          <a:cs typeface="+mn-cs"/>
+          <a:latin typeface="+mj-lt"/>
+          <a:ea typeface="+mj-ea"/>
+          <a:cs typeface="+mj-cs"/>
         </a:defRPr>
-      </a:lvl4pPr>
-      <a:lvl5pPr marL="2057400" indent="-228600" algn="l" defTabSz="914400" rtl="0" eaLnBrk="1" latinLnBrk="0" hangingPunct="1">
+      </a:lvl5pPr>
+      <a:lvl6pPr marL="2514600" indent="-228600" algn="l" defTabSz="457200" rtl="0" eaLnBrk="1" latinLnBrk="0" hangingPunct="1">
         <a:spcBef>
-          <a:spcPct val="20000"/>
+          <a:spcPts val="1000"/>
         </a:spcBef>
-        <a:buFont typeface="Arial" pitchFamily="34" charset="0"/>
-        <a:buChar char="»"/>
-        <a:defRPr sz="2000" kern="1200">
+        <a:spcAft>
+          <a:spcPts val="0"/>
+        </a:spcAft>
+        <a:buClr>
+          <a:schemeClr val="accent1"/>
+        </a:buClr>
+        <a:buSzPct val="80000"/>
+        <a:buFont typeface="Wingdings 3" charset="2"/>
+        <a:buChar char=""/>
+        <a:defRPr sz="1400" b="0" i="0" kern="1200">
           <a:solidFill>
             <a:schemeClr val="tx1"/>
           </a:solidFill>
-          <a:latin typeface="+mn-lt"/>
-          <a:ea typeface="+mn-ea"/>
-          <a:cs typeface="+mn-cs"/>
+          <a:latin typeface="+mj-lt"/>
+          <a:ea typeface="+mj-ea"/>
+          <a:cs typeface="+mj-cs"/>
         </a:defRPr>
-      </a:lvl5pPr>
-      <a:lvl6pPr marL="2514600" indent="-228600" algn="l" defTabSz="914400" rtl="0" eaLnBrk="1" latinLnBrk="0" hangingPunct="1">
+      </a:lvl6pPr>
+      <a:lvl7pPr marL="2971800" indent="-228600" algn="l" defTabSz="457200" rtl="0" eaLnBrk="1" latinLnBrk="0" hangingPunct="1">
         <a:spcBef>
-          <a:spcPct val="20000"/>
+          <a:spcPts val="1000"/>
         </a:spcBef>
-        <a:buFont typeface="Arial" pitchFamily="34" charset="0"/>
-        <a:buChar char="•"/>
-        <a:defRPr sz="2000" kern="1200">
+        <a:spcAft>
+          <a:spcPts val="0"/>
+        </a:spcAft>
+        <a:buClr>
+          <a:schemeClr val="accent1"/>
+        </a:buClr>
+        <a:buSzPct val="80000"/>
+        <a:buFont typeface="Wingdings 3" charset="2"/>
+        <a:buChar char=""/>
+        <a:defRPr sz="1400" b="0" i="0" kern="1200">
           <a:solidFill>
             <a:schemeClr val="tx1"/>
           </a:solidFill>
-          <a:latin typeface="+mn-lt"/>
-          <a:ea typeface="+mn-ea"/>
-          <a:cs typeface="+mn-cs"/>
+          <a:latin typeface="+mj-lt"/>
+          <a:ea typeface="+mj-ea"/>
+          <a:cs typeface="+mj-cs"/>
         </a:defRPr>
-      </a:lvl6pPr>
-      <a:lvl7pPr marL="2971800" indent="-228600" algn="l" defTabSz="914400" rtl="0" eaLnBrk="1" latinLnBrk="0" hangingPunct="1">
+      </a:lvl7pPr>
+      <a:lvl8pPr marL="3429000" indent="-228600" algn="l" defTabSz="457200" rtl="0" eaLnBrk="1" latinLnBrk="0" hangingPunct="1">
         <a:spcBef>
-          <a:spcPct val="20000"/>
+          <a:spcPts val="1000"/>
         </a:spcBef>
-        <a:buFont typeface="Arial" pitchFamily="34" charset="0"/>
-        <a:buChar char="•"/>
-        <a:defRPr sz="2000" kern="1200">
+        <a:spcAft>
+          <a:spcPts val="0"/>
+        </a:spcAft>
+        <a:buClr>
+          <a:schemeClr val="accent1"/>
+        </a:buClr>
+        <a:buSzPct val="80000"/>
+        <a:buFont typeface="Wingdings 3" charset="2"/>
+        <a:buChar char=""/>
+        <a:defRPr sz="1400" b="0" i="0" kern="1200">
           <a:solidFill>
             <a:schemeClr val="tx1"/>
           </a:solidFill>
-          <a:latin typeface="+mn-lt"/>
-          <a:ea typeface="+mn-ea"/>
-          <a:cs typeface="+mn-cs"/>
+          <a:latin typeface="+mj-lt"/>
+          <a:ea typeface="+mj-ea"/>
+          <a:cs typeface="+mj-cs"/>
         </a:defRPr>
-      </a:lvl7pPr>
-      <a:lvl8pPr marL="3429000" indent="-228600" algn="l" defTabSz="914400" rtl="0" eaLnBrk="1" latinLnBrk="0" hangingPunct="1">
+      </a:lvl8pPr>
+      <a:lvl9pPr marL="3886200" indent="-228600" algn="l" defTabSz="457200" rtl="0" eaLnBrk="1" latinLnBrk="0" hangingPunct="1">
         <a:spcBef>
-          <a:spcPct val="20000"/>
+          <a:spcPts val="1000"/>
         </a:spcBef>
-        <a:buFont typeface="Arial" pitchFamily="34" charset="0"/>
-        <a:buChar char="•"/>
-        <a:defRPr sz="2000" kern="1200">
+        <a:spcAft>
+          <a:spcPts val="0"/>
+        </a:spcAft>
+        <a:buClr>
+          <a:schemeClr val="accent1"/>
+        </a:buClr>
+        <a:buSzPct val="80000"/>
+        <a:buFont typeface="Wingdings 3" charset="2"/>
+        <a:buChar char=""/>
+        <a:defRPr sz="1400" b="0" i="0" kern="1200">
           <a:solidFill>
             <a:schemeClr val="tx1"/>
           </a:solidFill>
-          <a:latin typeface="+mn-lt"/>
-          <a:ea typeface="+mn-ea"/>
-          <a:cs typeface="+mn-cs"/>
-        </a:defRPr>
-      </a:lvl8pPr>
-      <a:lvl9pPr marL="3886200" indent="-228600" algn="l" defTabSz="914400" rtl="0" eaLnBrk="1" latinLnBrk="0" hangingPunct="1">
-        <a:spcBef>
-          <a:spcPct val="20000"/>
-        </a:spcBef>
-        <a:buFont typeface="Arial" pitchFamily="34" charset="0"/>
-        <a:buChar char="•"/>
-        <a:defRPr sz="2000" kern="1200">
-          <a:solidFill>
-            <a:schemeClr val="tx1"/>
-          </a:solidFill>
-          <a:latin typeface="+mn-lt"/>
-          <a:ea typeface="+mn-ea"/>
-          <a:cs typeface="+mn-cs"/>
+          <a:latin typeface="+mj-lt"/>
+          <a:ea typeface="+mj-ea"/>
+          <a:cs typeface="+mj-cs"/>
         </a:defRPr>
       </a:lvl9pPr>
     </p:bodyStyle>
@@ -2997,7 +6074,7 @@
       <a:defPPr>
         <a:defRPr lang="en-US"/>
       </a:defPPr>
-      <a:lvl1pPr marL="0" algn="l" defTabSz="914400" rtl="0" eaLnBrk="1" latinLnBrk="0" hangingPunct="1">
+      <a:lvl1pPr marL="0" algn="l" defTabSz="457200" rtl="0" eaLnBrk="1" latinLnBrk="0" hangingPunct="1">
         <a:defRPr sz="1800" kern="1200">
           <a:solidFill>
             <a:schemeClr val="tx1"/>
@@ -3007,7 +6084,7 @@
           <a:cs typeface="+mn-cs"/>
         </a:defRPr>
       </a:lvl1pPr>
-      <a:lvl2pPr marL="457200" algn="l" defTabSz="914400" rtl="0" eaLnBrk="1" latinLnBrk="0" hangingPunct="1">
+      <a:lvl2pPr marL="457200" algn="l" defTabSz="457200" rtl="0" eaLnBrk="1" latinLnBrk="0" hangingPunct="1">
         <a:defRPr sz="1800" kern="1200">
           <a:solidFill>
             <a:schemeClr val="tx1"/>
@@ -3017,7 +6094,7 @@
           <a:cs typeface="+mn-cs"/>
         </a:defRPr>
       </a:lvl2pPr>
-      <a:lvl3pPr marL="914400" algn="l" defTabSz="914400" rtl="0" eaLnBrk="1" latinLnBrk="0" hangingPunct="1">
+      <a:lvl3pPr marL="914400" algn="l" defTabSz="457200" rtl="0" eaLnBrk="1" latinLnBrk="0" hangingPunct="1">
         <a:defRPr sz="1800" kern="1200">
           <a:solidFill>
             <a:schemeClr val="tx1"/>
@@ -3027,7 +6104,7 @@
           <a:cs typeface="+mn-cs"/>
         </a:defRPr>
       </a:lvl3pPr>
-      <a:lvl4pPr marL="1371600" algn="l" defTabSz="914400" rtl="0" eaLnBrk="1" latinLnBrk="0" hangingPunct="1">
+      <a:lvl4pPr marL="1371600" algn="l" defTabSz="457200" rtl="0" eaLnBrk="1" latinLnBrk="0" hangingPunct="1">
         <a:defRPr sz="1800" kern="1200">
           <a:solidFill>
             <a:schemeClr val="tx1"/>
@@ -3037,7 +6114,7 @@
           <a:cs typeface="+mn-cs"/>
         </a:defRPr>
       </a:lvl4pPr>
-      <a:lvl5pPr marL="1828800" algn="l" defTabSz="914400" rtl="0" eaLnBrk="1" latinLnBrk="0" hangingPunct="1">
+      <a:lvl5pPr marL="1828800" algn="l" defTabSz="457200" rtl="0" eaLnBrk="1" latinLnBrk="0" hangingPunct="1">
         <a:defRPr sz="1800" kern="1200">
           <a:solidFill>
             <a:schemeClr val="tx1"/>
@@ -3047,7 +6124,7 @@
           <a:cs typeface="+mn-cs"/>
         </a:defRPr>
       </a:lvl5pPr>
-      <a:lvl6pPr marL="2286000" algn="l" defTabSz="914400" rtl="0" eaLnBrk="1" latinLnBrk="0" hangingPunct="1">
+      <a:lvl6pPr marL="2286000" algn="l" defTabSz="457200" rtl="0" eaLnBrk="1" latinLnBrk="0" hangingPunct="1">
         <a:defRPr sz="1800" kern="1200">
           <a:solidFill>
             <a:schemeClr val="tx1"/>
@@ -3057,7 +6134,7 @@
           <a:cs typeface="+mn-cs"/>
         </a:defRPr>
       </a:lvl6pPr>
-      <a:lvl7pPr marL="2743200" algn="l" defTabSz="914400" rtl="0" eaLnBrk="1" latinLnBrk="0" hangingPunct="1">
+      <a:lvl7pPr marL="2743200" algn="l" defTabSz="457200" rtl="0" eaLnBrk="1" latinLnBrk="0" hangingPunct="1">
         <a:defRPr sz="1800" kern="1200">
           <a:solidFill>
             <a:schemeClr val="tx1"/>
@@ -3067,7 +6144,7 @@
           <a:cs typeface="+mn-cs"/>
         </a:defRPr>
       </a:lvl7pPr>
-      <a:lvl8pPr marL="3200400" algn="l" defTabSz="914400" rtl="0" eaLnBrk="1" latinLnBrk="0" hangingPunct="1">
+      <a:lvl8pPr marL="3200400" algn="l" defTabSz="457200" rtl="0" eaLnBrk="1" latinLnBrk="0" hangingPunct="1">
         <a:defRPr sz="1800" kern="1200">
           <a:solidFill>
             <a:schemeClr val="tx1"/>
@@ -3077,7 +6154,7 @@
           <a:cs typeface="+mn-cs"/>
         </a:defRPr>
       </a:lvl8pPr>
-      <a:lvl9pPr marL="3657600" algn="l" defTabSz="914400" rtl="0" eaLnBrk="1" latinLnBrk="0" hangingPunct="1">
+      <a:lvl9pPr marL="3657600" algn="l" defTabSz="457200" rtl="0" eaLnBrk="1" latinLnBrk="0" hangingPunct="1">
         <a:defRPr sz="1800" kern="1200">
           <a:solidFill>
             <a:schemeClr val="tx1"/>
@@ -3126,7 +6203,11 @@
           <a:p>
             <a:r>
               <a:rPr lang="en-US" dirty="0" smtClean="0"/>
-              <a:t>Twitter Gatherer</a:t>
+              <a:t>Twitter </a:t>
+            </a:r>
+            <a:r>
+              <a:rPr lang="en-US" dirty="0" smtClean="0"/>
+              <a:t>Analytics</a:t>
             </a:r>
             <a:endParaRPr lang="en-US" dirty="0"/>
           </a:p>
@@ -3142,12 +6223,43 @@
             <p:ph type="subTitle" idx="1"/>
           </p:nvPr>
         </p:nvSpPr>
-        <p:spPr/>
-        <p:txBody>
-          <a:bodyPr/>
-          <a:lstStyle/>
-          <a:p>
-            <a:endParaRPr lang="en-US"/>
+        <p:spPr>
+          <a:xfrm>
+            <a:off x="866442" y="4777380"/>
+            <a:ext cx="6620968" cy="937620"/>
+          </a:xfrm>
+        </p:spPr>
+        <p:txBody>
+          <a:bodyPr>
+            <a:normAutofit fontScale="85000" lnSpcReduction="20000"/>
+          </a:bodyPr>
+          <a:lstStyle/>
+          <a:p>
+            <a:r>
+              <a:rPr lang="en-US" sz="1800" dirty="0" smtClean="0"/>
+              <a:t>Eric Newsom</a:t>
+            </a:r>
+          </a:p>
+          <a:p>
+            <a:r>
+              <a:rPr lang="en-US" sz="1800" dirty="0" err="1" smtClean="0"/>
+              <a:t>Keifer</a:t>
+            </a:r>
+            <a:r>
+              <a:rPr lang="en-US" sz="1800" dirty="0" smtClean="0"/>
+              <a:t> Laverty</a:t>
+            </a:r>
+          </a:p>
+          <a:p>
+            <a:r>
+              <a:rPr lang="en-US" sz="1800" dirty="0" smtClean="0"/>
+              <a:t>Devon </a:t>
+            </a:r>
+            <a:r>
+              <a:rPr lang="en-US" sz="1800" dirty="0" err="1" smtClean="0"/>
+              <a:t>moses</a:t>
+            </a:r>
+            <a:endParaRPr lang="en-US" sz="1800" dirty="0"/>
           </a:p>
         </p:txBody>
       </p:sp>
@@ -3161,6 +6273,13 @@
   <p:clrMapOvr>
     <a:masterClrMapping/>
   </p:clrMapOvr>
+  <p:timing>
+    <p:tnLst>
+      <p:par>
+        <p:cTn id="1" dur="indefinite" restart="never" nodeType="tmRoot"/>
+      </p:par>
+    </p:tnLst>
+  </p:timing>
 </p:sld>
 </file>
 
@@ -3198,77 +6317,59 @@
           <a:p>
             <a:r>
               <a:rPr lang="en-US" dirty="0" smtClean="0"/>
-              <a:t>Spiral 1 Evaluation</a:t>
+              <a:t>Updated Class Diagram</a:t>
             </a:r>
             <a:endParaRPr lang="en-US" dirty="0"/>
           </a:p>
         </p:txBody>
       </p:sp>
-      <p:sp>
-        <p:nvSpPr>
-          <p:cNvPr id="3" name="Content Placeholder 2"/>
-          <p:cNvSpPr>
-            <a:spLocks noGrp="1"/>
-          </p:cNvSpPr>
-          <p:nvPr>
-            <p:ph idx="1"/>
-          </p:nvPr>
-        </p:nvSpPr>
-        <p:spPr/>
-        <p:txBody>
-          <a:bodyPr/>
-          <a:lstStyle/>
-          <a:p>
-            <a:r>
-              <a:rPr lang="en-US" dirty="0" smtClean="0"/>
-              <a:t>Unit Testing</a:t>
-            </a:r>
-          </a:p>
-          <a:p>
-            <a:pPr lvl="1"/>
-            <a:r>
-              <a:rPr lang="en-US" dirty="0" smtClean="0"/>
-              <a:t>Dummy main was used to test the whole first spiral</a:t>
-            </a:r>
-          </a:p>
-          <a:p>
-            <a:r>
-              <a:rPr lang="en-US" dirty="0" smtClean="0"/>
-              <a:t>Twitter API calls were slow</a:t>
-            </a:r>
-          </a:p>
-          <a:p>
-            <a:r>
-              <a:rPr lang="en-US" dirty="0" smtClean="0"/>
-              <a:t>Twitter4J and JDBC had different structures for returning data</a:t>
-            </a:r>
-            <a:endParaRPr lang="en-US" dirty="0"/>
-          </a:p>
-          <a:p>
-            <a:pPr lvl="1"/>
-            <a:r>
-              <a:rPr lang="en-US" dirty="0" smtClean="0"/>
-              <a:t>Need uniform structure for tweets</a:t>
-            </a:r>
-          </a:p>
-          <a:p>
-            <a:r>
-              <a:rPr lang="en-US" dirty="0" smtClean="0"/>
-              <a:t>Profanity</a:t>
-            </a:r>
-          </a:p>
-        </p:txBody>
-      </p:sp>
+      <p:pic>
+        <p:nvPicPr>
+          <p:cNvPr id="5" name="Picture 4"/>
+          <p:cNvPicPr>
+            <a:picLocks noChangeAspect="1"/>
+          </p:cNvPicPr>
+          <p:nvPr/>
+        </p:nvPicPr>
+        <p:blipFill>
+          <a:blip r:embed="rId2">
+            <a:extLst>
+              <a:ext uri="{28A0092B-C50C-407E-A947-70E740481C1C}">
+                <a14:useLocalDpi xmlns:a14="http://schemas.microsoft.com/office/drawing/2010/main" val="0"/>
+              </a:ext>
+            </a:extLst>
+          </a:blip>
+          <a:stretch>
+            <a:fillRect/>
+          </a:stretch>
+        </p:blipFill>
+        <p:spPr>
+          <a:xfrm>
+            <a:off x="381000" y="1879654"/>
+            <a:ext cx="8330062" cy="4560402"/>
+          </a:xfrm>
+          <a:prstGeom prst="rect">
+            <a:avLst/>
+          </a:prstGeom>
+        </p:spPr>
+      </p:pic>
     </p:spTree>
     <p:extLst>
       <p:ext uri="{BB962C8B-B14F-4D97-AF65-F5344CB8AC3E}">
-        <p14:creationId xmlns:p14="http://schemas.microsoft.com/office/powerpoint/2010/main" val="1511380619"/>
+        <p14:creationId xmlns:p14="http://schemas.microsoft.com/office/powerpoint/2010/main" val="2921264139"/>
       </p:ext>
     </p:extLst>
   </p:cSld>
   <p:clrMapOvr>
     <a:masterClrMapping/>
   </p:clrMapOvr>
+  <p:timing>
+    <p:tnLst>
+      <p:par>
+        <p:cTn id="1" dur="indefinite" restart="never" nodeType="tmRoot"/>
+      </p:par>
+    </p:tnLst>
+  </p:timing>
 </p:sld>
 </file>
 
@@ -3306,7 +6407,7 @@
           <a:p>
             <a:r>
               <a:rPr lang="en-US" dirty="0" smtClean="0"/>
-              <a:t>Spiral 2 Requirements Analysis</a:t>
+              <a:t>Requirement Priorities</a:t>
             </a:r>
             <a:endParaRPr lang="en-US" dirty="0"/>
           </a:p>
@@ -3322,27 +6423,28 @@
             <p:ph idx="1"/>
           </p:nvPr>
         </p:nvSpPr>
-        <p:spPr/>
+        <p:spPr>
+          <a:xfrm>
+            <a:off x="990600" y="2514600"/>
+            <a:ext cx="6711654" cy="4195481"/>
+          </a:xfrm>
+        </p:spPr>
         <p:txBody>
           <a:bodyPr/>
           <a:lstStyle/>
           <a:p>
             <a:r>
-              <a:rPr lang="en-US" dirty="0" smtClean="0"/>
-              <a:t>Return tweets in a GUI</a:t>
-            </a:r>
-          </a:p>
-          <a:p>
-            <a:r>
-              <a:rPr lang="en-US" dirty="0" smtClean="0"/>
-              <a:t>Filter profanity</a:t>
-            </a:r>
-          </a:p>
-          <a:p>
-            <a:r>
-              <a:rPr lang="en-US" dirty="0" smtClean="0"/>
-              <a:t>Return tweets within program in a unified way</a:t>
-            </a:r>
+              <a:rPr lang="en-US" sz="2400" dirty="0" smtClean="0"/>
+              <a:t>We determined that with the allotted time frame we should assign priorities to the functional requirements we desired to implement.</a:t>
+            </a:r>
+          </a:p>
+          <a:p>
+            <a:r>
+              <a:rPr lang="en-US" sz="2400" dirty="0" smtClean="0"/>
+              <a:t>Priorities were assigned based on what we believed was necessary for execution, as well as what was technically feasible.</a:t>
+            </a:r>
+          </a:p>
+          <a:p>
             <a:endParaRPr lang="en-US" dirty="0"/>
           </a:p>
         </p:txBody>
@@ -3350,13 +6452,20 @@
     </p:spTree>
     <p:extLst>
       <p:ext uri="{BB962C8B-B14F-4D97-AF65-F5344CB8AC3E}">
-        <p14:creationId xmlns:p14="http://schemas.microsoft.com/office/powerpoint/2010/main" val="621650070"/>
+        <p14:creationId xmlns:p14="http://schemas.microsoft.com/office/powerpoint/2010/main" val="750550833"/>
       </p:ext>
     </p:extLst>
   </p:cSld>
   <p:clrMapOvr>
     <a:masterClrMapping/>
   </p:clrMapOvr>
+  <p:timing>
+    <p:tnLst>
+      <p:par>
+        <p:cTn id="1" dur="indefinite" restart="never" nodeType="tmRoot"/>
+      </p:par>
+    </p:tnLst>
+  </p:timing>
 </p:sld>
 </file>
 
@@ -3394,85 +6503,312 @@
           <a:p>
             <a:r>
               <a:rPr lang="en-US" dirty="0" smtClean="0"/>
-              <a:t>Spiral 2 Design</a:t>
+              <a:t>Requirement Priorities</a:t>
             </a:r>
             <a:endParaRPr lang="en-US" dirty="0"/>
           </a:p>
         </p:txBody>
       </p:sp>
-      <p:sp>
-        <p:nvSpPr>
-          <p:cNvPr id="3" name="Content Placeholder 2"/>
-          <p:cNvSpPr>
-            <a:spLocks noGrp="1"/>
-          </p:cNvSpPr>
-          <p:nvPr>
-            <p:ph idx="1"/>
-          </p:nvPr>
-        </p:nvSpPr>
-        <p:spPr/>
-        <p:txBody>
-          <a:bodyPr/>
-          <a:lstStyle/>
-          <a:p>
-            <a:r>
-              <a:rPr lang="en-US" dirty="0" smtClean="0"/>
-              <a:t>Tweet class</a:t>
-            </a:r>
-          </a:p>
-          <a:p>
-            <a:pPr lvl="1"/>
-            <a:r>
-              <a:rPr lang="en-US" dirty="0" smtClean="0"/>
-              <a:t>Uniform structure for use throughout program</a:t>
-            </a:r>
-          </a:p>
-          <a:p>
-            <a:r>
-              <a:rPr lang="en-US" dirty="0" smtClean="0"/>
-              <a:t>Profanity filter</a:t>
-            </a:r>
-          </a:p>
-          <a:p>
-            <a:pPr lvl="1"/>
-            <a:r>
-              <a:rPr lang="en-US" dirty="0" smtClean="0"/>
-              <a:t>How to design efficiently</a:t>
-            </a:r>
-          </a:p>
-          <a:p>
-            <a:pPr lvl="1"/>
-            <a:r>
-              <a:rPr lang="en-US" dirty="0" smtClean="0"/>
-              <a:t>Cover most cases</a:t>
-            </a:r>
-          </a:p>
-          <a:p>
-            <a:r>
-              <a:rPr lang="en-US" dirty="0" smtClean="0"/>
-              <a:t>GUI</a:t>
-            </a:r>
-          </a:p>
-          <a:p>
-            <a:pPr lvl="1"/>
-            <a:r>
-              <a:rPr lang="en-US" dirty="0" smtClean="0"/>
-              <a:t>Display tweets in a concise manner</a:t>
-            </a:r>
-            <a:endParaRPr lang="en-US" dirty="0"/>
-          </a:p>
-        </p:txBody>
-      </p:sp>
+      <p:graphicFrame>
+        <p:nvGraphicFramePr>
+          <p:cNvPr id="6" name="Content Placeholder 5"/>
+          <p:cNvGraphicFramePr>
+            <a:graphicFrameLocks noGrp="1"/>
+          </p:cNvGraphicFramePr>
+          <p:nvPr>
+            <p:ph sz="half" idx="2"/>
+            <p:extLst>
+              <p:ext uri="{D42A27DB-BD31-4B8C-83A1-F6EECF244321}">
+                <p14:modId xmlns:p14="http://schemas.microsoft.com/office/powerpoint/2010/main" val="1625232739"/>
+              </p:ext>
+            </p:extLst>
+          </p:nvPr>
+        </p:nvGraphicFramePr>
+        <p:xfrm>
+          <a:off x="914400" y="1600200"/>
+          <a:ext cx="7315200" cy="4572001"/>
+        </p:xfrm>
+        <a:graphic>
+          <a:graphicData uri="http://schemas.openxmlformats.org/drawingml/2006/table">
+            <a:tbl>
+              <a:tblPr firstRow="1" bandRow="1">
+                <a:tableStyleId>{5C22544A-7EE6-4342-B048-85BDC9FD1C3A}</a:tableStyleId>
+              </a:tblPr>
+              <a:tblGrid>
+                <a:gridCol w="2438400">
+                  <a:extLst>
+                    <a:ext uri="{9D8B030D-6E8A-4147-A177-3AD203B41FA5}">
+                      <a16:colId xmlns:a16="http://schemas.microsoft.com/office/drawing/2014/main" val="4011962770"/>
+                    </a:ext>
+                  </a:extLst>
+                </a:gridCol>
+                <a:gridCol w="2438400">
+                  <a:extLst>
+                    <a:ext uri="{9D8B030D-6E8A-4147-A177-3AD203B41FA5}">
+                      <a16:colId xmlns:a16="http://schemas.microsoft.com/office/drawing/2014/main" val="3895828968"/>
+                    </a:ext>
+                  </a:extLst>
+                </a:gridCol>
+                <a:gridCol w="2438400">
+                  <a:extLst>
+                    <a:ext uri="{9D8B030D-6E8A-4147-A177-3AD203B41FA5}">
+                      <a16:colId xmlns:a16="http://schemas.microsoft.com/office/drawing/2014/main" val="3840606997"/>
+                    </a:ext>
+                  </a:extLst>
+                </a:gridCol>
+              </a:tblGrid>
+              <a:tr h="768820">
+                <a:tc>
+                  <a:txBody>
+                    <a:bodyPr/>
+                    <a:lstStyle/>
+                    <a:p>
+                      <a:r>
+                        <a:rPr lang="en-US" dirty="0" smtClean="0"/>
+                        <a:t>Highest</a:t>
+                      </a:r>
+                      <a:endParaRPr lang="en-US" dirty="0"/>
+                    </a:p>
+                  </a:txBody>
+                  <a:tcPr/>
+                </a:tc>
+                <a:tc>
+                  <a:txBody>
+                    <a:bodyPr/>
+                    <a:lstStyle/>
+                    <a:p>
+                      <a:r>
+                        <a:rPr lang="en-US" dirty="0" smtClean="0"/>
+                        <a:t>Middle</a:t>
+                      </a:r>
+                      <a:endParaRPr lang="en-US" dirty="0"/>
+                    </a:p>
+                  </a:txBody>
+                  <a:tcPr/>
+                </a:tc>
+                <a:tc>
+                  <a:txBody>
+                    <a:bodyPr/>
+                    <a:lstStyle/>
+                    <a:p>
+                      <a:r>
+                        <a:rPr lang="en-US" dirty="0" smtClean="0"/>
+                        <a:t>Lowest</a:t>
+                      </a:r>
+                      <a:endParaRPr lang="en-US" dirty="0"/>
+                    </a:p>
+                  </a:txBody>
+                  <a:tcPr/>
+                </a:tc>
+                <a:extLst>
+                  <a:ext uri="{0D108BD9-81ED-4DB2-BD59-A6C34878D82A}">
+                    <a16:rowId xmlns:a16="http://schemas.microsoft.com/office/drawing/2014/main" val="148587514"/>
+                  </a:ext>
+                </a:extLst>
+              </a:tr>
+              <a:tr h="1498223">
+                <a:tc>
+                  <a:txBody>
+                    <a:bodyPr/>
+                    <a:lstStyle/>
+                    <a:p>
+                      <a:pPr marL="0" algn="l" defTabSz="457200" rtl="0" eaLnBrk="1" latinLnBrk="0" hangingPunct="1"/>
+                      <a:r>
+                        <a:rPr lang="en-US" sz="1800" kern="1200" dirty="0" smtClean="0">
+                          <a:solidFill>
+                            <a:schemeClr val="dk1"/>
+                          </a:solidFill>
+                          <a:latin typeface="+mn-lt"/>
+                          <a:ea typeface="+mn-ea"/>
+                          <a:cs typeface="+mn-cs"/>
+                        </a:rPr>
+                        <a:t>Twitter and Database Connections.</a:t>
+                      </a:r>
+                      <a:endParaRPr lang="en-US" sz="1800" kern="1200" dirty="0">
+                        <a:solidFill>
+                          <a:schemeClr val="dk1"/>
+                        </a:solidFill>
+                        <a:latin typeface="+mn-lt"/>
+                        <a:ea typeface="+mn-ea"/>
+                        <a:cs typeface="+mn-cs"/>
+                      </a:endParaRPr>
+                    </a:p>
+                  </a:txBody>
+                  <a:tcPr/>
+                </a:tc>
+                <a:tc>
+                  <a:txBody>
+                    <a:bodyPr/>
+                    <a:lstStyle/>
+                    <a:p>
+                      <a:r>
+                        <a:rPr lang="en-US" dirty="0" smtClean="0"/>
+                        <a:t>Storing</a:t>
+                      </a:r>
+                      <a:r>
+                        <a:rPr lang="en-US" baseline="0" dirty="0" smtClean="0"/>
+                        <a:t> collected tweets into database.</a:t>
+                      </a:r>
+                      <a:endParaRPr lang="en-US" dirty="0"/>
+                    </a:p>
+                  </a:txBody>
+                  <a:tcPr/>
+                </a:tc>
+                <a:tc>
+                  <a:txBody>
+                    <a:bodyPr/>
+                    <a:lstStyle/>
+                    <a:p>
+                      <a:r>
+                        <a:rPr lang="en-US" dirty="0" smtClean="0"/>
+                        <a:t>Data Visualization.</a:t>
+                      </a:r>
+                      <a:endParaRPr lang="en-US" dirty="0"/>
+                    </a:p>
+                  </a:txBody>
+                  <a:tcPr/>
+                </a:tc>
+                <a:extLst>
+                  <a:ext uri="{0D108BD9-81ED-4DB2-BD59-A6C34878D82A}">
+                    <a16:rowId xmlns:a16="http://schemas.microsoft.com/office/drawing/2014/main" val="2219267874"/>
+                  </a:ext>
+                </a:extLst>
+              </a:tr>
+              <a:tr h="1152479">
+                <a:tc>
+                  <a:txBody>
+                    <a:bodyPr/>
+                    <a:lstStyle/>
+                    <a:p>
+                      <a:r>
+                        <a:rPr lang="en-US" dirty="0" smtClean="0"/>
+                        <a:t>Query</a:t>
+                      </a:r>
+                      <a:r>
+                        <a:rPr lang="en-US" baseline="0" dirty="0" smtClean="0"/>
+                        <a:t> Creation.</a:t>
+                      </a:r>
+                      <a:endParaRPr lang="en-US" dirty="0"/>
+                    </a:p>
+                  </a:txBody>
+                  <a:tcPr/>
+                </a:tc>
+                <a:tc>
+                  <a:txBody>
+                    <a:bodyPr/>
+                    <a:lstStyle/>
+                    <a:p>
+                      <a:r>
+                        <a:rPr lang="en-US" dirty="0" smtClean="0"/>
+                        <a:t>GUI</a:t>
+                      </a:r>
+                      <a:r>
+                        <a:rPr lang="en-US" baseline="0" dirty="0" smtClean="0"/>
+                        <a:t> Creation for inputs.</a:t>
+                      </a:r>
+                      <a:endParaRPr lang="en-US" dirty="0"/>
+                    </a:p>
+                  </a:txBody>
+                  <a:tcPr/>
+                </a:tc>
+                <a:tc>
+                  <a:txBody>
+                    <a:bodyPr/>
+                    <a:lstStyle/>
+                    <a:p>
+                      <a:r>
+                        <a:rPr lang="en-US" dirty="0" smtClean="0"/>
+                        <a:t>Search</a:t>
+                      </a:r>
+                      <a:r>
+                        <a:rPr lang="en-US" baseline="0" dirty="0" smtClean="0"/>
+                        <a:t> by date.</a:t>
+                      </a:r>
+                      <a:endParaRPr lang="en-US" dirty="0"/>
+                    </a:p>
+                  </a:txBody>
+                  <a:tcPr/>
+                </a:tc>
+                <a:extLst>
+                  <a:ext uri="{0D108BD9-81ED-4DB2-BD59-A6C34878D82A}">
+                    <a16:rowId xmlns:a16="http://schemas.microsoft.com/office/drawing/2014/main" val="1071006221"/>
+                  </a:ext>
+                </a:extLst>
+              </a:tr>
+              <a:tr h="1152479">
+                <a:tc>
+                  <a:txBody>
+                    <a:bodyPr/>
+                    <a:lstStyle/>
+                    <a:p>
+                      <a:r>
+                        <a:rPr lang="en-US" dirty="0" smtClean="0"/>
+                        <a:t>Profanity</a:t>
+                      </a:r>
+                      <a:r>
+                        <a:rPr lang="en-US" baseline="0" dirty="0" smtClean="0"/>
+                        <a:t> Filtering.</a:t>
+                      </a:r>
+                      <a:endParaRPr lang="en-US" dirty="0"/>
+                    </a:p>
+                  </a:txBody>
+                  <a:tcPr/>
+                </a:tc>
+                <a:tc>
+                  <a:txBody>
+                    <a:bodyPr/>
+                    <a:lstStyle/>
+                    <a:p>
+                      <a:r>
+                        <a:rPr lang="en-US" dirty="0" smtClean="0"/>
+                        <a:t>Display results of queries.</a:t>
+                      </a:r>
+                      <a:endParaRPr lang="en-US" dirty="0"/>
+                    </a:p>
+                  </a:txBody>
+                  <a:tcPr/>
+                </a:tc>
+                <a:tc>
+                  <a:txBody>
+                    <a:bodyPr/>
+                    <a:lstStyle/>
+                    <a:p>
+                      <a:r>
+                        <a:rPr lang="en-US" dirty="0" smtClean="0"/>
+                        <a:t>Generate data reports.</a:t>
+                      </a:r>
+                      <a:endParaRPr lang="en-US" dirty="0"/>
+                    </a:p>
+                  </a:txBody>
+                  <a:tcPr/>
+                </a:tc>
+                <a:extLst>
+                  <a:ext uri="{0D108BD9-81ED-4DB2-BD59-A6C34878D82A}">
+                    <a16:rowId xmlns:a16="http://schemas.microsoft.com/office/drawing/2014/main" val="3810488542"/>
+                  </a:ext>
+                </a:extLst>
+              </a:tr>
+            </a:tbl>
+          </a:graphicData>
+        </a:graphic>
+      </p:graphicFrame>
     </p:spTree>
     <p:extLst>
       <p:ext uri="{BB962C8B-B14F-4D97-AF65-F5344CB8AC3E}">
-        <p14:creationId xmlns:p14="http://schemas.microsoft.com/office/powerpoint/2010/main" val="2176929393"/>
+        <p14:creationId xmlns:p14="http://schemas.microsoft.com/office/powerpoint/2010/main" val="4270881546"/>
       </p:ext>
     </p:extLst>
   </p:cSld>
   <p:clrMapOvr>
     <a:masterClrMapping/>
   </p:clrMapOvr>
+  <p:timing>
+    <p:tnLst>
+      <p:par>
+        <p:cTn id="1" dur="indefinite" restart="never" nodeType="tmRoot"/>
+      </p:par>
+    </p:tnLst>
+  </p:timing>
 </p:sld>
 </file>
 
@@ -3510,7 +6846,7 @@
           <a:p>
             <a:r>
               <a:rPr lang="en-US" dirty="0" smtClean="0"/>
-              <a:t>Spiral 2 Implementation</a:t>
+              <a:t>Overall Design Decisions</a:t>
             </a:r>
             <a:endParaRPr lang="en-US" dirty="0"/>
           </a:p>
@@ -3518,7 +6854,7 @@
       </p:sp>
       <p:sp>
         <p:nvSpPr>
-          <p:cNvPr id="3" name="Content Placeholder 2"/>
+          <p:cNvPr id="5" name="Content Placeholder 4"/>
           <p:cNvSpPr>
             <a:spLocks noGrp="1"/>
           </p:cNvSpPr>
@@ -3526,25 +6862,108 @@
             <p:ph idx="1"/>
           </p:nvPr>
         </p:nvSpPr>
-        <p:spPr/>
+        <p:spPr>
+          <a:xfrm>
+            <a:off x="828436" y="2286000"/>
+            <a:ext cx="6711654" cy="4195481"/>
+          </a:xfrm>
+        </p:spPr>
         <p:txBody>
           <a:bodyPr/>
           <a:lstStyle/>
           <a:p>
-            <a:endParaRPr lang="en-US"/>
+            <a:r>
+              <a:rPr lang="en-US" dirty="0" smtClean="0"/>
+              <a:t>We believed that we would benefit from the Object-Oriented nature of Java.</a:t>
+            </a:r>
+          </a:p>
+          <a:p>
+            <a:r>
+              <a:rPr lang="en-US" dirty="0" smtClean="0"/>
+              <a:t>This allowed us to create our own tweet object for uniformity across the application.</a:t>
+            </a:r>
+            <a:endParaRPr lang="en-US" dirty="0" smtClean="0"/>
+          </a:p>
+          <a:p>
+            <a:r>
+              <a:rPr lang="en-US" dirty="0" smtClean="0"/>
+              <a:t>We also had prior experience with Java and more specifically the twitter4j library and the JDBC library used for connections to Twitter and Databases.</a:t>
+            </a:r>
+            <a:endParaRPr lang="en-US" dirty="0" smtClean="0"/>
+          </a:p>
+        </p:txBody>
+      </p:sp>
+      <p:sp>
+        <p:nvSpPr>
+          <p:cNvPr id="4" name="TextBox 3"/>
+          <p:cNvSpPr txBox="1"/>
+          <p:nvPr/>
+        </p:nvSpPr>
+        <p:spPr>
+          <a:xfrm>
+            <a:off x="1143000" y="1385547"/>
+            <a:ext cx="2133600" cy="461665"/>
+          </a:xfrm>
+          <a:prstGeom prst="rect">
+            <a:avLst/>
+          </a:prstGeom>
+          <a:noFill/>
+        </p:spPr>
+        <p:txBody>
+          <a:bodyPr wrap="square" rtlCol="0">
+            <a:spAutoFit/>
+          </a:bodyPr>
+          <a:lstStyle/>
+          <a:p>
+            <a:r>
+              <a:rPr lang="en-US" sz="2400" dirty="0" smtClean="0">
+                <a:ln w="0"/>
+                <a:solidFill>
+                  <a:schemeClr val="accent1"/>
+                </a:solidFill>
+                <a:effectLst>
+                  <a:outerShdw blurRad="38100" dist="25400" dir="5400000" algn="ctr" rotWithShape="0">
+                    <a:srgbClr val="6E747A">
+                      <a:alpha val="43000"/>
+                    </a:srgbClr>
+                  </a:outerShdw>
+                </a:effectLst>
+              </a:rPr>
+              <a:t>Why Java?</a:t>
+            </a:r>
+            <a:endParaRPr lang="en-US" sz="2400" dirty="0">
+              <a:ln w="0"/>
+              <a:solidFill>
+                <a:schemeClr val="accent1"/>
+              </a:solidFill>
+              <a:effectLst>
+                <a:outerShdw blurRad="38100" dist="25400" dir="5400000" algn="ctr" rotWithShape="0">
+                  <a:srgbClr val="6E747A">
+                    <a:alpha val="43000"/>
+                  </a:srgbClr>
+                </a:outerShdw>
+              </a:effectLst>
+            </a:endParaRPr>
           </a:p>
         </p:txBody>
       </p:sp>
     </p:spTree>
     <p:extLst>
       <p:ext uri="{BB962C8B-B14F-4D97-AF65-F5344CB8AC3E}">
-        <p14:creationId xmlns:p14="http://schemas.microsoft.com/office/powerpoint/2010/main" val="1248476427"/>
+        <p14:creationId xmlns:p14="http://schemas.microsoft.com/office/powerpoint/2010/main" val="255775997"/>
       </p:ext>
     </p:extLst>
   </p:cSld>
   <p:clrMapOvr>
     <a:masterClrMapping/>
   </p:clrMapOvr>
+  <p:timing>
+    <p:tnLst>
+      <p:par>
+        <p:cTn id="1" dur="indefinite" restart="never" nodeType="tmRoot"/>
+      </p:par>
+    </p:tnLst>
+  </p:timing>
 </p:sld>
 </file>
 
@@ -3582,7 +7001,7 @@
           <a:p>
             <a:r>
               <a:rPr lang="en-US" dirty="0" smtClean="0"/>
-              <a:t>Spiral 2 Evaluation</a:t>
+              <a:t>Overall Design Decisions</a:t>
             </a:r>
             <a:endParaRPr lang="en-US" dirty="0"/>
           </a:p>
@@ -3590,7 +7009,7 @@
       </p:sp>
       <p:sp>
         <p:nvSpPr>
-          <p:cNvPr id="3" name="Content Placeholder 2"/>
+          <p:cNvPr id="5" name="Content Placeholder 4"/>
           <p:cNvSpPr>
             <a:spLocks noGrp="1"/>
           </p:cNvSpPr>
@@ -3598,25 +7017,109 @@
             <p:ph idx="1"/>
           </p:nvPr>
         </p:nvSpPr>
-        <p:spPr/>
-        <p:txBody>
-          <a:bodyPr/>
-          <a:lstStyle/>
-          <a:p>
-            <a:endParaRPr lang="en-US"/>
+        <p:spPr>
+          <a:xfrm>
+            <a:off x="855615" y="2438400"/>
+            <a:ext cx="6711654" cy="4195481"/>
+          </a:xfrm>
+        </p:spPr>
+        <p:txBody>
+          <a:bodyPr>
+            <a:normAutofit/>
+          </a:bodyPr>
+          <a:lstStyle/>
+          <a:p>
+            <a:r>
+              <a:rPr lang="en-US" sz="2200" dirty="0" smtClean="0"/>
+              <a:t>We desired a platform that would be free of cost as we will only be utilizing it for 3 months.</a:t>
+            </a:r>
+          </a:p>
+          <a:p>
+            <a:r>
+              <a:rPr lang="en-US" sz="2200" dirty="0" smtClean="0"/>
+              <a:t>Of all the free SQL databases AWS provided the most disk space.</a:t>
+            </a:r>
+          </a:p>
+          <a:p>
+            <a:r>
+              <a:rPr lang="en-US" sz="2200" dirty="0" smtClean="0"/>
+              <a:t>We chose to use a relational SQL database because we have prior experience working with them.</a:t>
+            </a:r>
+            <a:endParaRPr lang="en-US" sz="2200" dirty="0" smtClean="0"/>
+          </a:p>
+        </p:txBody>
+      </p:sp>
+      <p:sp>
+        <p:nvSpPr>
+          <p:cNvPr id="4" name="TextBox 3"/>
+          <p:cNvSpPr txBox="1"/>
+          <p:nvPr/>
+        </p:nvSpPr>
+        <p:spPr>
+          <a:xfrm>
+            <a:off x="855615" y="1383100"/>
+            <a:ext cx="5181600" cy="400110"/>
+          </a:xfrm>
+          <a:prstGeom prst="rect">
+            <a:avLst/>
+          </a:prstGeom>
+          <a:noFill/>
+        </p:spPr>
+        <p:txBody>
+          <a:bodyPr wrap="square" rtlCol="0">
+            <a:spAutoFit/>
+          </a:bodyPr>
+          <a:lstStyle/>
+          <a:p>
+            <a:r>
+              <a:rPr lang="en-US" sz="2000" dirty="0" smtClean="0">
+                <a:ln w="0"/>
+                <a:solidFill>
+                  <a:schemeClr val="accent1"/>
+                </a:solidFill>
+                <a:effectLst>
+                  <a:outerShdw blurRad="38100" dist="25400" dir="5400000" algn="ctr" rotWithShape="0">
+                    <a:srgbClr val="6E747A">
+                      <a:alpha val="43000"/>
+                    </a:srgbClr>
+                  </a:outerShdw>
+                </a:effectLst>
+              </a:rPr>
+              <a:t>Why Amazon Web Services?</a:t>
+            </a:r>
+            <a:endParaRPr lang="en-US" sz="2000" dirty="0">
+              <a:ln w="0"/>
+              <a:solidFill>
+                <a:schemeClr val="accent1"/>
+              </a:solidFill>
+              <a:effectLst>
+                <a:outerShdw blurRad="38100" dist="25400" dir="5400000" algn="ctr" rotWithShape="0">
+                  <a:srgbClr val="6E747A">
+                    <a:alpha val="43000"/>
+                  </a:srgbClr>
+                </a:outerShdw>
+              </a:effectLst>
+            </a:endParaRPr>
           </a:p>
         </p:txBody>
       </p:sp>
     </p:spTree>
     <p:extLst>
       <p:ext uri="{BB962C8B-B14F-4D97-AF65-F5344CB8AC3E}">
-        <p14:creationId xmlns:p14="http://schemas.microsoft.com/office/powerpoint/2010/main" val="2674745970"/>
+        <p14:creationId xmlns:p14="http://schemas.microsoft.com/office/powerpoint/2010/main" val="3516665486"/>
       </p:ext>
     </p:extLst>
   </p:cSld>
   <p:clrMapOvr>
     <a:masterClrMapping/>
   </p:clrMapOvr>
+  <p:timing>
+    <p:tnLst>
+      <p:par>
+        <p:cTn id="1" dur="indefinite" restart="never" nodeType="tmRoot"/>
+      </p:par>
+    </p:tnLst>
+  </p:timing>
 </p:sld>
 </file>
 
@@ -3653,42 +7156,826 @@
           <a:lstStyle/>
           <a:p>
             <a:r>
-              <a:rPr lang="en-US" smtClean="0"/>
-              <a:t>Conclusions</a:t>
-            </a:r>
-            <a:endParaRPr lang="en-US"/>
-          </a:p>
-        </p:txBody>
-      </p:sp>
-      <p:sp>
-        <p:nvSpPr>
-          <p:cNvPr id="3" name="Content Placeholder 2"/>
-          <p:cNvSpPr>
-            <a:spLocks noGrp="1"/>
-          </p:cNvSpPr>
-          <p:nvPr>
-            <p:ph idx="1"/>
-          </p:nvPr>
-        </p:nvSpPr>
-        <p:spPr/>
-        <p:txBody>
-          <a:bodyPr/>
-          <a:lstStyle/>
-          <a:p>
-            <a:endParaRPr lang="en-US"/>
+              <a:rPr lang="en-US" dirty="0" smtClean="0"/>
+              <a:t>Spiral </a:t>
+            </a:r>
+            <a:r>
+              <a:rPr lang="en-US" dirty="0" smtClean="0"/>
+              <a:t>1</a:t>
+            </a:r>
+            <a:endParaRPr lang="en-US" dirty="0"/>
+          </a:p>
+        </p:txBody>
+      </p:sp>
+      <p:sp>
+        <p:nvSpPr>
+          <p:cNvPr id="4" name="Content Placeholder 3"/>
+          <p:cNvSpPr>
+            <a:spLocks noGrp="1"/>
+          </p:cNvSpPr>
+          <p:nvPr>
+            <p:ph sz="half" idx="1"/>
+          </p:nvPr>
+        </p:nvSpPr>
+        <p:spPr>
+          <a:xfrm>
+            <a:off x="914400" y="2438400"/>
+            <a:ext cx="7325700" cy="4195763"/>
+          </a:xfrm>
+        </p:spPr>
+        <p:txBody>
+          <a:bodyPr>
+            <a:normAutofit/>
+          </a:bodyPr>
+          <a:lstStyle/>
+          <a:p>
+            <a:r>
+              <a:rPr lang="en-US" sz="2100" dirty="0" smtClean="0"/>
+              <a:t>Setup connections to twitter and the database.</a:t>
+            </a:r>
+          </a:p>
+          <a:p>
+            <a:r>
+              <a:rPr lang="en-US" sz="2100" dirty="0" smtClean="0"/>
+              <a:t>Search Twitter and Database by keyword.</a:t>
+            </a:r>
+          </a:p>
+          <a:p>
+            <a:r>
+              <a:rPr lang="en-US" sz="2100" dirty="0" smtClean="0"/>
+              <a:t>Allow insertion of results from twitter into the database.</a:t>
+            </a:r>
+            <a:endParaRPr lang="en-US" sz="2100" dirty="0"/>
+          </a:p>
+        </p:txBody>
+      </p:sp>
+      <p:sp>
+        <p:nvSpPr>
+          <p:cNvPr id="6" name="TextBox 5"/>
+          <p:cNvSpPr txBox="1"/>
+          <p:nvPr/>
+        </p:nvSpPr>
+        <p:spPr>
+          <a:xfrm>
+            <a:off x="855615" y="1383100"/>
+            <a:ext cx="5181600" cy="400110"/>
+          </a:xfrm>
+          <a:prstGeom prst="rect">
+            <a:avLst/>
+          </a:prstGeom>
+          <a:noFill/>
+        </p:spPr>
+        <p:txBody>
+          <a:bodyPr wrap="square" rtlCol="0">
+            <a:spAutoFit/>
+          </a:bodyPr>
+          <a:lstStyle/>
+          <a:p>
+            <a:r>
+              <a:rPr lang="en-US" sz="2000" dirty="0" smtClean="0">
+                <a:ln w="0"/>
+                <a:solidFill>
+                  <a:schemeClr val="accent1"/>
+                </a:solidFill>
+                <a:effectLst>
+                  <a:outerShdw blurRad="38100" dist="25400" dir="5400000" algn="ctr" rotWithShape="0">
+                    <a:srgbClr val="6E747A">
+                      <a:alpha val="43000"/>
+                    </a:srgbClr>
+                  </a:outerShdw>
+                </a:effectLst>
+              </a:rPr>
+              <a:t>Requirements</a:t>
+            </a:r>
+            <a:endParaRPr lang="en-US" sz="2000" dirty="0">
+              <a:ln w="0"/>
+              <a:solidFill>
+                <a:schemeClr val="accent1"/>
+              </a:solidFill>
+              <a:effectLst>
+                <a:outerShdw blurRad="38100" dist="25400" dir="5400000" algn="ctr" rotWithShape="0">
+                  <a:srgbClr val="6E747A">
+                    <a:alpha val="43000"/>
+                  </a:srgbClr>
+                </a:outerShdw>
+              </a:effectLst>
+            </a:endParaRPr>
           </a:p>
         </p:txBody>
       </p:sp>
     </p:spTree>
     <p:extLst>
       <p:ext uri="{BB962C8B-B14F-4D97-AF65-F5344CB8AC3E}">
-        <p14:creationId xmlns:p14="http://schemas.microsoft.com/office/powerpoint/2010/main" val="1306294315"/>
+        <p14:creationId xmlns:p14="http://schemas.microsoft.com/office/powerpoint/2010/main" val="851733143"/>
       </p:ext>
     </p:extLst>
   </p:cSld>
   <p:clrMapOvr>
     <a:masterClrMapping/>
   </p:clrMapOvr>
+  <p:timing>
+    <p:tnLst>
+      <p:par>
+        <p:cTn id="1" dur="indefinite" restart="never" nodeType="tmRoot"/>
+      </p:par>
+    </p:tnLst>
+  </p:timing>
+</p:sld>
+</file>
+
+<file path=ppt/slides/slide16.xml><?xml version="1.0" encoding="utf-8"?>
+<p:sld xmlns:a="http://schemas.openxmlformats.org/drawingml/2006/main" xmlns:r="http://schemas.openxmlformats.org/officeDocument/2006/relationships" xmlns:p="http://schemas.openxmlformats.org/presentationml/2006/main">
+  <p:cSld>
+    <p:spTree>
+      <p:nvGrpSpPr>
+        <p:cNvPr id="1" name=""/>
+        <p:cNvGrpSpPr/>
+        <p:nvPr/>
+      </p:nvGrpSpPr>
+      <p:grpSpPr>
+        <a:xfrm>
+          <a:off x="0" y="0"/>
+          <a:ext cx="0" cy="0"/>
+          <a:chOff x="0" y="0"/>
+          <a:chExt cx="0" cy="0"/>
+        </a:xfrm>
+      </p:grpSpPr>
+      <p:sp>
+        <p:nvSpPr>
+          <p:cNvPr id="2" name="Title 1"/>
+          <p:cNvSpPr>
+            <a:spLocks noGrp="1"/>
+          </p:cNvSpPr>
+          <p:nvPr>
+            <p:ph type="title"/>
+          </p:nvPr>
+        </p:nvSpPr>
+        <p:spPr/>
+        <p:txBody>
+          <a:bodyPr/>
+          <a:lstStyle/>
+          <a:p>
+            <a:r>
+              <a:rPr lang="en-US" dirty="0" smtClean="0"/>
+              <a:t>Spiral </a:t>
+            </a:r>
+            <a:r>
+              <a:rPr lang="en-US" dirty="0" smtClean="0"/>
+              <a:t>1</a:t>
+            </a:r>
+            <a:endParaRPr lang="en-US" dirty="0"/>
+          </a:p>
+        </p:txBody>
+      </p:sp>
+      <p:sp>
+        <p:nvSpPr>
+          <p:cNvPr id="3" name="Content Placeholder 2"/>
+          <p:cNvSpPr>
+            <a:spLocks noGrp="1"/>
+          </p:cNvSpPr>
+          <p:nvPr>
+            <p:ph idx="1"/>
+          </p:nvPr>
+        </p:nvSpPr>
+        <p:spPr/>
+        <p:txBody>
+          <a:bodyPr/>
+          <a:lstStyle/>
+          <a:p>
+            <a:r>
+              <a:rPr lang="en-US" dirty="0" smtClean="0"/>
+              <a:t>We decided to implement three classes in the first spiral.</a:t>
+            </a:r>
+          </a:p>
+          <a:p>
+            <a:pPr lvl="1"/>
+            <a:r>
+              <a:rPr lang="en-US" dirty="0" err="1" smtClean="0"/>
+              <a:t>TwitterInstance</a:t>
+            </a:r>
+            <a:r>
+              <a:rPr lang="en-US" dirty="0" smtClean="0"/>
+              <a:t> is a class that establishes a connection to twitter and allows the submission of queries.</a:t>
+            </a:r>
+          </a:p>
+          <a:p>
+            <a:pPr lvl="1"/>
+            <a:r>
+              <a:rPr lang="en-US" dirty="0" err="1" smtClean="0"/>
+              <a:t>SQLInstance</a:t>
+            </a:r>
+            <a:r>
+              <a:rPr lang="en-US" dirty="0" smtClean="0"/>
+              <a:t> is a class that establishes a connection to our database and allows insertion and selection of tweets</a:t>
+            </a:r>
+          </a:p>
+          <a:p>
+            <a:pPr lvl="1"/>
+            <a:r>
+              <a:rPr lang="en-US" dirty="0" err="1" smtClean="0"/>
+              <a:t>dataCollector</a:t>
+            </a:r>
+            <a:r>
+              <a:rPr lang="en-US" dirty="0" smtClean="0"/>
+              <a:t> is a class that utilizes </a:t>
+            </a:r>
+            <a:r>
+              <a:rPr lang="en-US" dirty="0" err="1" smtClean="0"/>
+              <a:t>TwitterInstance</a:t>
+            </a:r>
+            <a:r>
+              <a:rPr lang="en-US" dirty="0" smtClean="0"/>
+              <a:t> and </a:t>
+            </a:r>
+            <a:r>
+              <a:rPr lang="en-US" dirty="0" err="1" smtClean="0"/>
+              <a:t>SQLInstance</a:t>
+            </a:r>
+            <a:r>
+              <a:rPr lang="en-US" dirty="0" smtClean="0"/>
+              <a:t> to collect and move data between the two.</a:t>
+            </a:r>
+            <a:endParaRPr lang="en-US" dirty="0" smtClean="0"/>
+          </a:p>
+        </p:txBody>
+      </p:sp>
+      <p:sp>
+        <p:nvSpPr>
+          <p:cNvPr id="4" name="TextBox 3"/>
+          <p:cNvSpPr txBox="1"/>
+          <p:nvPr/>
+        </p:nvSpPr>
+        <p:spPr>
+          <a:xfrm>
+            <a:off x="855615" y="1383100"/>
+            <a:ext cx="5181600" cy="400110"/>
+          </a:xfrm>
+          <a:prstGeom prst="rect">
+            <a:avLst/>
+          </a:prstGeom>
+          <a:noFill/>
+        </p:spPr>
+        <p:txBody>
+          <a:bodyPr wrap="square" rtlCol="0">
+            <a:spAutoFit/>
+          </a:bodyPr>
+          <a:lstStyle/>
+          <a:p>
+            <a:r>
+              <a:rPr lang="en-US" sz="2000" dirty="0" smtClean="0">
+                <a:ln w="0"/>
+                <a:solidFill>
+                  <a:schemeClr val="accent1"/>
+                </a:solidFill>
+                <a:effectLst>
+                  <a:outerShdw blurRad="38100" dist="25400" dir="5400000" algn="ctr" rotWithShape="0">
+                    <a:srgbClr val="6E747A">
+                      <a:alpha val="43000"/>
+                    </a:srgbClr>
+                  </a:outerShdw>
+                </a:effectLst>
+              </a:rPr>
+              <a:t>Design</a:t>
+            </a:r>
+            <a:endParaRPr lang="en-US" sz="2000" dirty="0">
+              <a:ln w="0"/>
+              <a:solidFill>
+                <a:schemeClr val="accent1"/>
+              </a:solidFill>
+              <a:effectLst>
+                <a:outerShdw blurRad="38100" dist="25400" dir="5400000" algn="ctr" rotWithShape="0">
+                  <a:srgbClr val="6E747A">
+                    <a:alpha val="43000"/>
+                  </a:srgbClr>
+                </a:outerShdw>
+              </a:effectLst>
+            </a:endParaRPr>
+          </a:p>
+        </p:txBody>
+      </p:sp>
+    </p:spTree>
+    <p:extLst>
+      <p:ext uri="{BB962C8B-B14F-4D97-AF65-F5344CB8AC3E}">
+        <p14:creationId xmlns:p14="http://schemas.microsoft.com/office/powerpoint/2010/main" val="1316655818"/>
+      </p:ext>
+    </p:extLst>
+  </p:cSld>
+  <p:clrMapOvr>
+    <a:masterClrMapping/>
+  </p:clrMapOvr>
+  <p:timing>
+    <p:tnLst>
+      <p:par>
+        <p:cTn id="1" dur="indefinite" restart="never" nodeType="tmRoot"/>
+      </p:par>
+    </p:tnLst>
+  </p:timing>
+</p:sld>
+</file>
+
+<file path=ppt/slides/slide17.xml><?xml version="1.0" encoding="utf-8"?>
+<p:sld xmlns:a="http://schemas.openxmlformats.org/drawingml/2006/main" xmlns:r="http://schemas.openxmlformats.org/officeDocument/2006/relationships" xmlns:p="http://schemas.openxmlformats.org/presentationml/2006/main">
+  <p:cSld>
+    <p:spTree>
+      <p:nvGrpSpPr>
+        <p:cNvPr id="1" name=""/>
+        <p:cNvGrpSpPr/>
+        <p:nvPr/>
+      </p:nvGrpSpPr>
+      <p:grpSpPr>
+        <a:xfrm>
+          <a:off x="0" y="0"/>
+          <a:ext cx="0" cy="0"/>
+          <a:chOff x="0" y="0"/>
+          <a:chExt cx="0" cy="0"/>
+        </a:xfrm>
+      </p:grpSpPr>
+      <p:sp>
+        <p:nvSpPr>
+          <p:cNvPr id="2" name="Title 1"/>
+          <p:cNvSpPr>
+            <a:spLocks noGrp="1"/>
+          </p:cNvSpPr>
+          <p:nvPr>
+            <p:ph type="title"/>
+          </p:nvPr>
+        </p:nvSpPr>
+        <p:spPr/>
+        <p:txBody>
+          <a:bodyPr/>
+          <a:lstStyle/>
+          <a:p>
+            <a:r>
+              <a:rPr lang="en-US" dirty="0" smtClean="0"/>
+              <a:t>Spiral </a:t>
+            </a:r>
+            <a:r>
+              <a:rPr lang="en-US" dirty="0" smtClean="0"/>
+              <a:t>1</a:t>
+            </a:r>
+            <a:endParaRPr lang="en-US" dirty="0"/>
+          </a:p>
+        </p:txBody>
+      </p:sp>
+      <p:sp>
+        <p:nvSpPr>
+          <p:cNvPr id="3" name="Content Placeholder 2"/>
+          <p:cNvSpPr>
+            <a:spLocks noGrp="1"/>
+          </p:cNvSpPr>
+          <p:nvPr>
+            <p:ph idx="1"/>
+          </p:nvPr>
+        </p:nvSpPr>
+        <p:spPr>
+          <a:xfrm>
+            <a:off x="828436" y="2514600"/>
+            <a:ext cx="6711654" cy="4195481"/>
+          </a:xfrm>
+        </p:spPr>
+        <p:txBody>
+          <a:bodyPr/>
+          <a:lstStyle/>
+          <a:p>
+            <a:r>
+              <a:rPr lang="en-US" dirty="0" smtClean="0"/>
+              <a:t>In our database we decided to have a Tweets tables to store content and information about tweets and a Users table to store users and information about them in the future.</a:t>
+            </a:r>
+          </a:p>
+          <a:p>
+            <a:endParaRPr lang="en-US" dirty="0" smtClean="0"/>
+          </a:p>
+        </p:txBody>
+      </p:sp>
+      <p:sp>
+        <p:nvSpPr>
+          <p:cNvPr id="4" name="TextBox 3"/>
+          <p:cNvSpPr txBox="1"/>
+          <p:nvPr/>
+        </p:nvSpPr>
+        <p:spPr>
+          <a:xfrm>
+            <a:off x="855615" y="1383100"/>
+            <a:ext cx="5181600" cy="400110"/>
+          </a:xfrm>
+          <a:prstGeom prst="rect">
+            <a:avLst/>
+          </a:prstGeom>
+          <a:noFill/>
+        </p:spPr>
+        <p:txBody>
+          <a:bodyPr wrap="square" rtlCol="0">
+            <a:spAutoFit/>
+          </a:bodyPr>
+          <a:lstStyle/>
+          <a:p>
+            <a:r>
+              <a:rPr lang="en-US" sz="2000" dirty="0" smtClean="0">
+                <a:ln w="0"/>
+                <a:solidFill>
+                  <a:schemeClr val="accent1"/>
+                </a:solidFill>
+                <a:effectLst>
+                  <a:outerShdw blurRad="38100" dist="25400" dir="5400000" algn="ctr" rotWithShape="0">
+                    <a:srgbClr val="6E747A">
+                      <a:alpha val="43000"/>
+                    </a:srgbClr>
+                  </a:outerShdw>
+                </a:effectLst>
+              </a:rPr>
+              <a:t>Design</a:t>
+            </a:r>
+            <a:endParaRPr lang="en-US" sz="2000" dirty="0">
+              <a:ln w="0"/>
+              <a:solidFill>
+                <a:schemeClr val="accent1"/>
+              </a:solidFill>
+              <a:effectLst>
+                <a:outerShdw blurRad="38100" dist="25400" dir="5400000" algn="ctr" rotWithShape="0">
+                  <a:srgbClr val="6E747A">
+                    <a:alpha val="43000"/>
+                  </a:srgbClr>
+                </a:outerShdw>
+              </a:effectLst>
+            </a:endParaRPr>
+          </a:p>
+        </p:txBody>
+      </p:sp>
+    </p:spTree>
+    <p:extLst>
+      <p:ext uri="{BB962C8B-B14F-4D97-AF65-F5344CB8AC3E}">
+        <p14:creationId xmlns:p14="http://schemas.microsoft.com/office/powerpoint/2010/main" val="2989600552"/>
+      </p:ext>
+    </p:extLst>
+  </p:cSld>
+  <p:clrMapOvr>
+    <a:masterClrMapping/>
+  </p:clrMapOvr>
+  <p:timing>
+    <p:tnLst>
+      <p:par>
+        <p:cTn id="1" dur="indefinite" restart="never" nodeType="tmRoot"/>
+      </p:par>
+    </p:tnLst>
+  </p:timing>
+</p:sld>
+</file>
+
+<file path=ppt/slides/slide18.xml><?xml version="1.0" encoding="utf-8"?>
+<p:sld xmlns:a="http://schemas.openxmlformats.org/drawingml/2006/main" xmlns:r="http://schemas.openxmlformats.org/officeDocument/2006/relationships" xmlns:p="http://schemas.openxmlformats.org/presentationml/2006/main">
+  <p:cSld>
+    <p:spTree>
+      <p:nvGrpSpPr>
+        <p:cNvPr id="1" name=""/>
+        <p:cNvGrpSpPr/>
+        <p:nvPr/>
+      </p:nvGrpSpPr>
+      <p:grpSpPr>
+        <a:xfrm>
+          <a:off x="0" y="0"/>
+          <a:ext cx="0" cy="0"/>
+          <a:chOff x="0" y="0"/>
+          <a:chExt cx="0" cy="0"/>
+        </a:xfrm>
+      </p:grpSpPr>
+      <p:sp>
+        <p:nvSpPr>
+          <p:cNvPr id="2" name="Title 1"/>
+          <p:cNvSpPr>
+            <a:spLocks noGrp="1"/>
+          </p:cNvSpPr>
+          <p:nvPr>
+            <p:ph type="title"/>
+          </p:nvPr>
+        </p:nvSpPr>
+        <p:spPr/>
+        <p:txBody>
+          <a:bodyPr/>
+          <a:lstStyle/>
+          <a:p>
+            <a:r>
+              <a:rPr lang="en-US" dirty="0" smtClean="0"/>
+              <a:t>Spiral </a:t>
+            </a:r>
+            <a:r>
+              <a:rPr lang="en-US" dirty="0" smtClean="0"/>
+              <a:t>1</a:t>
+            </a:r>
+            <a:endParaRPr lang="en-US" dirty="0"/>
+          </a:p>
+        </p:txBody>
+      </p:sp>
+      <p:sp>
+        <p:nvSpPr>
+          <p:cNvPr id="3" name="Content Placeholder 2"/>
+          <p:cNvSpPr>
+            <a:spLocks noGrp="1"/>
+          </p:cNvSpPr>
+          <p:nvPr>
+            <p:ph idx="1"/>
+          </p:nvPr>
+        </p:nvSpPr>
+        <p:spPr/>
+        <p:txBody>
+          <a:bodyPr/>
+          <a:lstStyle/>
+          <a:p>
+            <a:r>
+              <a:rPr lang="en-US" dirty="0" smtClean="0"/>
+              <a:t>We performed unit testing on the first spiral by utilizing </a:t>
+            </a:r>
+            <a:r>
+              <a:rPr lang="en-US" dirty="0" err="1" smtClean="0"/>
+              <a:t>dataCollector</a:t>
+            </a:r>
+            <a:r>
+              <a:rPr lang="en-US" dirty="0" smtClean="0"/>
+              <a:t> as our “dummy main” and testing the functionality of </a:t>
+            </a:r>
+            <a:r>
+              <a:rPr lang="en-US" dirty="0" err="1" smtClean="0"/>
+              <a:t>TwitterInstance</a:t>
+            </a:r>
+            <a:r>
+              <a:rPr lang="en-US" dirty="0" smtClean="0"/>
+              <a:t> and </a:t>
+            </a:r>
+            <a:r>
+              <a:rPr lang="en-US" dirty="0" err="1" smtClean="0"/>
+              <a:t>SQLInstance</a:t>
+            </a:r>
+            <a:r>
+              <a:rPr lang="en-US" dirty="0" smtClean="0"/>
+              <a:t>.</a:t>
+            </a:r>
+            <a:endParaRPr lang="en-US" dirty="0" smtClean="0"/>
+          </a:p>
+          <a:p>
+            <a:r>
+              <a:rPr lang="en-US" dirty="0" smtClean="0"/>
+              <a:t>Query results from Twitter were slow and made us consider speed up options in the future.</a:t>
+            </a:r>
+            <a:endParaRPr lang="en-US" dirty="0" smtClean="0"/>
+          </a:p>
+          <a:p>
+            <a:r>
+              <a:rPr lang="en-US" dirty="0" smtClean="0"/>
+              <a:t>Twitter4J and JDBC had different structures for returning </a:t>
+            </a:r>
+            <a:r>
+              <a:rPr lang="en-US" dirty="0" smtClean="0"/>
+              <a:t>data, therefore we needed a uniform object for tweets.</a:t>
+            </a:r>
+            <a:endParaRPr lang="en-US" dirty="0"/>
+          </a:p>
+          <a:p>
+            <a:r>
+              <a:rPr lang="en-US" dirty="0" smtClean="0"/>
+              <a:t>Realized that profanity was an issue and needed to come up with a way to filter tweets containing profanity.</a:t>
+            </a:r>
+            <a:endParaRPr lang="en-US" dirty="0" smtClean="0"/>
+          </a:p>
+        </p:txBody>
+      </p:sp>
+      <p:sp>
+        <p:nvSpPr>
+          <p:cNvPr id="4" name="TextBox 3"/>
+          <p:cNvSpPr txBox="1"/>
+          <p:nvPr/>
+        </p:nvSpPr>
+        <p:spPr>
+          <a:xfrm>
+            <a:off x="855615" y="1383100"/>
+            <a:ext cx="5181600" cy="400110"/>
+          </a:xfrm>
+          <a:prstGeom prst="rect">
+            <a:avLst/>
+          </a:prstGeom>
+          <a:noFill/>
+        </p:spPr>
+        <p:txBody>
+          <a:bodyPr wrap="square" rtlCol="0">
+            <a:spAutoFit/>
+          </a:bodyPr>
+          <a:lstStyle/>
+          <a:p>
+            <a:r>
+              <a:rPr lang="en-US" sz="2000" dirty="0" smtClean="0">
+                <a:ln w="0"/>
+                <a:solidFill>
+                  <a:schemeClr val="accent1"/>
+                </a:solidFill>
+                <a:effectLst>
+                  <a:outerShdw blurRad="38100" dist="25400" dir="5400000" algn="ctr" rotWithShape="0">
+                    <a:srgbClr val="6E747A">
+                      <a:alpha val="43000"/>
+                    </a:srgbClr>
+                  </a:outerShdw>
+                </a:effectLst>
+              </a:rPr>
+              <a:t>Evaluation</a:t>
+            </a:r>
+            <a:endParaRPr lang="en-US" sz="2000" dirty="0">
+              <a:ln w="0"/>
+              <a:solidFill>
+                <a:schemeClr val="accent1"/>
+              </a:solidFill>
+              <a:effectLst>
+                <a:outerShdw blurRad="38100" dist="25400" dir="5400000" algn="ctr" rotWithShape="0">
+                  <a:srgbClr val="6E747A">
+                    <a:alpha val="43000"/>
+                  </a:srgbClr>
+                </a:outerShdw>
+              </a:effectLst>
+            </a:endParaRPr>
+          </a:p>
+        </p:txBody>
+      </p:sp>
+    </p:spTree>
+    <p:extLst>
+      <p:ext uri="{BB962C8B-B14F-4D97-AF65-F5344CB8AC3E}">
+        <p14:creationId xmlns:p14="http://schemas.microsoft.com/office/powerpoint/2010/main" val="1511380619"/>
+      </p:ext>
+    </p:extLst>
+  </p:cSld>
+  <p:clrMapOvr>
+    <a:masterClrMapping/>
+  </p:clrMapOvr>
+  <p:timing>
+    <p:tnLst>
+      <p:par>
+        <p:cTn id="1" dur="indefinite" restart="never" nodeType="tmRoot"/>
+      </p:par>
+    </p:tnLst>
+  </p:timing>
+</p:sld>
+</file>
+
+<file path=ppt/slides/slide19.xml><?xml version="1.0" encoding="utf-8"?>
+<p:sld xmlns:a="http://schemas.openxmlformats.org/drawingml/2006/main" xmlns:r="http://schemas.openxmlformats.org/officeDocument/2006/relationships" xmlns:p="http://schemas.openxmlformats.org/presentationml/2006/main">
+  <p:cSld>
+    <p:spTree>
+      <p:nvGrpSpPr>
+        <p:cNvPr id="1" name=""/>
+        <p:cNvGrpSpPr/>
+        <p:nvPr/>
+      </p:nvGrpSpPr>
+      <p:grpSpPr>
+        <a:xfrm>
+          <a:off x="0" y="0"/>
+          <a:ext cx="0" cy="0"/>
+          <a:chOff x="0" y="0"/>
+          <a:chExt cx="0" cy="0"/>
+        </a:xfrm>
+      </p:grpSpPr>
+      <p:sp>
+        <p:nvSpPr>
+          <p:cNvPr id="2" name="Title 1"/>
+          <p:cNvSpPr>
+            <a:spLocks noGrp="1"/>
+          </p:cNvSpPr>
+          <p:nvPr>
+            <p:ph type="title"/>
+          </p:nvPr>
+        </p:nvSpPr>
+        <p:spPr/>
+        <p:txBody>
+          <a:bodyPr/>
+          <a:lstStyle/>
+          <a:p>
+            <a:r>
+              <a:rPr lang="en-US" dirty="0" smtClean="0"/>
+              <a:t>Spiral </a:t>
+            </a:r>
+            <a:r>
+              <a:rPr lang="en-US" dirty="0" smtClean="0"/>
+              <a:t>2</a:t>
+            </a:r>
+            <a:endParaRPr lang="en-US" dirty="0"/>
+          </a:p>
+        </p:txBody>
+      </p:sp>
+      <p:sp>
+        <p:nvSpPr>
+          <p:cNvPr id="3" name="Content Placeholder 2"/>
+          <p:cNvSpPr>
+            <a:spLocks noGrp="1"/>
+          </p:cNvSpPr>
+          <p:nvPr>
+            <p:ph idx="1"/>
+          </p:nvPr>
+        </p:nvSpPr>
+        <p:spPr>
+          <a:xfrm>
+            <a:off x="826946" y="2514600"/>
+            <a:ext cx="6711654" cy="4195481"/>
+          </a:xfrm>
+        </p:spPr>
+        <p:txBody>
+          <a:bodyPr>
+            <a:normAutofit/>
+          </a:bodyPr>
+          <a:lstStyle/>
+          <a:p>
+            <a:r>
+              <a:rPr lang="en-US" sz="2400" dirty="0" smtClean="0"/>
+              <a:t>Creation of a Menu to easily test upcoming features.</a:t>
+            </a:r>
+            <a:endParaRPr lang="en-US" sz="2400" dirty="0" smtClean="0"/>
+          </a:p>
+          <a:p>
+            <a:r>
+              <a:rPr lang="en-US" sz="2400" dirty="0" smtClean="0"/>
+              <a:t>Implement a basic profanity filter to allow flagging of tweets containing profanity.</a:t>
+            </a:r>
+            <a:endParaRPr lang="en-US" sz="2400" dirty="0" smtClean="0"/>
+          </a:p>
+          <a:p>
+            <a:r>
+              <a:rPr lang="en-US" sz="2400" dirty="0" smtClean="0"/>
+              <a:t>Creation of a tweet object to be uniformly used throughout the program.</a:t>
+            </a:r>
+          </a:p>
+          <a:p>
+            <a:r>
+              <a:rPr lang="en-US" sz="2400" dirty="0" smtClean="0"/>
+              <a:t>Implement search by username for Twitter and Database.</a:t>
+            </a:r>
+            <a:endParaRPr lang="en-US" sz="2400" dirty="0"/>
+          </a:p>
+        </p:txBody>
+      </p:sp>
+      <p:sp>
+        <p:nvSpPr>
+          <p:cNvPr id="4" name="TextBox 3"/>
+          <p:cNvSpPr txBox="1"/>
+          <p:nvPr/>
+        </p:nvSpPr>
+        <p:spPr>
+          <a:xfrm>
+            <a:off x="855615" y="1383100"/>
+            <a:ext cx="5181600" cy="400110"/>
+          </a:xfrm>
+          <a:prstGeom prst="rect">
+            <a:avLst/>
+          </a:prstGeom>
+          <a:noFill/>
+        </p:spPr>
+        <p:txBody>
+          <a:bodyPr wrap="square" rtlCol="0">
+            <a:spAutoFit/>
+          </a:bodyPr>
+          <a:lstStyle/>
+          <a:p>
+            <a:r>
+              <a:rPr lang="en-US" sz="2000" dirty="0" smtClean="0">
+                <a:ln w="0"/>
+                <a:solidFill>
+                  <a:schemeClr val="accent1"/>
+                </a:solidFill>
+                <a:effectLst>
+                  <a:outerShdw blurRad="38100" dist="25400" dir="5400000" algn="ctr" rotWithShape="0">
+                    <a:srgbClr val="6E747A">
+                      <a:alpha val="43000"/>
+                    </a:srgbClr>
+                  </a:outerShdw>
+                </a:effectLst>
+              </a:rPr>
+              <a:t>Requirements</a:t>
+            </a:r>
+            <a:endParaRPr lang="en-US" sz="2000" dirty="0">
+              <a:ln w="0"/>
+              <a:solidFill>
+                <a:schemeClr val="accent1"/>
+              </a:solidFill>
+              <a:effectLst>
+                <a:outerShdw blurRad="38100" dist="25400" dir="5400000" algn="ctr" rotWithShape="0">
+                  <a:srgbClr val="6E747A">
+                    <a:alpha val="43000"/>
+                  </a:srgbClr>
+                </a:outerShdw>
+              </a:effectLst>
+            </a:endParaRPr>
+          </a:p>
+        </p:txBody>
+      </p:sp>
+    </p:spTree>
+    <p:extLst>
+      <p:ext uri="{BB962C8B-B14F-4D97-AF65-F5344CB8AC3E}">
+        <p14:creationId xmlns:p14="http://schemas.microsoft.com/office/powerpoint/2010/main" val="621650070"/>
+      </p:ext>
+    </p:extLst>
+  </p:cSld>
+  <p:clrMapOvr>
+    <a:masterClrMapping/>
+  </p:clrMapOvr>
+  <p:timing>
+    <p:tnLst>
+      <p:par>
+        <p:cTn id="1" dur="indefinite" restart="never" nodeType="tmRoot"/>
+      </p:par>
+    </p:tnLst>
+  </p:timing>
 </p:sld>
 </file>
 
@@ -3719,14 +8006,19 @@
             <p:ph type="title"/>
           </p:nvPr>
         </p:nvSpPr>
-        <p:spPr/>
+        <p:spPr>
+          <a:xfrm>
+            <a:off x="484710" y="533400"/>
+            <a:ext cx="7055380" cy="1400530"/>
+          </a:xfrm>
+        </p:spPr>
         <p:txBody>
           <a:bodyPr/>
           <a:lstStyle/>
           <a:p>
             <a:r>
               <a:rPr lang="en-US" dirty="0" smtClean="0"/>
-              <a:t>Topic Declaration</a:t>
+              <a:t>Project Overview</a:t>
             </a:r>
             <a:endParaRPr lang="en-US" dirty="0"/>
           </a:p>
@@ -3742,27 +8034,39 @@
             <p:ph idx="1"/>
           </p:nvPr>
         </p:nvSpPr>
-        <p:spPr/>
+        <p:spPr>
+          <a:xfrm>
+            <a:off x="828436" y="2057400"/>
+            <a:ext cx="6711654" cy="4195481"/>
+          </a:xfrm>
+        </p:spPr>
         <p:txBody>
           <a:bodyPr/>
           <a:lstStyle/>
           <a:p>
             <a:r>
-              <a:rPr lang="en-US" dirty="0" smtClean="0"/>
-              <a:t>Tweet Gatherer</a:t>
-            </a:r>
-          </a:p>
-          <a:p>
-            <a:r>
-              <a:rPr lang="en-US" dirty="0" smtClean="0"/>
-              <a:t>Collect data from Twitter</a:t>
-            </a:r>
-          </a:p>
-          <a:p>
-            <a:r>
-              <a:rPr lang="en-US" dirty="0" smtClean="0"/>
-              <a:t>Store to database for later access</a:t>
-            </a:r>
+              <a:rPr lang="en-US" sz="2200" dirty="0" smtClean="0"/>
+              <a:t>Search for tweets and store into our database.</a:t>
+            </a:r>
+            <a:endParaRPr lang="en-US" sz="2200" dirty="0"/>
+          </a:p>
+          <a:p>
+            <a:r>
+              <a:rPr lang="en-US" sz="2200" dirty="0" smtClean="0"/>
+              <a:t>Our projected user base is businesses or individuals that desire to improve their social media presence.</a:t>
+            </a:r>
+          </a:p>
+          <a:p>
+            <a:r>
+              <a:rPr lang="en-US" sz="2200" dirty="0" smtClean="0"/>
+              <a:t>We will accomplish this by providing a platform for them to analyze their own Twitter usage and trends in consumer interests.</a:t>
+            </a:r>
+          </a:p>
+          <a:p>
+            <a:pPr marL="0" indent="0">
+              <a:buNone/>
+            </a:pPr>
+            <a:endParaRPr lang="en-US" dirty="0" smtClean="0"/>
           </a:p>
           <a:p>
             <a:endParaRPr lang="en-US" dirty="0" smtClean="0"/>
@@ -3779,6 +8083,1320 @@
   <p:clrMapOvr>
     <a:masterClrMapping/>
   </p:clrMapOvr>
+  <p:timing>
+    <p:tnLst>
+      <p:par>
+        <p:cTn id="1" dur="indefinite" restart="never" nodeType="tmRoot"/>
+      </p:par>
+    </p:tnLst>
+  </p:timing>
+</p:sld>
+</file>
+
+<file path=ppt/slides/slide20.xml><?xml version="1.0" encoding="utf-8"?>
+<p:sld xmlns:a="http://schemas.openxmlformats.org/drawingml/2006/main" xmlns:r="http://schemas.openxmlformats.org/officeDocument/2006/relationships" xmlns:p="http://schemas.openxmlformats.org/presentationml/2006/main">
+  <p:cSld>
+    <p:spTree>
+      <p:nvGrpSpPr>
+        <p:cNvPr id="1" name=""/>
+        <p:cNvGrpSpPr/>
+        <p:nvPr/>
+      </p:nvGrpSpPr>
+      <p:grpSpPr>
+        <a:xfrm>
+          <a:off x="0" y="0"/>
+          <a:ext cx="0" cy="0"/>
+          <a:chOff x="0" y="0"/>
+          <a:chExt cx="0" cy="0"/>
+        </a:xfrm>
+      </p:grpSpPr>
+      <p:sp>
+        <p:nvSpPr>
+          <p:cNvPr id="2" name="Title 1"/>
+          <p:cNvSpPr>
+            <a:spLocks noGrp="1"/>
+          </p:cNvSpPr>
+          <p:nvPr>
+            <p:ph type="title"/>
+          </p:nvPr>
+        </p:nvSpPr>
+        <p:spPr/>
+        <p:txBody>
+          <a:bodyPr/>
+          <a:lstStyle/>
+          <a:p>
+            <a:r>
+              <a:rPr lang="en-US" dirty="0" smtClean="0"/>
+              <a:t>Spiral </a:t>
+            </a:r>
+            <a:r>
+              <a:rPr lang="en-US" dirty="0" smtClean="0"/>
+              <a:t>2</a:t>
+            </a:r>
+            <a:endParaRPr lang="en-US" dirty="0"/>
+          </a:p>
+        </p:txBody>
+      </p:sp>
+      <p:sp>
+        <p:nvSpPr>
+          <p:cNvPr id="3" name="Content Placeholder 2"/>
+          <p:cNvSpPr>
+            <a:spLocks noGrp="1"/>
+          </p:cNvSpPr>
+          <p:nvPr>
+            <p:ph idx="1"/>
+          </p:nvPr>
+        </p:nvSpPr>
+        <p:spPr>
+          <a:xfrm>
+            <a:off x="828436" y="2362200"/>
+            <a:ext cx="6711654" cy="4195481"/>
+          </a:xfrm>
+        </p:spPr>
+        <p:txBody>
+          <a:bodyPr/>
+          <a:lstStyle/>
+          <a:p>
+            <a:r>
+              <a:rPr lang="en-US" dirty="0" smtClean="0"/>
+              <a:t>We desired a User Interface that allowed for input of keyword, username, desired number of results, data to search from, and filtering profanity.</a:t>
+            </a:r>
+            <a:endParaRPr lang="en-US" dirty="0"/>
+          </a:p>
+          <a:p>
+            <a:r>
+              <a:rPr lang="en-US" dirty="0"/>
+              <a:t>We needed a list of profane words to check the contents of the tweets against.</a:t>
+            </a:r>
+          </a:p>
+          <a:p>
+            <a:r>
+              <a:rPr lang="en-US" dirty="0" smtClean="0"/>
+              <a:t>A tweet object that stored information about a tweet in a </a:t>
+            </a:r>
+            <a:r>
+              <a:rPr lang="en-US" dirty="0" smtClean="0"/>
+              <a:t>uniform matter that could be utilized in both </a:t>
+            </a:r>
+            <a:r>
+              <a:rPr lang="en-US" dirty="0" err="1" smtClean="0"/>
+              <a:t>TwitterInstance</a:t>
+            </a:r>
+            <a:r>
+              <a:rPr lang="en-US" dirty="0" smtClean="0"/>
+              <a:t> and </a:t>
+            </a:r>
+            <a:r>
+              <a:rPr lang="en-US" dirty="0" err="1" smtClean="0"/>
+              <a:t>SQLInstance</a:t>
+            </a:r>
+            <a:r>
+              <a:rPr lang="en-US" dirty="0" smtClean="0"/>
+              <a:t>.</a:t>
+            </a:r>
+            <a:endParaRPr lang="en-US" dirty="0" smtClean="0"/>
+          </a:p>
+        </p:txBody>
+      </p:sp>
+      <p:sp>
+        <p:nvSpPr>
+          <p:cNvPr id="4" name="TextBox 3"/>
+          <p:cNvSpPr txBox="1"/>
+          <p:nvPr/>
+        </p:nvSpPr>
+        <p:spPr>
+          <a:xfrm>
+            <a:off x="855615" y="1383100"/>
+            <a:ext cx="5181600" cy="400110"/>
+          </a:xfrm>
+          <a:prstGeom prst="rect">
+            <a:avLst/>
+          </a:prstGeom>
+          <a:noFill/>
+        </p:spPr>
+        <p:txBody>
+          <a:bodyPr wrap="square" rtlCol="0">
+            <a:spAutoFit/>
+          </a:bodyPr>
+          <a:lstStyle/>
+          <a:p>
+            <a:r>
+              <a:rPr lang="en-US" sz="2000" dirty="0" smtClean="0">
+                <a:ln w="0"/>
+                <a:solidFill>
+                  <a:schemeClr val="accent1"/>
+                </a:solidFill>
+                <a:effectLst>
+                  <a:outerShdw blurRad="38100" dist="25400" dir="5400000" algn="ctr" rotWithShape="0">
+                    <a:srgbClr val="6E747A">
+                      <a:alpha val="43000"/>
+                    </a:srgbClr>
+                  </a:outerShdw>
+                </a:effectLst>
+              </a:rPr>
+              <a:t>Design</a:t>
+            </a:r>
+            <a:endParaRPr lang="en-US" sz="2000" dirty="0">
+              <a:ln w="0"/>
+              <a:solidFill>
+                <a:schemeClr val="accent1"/>
+              </a:solidFill>
+              <a:effectLst>
+                <a:outerShdw blurRad="38100" dist="25400" dir="5400000" algn="ctr" rotWithShape="0">
+                  <a:srgbClr val="6E747A">
+                    <a:alpha val="43000"/>
+                  </a:srgbClr>
+                </a:outerShdw>
+              </a:effectLst>
+            </a:endParaRPr>
+          </a:p>
+        </p:txBody>
+      </p:sp>
+    </p:spTree>
+    <p:extLst>
+      <p:ext uri="{BB962C8B-B14F-4D97-AF65-F5344CB8AC3E}">
+        <p14:creationId xmlns:p14="http://schemas.microsoft.com/office/powerpoint/2010/main" val="2176929393"/>
+      </p:ext>
+    </p:extLst>
+  </p:cSld>
+  <p:clrMapOvr>
+    <a:masterClrMapping/>
+  </p:clrMapOvr>
+  <p:timing>
+    <p:tnLst>
+      <p:par>
+        <p:cTn id="1" dur="indefinite" restart="never" nodeType="tmRoot"/>
+      </p:par>
+    </p:tnLst>
+  </p:timing>
+</p:sld>
+</file>
+
+<file path=ppt/slides/slide21.xml><?xml version="1.0" encoding="utf-8"?>
+<p:sld xmlns:a="http://schemas.openxmlformats.org/drawingml/2006/main" xmlns:r="http://schemas.openxmlformats.org/officeDocument/2006/relationships" xmlns:p="http://schemas.openxmlformats.org/presentationml/2006/main">
+  <p:cSld>
+    <p:spTree>
+      <p:nvGrpSpPr>
+        <p:cNvPr id="1" name=""/>
+        <p:cNvGrpSpPr/>
+        <p:nvPr/>
+      </p:nvGrpSpPr>
+      <p:grpSpPr>
+        <a:xfrm>
+          <a:off x="0" y="0"/>
+          <a:ext cx="0" cy="0"/>
+          <a:chOff x="0" y="0"/>
+          <a:chExt cx="0" cy="0"/>
+        </a:xfrm>
+      </p:grpSpPr>
+      <p:sp>
+        <p:nvSpPr>
+          <p:cNvPr id="2" name="Title 1"/>
+          <p:cNvSpPr>
+            <a:spLocks noGrp="1"/>
+          </p:cNvSpPr>
+          <p:nvPr>
+            <p:ph type="title"/>
+          </p:nvPr>
+        </p:nvSpPr>
+        <p:spPr/>
+        <p:txBody>
+          <a:bodyPr/>
+          <a:lstStyle/>
+          <a:p>
+            <a:r>
+              <a:rPr lang="en-US" dirty="0" smtClean="0"/>
+              <a:t>Spiral </a:t>
+            </a:r>
+            <a:r>
+              <a:rPr lang="en-US" dirty="0" smtClean="0"/>
+              <a:t>2</a:t>
+            </a:r>
+            <a:endParaRPr lang="en-US" dirty="0"/>
+          </a:p>
+        </p:txBody>
+      </p:sp>
+      <p:sp>
+        <p:nvSpPr>
+          <p:cNvPr id="3" name="Content Placeholder 2"/>
+          <p:cNvSpPr>
+            <a:spLocks noGrp="1"/>
+          </p:cNvSpPr>
+          <p:nvPr>
+            <p:ph idx="1"/>
+          </p:nvPr>
+        </p:nvSpPr>
+        <p:spPr>
+          <a:xfrm>
+            <a:off x="828436" y="2438400"/>
+            <a:ext cx="6711654" cy="4195481"/>
+          </a:xfrm>
+        </p:spPr>
+        <p:txBody>
+          <a:bodyPr>
+            <a:normAutofit/>
+          </a:bodyPr>
+          <a:lstStyle/>
+          <a:p>
+            <a:r>
+              <a:rPr lang="en-US" sz="2400" dirty="0" smtClean="0"/>
+              <a:t>We utilized Eclipse’s Window Builder plug-in to create the User Interface we desired.</a:t>
+            </a:r>
+          </a:p>
+          <a:p>
+            <a:r>
+              <a:rPr lang="en-US" sz="2400" dirty="0" smtClean="0"/>
+              <a:t>We created an array of profane words that we could iterate through and check for the presence of each word in the content of our tweets.</a:t>
+            </a:r>
+            <a:endParaRPr lang="en-US" sz="2400" dirty="0"/>
+          </a:p>
+        </p:txBody>
+      </p:sp>
+      <p:sp>
+        <p:nvSpPr>
+          <p:cNvPr id="4" name="TextBox 3"/>
+          <p:cNvSpPr txBox="1"/>
+          <p:nvPr/>
+        </p:nvSpPr>
+        <p:spPr>
+          <a:xfrm>
+            <a:off x="855615" y="1383100"/>
+            <a:ext cx="5181600" cy="400110"/>
+          </a:xfrm>
+          <a:prstGeom prst="rect">
+            <a:avLst/>
+          </a:prstGeom>
+          <a:noFill/>
+        </p:spPr>
+        <p:txBody>
+          <a:bodyPr wrap="square" rtlCol="0">
+            <a:spAutoFit/>
+          </a:bodyPr>
+          <a:lstStyle/>
+          <a:p>
+            <a:r>
+              <a:rPr lang="en-US" sz="2000" dirty="0" smtClean="0">
+                <a:ln w="0"/>
+                <a:solidFill>
+                  <a:schemeClr val="accent1"/>
+                </a:solidFill>
+                <a:effectLst>
+                  <a:outerShdw blurRad="38100" dist="25400" dir="5400000" algn="ctr" rotWithShape="0">
+                    <a:srgbClr val="6E747A">
+                      <a:alpha val="43000"/>
+                    </a:srgbClr>
+                  </a:outerShdw>
+                </a:effectLst>
+              </a:rPr>
+              <a:t>Implementation</a:t>
+            </a:r>
+            <a:endParaRPr lang="en-US" sz="2000" dirty="0">
+              <a:ln w="0"/>
+              <a:solidFill>
+                <a:schemeClr val="accent1"/>
+              </a:solidFill>
+              <a:effectLst>
+                <a:outerShdw blurRad="38100" dist="25400" dir="5400000" algn="ctr" rotWithShape="0">
+                  <a:srgbClr val="6E747A">
+                    <a:alpha val="43000"/>
+                  </a:srgbClr>
+                </a:outerShdw>
+              </a:effectLst>
+            </a:endParaRPr>
+          </a:p>
+        </p:txBody>
+      </p:sp>
+    </p:spTree>
+    <p:extLst>
+      <p:ext uri="{BB962C8B-B14F-4D97-AF65-F5344CB8AC3E}">
+        <p14:creationId xmlns:p14="http://schemas.microsoft.com/office/powerpoint/2010/main" val="1248476427"/>
+      </p:ext>
+    </p:extLst>
+  </p:cSld>
+  <p:clrMapOvr>
+    <a:masterClrMapping/>
+  </p:clrMapOvr>
+  <p:timing>
+    <p:tnLst>
+      <p:par>
+        <p:cTn id="1" dur="indefinite" restart="never" nodeType="tmRoot"/>
+      </p:par>
+    </p:tnLst>
+  </p:timing>
+</p:sld>
+</file>
+
+<file path=ppt/slides/slide22.xml><?xml version="1.0" encoding="utf-8"?>
+<p:sld xmlns:a="http://schemas.openxmlformats.org/drawingml/2006/main" xmlns:r="http://schemas.openxmlformats.org/officeDocument/2006/relationships" xmlns:p="http://schemas.openxmlformats.org/presentationml/2006/main">
+  <p:cSld>
+    <p:spTree>
+      <p:nvGrpSpPr>
+        <p:cNvPr id="1" name=""/>
+        <p:cNvGrpSpPr/>
+        <p:nvPr/>
+      </p:nvGrpSpPr>
+      <p:grpSpPr>
+        <a:xfrm>
+          <a:off x="0" y="0"/>
+          <a:ext cx="0" cy="0"/>
+          <a:chOff x="0" y="0"/>
+          <a:chExt cx="0" cy="0"/>
+        </a:xfrm>
+      </p:grpSpPr>
+      <p:sp>
+        <p:nvSpPr>
+          <p:cNvPr id="2" name="Title 1"/>
+          <p:cNvSpPr>
+            <a:spLocks noGrp="1"/>
+          </p:cNvSpPr>
+          <p:nvPr>
+            <p:ph type="title"/>
+          </p:nvPr>
+        </p:nvSpPr>
+        <p:spPr/>
+        <p:txBody>
+          <a:bodyPr/>
+          <a:lstStyle/>
+          <a:p>
+            <a:r>
+              <a:rPr lang="en-US" dirty="0" smtClean="0"/>
+              <a:t>Spiral </a:t>
+            </a:r>
+            <a:r>
+              <a:rPr lang="en-US" dirty="0" smtClean="0"/>
+              <a:t>2</a:t>
+            </a:r>
+            <a:endParaRPr lang="en-US" dirty="0"/>
+          </a:p>
+        </p:txBody>
+      </p:sp>
+      <p:sp>
+        <p:nvSpPr>
+          <p:cNvPr id="3" name="Content Placeholder 2"/>
+          <p:cNvSpPr>
+            <a:spLocks noGrp="1"/>
+          </p:cNvSpPr>
+          <p:nvPr>
+            <p:ph idx="1"/>
+          </p:nvPr>
+        </p:nvSpPr>
+        <p:spPr>
+          <a:xfrm>
+            <a:off x="813347" y="2514600"/>
+            <a:ext cx="6711654" cy="4195481"/>
+          </a:xfrm>
+        </p:spPr>
+        <p:txBody>
+          <a:bodyPr>
+            <a:normAutofit/>
+          </a:bodyPr>
+          <a:lstStyle/>
+          <a:p>
+            <a:r>
+              <a:rPr lang="en-US" dirty="0" smtClean="0"/>
+              <a:t>The implementation of a Tweet object was very beneficial to the execution of the rest of our application.</a:t>
+            </a:r>
+          </a:p>
+          <a:p>
+            <a:r>
+              <a:rPr lang="en-US" dirty="0" smtClean="0"/>
+              <a:t>We also realized that implementing an efficient and effective profanity filter isn’t feasible in our timeframe. </a:t>
+            </a:r>
+          </a:p>
+          <a:p>
+            <a:r>
+              <a:rPr lang="en-US" dirty="0" smtClean="0"/>
+              <a:t>With evolution of our profanity filter we needed a function to update profanity flags in the database.</a:t>
+            </a:r>
+            <a:endParaRPr lang="en-US" dirty="0"/>
+          </a:p>
+        </p:txBody>
+      </p:sp>
+      <p:sp>
+        <p:nvSpPr>
+          <p:cNvPr id="4" name="TextBox 3"/>
+          <p:cNvSpPr txBox="1"/>
+          <p:nvPr/>
+        </p:nvSpPr>
+        <p:spPr>
+          <a:xfrm>
+            <a:off x="860142" y="1377819"/>
+            <a:ext cx="5181600" cy="400110"/>
+          </a:xfrm>
+          <a:prstGeom prst="rect">
+            <a:avLst/>
+          </a:prstGeom>
+          <a:noFill/>
+        </p:spPr>
+        <p:txBody>
+          <a:bodyPr wrap="square" rtlCol="0">
+            <a:spAutoFit/>
+          </a:bodyPr>
+          <a:lstStyle/>
+          <a:p>
+            <a:r>
+              <a:rPr lang="en-US" sz="2000" dirty="0" smtClean="0">
+                <a:ln w="0"/>
+                <a:solidFill>
+                  <a:schemeClr val="accent1"/>
+                </a:solidFill>
+                <a:effectLst>
+                  <a:outerShdw blurRad="38100" dist="25400" dir="5400000" algn="ctr" rotWithShape="0">
+                    <a:srgbClr val="6E747A">
+                      <a:alpha val="43000"/>
+                    </a:srgbClr>
+                  </a:outerShdw>
+                </a:effectLst>
+              </a:rPr>
+              <a:t>Evaluation</a:t>
+            </a:r>
+            <a:endParaRPr lang="en-US" sz="2000" dirty="0">
+              <a:ln w="0"/>
+              <a:solidFill>
+                <a:schemeClr val="accent1"/>
+              </a:solidFill>
+              <a:effectLst>
+                <a:outerShdw blurRad="38100" dist="25400" dir="5400000" algn="ctr" rotWithShape="0">
+                  <a:srgbClr val="6E747A">
+                    <a:alpha val="43000"/>
+                  </a:srgbClr>
+                </a:outerShdw>
+              </a:effectLst>
+            </a:endParaRPr>
+          </a:p>
+        </p:txBody>
+      </p:sp>
+    </p:spTree>
+    <p:extLst>
+      <p:ext uri="{BB962C8B-B14F-4D97-AF65-F5344CB8AC3E}">
+        <p14:creationId xmlns:p14="http://schemas.microsoft.com/office/powerpoint/2010/main" val="2674745970"/>
+      </p:ext>
+    </p:extLst>
+  </p:cSld>
+  <p:clrMapOvr>
+    <a:masterClrMapping/>
+  </p:clrMapOvr>
+  <p:timing>
+    <p:tnLst>
+      <p:par>
+        <p:cTn id="1" dur="indefinite" restart="never" nodeType="tmRoot"/>
+      </p:par>
+    </p:tnLst>
+  </p:timing>
+</p:sld>
+</file>
+
+<file path=ppt/slides/slide23.xml><?xml version="1.0" encoding="utf-8"?>
+<p:sld xmlns:a="http://schemas.openxmlformats.org/drawingml/2006/main" xmlns:r="http://schemas.openxmlformats.org/officeDocument/2006/relationships" xmlns:p="http://schemas.openxmlformats.org/presentationml/2006/main">
+  <p:cSld>
+    <p:spTree>
+      <p:nvGrpSpPr>
+        <p:cNvPr id="1" name=""/>
+        <p:cNvGrpSpPr/>
+        <p:nvPr/>
+      </p:nvGrpSpPr>
+      <p:grpSpPr>
+        <a:xfrm>
+          <a:off x="0" y="0"/>
+          <a:ext cx="0" cy="0"/>
+          <a:chOff x="0" y="0"/>
+          <a:chExt cx="0" cy="0"/>
+        </a:xfrm>
+      </p:grpSpPr>
+      <p:sp>
+        <p:nvSpPr>
+          <p:cNvPr id="2" name="Title 1"/>
+          <p:cNvSpPr>
+            <a:spLocks noGrp="1"/>
+          </p:cNvSpPr>
+          <p:nvPr>
+            <p:ph type="title"/>
+          </p:nvPr>
+        </p:nvSpPr>
+        <p:spPr/>
+        <p:txBody>
+          <a:bodyPr/>
+          <a:lstStyle/>
+          <a:p>
+            <a:r>
+              <a:rPr lang="en-US" dirty="0" smtClean="0"/>
+              <a:t>Spiral </a:t>
+            </a:r>
+            <a:r>
+              <a:rPr lang="en-US" dirty="0"/>
+              <a:t>3</a:t>
+            </a:r>
+            <a:endParaRPr lang="en-US" dirty="0"/>
+          </a:p>
+        </p:txBody>
+      </p:sp>
+      <p:sp>
+        <p:nvSpPr>
+          <p:cNvPr id="3" name="Content Placeholder 2"/>
+          <p:cNvSpPr>
+            <a:spLocks noGrp="1"/>
+          </p:cNvSpPr>
+          <p:nvPr>
+            <p:ph idx="1"/>
+          </p:nvPr>
+        </p:nvSpPr>
+        <p:spPr>
+          <a:xfrm>
+            <a:off x="813347" y="2514600"/>
+            <a:ext cx="6711654" cy="4195481"/>
+          </a:xfrm>
+        </p:spPr>
+        <p:txBody>
+          <a:bodyPr>
+            <a:normAutofit/>
+          </a:bodyPr>
+          <a:lstStyle/>
+          <a:p>
+            <a:r>
+              <a:rPr lang="en-US" sz="2400" dirty="0" smtClean="0"/>
+              <a:t>Generate a table of tweets from our search queries.</a:t>
+            </a:r>
+          </a:p>
+          <a:p>
+            <a:r>
+              <a:rPr lang="en-US" sz="2400" dirty="0" smtClean="0"/>
+              <a:t>Create a function to update profanity flags of tweets stored in the database.</a:t>
+            </a:r>
+            <a:endParaRPr lang="en-US" sz="2400" dirty="0"/>
+          </a:p>
+        </p:txBody>
+      </p:sp>
+      <p:sp>
+        <p:nvSpPr>
+          <p:cNvPr id="4" name="TextBox 3"/>
+          <p:cNvSpPr txBox="1"/>
+          <p:nvPr/>
+        </p:nvSpPr>
+        <p:spPr>
+          <a:xfrm>
+            <a:off x="860142" y="1377819"/>
+            <a:ext cx="5181600" cy="400110"/>
+          </a:xfrm>
+          <a:prstGeom prst="rect">
+            <a:avLst/>
+          </a:prstGeom>
+          <a:noFill/>
+        </p:spPr>
+        <p:txBody>
+          <a:bodyPr wrap="square" rtlCol="0">
+            <a:spAutoFit/>
+          </a:bodyPr>
+          <a:lstStyle/>
+          <a:p>
+            <a:r>
+              <a:rPr lang="en-US" sz="2000" dirty="0" smtClean="0">
+                <a:ln w="0"/>
+                <a:solidFill>
+                  <a:schemeClr val="accent1"/>
+                </a:solidFill>
+                <a:effectLst>
+                  <a:outerShdw blurRad="38100" dist="25400" dir="5400000" algn="ctr" rotWithShape="0">
+                    <a:srgbClr val="6E747A">
+                      <a:alpha val="43000"/>
+                    </a:srgbClr>
+                  </a:outerShdw>
+                </a:effectLst>
+              </a:rPr>
+              <a:t>Requirements</a:t>
+            </a:r>
+            <a:endParaRPr lang="en-US" sz="2000" dirty="0">
+              <a:ln w="0"/>
+              <a:solidFill>
+                <a:schemeClr val="accent1"/>
+              </a:solidFill>
+              <a:effectLst>
+                <a:outerShdw blurRad="38100" dist="25400" dir="5400000" algn="ctr" rotWithShape="0">
+                  <a:srgbClr val="6E747A">
+                    <a:alpha val="43000"/>
+                  </a:srgbClr>
+                </a:outerShdw>
+              </a:effectLst>
+            </a:endParaRPr>
+          </a:p>
+        </p:txBody>
+      </p:sp>
+    </p:spTree>
+    <p:extLst>
+      <p:ext uri="{BB962C8B-B14F-4D97-AF65-F5344CB8AC3E}">
+        <p14:creationId xmlns:p14="http://schemas.microsoft.com/office/powerpoint/2010/main" val="226324016"/>
+      </p:ext>
+    </p:extLst>
+  </p:cSld>
+  <p:clrMapOvr>
+    <a:masterClrMapping/>
+  </p:clrMapOvr>
+  <p:timing>
+    <p:tnLst>
+      <p:par>
+        <p:cTn id="1" dur="indefinite" restart="never" nodeType="tmRoot"/>
+      </p:par>
+    </p:tnLst>
+  </p:timing>
+</p:sld>
+</file>
+
+<file path=ppt/slides/slide24.xml><?xml version="1.0" encoding="utf-8"?>
+<p:sld xmlns:a="http://schemas.openxmlformats.org/drawingml/2006/main" xmlns:r="http://schemas.openxmlformats.org/officeDocument/2006/relationships" xmlns:p="http://schemas.openxmlformats.org/presentationml/2006/main">
+  <p:cSld>
+    <p:spTree>
+      <p:nvGrpSpPr>
+        <p:cNvPr id="1" name=""/>
+        <p:cNvGrpSpPr/>
+        <p:nvPr/>
+      </p:nvGrpSpPr>
+      <p:grpSpPr>
+        <a:xfrm>
+          <a:off x="0" y="0"/>
+          <a:ext cx="0" cy="0"/>
+          <a:chOff x="0" y="0"/>
+          <a:chExt cx="0" cy="0"/>
+        </a:xfrm>
+      </p:grpSpPr>
+      <p:sp>
+        <p:nvSpPr>
+          <p:cNvPr id="2" name="Title 1"/>
+          <p:cNvSpPr>
+            <a:spLocks noGrp="1"/>
+          </p:cNvSpPr>
+          <p:nvPr>
+            <p:ph type="title"/>
+          </p:nvPr>
+        </p:nvSpPr>
+        <p:spPr/>
+        <p:txBody>
+          <a:bodyPr/>
+          <a:lstStyle/>
+          <a:p>
+            <a:r>
+              <a:rPr lang="en-US" dirty="0" smtClean="0"/>
+              <a:t>Spiral </a:t>
+            </a:r>
+            <a:r>
+              <a:rPr lang="en-US" dirty="0"/>
+              <a:t>3</a:t>
+            </a:r>
+            <a:endParaRPr lang="en-US" dirty="0"/>
+          </a:p>
+        </p:txBody>
+      </p:sp>
+      <p:sp>
+        <p:nvSpPr>
+          <p:cNvPr id="3" name="Content Placeholder 2"/>
+          <p:cNvSpPr>
+            <a:spLocks noGrp="1"/>
+          </p:cNvSpPr>
+          <p:nvPr>
+            <p:ph idx="1"/>
+          </p:nvPr>
+        </p:nvSpPr>
+        <p:spPr>
+          <a:xfrm>
+            <a:off x="813347" y="2514600"/>
+            <a:ext cx="6711654" cy="4195481"/>
+          </a:xfrm>
+        </p:spPr>
+        <p:txBody>
+          <a:bodyPr>
+            <a:normAutofit/>
+          </a:bodyPr>
+          <a:lstStyle/>
+          <a:p>
+            <a:r>
+              <a:rPr lang="en-US" sz="2400" dirty="0" smtClean="0"/>
+              <a:t>We needed a dynamic table that could hold 0 – 100 tweets with resizable columns.</a:t>
+            </a:r>
+          </a:p>
+          <a:p>
+            <a:r>
+              <a:rPr lang="en-US" sz="2400" dirty="0" smtClean="0"/>
+              <a:t>The function used to update profanity flags needed to gather all tweets and check them against the most recent profanity filter.</a:t>
+            </a:r>
+            <a:endParaRPr lang="en-US" sz="2400" dirty="0"/>
+          </a:p>
+        </p:txBody>
+      </p:sp>
+      <p:sp>
+        <p:nvSpPr>
+          <p:cNvPr id="4" name="TextBox 3"/>
+          <p:cNvSpPr txBox="1"/>
+          <p:nvPr/>
+        </p:nvSpPr>
+        <p:spPr>
+          <a:xfrm>
+            <a:off x="860142" y="1377819"/>
+            <a:ext cx="5181600" cy="400110"/>
+          </a:xfrm>
+          <a:prstGeom prst="rect">
+            <a:avLst/>
+          </a:prstGeom>
+          <a:noFill/>
+        </p:spPr>
+        <p:txBody>
+          <a:bodyPr wrap="square" rtlCol="0">
+            <a:spAutoFit/>
+          </a:bodyPr>
+          <a:lstStyle/>
+          <a:p>
+            <a:r>
+              <a:rPr lang="en-US" sz="2000" dirty="0" smtClean="0">
+                <a:ln w="0"/>
+                <a:solidFill>
+                  <a:schemeClr val="accent1"/>
+                </a:solidFill>
+                <a:effectLst>
+                  <a:outerShdw blurRad="38100" dist="25400" dir="5400000" algn="ctr" rotWithShape="0">
+                    <a:srgbClr val="6E747A">
+                      <a:alpha val="43000"/>
+                    </a:srgbClr>
+                  </a:outerShdw>
+                </a:effectLst>
+              </a:rPr>
+              <a:t>Design</a:t>
+            </a:r>
+            <a:endParaRPr lang="en-US" sz="2000" dirty="0">
+              <a:ln w="0"/>
+              <a:solidFill>
+                <a:schemeClr val="accent1"/>
+              </a:solidFill>
+              <a:effectLst>
+                <a:outerShdw blurRad="38100" dist="25400" dir="5400000" algn="ctr" rotWithShape="0">
+                  <a:srgbClr val="6E747A">
+                    <a:alpha val="43000"/>
+                  </a:srgbClr>
+                </a:outerShdw>
+              </a:effectLst>
+            </a:endParaRPr>
+          </a:p>
+        </p:txBody>
+      </p:sp>
+    </p:spTree>
+    <p:extLst>
+      <p:ext uri="{BB962C8B-B14F-4D97-AF65-F5344CB8AC3E}">
+        <p14:creationId xmlns:p14="http://schemas.microsoft.com/office/powerpoint/2010/main" val="776152960"/>
+      </p:ext>
+    </p:extLst>
+  </p:cSld>
+  <p:clrMapOvr>
+    <a:masterClrMapping/>
+  </p:clrMapOvr>
+  <p:timing>
+    <p:tnLst>
+      <p:par>
+        <p:cTn id="1" dur="indefinite" restart="never" nodeType="tmRoot"/>
+      </p:par>
+    </p:tnLst>
+  </p:timing>
+</p:sld>
+</file>
+
+<file path=ppt/slides/slide25.xml><?xml version="1.0" encoding="utf-8"?>
+<p:sld xmlns:a="http://schemas.openxmlformats.org/drawingml/2006/main" xmlns:r="http://schemas.openxmlformats.org/officeDocument/2006/relationships" xmlns:p="http://schemas.openxmlformats.org/presentationml/2006/main">
+  <p:cSld>
+    <p:spTree>
+      <p:nvGrpSpPr>
+        <p:cNvPr id="1" name=""/>
+        <p:cNvGrpSpPr/>
+        <p:nvPr/>
+      </p:nvGrpSpPr>
+      <p:grpSpPr>
+        <a:xfrm>
+          <a:off x="0" y="0"/>
+          <a:ext cx="0" cy="0"/>
+          <a:chOff x="0" y="0"/>
+          <a:chExt cx="0" cy="0"/>
+        </a:xfrm>
+      </p:grpSpPr>
+      <p:sp>
+        <p:nvSpPr>
+          <p:cNvPr id="2" name="Title 1"/>
+          <p:cNvSpPr>
+            <a:spLocks noGrp="1"/>
+          </p:cNvSpPr>
+          <p:nvPr>
+            <p:ph type="title"/>
+          </p:nvPr>
+        </p:nvSpPr>
+        <p:spPr/>
+        <p:txBody>
+          <a:bodyPr/>
+          <a:lstStyle/>
+          <a:p>
+            <a:r>
+              <a:rPr lang="en-US" dirty="0" smtClean="0"/>
+              <a:t>Spiral </a:t>
+            </a:r>
+            <a:r>
+              <a:rPr lang="en-US" dirty="0"/>
+              <a:t>3</a:t>
+            </a:r>
+            <a:endParaRPr lang="en-US" dirty="0"/>
+          </a:p>
+        </p:txBody>
+      </p:sp>
+      <p:sp>
+        <p:nvSpPr>
+          <p:cNvPr id="3" name="Content Placeholder 2"/>
+          <p:cNvSpPr>
+            <a:spLocks noGrp="1"/>
+          </p:cNvSpPr>
+          <p:nvPr>
+            <p:ph idx="1"/>
+          </p:nvPr>
+        </p:nvSpPr>
+        <p:spPr>
+          <a:xfrm>
+            <a:off x="813347" y="2514600"/>
+            <a:ext cx="6711654" cy="4195481"/>
+          </a:xfrm>
+        </p:spPr>
+        <p:txBody>
+          <a:bodyPr>
+            <a:normAutofit/>
+          </a:bodyPr>
+          <a:lstStyle/>
+          <a:p>
+            <a:r>
+              <a:rPr lang="en-US" sz="2400" dirty="0" smtClean="0"/>
+              <a:t>We used a </a:t>
+            </a:r>
+            <a:r>
+              <a:rPr lang="en-US" sz="2400" dirty="0" err="1" smtClean="0"/>
+              <a:t>Jtable</a:t>
+            </a:r>
+            <a:r>
+              <a:rPr lang="en-US" sz="2400" dirty="0" smtClean="0"/>
+              <a:t> within a scroll pane to generate a dynamic table that also had resizing functionality.</a:t>
+            </a:r>
+          </a:p>
+        </p:txBody>
+      </p:sp>
+      <p:sp>
+        <p:nvSpPr>
+          <p:cNvPr id="4" name="TextBox 3"/>
+          <p:cNvSpPr txBox="1"/>
+          <p:nvPr/>
+        </p:nvSpPr>
+        <p:spPr>
+          <a:xfrm>
+            <a:off x="860142" y="1377819"/>
+            <a:ext cx="5181600" cy="400110"/>
+          </a:xfrm>
+          <a:prstGeom prst="rect">
+            <a:avLst/>
+          </a:prstGeom>
+          <a:noFill/>
+        </p:spPr>
+        <p:txBody>
+          <a:bodyPr wrap="square" rtlCol="0">
+            <a:spAutoFit/>
+          </a:bodyPr>
+          <a:lstStyle/>
+          <a:p>
+            <a:r>
+              <a:rPr lang="en-US" sz="2000" dirty="0" smtClean="0">
+                <a:ln w="0"/>
+                <a:solidFill>
+                  <a:schemeClr val="accent1"/>
+                </a:solidFill>
+                <a:effectLst>
+                  <a:outerShdw blurRad="38100" dist="25400" dir="5400000" algn="ctr" rotWithShape="0">
+                    <a:srgbClr val="6E747A">
+                      <a:alpha val="43000"/>
+                    </a:srgbClr>
+                  </a:outerShdw>
+                </a:effectLst>
+              </a:rPr>
+              <a:t>Implementation</a:t>
+            </a:r>
+            <a:endParaRPr lang="en-US" sz="2000" dirty="0">
+              <a:ln w="0"/>
+              <a:solidFill>
+                <a:schemeClr val="accent1"/>
+              </a:solidFill>
+              <a:effectLst>
+                <a:outerShdw blurRad="38100" dist="25400" dir="5400000" algn="ctr" rotWithShape="0">
+                  <a:srgbClr val="6E747A">
+                    <a:alpha val="43000"/>
+                  </a:srgbClr>
+                </a:outerShdw>
+              </a:effectLst>
+            </a:endParaRPr>
+          </a:p>
+        </p:txBody>
+      </p:sp>
+    </p:spTree>
+    <p:extLst>
+      <p:ext uri="{BB962C8B-B14F-4D97-AF65-F5344CB8AC3E}">
+        <p14:creationId xmlns:p14="http://schemas.microsoft.com/office/powerpoint/2010/main" val="1433099088"/>
+      </p:ext>
+    </p:extLst>
+  </p:cSld>
+  <p:clrMapOvr>
+    <a:masterClrMapping/>
+  </p:clrMapOvr>
+  <p:timing>
+    <p:tnLst>
+      <p:par>
+        <p:cTn id="1" dur="indefinite" restart="never" nodeType="tmRoot"/>
+      </p:par>
+    </p:tnLst>
+  </p:timing>
+</p:sld>
+</file>
+
+<file path=ppt/slides/slide26.xml><?xml version="1.0" encoding="utf-8"?>
+<p:sld xmlns:a="http://schemas.openxmlformats.org/drawingml/2006/main" xmlns:r="http://schemas.openxmlformats.org/officeDocument/2006/relationships" xmlns:p="http://schemas.openxmlformats.org/presentationml/2006/main">
+  <p:cSld>
+    <p:spTree>
+      <p:nvGrpSpPr>
+        <p:cNvPr id="1" name=""/>
+        <p:cNvGrpSpPr/>
+        <p:nvPr/>
+      </p:nvGrpSpPr>
+      <p:grpSpPr>
+        <a:xfrm>
+          <a:off x="0" y="0"/>
+          <a:ext cx="0" cy="0"/>
+          <a:chOff x="0" y="0"/>
+          <a:chExt cx="0" cy="0"/>
+        </a:xfrm>
+      </p:grpSpPr>
+      <p:sp>
+        <p:nvSpPr>
+          <p:cNvPr id="2" name="Title 1"/>
+          <p:cNvSpPr>
+            <a:spLocks noGrp="1"/>
+          </p:cNvSpPr>
+          <p:nvPr>
+            <p:ph type="title"/>
+          </p:nvPr>
+        </p:nvSpPr>
+        <p:spPr/>
+        <p:txBody>
+          <a:bodyPr/>
+          <a:lstStyle/>
+          <a:p>
+            <a:r>
+              <a:rPr lang="en-US" dirty="0" smtClean="0"/>
+              <a:t>Spiral </a:t>
+            </a:r>
+            <a:r>
+              <a:rPr lang="en-US" dirty="0"/>
+              <a:t>3</a:t>
+            </a:r>
+            <a:endParaRPr lang="en-US" dirty="0"/>
+          </a:p>
+        </p:txBody>
+      </p:sp>
+      <p:sp>
+        <p:nvSpPr>
+          <p:cNvPr id="3" name="Content Placeholder 2"/>
+          <p:cNvSpPr>
+            <a:spLocks noGrp="1"/>
+          </p:cNvSpPr>
+          <p:nvPr>
+            <p:ph idx="1"/>
+          </p:nvPr>
+        </p:nvSpPr>
+        <p:spPr>
+          <a:xfrm>
+            <a:off x="813347" y="2514600"/>
+            <a:ext cx="6711654" cy="4195481"/>
+          </a:xfrm>
+        </p:spPr>
+        <p:txBody>
+          <a:bodyPr>
+            <a:normAutofit/>
+          </a:bodyPr>
+          <a:lstStyle/>
+          <a:p>
+            <a:r>
+              <a:rPr lang="en-US" sz="2400" dirty="0" smtClean="0"/>
+              <a:t>Updating all tweets stored in database is a cumbersome process and needed a more efficient implementation.</a:t>
+            </a:r>
+          </a:p>
+          <a:p>
+            <a:endParaRPr lang="en-US" sz="2400" dirty="0" smtClean="0"/>
+          </a:p>
+        </p:txBody>
+      </p:sp>
+      <p:sp>
+        <p:nvSpPr>
+          <p:cNvPr id="4" name="TextBox 3"/>
+          <p:cNvSpPr txBox="1"/>
+          <p:nvPr/>
+        </p:nvSpPr>
+        <p:spPr>
+          <a:xfrm>
+            <a:off x="860142" y="1377819"/>
+            <a:ext cx="5181600" cy="400110"/>
+          </a:xfrm>
+          <a:prstGeom prst="rect">
+            <a:avLst/>
+          </a:prstGeom>
+          <a:noFill/>
+        </p:spPr>
+        <p:txBody>
+          <a:bodyPr wrap="square" rtlCol="0">
+            <a:spAutoFit/>
+          </a:bodyPr>
+          <a:lstStyle/>
+          <a:p>
+            <a:r>
+              <a:rPr lang="en-US" sz="2000" dirty="0" smtClean="0">
+                <a:ln w="0"/>
+                <a:solidFill>
+                  <a:schemeClr val="accent1"/>
+                </a:solidFill>
+                <a:effectLst>
+                  <a:outerShdw blurRad="38100" dist="25400" dir="5400000" algn="ctr" rotWithShape="0">
+                    <a:srgbClr val="6E747A">
+                      <a:alpha val="43000"/>
+                    </a:srgbClr>
+                  </a:outerShdw>
+                </a:effectLst>
+              </a:rPr>
+              <a:t>Evaluation</a:t>
+            </a:r>
+            <a:endParaRPr lang="en-US" sz="2000" dirty="0">
+              <a:ln w="0"/>
+              <a:solidFill>
+                <a:schemeClr val="accent1"/>
+              </a:solidFill>
+              <a:effectLst>
+                <a:outerShdw blurRad="38100" dist="25400" dir="5400000" algn="ctr" rotWithShape="0">
+                  <a:srgbClr val="6E747A">
+                    <a:alpha val="43000"/>
+                  </a:srgbClr>
+                </a:outerShdw>
+              </a:effectLst>
+            </a:endParaRPr>
+          </a:p>
+        </p:txBody>
+      </p:sp>
+    </p:spTree>
+    <p:extLst>
+      <p:ext uri="{BB962C8B-B14F-4D97-AF65-F5344CB8AC3E}">
+        <p14:creationId xmlns:p14="http://schemas.microsoft.com/office/powerpoint/2010/main" val="2967023163"/>
+      </p:ext>
+    </p:extLst>
+  </p:cSld>
+  <p:clrMapOvr>
+    <a:masterClrMapping/>
+  </p:clrMapOvr>
+  <p:timing>
+    <p:tnLst>
+      <p:par>
+        <p:cTn id="1" dur="indefinite" restart="never" nodeType="tmRoot"/>
+      </p:par>
+    </p:tnLst>
+  </p:timing>
+</p:sld>
+</file>
+
+<file path=ppt/slides/slide27.xml><?xml version="1.0" encoding="utf-8"?>
+<p:sld xmlns:a="http://schemas.openxmlformats.org/drawingml/2006/main" xmlns:r="http://schemas.openxmlformats.org/officeDocument/2006/relationships" xmlns:p="http://schemas.openxmlformats.org/presentationml/2006/main">
+  <p:cSld>
+    <p:spTree>
+      <p:nvGrpSpPr>
+        <p:cNvPr id="1" name=""/>
+        <p:cNvGrpSpPr/>
+        <p:nvPr/>
+      </p:nvGrpSpPr>
+      <p:grpSpPr>
+        <a:xfrm>
+          <a:off x="0" y="0"/>
+          <a:ext cx="0" cy="0"/>
+          <a:chOff x="0" y="0"/>
+          <a:chExt cx="0" cy="0"/>
+        </a:xfrm>
+      </p:grpSpPr>
+      <p:sp>
+        <p:nvSpPr>
+          <p:cNvPr id="2" name="Title 1"/>
+          <p:cNvSpPr>
+            <a:spLocks noGrp="1"/>
+          </p:cNvSpPr>
+          <p:nvPr>
+            <p:ph type="title"/>
+          </p:nvPr>
+        </p:nvSpPr>
+        <p:spPr/>
+        <p:txBody>
+          <a:bodyPr/>
+          <a:lstStyle/>
+          <a:p>
+            <a:r>
+              <a:rPr lang="en-US" dirty="0" smtClean="0"/>
+              <a:t>Moving Forward</a:t>
+            </a:r>
+            <a:endParaRPr lang="en-US" dirty="0"/>
+          </a:p>
+        </p:txBody>
+      </p:sp>
+      <p:sp>
+        <p:nvSpPr>
+          <p:cNvPr id="3" name="Content Placeholder 2"/>
+          <p:cNvSpPr>
+            <a:spLocks noGrp="1"/>
+          </p:cNvSpPr>
+          <p:nvPr>
+            <p:ph idx="1"/>
+          </p:nvPr>
+        </p:nvSpPr>
+        <p:spPr>
+          <a:xfrm>
+            <a:off x="828436" y="1853248"/>
+            <a:ext cx="6711654" cy="4323433"/>
+          </a:xfrm>
+        </p:spPr>
+        <p:txBody>
+          <a:bodyPr>
+            <a:normAutofit/>
+          </a:bodyPr>
+          <a:lstStyle/>
+          <a:p>
+            <a:r>
+              <a:rPr lang="en-US" sz="2400" dirty="0" smtClean="0"/>
+              <a:t>Add search by date functionality.</a:t>
+            </a:r>
+          </a:p>
+          <a:p>
+            <a:r>
+              <a:rPr lang="en-US" sz="2400" dirty="0" smtClean="0"/>
+              <a:t>Implement and update function to periodically update all stored tweets retweet and favorite counts.</a:t>
+            </a:r>
+          </a:p>
+          <a:p>
+            <a:r>
+              <a:rPr lang="en-US" sz="2400" dirty="0" smtClean="0"/>
+              <a:t>Implement a function to check whether stored tweets are still active.</a:t>
+            </a:r>
+          </a:p>
+          <a:p>
+            <a:r>
+              <a:rPr lang="en-US" sz="2400" dirty="0" smtClean="0"/>
+              <a:t>Add more analyzation and visualization tools.</a:t>
+            </a:r>
+          </a:p>
+          <a:p>
+            <a:r>
+              <a:rPr lang="en-US" sz="2400" dirty="0" smtClean="0"/>
+              <a:t>Add a function to periodically collect data.</a:t>
+            </a:r>
+          </a:p>
+          <a:p>
+            <a:endParaRPr lang="en-US" sz="2400" dirty="0" smtClean="0"/>
+          </a:p>
+        </p:txBody>
+      </p:sp>
+    </p:spTree>
+    <p:extLst>
+      <p:ext uri="{BB962C8B-B14F-4D97-AF65-F5344CB8AC3E}">
+        <p14:creationId xmlns:p14="http://schemas.microsoft.com/office/powerpoint/2010/main" val="3242697235"/>
+      </p:ext>
+    </p:extLst>
+  </p:cSld>
+  <p:clrMapOvr>
+    <a:masterClrMapping/>
+  </p:clrMapOvr>
+  <p:timing>
+    <p:tnLst>
+      <p:par>
+        <p:cTn id="1" dur="indefinite" restart="never" nodeType="tmRoot"/>
+      </p:par>
+    </p:tnLst>
+  </p:timing>
+</p:sld>
+</file>
+
+<file path=ppt/slides/slide28.xml><?xml version="1.0" encoding="utf-8"?>
+<p:sld xmlns:a="http://schemas.openxmlformats.org/drawingml/2006/main" xmlns:r="http://schemas.openxmlformats.org/officeDocument/2006/relationships" xmlns:p="http://schemas.openxmlformats.org/presentationml/2006/main">
+  <p:cSld>
+    <p:spTree>
+      <p:nvGrpSpPr>
+        <p:cNvPr id="1" name=""/>
+        <p:cNvGrpSpPr/>
+        <p:nvPr/>
+      </p:nvGrpSpPr>
+      <p:grpSpPr>
+        <a:xfrm>
+          <a:off x="0" y="0"/>
+          <a:ext cx="0" cy="0"/>
+          <a:chOff x="0" y="0"/>
+          <a:chExt cx="0" cy="0"/>
+        </a:xfrm>
+      </p:grpSpPr>
+      <p:sp>
+        <p:nvSpPr>
+          <p:cNvPr id="2" name="Title 1"/>
+          <p:cNvSpPr>
+            <a:spLocks noGrp="1"/>
+          </p:cNvSpPr>
+          <p:nvPr>
+            <p:ph type="title"/>
+          </p:nvPr>
+        </p:nvSpPr>
+        <p:spPr>
+          <a:xfrm>
+            <a:off x="1143000" y="2286000"/>
+            <a:ext cx="6620967" cy="1915647"/>
+          </a:xfrm>
+        </p:spPr>
+        <p:txBody>
+          <a:bodyPr/>
+          <a:lstStyle/>
+          <a:p>
+            <a:pPr algn="ctr"/>
+            <a:r>
+              <a:rPr lang="en-US" sz="13800" dirty="0" smtClean="0"/>
+              <a:t>DEMO</a:t>
+            </a:r>
+            <a:endParaRPr lang="en-US" sz="13800" dirty="0"/>
+          </a:p>
+        </p:txBody>
+      </p:sp>
+      <p:sp>
+        <p:nvSpPr>
+          <p:cNvPr id="3" name="Text Placeholder 2"/>
+          <p:cNvSpPr>
+            <a:spLocks noGrp="1"/>
+          </p:cNvSpPr>
+          <p:nvPr>
+            <p:ph type="body" idx="1"/>
+          </p:nvPr>
+        </p:nvSpPr>
+        <p:spPr/>
+        <p:txBody>
+          <a:bodyPr/>
+          <a:lstStyle/>
+          <a:p>
+            <a:endParaRPr lang="en-US"/>
+          </a:p>
+        </p:txBody>
+      </p:sp>
+    </p:spTree>
+    <p:extLst>
+      <p:ext uri="{BB962C8B-B14F-4D97-AF65-F5344CB8AC3E}">
+        <p14:creationId xmlns:p14="http://schemas.microsoft.com/office/powerpoint/2010/main" val="1067669929"/>
+      </p:ext>
+    </p:extLst>
+  </p:cSld>
+  <p:clrMapOvr>
+    <a:masterClrMapping/>
+  </p:clrMapOvr>
+  <p:timing>
+    <p:tnLst>
+      <p:par>
+        <p:cTn id="1" dur="indefinite" restart="never" nodeType="tmRoot"/>
+      </p:par>
+    </p:tnLst>
+  </p:timing>
 </p:sld>
 </file>
 
@@ -3816,88 +9434,59 @@
           <a:p>
             <a:r>
               <a:rPr lang="en-US" dirty="0" smtClean="0"/>
-              <a:t>Spiral Design Methodology</a:t>
+              <a:t>Use Case Diagram</a:t>
             </a:r>
             <a:endParaRPr lang="en-US" dirty="0"/>
           </a:p>
         </p:txBody>
       </p:sp>
-      <p:sp>
-        <p:nvSpPr>
-          <p:cNvPr id="5" name="Content Placeholder 4"/>
-          <p:cNvSpPr>
-            <a:spLocks noGrp="1"/>
-          </p:cNvSpPr>
-          <p:nvPr>
-            <p:ph sz="half" idx="1"/>
-          </p:nvPr>
-        </p:nvSpPr>
-        <p:spPr/>
-        <p:txBody>
-          <a:bodyPr/>
-          <a:lstStyle/>
-          <a:p>
-            <a:r>
-              <a:rPr lang="en-US" dirty="0" smtClean="0"/>
-              <a:t>Pros</a:t>
-            </a:r>
-          </a:p>
-          <a:p>
-            <a:r>
-              <a:rPr lang="en-US" dirty="0" smtClean="0"/>
-              <a:t>Easy to debug individual cycles</a:t>
-            </a:r>
-          </a:p>
-          <a:p>
-            <a:r>
-              <a:rPr lang="en-US" dirty="0" smtClean="0"/>
-              <a:t>Implementation becomes more flexible</a:t>
-            </a:r>
-            <a:endParaRPr lang="en-US" dirty="0"/>
-          </a:p>
-        </p:txBody>
-      </p:sp>
-      <p:sp>
-        <p:nvSpPr>
-          <p:cNvPr id="6" name="Content Placeholder 5"/>
-          <p:cNvSpPr>
-            <a:spLocks noGrp="1"/>
-          </p:cNvSpPr>
-          <p:nvPr>
-            <p:ph sz="half" idx="2"/>
-          </p:nvPr>
-        </p:nvSpPr>
-        <p:spPr/>
-        <p:txBody>
-          <a:bodyPr/>
-          <a:lstStyle/>
-          <a:p>
-            <a:r>
-              <a:rPr lang="en-US" dirty="0" smtClean="0"/>
-              <a:t>Cons</a:t>
-            </a:r>
-          </a:p>
-          <a:p>
-            <a:r>
-              <a:rPr lang="en-US" dirty="0" smtClean="0"/>
-              <a:t>Individual cycles may not fit together very well</a:t>
-            </a:r>
-          </a:p>
-          <a:p>
-            <a:endParaRPr lang="en-US" dirty="0" smtClean="0"/>
-          </a:p>
-        </p:txBody>
-      </p:sp>
+      <p:pic>
+        <p:nvPicPr>
+          <p:cNvPr id="3" name="Picture 2"/>
+          <p:cNvPicPr>
+            <a:picLocks noChangeAspect="1"/>
+          </p:cNvPicPr>
+          <p:nvPr/>
+        </p:nvPicPr>
+        <p:blipFill>
+          <a:blip r:embed="rId2">
+            <a:extLst>
+              <a:ext uri="{28A0092B-C50C-407E-A947-70E740481C1C}">
+                <a14:useLocalDpi xmlns:a14="http://schemas.microsoft.com/office/drawing/2010/main" val="0"/>
+              </a:ext>
+            </a:extLst>
+          </a:blip>
+          <a:stretch>
+            <a:fillRect/>
+          </a:stretch>
+        </p:blipFill>
+        <p:spPr>
+          <a:xfrm>
+            <a:off x="484710" y="2133600"/>
+            <a:ext cx="8055067" cy="3348235"/>
+          </a:xfrm>
+          <a:prstGeom prst="rect">
+            <a:avLst/>
+          </a:prstGeom>
+        </p:spPr>
+      </p:pic>
     </p:spTree>
     <p:extLst>
       <p:ext uri="{BB962C8B-B14F-4D97-AF65-F5344CB8AC3E}">
-        <p14:creationId xmlns:p14="http://schemas.microsoft.com/office/powerpoint/2010/main" val="729964042"/>
+        <p14:creationId xmlns:p14="http://schemas.microsoft.com/office/powerpoint/2010/main" val="2387148571"/>
       </p:ext>
     </p:extLst>
   </p:cSld>
   <p:clrMapOvr>
     <a:masterClrMapping/>
   </p:clrMapOvr>
+  <p:timing>
+    <p:tnLst>
+      <p:par>
+        <p:cTn id="1" dur="indefinite" restart="never" nodeType="tmRoot"/>
+      </p:par>
+    </p:tnLst>
+  </p:timing>
 </p:sld>
 </file>
 
@@ -3920,7 +9509,7 @@
       </p:grpSpPr>
       <p:sp>
         <p:nvSpPr>
-          <p:cNvPr id="5" name="Title 4"/>
+          <p:cNvPr id="2" name="Title 1"/>
           <p:cNvSpPr>
             <a:spLocks noGrp="1"/>
           </p:cNvSpPr>
@@ -3930,149 +9519,63 @@
         </p:nvSpPr>
         <p:spPr/>
         <p:txBody>
-          <a:bodyPr>
-            <a:normAutofit fontScale="90000"/>
-          </a:bodyPr>
-          <a:lstStyle/>
-          <a:p>
-            <a:r>
-              <a:rPr lang="en-US" smtClean="0"/>
-              <a:t>Overall Requirements Analysis - Functional</a:t>
+          <a:bodyPr/>
+          <a:lstStyle/>
+          <a:p>
+            <a:r>
+              <a:rPr lang="en-US" dirty="0" smtClean="0"/>
+              <a:t>Sequence Diagram</a:t>
             </a:r>
             <a:endParaRPr lang="en-US" dirty="0"/>
           </a:p>
         </p:txBody>
       </p:sp>
-      <p:sp>
-        <p:nvSpPr>
-          <p:cNvPr id="6" name="Content Placeholder 5"/>
-          <p:cNvSpPr>
-            <a:spLocks noGrp="1"/>
-          </p:cNvSpPr>
-          <p:nvPr>
-            <p:ph sz="half" idx="1"/>
-          </p:nvPr>
-        </p:nvSpPr>
-        <p:spPr/>
-        <p:txBody>
-          <a:bodyPr/>
-          <a:lstStyle/>
-          <a:p>
-            <a:r>
-              <a:rPr lang="en-US" dirty="0" smtClean="0"/>
-              <a:t>Inputs</a:t>
-            </a:r>
-          </a:p>
-          <a:p>
-            <a:pPr lvl="1"/>
-            <a:r>
-              <a:rPr lang="en-US" dirty="0" smtClean="0"/>
-              <a:t>Search query</a:t>
-            </a:r>
-          </a:p>
-          <a:p>
-            <a:pPr lvl="1"/>
-            <a:r>
-              <a:rPr lang="en-US" dirty="0" smtClean="0"/>
-              <a:t>Twitter or database</a:t>
-            </a:r>
-          </a:p>
-          <a:p>
-            <a:pPr lvl="1"/>
-            <a:r>
-              <a:rPr lang="en-US" dirty="0" smtClean="0"/>
-              <a:t>Sorting options</a:t>
-            </a:r>
-          </a:p>
-          <a:p>
-            <a:pPr lvl="1"/>
-            <a:r>
-              <a:rPr lang="en-US" dirty="0" smtClean="0"/>
-              <a:t>Save to database</a:t>
-            </a:r>
-          </a:p>
-          <a:p>
-            <a:r>
-              <a:rPr lang="en-US" dirty="0" smtClean="0"/>
-              <a:t>Outputs</a:t>
-            </a:r>
-          </a:p>
-          <a:p>
-            <a:pPr lvl="1"/>
-            <a:r>
-              <a:rPr lang="en-US" dirty="0" smtClean="0"/>
-              <a:t>List of tweets</a:t>
-            </a:r>
-          </a:p>
-          <a:p>
-            <a:pPr lvl="1"/>
-            <a:r>
-              <a:rPr lang="en-US" dirty="0" smtClean="0"/>
-              <a:t>Display data about tweets</a:t>
-            </a:r>
-          </a:p>
-        </p:txBody>
-      </p:sp>
-      <p:sp>
-        <p:nvSpPr>
-          <p:cNvPr id="10" name="Content Placeholder 9"/>
-          <p:cNvSpPr>
-            <a:spLocks noGrp="1"/>
-          </p:cNvSpPr>
-          <p:nvPr>
-            <p:ph sz="half" idx="2"/>
-          </p:nvPr>
-        </p:nvSpPr>
-        <p:spPr/>
-        <p:txBody>
-          <a:bodyPr/>
-          <a:lstStyle/>
-          <a:p>
-            <a:r>
-              <a:rPr lang="en-US" dirty="0" smtClean="0"/>
-              <a:t>Transformations</a:t>
-            </a:r>
-          </a:p>
-          <a:p>
-            <a:pPr lvl="1"/>
-            <a:r>
-              <a:rPr lang="en-US" dirty="0" smtClean="0"/>
-              <a:t>Search Twitter</a:t>
-            </a:r>
-          </a:p>
-          <a:p>
-            <a:pPr lvl="1"/>
-            <a:r>
-              <a:rPr lang="en-US" dirty="0" smtClean="0"/>
-              <a:t>Search database</a:t>
-            </a:r>
-          </a:p>
-          <a:p>
-            <a:pPr lvl="1"/>
-            <a:r>
-              <a:rPr lang="en-US" dirty="0" smtClean="0"/>
-              <a:t>Return tweets</a:t>
-            </a:r>
-          </a:p>
-          <a:p>
-            <a:pPr lvl="1"/>
-            <a:r>
-              <a:rPr lang="en-US" dirty="0" smtClean="0"/>
-              <a:t>Use sorting options to display correctly</a:t>
-            </a:r>
-          </a:p>
-        </p:txBody>
-      </p:sp>
+      <p:pic>
+        <p:nvPicPr>
+          <p:cNvPr id="3" name="Picture 2"/>
+          <p:cNvPicPr>
+            <a:picLocks noChangeAspect="1"/>
+          </p:cNvPicPr>
+          <p:nvPr/>
+        </p:nvPicPr>
+        <p:blipFill rotWithShape="1">
+          <a:blip r:embed="rId2">
+            <a:extLst>
+              <a:ext uri="{28A0092B-C50C-407E-A947-70E740481C1C}">
+                <a14:useLocalDpi xmlns:a14="http://schemas.microsoft.com/office/drawing/2010/main" val="0"/>
+              </a:ext>
+            </a:extLst>
+          </a:blip>
+          <a:srcRect t="1225" r="19465"/>
+          <a:stretch/>
+        </p:blipFill>
+        <p:spPr>
+          <a:xfrm>
+            <a:off x="838200" y="1600200"/>
+            <a:ext cx="7391399" cy="4599898"/>
+          </a:xfrm>
+          <a:prstGeom prst="rect">
+            <a:avLst/>
+          </a:prstGeom>
+        </p:spPr>
+      </p:pic>
     </p:spTree>
     <p:extLst>
       <p:ext uri="{BB962C8B-B14F-4D97-AF65-F5344CB8AC3E}">
-        <p14:creationId xmlns:p14="http://schemas.microsoft.com/office/powerpoint/2010/main" val="1813398057"/>
+        <p14:creationId xmlns:p14="http://schemas.microsoft.com/office/powerpoint/2010/main" val="1763878407"/>
       </p:ext>
     </p:extLst>
   </p:cSld>
   <p:clrMapOvr>
     <a:masterClrMapping/>
   </p:clrMapOvr>
+  <p:timing>
+    <p:tnLst>
+      <p:par>
+        <p:cTn id="1" dur="indefinite" restart="never" nodeType="tmRoot"/>
+      </p:par>
+    </p:tnLst>
+  </p:timing>
 </p:sld>
 </file>
 
@@ -4103,169 +9606,370 @@
             <p:ph type="title"/>
           </p:nvPr>
         </p:nvSpPr>
-        <p:spPr/>
+        <p:spPr>
+          <a:xfrm>
+            <a:off x="838200" y="381000"/>
+            <a:ext cx="7055380" cy="1400530"/>
+          </a:xfrm>
+        </p:spPr>
         <p:txBody>
           <a:bodyPr/>
           <a:lstStyle/>
           <a:p>
             <a:r>
               <a:rPr lang="en-US" dirty="0" smtClean="0"/>
-              <a:t>Requirement Priorities</a:t>
+              <a:t>Spiral Design Methodology</a:t>
             </a:r>
             <a:endParaRPr lang="en-US" dirty="0"/>
           </a:p>
         </p:txBody>
       </p:sp>
-      <p:sp>
-        <p:nvSpPr>
-          <p:cNvPr id="3" name="Content Placeholder 2"/>
-          <p:cNvSpPr>
-            <a:spLocks noGrp="1"/>
-          </p:cNvSpPr>
-          <p:nvPr>
-            <p:ph sz="half" idx="1"/>
-          </p:nvPr>
-        </p:nvSpPr>
-        <p:spPr/>
-        <p:txBody>
-          <a:bodyPr>
-            <a:normAutofit lnSpcReduction="10000"/>
-          </a:bodyPr>
-          <a:lstStyle/>
-          <a:p>
-            <a:r>
-              <a:rPr lang="en-US" dirty="0" smtClean="0"/>
-              <a:t>Top Priority</a:t>
-            </a:r>
-            <a:endParaRPr lang="en-US" dirty="0" smtClean="0"/>
-          </a:p>
-          <a:p>
-            <a:pPr lvl="1"/>
-            <a:r>
-              <a:rPr lang="en-US" dirty="0" smtClean="0"/>
-              <a:t>Search query</a:t>
-            </a:r>
-          </a:p>
-          <a:p>
-            <a:pPr lvl="1"/>
-            <a:r>
-              <a:rPr lang="en-US" dirty="0" smtClean="0"/>
-              <a:t>List of tweets</a:t>
-            </a:r>
-          </a:p>
-          <a:p>
-            <a:pPr lvl="1"/>
-            <a:r>
-              <a:rPr lang="en-US" dirty="0" smtClean="0"/>
-              <a:t>Search Twitter</a:t>
-            </a:r>
-          </a:p>
-          <a:p>
-            <a:pPr lvl="1"/>
-            <a:r>
-              <a:rPr lang="en-US" dirty="0" smtClean="0"/>
-              <a:t>List of tweets</a:t>
-            </a:r>
-          </a:p>
-          <a:p>
-            <a:r>
-              <a:rPr lang="en-US" dirty="0" smtClean="0"/>
-              <a:t>Second Priority</a:t>
-            </a:r>
-          </a:p>
-          <a:p>
-            <a:pPr lvl="1"/>
-            <a:r>
-              <a:rPr lang="en-US" dirty="0" smtClean="0"/>
-              <a:t>Save to database</a:t>
-            </a:r>
-            <a:endParaRPr lang="en-US" dirty="0" smtClean="0"/>
-          </a:p>
-          <a:p>
-            <a:pPr lvl="1"/>
-            <a:r>
-              <a:rPr lang="en-US" dirty="0" smtClean="0"/>
-              <a:t>Twitter or database</a:t>
-            </a:r>
-          </a:p>
-          <a:p>
-            <a:pPr lvl="1"/>
-            <a:r>
-              <a:rPr lang="en-US" dirty="0" smtClean="0"/>
-              <a:t>Search database</a:t>
-            </a:r>
-            <a:endParaRPr lang="en-US" dirty="0" smtClean="0"/>
-          </a:p>
-          <a:p>
-            <a:pPr lvl="1"/>
-            <a:r>
-              <a:rPr lang="en-US" dirty="0" smtClean="0"/>
-              <a:t>Sorting options</a:t>
-            </a:r>
-          </a:p>
-          <a:p>
-            <a:endParaRPr lang="en-US" dirty="0"/>
-          </a:p>
-        </p:txBody>
-      </p:sp>
-      <p:sp>
-        <p:nvSpPr>
-          <p:cNvPr id="4" name="Content Placeholder 3"/>
-          <p:cNvSpPr>
-            <a:spLocks noGrp="1"/>
-          </p:cNvSpPr>
-          <p:nvPr>
-            <p:ph sz="half" idx="2"/>
-          </p:nvPr>
-        </p:nvSpPr>
-        <p:spPr/>
-        <p:txBody>
-          <a:bodyPr>
-            <a:normAutofit lnSpcReduction="10000"/>
-          </a:bodyPr>
-          <a:lstStyle/>
-          <a:p>
-            <a:r>
-              <a:rPr lang="en-US" dirty="0" smtClean="0"/>
-              <a:t>Third priority</a:t>
-            </a:r>
-          </a:p>
-          <a:p>
-            <a:pPr lvl="1"/>
-            <a:r>
-              <a:rPr lang="en-US" dirty="0" smtClean="0"/>
-              <a:t>Sorting options</a:t>
-            </a:r>
-            <a:endParaRPr lang="en-US" dirty="0" smtClean="0"/>
-          </a:p>
-          <a:p>
-            <a:pPr lvl="1"/>
-            <a:r>
-              <a:rPr lang="en-US" dirty="0" smtClean="0"/>
-              <a:t>Use sorting options to display correctly</a:t>
-            </a:r>
-            <a:endParaRPr lang="en-US" dirty="0"/>
-          </a:p>
-          <a:p>
-            <a:pPr lvl="1"/>
-            <a:r>
-              <a:rPr lang="en-US" dirty="0" smtClean="0"/>
-              <a:t>Display data about tweets</a:t>
-            </a:r>
-            <a:endParaRPr lang="en-US" dirty="0" smtClean="0"/>
-          </a:p>
-        </p:txBody>
-      </p:sp>
+      <p:graphicFrame>
+        <p:nvGraphicFramePr>
+          <p:cNvPr id="3" name="Table 2"/>
+          <p:cNvGraphicFramePr>
+            <a:graphicFrameLocks noGrp="1"/>
+          </p:cNvGraphicFramePr>
+          <p:nvPr>
+            <p:extLst>
+              <p:ext uri="{D42A27DB-BD31-4B8C-83A1-F6EECF244321}">
+                <p14:modId xmlns:p14="http://schemas.microsoft.com/office/powerpoint/2010/main" val="2841872613"/>
+              </p:ext>
+            </p:extLst>
+          </p:nvPr>
+        </p:nvGraphicFramePr>
+        <p:xfrm>
+          <a:off x="914400" y="1905000"/>
+          <a:ext cx="7315202" cy="3866058"/>
+        </p:xfrm>
+        <a:graphic>
+          <a:graphicData uri="http://schemas.openxmlformats.org/drawingml/2006/table">
+            <a:tbl>
+              <a:tblPr firstRow="1" bandRow="1">
+                <a:tableStyleId>{5C22544A-7EE6-4342-B048-85BDC9FD1C3A}</a:tableStyleId>
+              </a:tblPr>
+              <a:tblGrid>
+                <a:gridCol w="3657601">
+                  <a:extLst>
+                    <a:ext uri="{9D8B030D-6E8A-4147-A177-3AD203B41FA5}">
+                      <a16:colId xmlns:a16="http://schemas.microsoft.com/office/drawing/2014/main" val="3551919822"/>
+                    </a:ext>
+                  </a:extLst>
+                </a:gridCol>
+                <a:gridCol w="3657601">
+                  <a:extLst>
+                    <a:ext uri="{9D8B030D-6E8A-4147-A177-3AD203B41FA5}">
+                      <a16:colId xmlns:a16="http://schemas.microsoft.com/office/drawing/2014/main" val="465279446"/>
+                    </a:ext>
+                  </a:extLst>
+                </a:gridCol>
+              </a:tblGrid>
+              <a:tr h="529969">
+                <a:tc>
+                  <a:txBody>
+                    <a:bodyPr/>
+                    <a:lstStyle/>
+                    <a:p>
+                      <a:pPr marL="0" marR="0" indent="0" algn="l" defTabSz="457200" rtl="0" eaLnBrk="1" fontAlgn="auto" latinLnBrk="0" hangingPunct="1">
+                        <a:lnSpc>
+                          <a:spcPct val="100000"/>
+                        </a:lnSpc>
+                        <a:spcBef>
+                          <a:spcPts val="0"/>
+                        </a:spcBef>
+                        <a:spcAft>
+                          <a:spcPts val="0"/>
+                        </a:spcAft>
+                        <a:buClrTx/>
+                        <a:buSzTx/>
+                        <a:buFontTx/>
+                        <a:buNone/>
+                        <a:tabLst/>
+                        <a:defRPr/>
+                      </a:pPr>
+                      <a:r>
+                        <a:rPr lang="en-US" dirty="0" smtClean="0"/>
+                        <a:t>Pros</a:t>
+                      </a:r>
+                    </a:p>
+                    <a:p>
+                      <a:endParaRPr lang="en-US" dirty="0"/>
+                    </a:p>
+                  </a:txBody>
+                  <a:tcPr/>
+                </a:tc>
+                <a:tc>
+                  <a:txBody>
+                    <a:bodyPr/>
+                    <a:lstStyle/>
+                    <a:p>
+                      <a:pPr marL="0" marR="0" indent="0" algn="l" defTabSz="457200" rtl="0" eaLnBrk="1" fontAlgn="auto" latinLnBrk="0" hangingPunct="1">
+                        <a:lnSpc>
+                          <a:spcPct val="100000"/>
+                        </a:lnSpc>
+                        <a:spcBef>
+                          <a:spcPts val="0"/>
+                        </a:spcBef>
+                        <a:spcAft>
+                          <a:spcPts val="0"/>
+                        </a:spcAft>
+                        <a:buClrTx/>
+                        <a:buSzTx/>
+                        <a:buFontTx/>
+                        <a:buNone/>
+                        <a:tabLst/>
+                        <a:defRPr/>
+                      </a:pPr>
+                      <a:r>
+                        <a:rPr lang="en-US" dirty="0" smtClean="0"/>
+                        <a:t>Cons</a:t>
+                      </a:r>
+                    </a:p>
+                    <a:p>
+                      <a:endParaRPr lang="en-US" dirty="0"/>
+                    </a:p>
+                  </a:txBody>
+                  <a:tcPr/>
+                </a:tc>
+                <a:extLst>
+                  <a:ext uri="{0D108BD9-81ED-4DB2-BD59-A6C34878D82A}">
+                    <a16:rowId xmlns:a16="http://schemas.microsoft.com/office/drawing/2014/main" val="1275923824"/>
+                  </a:ext>
+                </a:extLst>
+              </a:tr>
+              <a:tr h="757098">
+                <a:tc>
+                  <a:txBody>
+                    <a:bodyPr/>
+                    <a:lstStyle/>
+                    <a:p>
+                      <a:pPr marL="0" marR="0" indent="0" algn="l" defTabSz="457200" rtl="0" eaLnBrk="1" fontAlgn="auto" latinLnBrk="0" hangingPunct="1">
+                        <a:lnSpc>
+                          <a:spcPct val="100000"/>
+                        </a:lnSpc>
+                        <a:spcBef>
+                          <a:spcPts val="0"/>
+                        </a:spcBef>
+                        <a:spcAft>
+                          <a:spcPts val="0"/>
+                        </a:spcAft>
+                        <a:buClrTx/>
+                        <a:buSzTx/>
+                        <a:buFontTx/>
+                        <a:buNone/>
+                        <a:tabLst/>
+                        <a:defRPr/>
+                      </a:pPr>
+                      <a:r>
+                        <a:rPr lang="en-US" dirty="0" smtClean="0"/>
+                        <a:t>Allows for maximum features in the allotted</a:t>
+                      </a:r>
+                      <a:r>
+                        <a:rPr lang="en-US" baseline="0" dirty="0" smtClean="0"/>
+                        <a:t> time frame.</a:t>
+                      </a:r>
+                      <a:endParaRPr lang="en-US" dirty="0" smtClean="0"/>
+                    </a:p>
+                    <a:p>
+                      <a:endParaRPr lang="en-US" dirty="0"/>
+                    </a:p>
+                  </a:txBody>
+                  <a:tcPr/>
+                </a:tc>
+                <a:tc>
+                  <a:txBody>
+                    <a:bodyPr/>
+                    <a:lstStyle/>
+                    <a:p>
+                      <a:pPr marL="0" marR="0" indent="0" algn="l" defTabSz="457200" rtl="0" eaLnBrk="1" fontAlgn="auto" latinLnBrk="0" hangingPunct="1">
+                        <a:lnSpc>
+                          <a:spcPct val="100000"/>
+                        </a:lnSpc>
+                        <a:spcBef>
+                          <a:spcPts val="0"/>
+                        </a:spcBef>
+                        <a:spcAft>
+                          <a:spcPts val="0"/>
+                        </a:spcAft>
+                        <a:buClrTx/>
+                        <a:buSzTx/>
+                        <a:buFontTx/>
+                        <a:buNone/>
+                        <a:tabLst/>
+                        <a:defRPr/>
+                      </a:pPr>
+                      <a:r>
+                        <a:rPr lang="en-US" dirty="0" smtClean="0"/>
+                        <a:t>Spirals may</a:t>
+                      </a:r>
+                      <a:r>
+                        <a:rPr lang="en-US" baseline="0" dirty="0" smtClean="0"/>
+                        <a:t> continue indefinitely.</a:t>
+                      </a:r>
+                      <a:endParaRPr lang="en-US" dirty="0" smtClean="0"/>
+                    </a:p>
+                    <a:p>
+                      <a:endParaRPr lang="en-US" dirty="0"/>
+                    </a:p>
+                  </a:txBody>
+                  <a:tcPr/>
+                </a:tc>
+                <a:extLst>
+                  <a:ext uri="{0D108BD9-81ED-4DB2-BD59-A6C34878D82A}">
+                    <a16:rowId xmlns:a16="http://schemas.microsoft.com/office/drawing/2014/main" val="2235921254"/>
+                  </a:ext>
+                </a:extLst>
+              </a:tr>
+              <a:tr h="757098">
+                <a:tc>
+                  <a:txBody>
+                    <a:bodyPr/>
+                    <a:lstStyle/>
+                    <a:p>
+                      <a:pPr marL="0" marR="0" indent="0" algn="l" defTabSz="457200" rtl="0" eaLnBrk="1" fontAlgn="auto" latinLnBrk="0" hangingPunct="1">
+                        <a:lnSpc>
+                          <a:spcPct val="100000"/>
+                        </a:lnSpc>
+                        <a:spcBef>
+                          <a:spcPts val="0"/>
+                        </a:spcBef>
+                        <a:spcAft>
+                          <a:spcPts val="0"/>
+                        </a:spcAft>
+                        <a:buClrTx/>
+                        <a:buSzTx/>
+                        <a:buFontTx/>
+                        <a:buNone/>
+                        <a:tabLst/>
+                        <a:defRPr/>
+                      </a:pPr>
+                      <a:r>
+                        <a:rPr lang="en-US" dirty="0" smtClean="0"/>
+                        <a:t>Can</a:t>
+                      </a:r>
+                      <a:r>
+                        <a:rPr lang="en-US" baseline="0" dirty="0" smtClean="0"/>
+                        <a:t> accommodate changing requirements</a:t>
+                      </a:r>
+                      <a:endParaRPr lang="en-US" dirty="0" smtClean="0"/>
+                    </a:p>
+                    <a:p>
+                      <a:endParaRPr lang="en-US" dirty="0"/>
+                    </a:p>
+                  </a:txBody>
+                  <a:tcPr/>
+                </a:tc>
+                <a:tc>
+                  <a:txBody>
+                    <a:bodyPr/>
+                    <a:lstStyle/>
+                    <a:p>
+                      <a:r>
+                        <a:rPr lang="en-US" dirty="0" smtClean="0"/>
+                        <a:t>Large number of spirals</a:t>
+                      </a:r>
+                      <a:r>
+                        <a:rPr lang="en-US" baseline="0" dirty="0" smtClean="0"/>
+                        <a:t> requires many versions and much documentation.</a:t>
+                      </a:r>
+                      <a:endParaRPr lang="en-US" dirty="0"/>
+                    </a:p>
+                  </a:txBody>
+                  <a:tcPr/>
+                </a:tc>
+                <a:extLst>
+                  <a:ext uri="{0D108BD9-81ED-4DB2-BD59-A6C34878D82A}">
+                    <a16:rowId xmlns:a16="http://schemas.microsoft.com/office/drawing/2014/main" val="1782317942"/>
+                  </a:ext>
+                </a:extLst>
+              </a:tr>
+              <a:tr h="757098">
+                <a:tc>
+                  <a:txBody>
+                    <a:bodyPr/>
+                    <a:lstStyle/>
+                    <a:p>
+                      <a:r>
+                        <a:rPr lang="en-US" baseline="0" dirty="0" smtClean="0"/>
+                        <a:t>Working versions at the end of every cycle.</a:t>
+                      </a:r>
+                      <a:endParaRPr lang="en-US" dirty="0"/>
+                    </a:p>
+                  </a:txBody>
+                  <a:tcPr/>
+                </a:tc>
+                <a:tc>
+                  <a:txBody>
+                    <a:bodyPr/>
+                    <a:lstStyle/>
+                    <a:p>
+                      <a:endParaRPr lang="en-US" dirty="0"/>
+                    </a:p>
+                  </a:txBody>
+                  <a:tcPr/>
+                </a:tc>
+                <a:extLst>
+                  <a:ext uri="{0D108BD9-81ED-4DB2-BD59-A6C34878D82A}">
+                    <a16:rowId xmlns:a16="http://schemas.microsoft.com/office/drawing/2014/main" val="1578562255"/>
+                  </a:ext>
+                </a:extLst>
+              </a:tr>
+              <a:tr h="451593">
+                <a:tc>
+                  <a:txBody>
+                    <a:bodyPr/>
+                    <a:lstStyle/>
+                    <a:p>
+                      <a:r>
+                        <a:rPr lang="en-US" dirty="0" smtClean="0"/>
+                        <a:t>Easily allows for modular</a:t>
+                      </a:r>
+                      <a:r>
+                        <a:rPr lang="en-US" baseline="0" dirty="0" smtClean="0"/>
+                        <a:t> testing.</a:t>
+                      </a:r>
+                      <a:endParaRPr lang="en-US" dirty="0"/>
+                    </a:p>
+                  </a:txBody>
+                  <a:tcPr/>
+                </a:tc>
+                <a:tc>
+                  <a:txBody>
+                    <a:bodyPr/>
+                    <a:lstStyle/>
+                    <a:p>
+                      <a:endParaRPr lang="en-US" dirty="0"/>
+                    </a:p>
+                  </a:txBody>
+                  <a:tcPr/>
+                </a:tc>
+                <a:extLst>
+                  <a:ext uri="{0D108BD9-81ED-4DB2-BD59-A6C34878D82A}">
+                    <a16:rowId xmlns:a16="http://schemas.microsoft.com/office/drawing/2014/main" val="942976870"/>
+                  </a:ext>
+                </a:extLst>
+              </a:tr>
+            </a:tbl>
+          </a:graphicData>
+        </a:graphic>
+      </p:graphicFrame>
     </p:spTree>
     <p:extLst>
       <p:ext uri="{BB962C8B-B14F-4D97-AF65-F5344CB8AC3E}">
-        <p14:creationId xmlns:p14="http://schemas.microsoft.com/office/powerpoint/2010/main" val="4270881546"/>
+        <p14:creationId xmlns:p14="http://schemas.microsoft.com/office/powerpoint/2010/main" val="729964042"/>
       </p:ext>
     </p:extLst>
   </p:cSld>
   <p:clrMapOvr>
     <a:masterClrMapping/>
   </p:clrMapOvr>
+  <p:timing>
+    <p:tnLst>
+      <p:par>
+        <p:cTn id="1" dur="indefinite" restart="never" nodeType="tmRoot"/>
+      </p:par>
+    </p:tnLst>
+  </p:timing>
 </p:sld>
 </file>
 
@@ -4288,7 +9992,7 @@
       </p:grpSpPr>
       <p:sp>
         <p:nvSpPr>
-          <p:cNvPr id="2" name="Title 1"/>
+          <p:cNvPr id="5" name="Title 4"/>
           <p:cNvSpPr>
             <a:spLocks noGrp="1"/>
           </p:cNvSpPr>
@@ -4298,90 +10002,153 @@
         </p:nvSpPr>
         <p:spPr/>
         <p:txBody>
+          <a:bodyPr>
+            <a:normAutofit/>
+          </a:bodyPr>
+          <a:lstStyle/>
+          <a:p>
+            <a:r>
+              <a:rPr lang="en-US" dirty="0" smtClean="0"/>
+              <a:t>Overall </a:t>
+            </a:r>
+            <a:r>
+              <a:rPr lang="en-US" dirty="0" smtClean="0"/>
+              <a:t>Functional Requirements</a:t>
+            </a:r>
+            <a:endParaRPr lang="en-US" dirty="0"/>
+          </a:p>
+        </p:txBody>
+      </p:sp>
+      <p:sp>
+        <p:nvSpPr>
+          <p:cNvPr id="6" name="Content Placeholder 5"/>
+          <p:cNvSpPr>
+            <a:spLocks noGrp="1"/>
+          </p:cNvSpPr>
+          <p:nvPr>
+            <p:ph sz="half" idx="1"/>
+          </p:nvPr>
+        </p:nvSpPr>
+        <p:spPr>
+          <a:xfrm>
+            <a:off x="838200" y="2438400"/>
+            <a:ext cx="7401900" cy="4195763"/>
+          </a:xfrm>
+        </p:spPr>
+        <p:txBody>
           <a:bodyPr/>
           <a:lstStyle/>
           <a:p>
-            <a:r>
-              <a:rPr lang="en-US" dirty="0" smtClean="0"/>
-              <a:t>Decisions</a:t>
-            </a:r>
-            <a:endParaRPr lang="en-US" dirty="0"/>
-          </a:p>
-        </p:txBody>
-      </p:sp>
-      <p:sp>
-        <p:nvSpPr>
-          <p:cNvPr id="5" name="Content Placeholder 4"/>
-          <p:cNvSpPr>
-            <a:spLocks noGrp="1"/>
-          </p:cNvSpPr>
-          <p:nvPr>
-            <p:ph idx="1"/>
-          </p:nvPr>
-        </p:nvSpPr>
-        <p:spPr/>
-        <p:txBody>
-          <a:bodyPr/>
-          <a:lstStyle/>
-          <a:p>
-            <a:r>
-              <a:rPr lang="en-US" dirty="0" smtClean="0"/>
-              <a:t>Java</a:t>
-            </a:r>
+            <a:pPr marL="0" indent="0">
+              <a:buNone/>
+            </a:pPr>
+            <a:endParaRPr lang="en-US" dirty="0" smtClean="0"/>
           </a:p>
           <a:p>
             <a:pPr lvl="1"/>
             <a:r>
-              <a:rPr lang="en-US" dirty="0" smtClean="0"/>
-              <a:t>Object orientation</a:t>
-            </a:r>
+              <a:rPr lang="en-US" sz="2400" dirty="0" smtClean="0"/>
+              <a:t>A desired string or username to search for.</a:t>
+            </a:r>
+            <a:endParaRPr lang="en-US" sz="2400" dirty="0"/>
           </a:p>
           <a:p>
             <a:pPr lvl="1"/>
             <a:r>
-              <a:rPr lang="en-US" dirty="0" smtClean="0"/>
-              <a:t>Prior experience</a:t>
-            </a:r>
-          </a:p>
-          <a:p>
-            <a:r>
-              <a:rPr lang="en-US" dirty="0" smtClean="0"/>
-              <a:t>Amazon Web Services</a:t>
-            </a:r>
+              <a:rPr lang="en-US" sz="2400" dirty="0" smtClean="0"/>
+              <a:t>The desired set of data to search from.</a:t>
+            </a:r>
+            <a:endParaRPr lang="en-US" sz="2400" dirty="0"/>
           </a:p>
           <a:p>
             <a:pPr lvl="1"/>
             <a:r>
-              <a:rPr lang="en-US" dirty="0" smtClean="0"/>
-              <a:t>Free</a:t>
-            </a:r>
-            <a:endParaRPr lang="en-US" dirty="0"/>
-          </a:p>
-          <a:p>
-            <a:r>
-              <a:rPr lang="en-US" dirty="0" smtClean="0"/>
-              <a:t>MySQL</a:t>
-            </a:r>
+              <a:rPr lang="en-US" sz="2400" dirty="0" smtClean="0"/>
+              <a:t>The desired amount of tweets to be returned.</a:t>
+            </a:r>
+            <a:endParaRPr lang="en-US" sz="2400" dirty="0"/>
           </a:p>
           <a:p>
             <a:pPr lvl="1"/>
             <a:r>
-              <a:rPr lang="en-US" dirty="0" smtClean="0"/>
-              <a:t>Prior experience</a:t>
-            </a:r>
+              <a:rPr lang="en-US" sz="2400" dirty="0" smtClean="0"/>
+              <a:t>Desired search filters. (e.g. No Replies, No Profanity, etc.)</a:t>
+            </a:r>
+            <a:endParaRPr lang="en-US" sz="2400" dirty="0"/>
+          </a:p>
+        </p:txBody>
+      </p:sp>
+      <p:sp>
+        <p:nvSpPr>
+          <p:cNvPr id="7" name="TextBox 6"/>
+          <p:cNvSpPr txBox="1"/>
+          <p:nvPr/>
+        </p:nvSpPr>
+        <p:spPr>
+          <a:xfrm>
+            <a:off x="990600" y="1853248"/>
+            <a:ext cx="1752600" cy="461665"/>
+          </a:xfrm>
+          <a:prstGeom prst="rect">
+            <a:avLst/>
+          </a:prstGeom>
+          <a:noFill/>
+        </p:spPr>
+        <p:txBody>
+          <a:bodyPr wrap="square" rtlCol="0">
+            <a:spAutoFit/>
+          </a:bodyPr>
+          <a:lstStyle/>
+          <a:p>
+            <a:r>
+              <a:rPr lang="en-US" sz="2400" dirty="0" smtClean="0">
+                <a:ln w="0"/>
+                <a:solidFill>
+                  <a:schemeClr val="accent1"/>
+                </a:solidFill>
+                <a:effectLst>
+                  <a:outerShdw blurRad="38100" dist="25400" dir="5400000" algn="ctr" rotWithShape="0">
+                    <a:srgbClr val="6E747A">
+                      <a:alpha val="43000"/>
+                    </a:srgbClr>
+                  </a:outerShdw>
+                </a:effectLst>
+              </a:rPr>
+              <a:t>Inputs</a:t>
+            </a:r>
+            <a:endParaRPr lang="en-US" sz="2400" dirty="0">
+              <a:ln w="0"/>
+              <a:solidFill>
+                <a:schemeClr val="accent1"/>
+              </a:solidFill>
+              <a:effectLst>
+                <a:outerShdw blurRad="38100" dist="25400" dir="5400000" algn="ctr" rotWithShape="0">
+                  <a:srgbClr val="6E747A">
+                    <a:alpha val="43000"/>
+                  </a:srgbClr>
+                </a:outerShdw>
+              </a:effectLst>
+            </a:endParaRPr>
           </a:p>
         </p:txBody>
       </p:sp>
     </p:spTree>
     <p:extLst>
       <p:ext uri="{BB962C8B-B14F-4D97-AF65-F5344CB8AC3E}">
-        <p14:creationId xmlns:p14="http://schemas.microsoft.com/office/powerpoint/2010/main" val="255775997"/>
+        <p14:creationId xmlns:p14="http://schemas.microsoft.com/office/powerpoint/2010/main" val="1813398057"/>
       </p:ext>
     </p:extLst>
   </p:cSld>
   <p:clrMapOvr>
     <a:masterClrMapping/>
   </p:clrMapOvr>
+  <p:timing>
+    <p:tnLst>
+      <p:par>
+        <p:cTn id="1" dur="indefinite" restart="never" nodeType="tmRoot"/>
+      </p:par>
+    </p:tnLst>
+  </p:timing>
 </p:sld>
 </file>
 
@@ -4404,7 +10171,7 @@
       </p:grpSpPr>
       <p:sp>
         <p:nvSpPr>
-          <p:cNvPr id="2" name="Title 1"/>
+          <p:cNvPr id="5" name="Title 4"/>
           <p:cNvSpPr>
             <a:spLocks noGrp="1"/>
           </p:cNvSpPr>
@@ -4414,12 +10181,18 @@
         </p:nvSpPr>
         <p:spPr/>
         <p:txBody>
-          <a:bodyPr/>
+          <a:bodyPr>
+            <a:normAutofit/>
+          </a:bodyPr>
           <a:lstStyle/>
           <a:p>
             <a:r>
               <a:rPr lang="en-US" dirty="0" smtClean="0"/>
-              <a:t>Spiral 1 Requirements Analysis</a:t>
+              <a:t>Overall </a:t>
+            </a:r>
+            <a:r>
+              <a:rPr lang="en-US" dirty="0" smtClean="0"/>
+              <a:t>Functional Requirements</a:t>
             </a:r>
             <a:endParaRPr lang="en-US" dirty="0"/>
           </a:p>
@@ -4427,108 +10200,124 @@
       </p:sp>
       <p:sp>
         <p:nvSpPr>
-          <p:cNvPr id="4" name="Content Placeholder 3"/>
-          <p:cNvSpPr>
-            <a:spLocks noGrp="1"/>
-          </p:cNvSpPr>
-          <p:nvPr>
-            <p:ph sz="half" idx="1"/>
-          </p:nvPr>
-        </p:nvSpPr>
-        <p:spPr/>
-        <p:txBody>
-          <a:bodyPr/>
-          <a:lstStyle/>
-          <a:p>
-            <a:r>
-              <a:rPr lang="en-US" dirty="0" smtClean="0"/>
-              <a:t>Inputs</a:t>
-            </a:r>
-          </a:p>
+          <p:cNvPr id="10" name="Content Placeholder 9"/>
+          <p:cNvSpPr>
+            <a:spLocks noGrp="1"/>
+          </p:cNvSpPr>
+          <p:nvPr>
+            <p:ph sz="half" idx="2"/>
+          </p:nvPr>
+        </p:nvSpPr>
+        <p:spPr>
+          <a:xfrm>
+            <a:off x="838200" y="2895600"/>
+            <a:ext cx="7315199" cy="4200245"/>
+          </a:xfrm>
+        </p:spPr>
+        <p:txBody>
+          <a:bodyPr>
+            <a:normAutofit/>
+          </a:bodyPr>
+          <a:lstStyle/>
           <a:p>
             <a:pPr lvl="1"/>
             <a:r>
-              <a:rPr lang="en-US" dirty="0" smtClean="0"/>
-              <a:t>Search query</a:t>
+              <a:rPr lang="en-US" sz="2400" dirty="0"/>
+              <a:t>Search </a:t>
+            </a:r>
+            <a:r>
+              <a:rPr lang="en-US" sz="2400" dirty="0" smtClean="0"/>
+              <a:t>Twitter or Database for desired string or username. </a:t>
             </a:r>
           </a:p>
           <a:p>
             <a:pPr lvl="1"/>
             <a:r>
-              <a:rPr lang="en-US" dirty="0" smtClean="0"/>
-              <a:t>Twitter or database</a:t>
+              <a:rPr lang="en-US" sz="2400" dirty="0" smtClean="0"/>
+              <a:t>Transform the datatypes returned by Twitter/Database into our common data structure.</a:t>
             </a:r>
           </a:p>
           <a:p>
             <a:pPr lvl="1"/>
             <a:r>
-              <a:rPr lang="en-US" dirty="0" smtClean="0"/>
-              <a:t>Keyword or username</a:t>
-            </a:r>
-          </a:p>
-          <a:p>
-            <a:r>
-              <a:rPr lang="en-US" dirty="0" smtClean="0"/>
-              <a:t>Outputs</a:t>
-            </a:r>
-          </a:p>
-          <a:p>
-            <a:pPr lvl="1"/>
-            <a:r>
-              <a:rPr lang="en-US" dirty="0" smtClean="0"/>
-              <a:t>List of tweets</a:t>
-            </a:r>
-            <a:endParaRPr lang="en-US" dirty="0"/>
-          </a:p>
-        </p:txBody>
-      </p:sp>
-      <p:sp>
-        <p:nvSpPr>
-          <p:cNvPr id="5" name="Content Placeholder 4"/>
-          <p:cNvSpPr>
-            <a:spLocks noGrp="1"/>
-          </p:cNvSpPr>
-          <p:nvPr>
-            <p:ph sz="half" idx="2"/>
-          </p:nvPr>
-        </p:nvSpPr>
-        <p:spPr/>
-        <p:txBody>
-          <a:bodyPr/>
-          <a:lstStyle/>
-          <a:p>
-            <a:r>
-              <a:rPr lang="en-US" dirty="0" smtClean="0"/>
+              <a:rPr lang="en-US" sz="2400" dirty="0" smtClean="0"/>
+              <a:t>Assign profanity flags to each tweet.</a:t>
+            </a:r>
+            <a:endParaRPr lang="en-US" sz="2400" dirty="0"/>
+          </a:p>
+        </p:txBody>
+      </p:sp>
+      <p:sp>
+        <p:nvSpPr>
+          <p:cNvPr id="7" name="TextBox 6"/>
+          <p:cNvSpPr txBox="1"/>
+          <p:nvPr/>
+        </p:nvSpPr>
+        <p:spPr>
+          <a:xfrm>
+            <a:off x="990600" y="1853248"/>
+            <a:ext cx="2514600" cy="461665"/>
+          </a:xfrm>
+          <a:prstGeom prst="rect">
+            <a:avLst/>
+          </a:prstGeom>
+          <a:noFill/>
+        </p:spPr>
+        <p:txBody>
+          <a:bodyPr wrap="square" rtlCol="0">
+            <a:spAutoFit/>
+          </a:bodyPr>
+          <a:lstStyle/>
+          <a:p>
+            <a:r>
+              <a:rPr lang="en-US" sz="2400" dirty="0" smtClean="0">
+                <a:ln w="0"/>
+                <a:solidFill>
+                  <a:schemeClr val="accent1"/>
+                </a:solidFill>
+                <a:effectLst>
+                  <a:outerShdw blurRad="38100" dist="25400" dir="5400000" algn="ctr" rotWithShape="0">
+                    <a:srgbClr val="6E747A">
+                      <a:alpha val="43000"/>
+                    </a:srgbClr>
+                  </a:outerShdw>
+                </a:effectLst>
+              </a:rPr>
               <a:t>Transformations</a:t>
             </a:r>
-          </a:p>
-          <a:p>
-            <a:pPr lvl="1"/>
-            <a:r>
-              <a:rPr lang="en-US" dirty="0" smtClean="0"/>
-              <a:t>Search Twitter</a:t>
-            </a:r>
-          </a:p>
-          <a:p>
-            <a:pPr lvl="1"/>
-            <a:r>
-              <a:rPr lang="en-US" dirty="0" smtClean="0"/>
-              <a:t>Search database</a:t>
-            </a:r>
-            <a:endParaRPr lang="en-US" dirty="0"/>
+            <a:endParaRPr lang="en-US" sz="2400" dirty="0">
+              <a:ln w="0"/>
+              <a:solidFill>
+                <a:schemeClr val="accent1"/>
+              </a:solidFill>
+              <a:effectLst>
+                <a:outerShdw blurRad="38100" dist="25400" dir="5400000" algn="ctr" rotWithShape="0">
+                  <a:srgbClr val="6E747A">
+                    <a:alpha val="43000"/>
+                  </a:srgbClr>
+                </a:outerShdw>
+              </a:effectLst>
+            </a:endParaRPr>
           </a:p>
         </p:txBody>
       </p:sp>
     </p:spTree>
     <p:extLst>
       <p:ext uri="{BB962C8B-B14F-4D97-AF65-F5344CB8AC3E}">
-        <p14:creationId xmlns:p14="http://schemas.microsoft.com/office/powerpoint/2010/main" val="851733143"/>
+        <p14:creationId xmlns:p14="http://schemas.microsoft.com/office/powerpoint/2010/main" val="4034616578"/>
       </p:ext>
     </p:extLst>
   </p:cSld>
   <p:clrMapOvr>
     <a:masterClrMapping/>
   </p:clrMapOvr>
+  <p:timing>
+    <p:tnLst>
+      <p:par>
+        <p:cTn id="1" dur="indefinite" restart="never" nodeType="tmRoot"/>
+      </p:par>
+    </p:tnLst>
+  </p:timing>
 </p:sld>
 </file>
 
@@ -4551,7 +10340,7 @@
       </p:grpSpPr>
       <p:sp>
         <p:nvSpPr>
-          <p:cNvPr id="2" name="Title 1"/>
+          <p:cNvPr id="5" name="Title 4"/>
           <p:cNvSpPr>
             <a:spLocks noGrp="1"/>
           </p:cNvSpPr>
@@ -4561,12 +10350,18 @@
         </p:nvSpPr>
         <p:spPr/>
         <p:txBody>
-          <a:bodyPr/>
+          <a:bodyPr>
+            <a:normAutofit/>
+          </a:bodyPr>
           <a:lstStyle/>
           <a:p>
             <a:r>
               <a:rPr lang="en-US" dirty="0" smtClean="0"/>
-              <a:t>Spiral 1 Design Process</a:t>
+              <a:t>Overall </a:t>
+            </a:r>
+            <a:r>
+              <a:rPr lang="en-US" dirty="0" smtClean="0"/>
+              <a:t>Functional Requirements</a:t>
             </a:r>
             <a:endParaRPr lang="en-US" dirty="0"/>
           </a:p>
@@ -4574,50 +10369,114 @@
       </p:sp>
       <p:sp>
         <p:nvSpPr>
-          <p:cNvPr id="3" name="Content Placeholder 2"/>
-          <p:cNvSpPr>
-            <a:spLocks noGrp="1"/>
-          </p:cNvSpPr>
-          <p:nvPr>
-            <p:ph idx="1"/>
-          </p:nvPr>
-        </p:nvSpPr>
-        <p:spPr/>
-        <p:txBody>
-          <a:bodyPr/>
-          <a:lstStyle/>
-          <a:p>
-            <a:r>
-              <a:rPr lang="en-US" dirty="0" smtClean="0"/>
-              <a:t>Why Java</a:t>
-            </a:r>
-          </a:p>
+          <p:cNvPr id="6" name="Content Placeholder 5"/>
+          <p:cNvSpPr>
+            <a:spLocks noGrp="1"/>
+          </p:cNvSpPr>
+          <p:nvPr>
+            <p:ph sz="half" idx="1"/>
+          </p:nvPr>
+        </p:nvSpPr>
+        <p:spPr>
+          <a:xfrm>
+            <a:off x="838200" y="2819400"/>
+            <a:ext cx="7401900" cy="4195763"/>
+          </a:xfrm>
+        </p:spPr>
+        <p:txBody>
+          <a:bodyPr>
+            <a:normAutofit/>
+          </a:bodyPr>
+          <a:lstStyle/>
           <a:p>
             <a:pPr lvl="1"/>
             <a:r>
-              <a:rPr lang="en-US" dirty="0" smtClean="0"/>
-              <a:t>Twitter 4J API</a:t>
-            </a:r>
+              <a:rPr lang="en-US" sz="2400" dirty="0" smtClean="0"/>
+              <a:t>Displays the tweets returned from Twitter or our database in an organized table.</a:t>
+            </a:r>
+            <a:endParaRPr lang="en-US" sz="2400" dirty="0" smtClean="0"/>
           </a:p>
           <a:p>
             <a:pPr lvl="1"/>
             <a:r>
-              <a:rPr lang="en-US" dirty="0" smtClean="0"/>
-              <a:t>Java Database Connectivity API</a:t>
-            </a:r>
+              <a:rPr lang="en-US" sz="2400" dirty="0" smtClean="0"/>
+              <a:t>Organize data collected into visual representations depending on user preferences.</a:t>
+            </a:r>
+            <a:endParaRPr lang="en-US" sz="2400" dirty="0" smtClean="0"/>
+          </a:p>
+        </p:txBody>
+      </p:sp>
+      <p:sp>
+        <p:nvSpPr>
+          <p:cNvPr id="3" name="TextBox 2"/>
+          <p:cNvSpPr txBox="1"/>
+          <p:nvPr/>
+        </p:nvSpPr>
+        <p:spPr>
+          <a:xfrm>
+            <a:off x="990600" y="1853248"/>
+            <a:ext cx="1752600" cy="461665"/>
+          </a:xfrm>
+          <a:prstGeom prst="rect">
+            <a:avLst/>
+          </a:prstGeom>
+          <a:noFill/>
+        </p:spPr>
+        <p:txBody>
+          <a:bodyPr wrap="square" rtlCol="0">
+            <a:spAutoFit/>
+          </a:bodyPr>
+          <a:lstStyle/>
+          <a:p>
+            <a:r>
+              <a:rPr lang="en-US" sz="2400" dirty="0" smtClean="0">
+                <a:ln w="0"/>
+                <a:solidFill>
+                  <a:schemeClr val="accent1"/>
+                </a:solidFill>
+                <a:effectLst>
+                  <a:outerShdw blurRad="38100" dist="25400" dir="5400000" algn="ctr" rotWithShape="0">
+                    <a:srgbClr val="6E747A">
+                      <a:alpha val="43000"/>
+                    </a:srgbClr>
+                  </a:outerShdw>
+                </a:effectLst>
+              </a:rPr>
+              <a:t>Outputs</a:t>
+            </a:r>
+            <a:endParaRPr lang="en-US" sz="2400" dirty="0">
+              <a:ln w="0"/>
+              <a:solidFill>
+                <a:schemeClr val="accent1"/>
+              </a:solidFill>
+              <a:effectLst>
+                <a:outerShdw blurRad="38100" dist="25400" dir="5400000" algn="ctr" rotWithShape="0">
+                  <a:srgbClr val="6E747A">
+                    <a:alpha val="43000"/>
+                  </a:srgbClr>
+                </a:outerShdw>
+              </a:effectLst>
+            </a:endParaRPr>
           </a:p>
         </p:txBody>
       </p:sp>
     </p:spTree>
     <p:extLst>
       <p:ext uri="{BB962C8B-B14F-4D97-AF65-F5344CB8AC3E}">
-        <p14:creationId xmlns:p14="http://schemas.microsoft.com/office/powerpoint/2010/main" val="1316655818"/>
+        <p14:creationId xmlns:p14="http://schemas.microsoft.com/office/powerpoint/2010/main" val="3940443391"/>
       </p:ext>
     </p:extLst>
   </p:cSld>
   <p:clrMapOvr>
     <a:masterClrMapping/>
   </p:clrMapOvr>
+  <p:timing>
+    <p:tnLst>
+      <p:par>
+        <p:cTn id="1" dur="indefinite" restart="never" nodeType="tmRoot"/>
+      </p:par>
+    </p:tnLst>
+  </p:timing>
 </p:sld>
 </file>
 
@@ -4655,82 +10514,65 @@
           <a:p>
             <a:r>
               <a:rPr lang="en-US" dirty="0" smtClean="0"/>
-              <a:t>Spiral 1 Implementation	</a:t>
+              <a:t>First Class Diagram</a:t>
             </a:r>
             <a:endParaRPr lang="en-US" dirty="0"/>
           </a:p>
         </p:txBody>
       </p:sp>
-      <p:sp>
-        <p:nvSpPr>
-          <p:cNvPr id="3" name="Content Placeholder 2"/>
-          <p:cNvSpPr>
-            <a:spLocks noGrp="1"/>
-          </p:cNvSpPr>
-          <p:nvPr>
-            <p:ph idx="1"/>
-          </p:nvPr>
-        </p:nvSpPr>
-        <p:spPr/>
-        <p:txBody>
-          <a:bodyPr/>
-          <a:lstStyle/>
-          <a:p>
-            <a:r>
-              <a:rPr lang="en-US" dirty="0" smtClean="0"/>
-              <a:t>Twitter connection class</a:t>
-            </a:r>
-          </a:p>
-          <a:p>
-            <a:r>
-              <a:rPr lang="en-US" dirty="0" smtClean="0"/>
-              <a:t>SQL connection class</a:t>
-            </a:r>
-          </a:p>
-          <a:p>
-            <a:pPr lvl="1"/>
-            <a:r>
-              <a:rPr lang="en-US" dirty="0" smtClean="0"/>
-              <a:t>Basic insert/select methods</a:t>
-            </a:r>
-          </a:p>
-          <a:p>
-            <a:r>
-              <a:rPr lang="en-US" dirty="0" smtClean="0"/>
-              <a:t>Choose between keyword or username search</a:t>
-            </a:r>
-          </a:p>
-          <a:p>
-            <a:r>
-              <a:rPr lang="en-US" dirty="0" smtClean="0"/>
-              <a:t>Enter query that is fed to search function</a:t>
-            </a:r>
-          </a:p>
-          <a:p>
-            <a:endParaRPr lang="en-US" dirty="0"/>
-          </a:p>
-          <a:p>
-            <a:endParaRPr lang="en-US" dirty="0" smtClean="0"/>
-          </a:p>
-        </p:txBody>
-      </p:sp>
+      <p:pic>
+        <p:nvPicPr>
+          <p:cNvPr id="5" name="Content Placeholder 4"/>
+          <p:cNvPicPr>
+            <a:picLocks noGrp="1" noChangeAspect="1"/>
+          </p:cNvPicPr>
+          <p:nvPr>
+            <p:ph sz="half" idx="1"/>
+          </p:nvPr>
+        </p:nvPicPr>
+        <p:blipFill>
+          <a:blip r:embed="rId2" cstate="print">
+            <a:extLst>
+              <a:ext uri="{28A0092B-C50C-407E-A947-70E740481C1C}">
+                <a14:useLocalDpi xmlns:a14="http://schemas.microsoft.com/office/drawing/2010/main" val="0"/>
+              </a:ext>
+            </a:extLst>
+          </a:blip>
+          <a:stretch>
+            <a:fillRect/>
+          </a:stretch>
+        </p:blipFill>
+        <p:spPr>
+          <a:xfrm>
+            <a:off x="484710" y="1853248"/>
+            <a:ext cx="8239942" cy="4114800"/>
+          </a:xfrm>
+        </p:spPr>
+      </p:pic>
     </p:spTree>
     <p:extLst>
       <p:ext uri="{BB962C8B-B14F-4D97-AF65-F5344CB8AC3E}">
-        <p14:creationId xmlns:p14="http://schemas.microsoft.com/office/powerpoint/2010/main" val="2466597242"/>
+        <p14:creationId xmlns:p14="http://schemas.microsoft.com/office/powerpoint/2010/main" val="3733697568"/>
       </p:ext>
     </p:extLst>
   </p:cSld>
   <p:clrMapOvr>
     <a:masterClrMapping/>
   </p:clrMapOvr>
+  <p:timing>
+    <p:tnLst>
+      <p:par>
+        <p:cTn id="1" dur="indefinite" restart="never" nodeType="tmRoot"/>
+      </p:par>
+    </p:tnLst>
+  </p:timing>
 </p:sld>
 </file>
 
 <file path=ppt/theme/theme1.xml><?xml version="1.0" encoding="utf-8"?>
-<a:theme xmlns:a="http://schemas.openxmlformats.org/drawingml/2006/main" name="Office Theme">
+<a:theme xmlns:a="http://schemas.openxmlformats.org/drawingml/2006/main" name="Ion">
   <a:themeElements>
-    <a:clrScheme name="Office">
+    <a:clrScheme name="Blue Green">
       <a:dk1>
         <a:sysClr val="windowText" lastClr="000000"/>
       </a:dk1>
@@ -4738,42 +10580,42 @@
         <a:sysClr val="window" lastClr="FFFFFF"/>
       </a:lt1>
       <a:dk2>
-        <a:srgbClr val="1F497D"/>
+        <a:srgbClr val="373545"/>
       </a:dk2>
       <a:lt2>
-        <a:srgbClr val="EEECE1"/>
+        <a:srgbClr val="CEDBE6"/>
       </a:lt2>
       <a:accent1>
-        <a:srgbClr val="4F81BD"/>
+        <a:srgbClr val="3494BA"/>
       </a:accent1>
       <a:accent2>
-        <a:srgbClr val="C0504D"/>
+        <a:srgbClr val="58B6C0"/>
       </a:accent2>
       <a:accent3>
-        <a:srgbClr val="9BBB59"/>
+        <a:srgbClr val="75BDA7"/>
       </a:accent3>
       <a:accent4>
-        <a:srgbClr val="8064A2"/>
+        <a:srgbClr val="7A8C8E"/>
       </a:accent4>
       <a:accent5>
-        <a:srgbClr val="4BACC6"/>
+        <a:srgbClr val="84ACB6"/>
       </a:accent5>
       <a:accent6>
-        <a:srgbClr val="F79646"/>
+        <a:srgbClr val="2683C6"/>
       </a:accent6>
       <a:hlink>
-        <a:srgbClr val="0000FF"/>
+        <a:srgbClr val="6B9F25"/>
       </a:hlink>
       <a:folHlink>
-        <a:srgbClr val="800080"/>
+        <a:srgbClr val="9F6715"/>
       </a:folHlink>
     </a:clrScheme>
-    <a:fontScheme name="Office">
+    <a:fontScheme name="Ion">
       <a:majorFont>
-        <a:latin typeface="Calibri"/>
+        <a:latin typeface="Century Gothic" panose="020B0502020202020204"/>
         <a:ea typeface=""/>
         <a:cs typeface=""/>
-        <a:font script="Jpan" typeface="ＭＳ Ｐゴシック"/>
+        <a:font script="Jpan" typeface="メイリオ"/>
         <a:font script="Hang" typeface="맑은 고딕"/>
         <a:font script="Hans" typeface="宋体"/>
         <a:font script="Hant" typeface="新細明體"/>
@@ -4805,10 +10647,10 @@
         <a:font script="Geor" typeface="Sylfaen"/>
       </a:majorFont>
       <a:minorFont>
-        <a:latin typeface="Calibri"/>
+        <a:latin typeface="Century Gothic" panose="020B0502020202020204"/>
         <a:ea typeface=""/>
         <a:cs typeface=""/>
-        <a:font script="Jpan" typeface="ＭＳ Ｐゴシック"/>
+        <a:font script="Jpan" typeface="メイリオ"/>
         <a:font script="Hang" typeface="맑은 고딕"/>
         <a:font script="Hans" typeface="宋体"/>
         <a:font script="Hant" typeface="新細明體"/>
@@ -4840,7 +10682,7 @@
         <a:font script="Geor" typeface="Sylfaen"/>
       </a:minorFont>
     </a:fontScheme>
-    <a:fmtScheme name="Office">
+    <a:fmtScheme name="Extreme Shadow">
       <a:fillStyleLst>
         <a:solidFill>
           <a:schemeClr val="phClr"/>
@@ -4849,20 +10691,19 @@
           <a:gsLst>
             <a:gs pos="0">
               <a:schemeClr val="phClr">
-                <a:tint val="50000"/>
-                <a:satMod val="300000"/>
+                <a:tint val="90000"/>
               </a:schemeClr>
             </a:gs>
-            <a:gs pos="35000">
+            <a:gs pos="48000">
               <a:schemeClr val="phClr">
-                <a:tint val="37000"/>
-                <a:satMod val="300000"/>
+                <a:tint val="54000"/>
+                <a:satMod val="140000"/>
               </a:schemeClr>
             </a:gs>
             <a:gs pos="100000">
               <a:schemeClr val="phClr">
-                <a:tint val="15000"/>
-                <a:satMod val="350000"/>
+                <a:tint val="24000"/>
+                <a:satMod val="260000"/>
               </a:schemeClr>
             </a:gs>
           </a:gsLst>
@@ -4871,44 +10712,40 @@
         <a:gradFill rotWithShape="1">
           <a:gsLst>
             <a:gs pos="0">
+              <a:schemeClr val="phClr"/>
+            </a:gs>
+            <a:gs pos="100000">
               <a:schemeClr val="phClr">
-                <a:shade val="51000"/>
-                <a:satMod val="130000"/>
-              </a:schemeClr>
-            </a:gs>
-            <a:gs pos="80000">
-              <a:schemeClr val="phClr">
-                <a:shade val="93000"/>
-                <a:satMod val="130000"/>
+                <a:shade val="48000"/>
+                <a:satMod val="180000"/>
+                <a:lumMod val="94000"/>
               </a:schemeClr>
             </a:gs>
             <a:gs pos="100000">
               <a:schemeClr val="phClr">
-                <a:shade val="94000"/>
-                <a:satMod val="135000"/>
+                <a:shade val="48000"/>
+                <a:satMod val="180000"/>
+                <a:lumMod val="94000"/>
               </a:schemeClr>
             </a:gs>
           </a:gsLst>
-          <a:lin ang="16200000" scaled="0"/>
+          <a:lin ang="4140000" scaled="1"/>
         </a:gradFill>
       </a:fillStyleLst>
       <a:lnStyleLst>
-        <a:ln w="9525" cap="flat" cmpd="sng" algn="ctr">
-          <a:solidFill>
-            <a:schemeClr val="phClr">
-              <a:shade val="95000"/>
-              <a:satMod val="105000"/>
-            </a:schemeClr>
-          </a:solidFill>
-          <a:prstDash val="solid"/>
-        </a:ln>
-        <a:ln w="25400" cap="flat" cmpd="sng" algn="ctr">
+        <a:ln w="12700" cap="flat" cmpd="sng" algn="ctr">
           <a:solidFill>
             <a:schemeClr val="phClr"/>
           </a:solidFill>
           <a:prstDash val="solid"/>
         </a:ln>
-        <a:ln w="38100" cap="flat" cmpd="sng" algn="ctr">
+        <a:ln w="19050" cap="flat" cmpd="sng" algn="ctr">
+          <a:solidFill>
+            <a:schemeClr val="phClr"/>
+          </a:solidFill>
+          <a:prstDash val="solid"/>
+        </a:ln>
+        <a:ln w="28575" cap="flat" cmpd="sng" algn="ctr">
           <a:solidFill>
             <a:schemeClr val="phClr"/>
           </a:solidFill>
@@ -4918,27 +10755,38 @@
       <a:effectStyleLst>
         <a:effectStyle>
           <a:effectLst>
-            <a:outerShdw blurRad="40000" dist="20000" dir="5400000" rotWithShape="0">
+            <a:outerShdw blurRad="63500" dist="12700" dir="5400000" sx="102000" sy="102000" rotWithShape="0">
               <a:srgbClr val="000000">
-                <a:alpha val="38000"/>
+                <a:alpha val="32000"/>
               </a:srgbClr>
             </a:outerShdw>
           </a:effectLst>
         </a:effectStyle>
         <a:effectStyle>
           <a:effectLst>
-            <a:outerShdw blurRad="40000" dist="23000" dir="5400000" rotWithShape="0">
+            <a:outerShdw blurRad="76200" dist="38100" dir="5400000" rotWithShape="0">
               <a:srgbClr val="000000">
-                <a:alpha val="35000"/>
+                <a:alpha val="60000"/>
               </a:srgbClr>
             </a:outerShdw>
           </a:effectLst>
+          <a:scene3d>
+            <a:camera prst="orthographicFront">
+              <a:rot lat="0" lon="0" rev="0"/>
+            </a:camera>
+            <a:lightRig rig="threePt" dir="tl">
+              <a:rot lat="0" lon="0" rev="19800000"/>
+            </a:lightRig>
+          </a:scene3d>
+          <a:sp3d prstMaterial="plastic">
+            <a:bevelT w="25400" h="19050"/>
+          </a:sp3d>
         </a:effectStyle>
         <a:effectStyle>
           <a:effectLst>
-            <a:outerShdw blurRad="40000" dist="23000" dir="5400000" rotWithShape="0">
+            <a:outerShdw blurRad="114300" dist="114300" dir="5400000" rotWithShape="0">
               <a:srgbClr val="000000">
-                <a:alpha val="35000"/>
+                <a:alpha val="70000"/>
               </a:srgbClr>
             </a:outerShdw>
           </a:effectLst>
@@ -4947,11 +10795,11 @@
               <a:rot lat="0" lon="0" rev="0"/>
             </a:camera>
             <a:lightRig rig="threePt" dir="t">
-              <a:rot lat="0" lon="0" rev="1200000"/>
+              <a:rot lat="0" lon="0" rev="19800000"/>
             </a:lightRig>
           </a:scene3d>
-          <a:sp3d>
-            <a:bevelT w="63500" h="25400"/>
+          <a:sp3d prstMaterial="plastic">
+            <a:bevelT w="38100" h="31750"/>
           </a:sp3d>
         </a:effectStyle>
       </a:effectStyleLst>
@@ -4963,51 +10811,54 @@
           <a:gsLst>
             <a:gs pos="0">
               <a:schemeClr val="phClr">
-                <a:tint val="40000"/>
-                <a:satMod val="350000"/>
-              </a:schemeClr>
-            </a:gs>
-            <a:gs pos="40000">
-              <a:schemeClr val="phClr">
-                <a:tint val="45000"/>
-                <a:shade val="99000"/>
-                <a:satMod val="350000"/>
+                <a:tint val="92000"/>
+                <a:hueMod val="96000"/>
+                <a:satMod val="128000"/>
+                <a:lumMod val="114000"/>
               </a:schemeClr>
             </a:gs>
             <a:gs pos="100000">
               <a:schemeClr val="phClr">
-                <a:shade val="20000"/>
-                <a:satMod val="255000"/>
+                <a:tint val="100000"/>
+                <a:shade val="62000"/>
+                <a:hueMod val="100000"/>
+                <a:satMod val="134000"/>
+                <a:lumMod val="56000"/>
               </a:schemeClr>
             </a:gs>
           </a:gsLst>
           <a:path path="circle">
-            <a:fillToRect l="50000" t="-80000" r="50000" b="180000"/>
+            <a:fillToRect l="45000" t="65000" r="125000" b="100000"/>
           </a:path>
         </a:gradFill>
-        <a:gradFill rotWithShape="1">
-          <a:gsLst>
-            <a:gs pos="0">
+        <a:blipFill rotWithShape="1">
+          <a:blip xmlns:r="http://schemas.openxmlformats.org/officeDocument/2006/relationships" r:embed="rId1">
+            <a:duotone>
               <a:schemeClr val="phClr">
-                <a:tint val="80000"/>
-                <a:satMod val="300000"/>
+                <a:shade val="62000"/>
+                <a:hueMod val="108000"/>
+                <a:satMod val="164000"/>
+                <a:lumMod val="69000"/>
               </a:schemeClr>
-            </a:gs>
-            <a:gs pos="100000">
               <a:schemeClr val="phClr">
-                <a:shade val="30000"/>
-                <a:satMod val="200000"/>
+                <a:tint val="96000"/>
+                <a:hueMod val="90000"/>
+                <a:satMod val="130000"/>
+                <a:lumMod val="134000"/>
               </a:schemeClr>
-            </a:gs>
-          </a:gsLst>
-          <a:path path="circle">
-            <a:fillToRect l="50000" t="50000" r="50000" b="50000"/>
-          </a:path>
-        </a:gradFill>
+            </a:duotone>
+          </a:blip>
+          <a:stretch/>
+        </a:blipFill>
       </a:bgFillStyleLst>
     </a:fmtScheme>
   </a:themeElements>
   <a:objectDefaults/>
   <a:extraClrSchemeLst/>
+  <a:extLst>
+    <a:ext uri="{05A4C25C-085E-4340-85A3-A5531E510DB2}">
+      <thm15:themeFamily xmlns:thm15="http://schemas.microsoft.com/office/thememl/2012/main" name="Ion" id="{B8441ADB-2E43-4AF7-B97A-BD870242C6A8}" vid="{BACC050B-8757-4460-95D8-E37B46A6B421}"/>
+    </a:ext>
+  </a:extLst>
 </a:theme>
 </file>
--- a/Software Engineering.pptx
+++ b/Software Engineering.pptx
@@ -1,38 +1,42 @@
 
 <file path=ppt/presentation.xml><?xml version="1.0" encoding="utf-8"?>
-<p:presentation xmlns:a="http://schemas.openxmlformats.org/drawingml/2006/main" xmlns:r="http://schemas.openxmlformats.org/officeDocument/2006/relationships" xmlns:p="http://schemas.openxmlformats.org/presentationml/2006/main" saveSubsetFonts="1">
+<p:presentation xmlns:a="http://schemas.openxmlformats.org/drawingml/2006/main" xmlns:r="http://schemas.openxmlformats.org/officeDocument/2006/relationships" xmlns:p="http://schemas.openxmlformats.org/presentationml/2006/main" showSpecialPlsOnTitleSld="0" saveSubsetFonts="1">
   <p:sldMasterIdLst>
     <p:sldMasterId id="2147483791" r:id="rId1"/>
   </p:sldMasterIdLst>
+  <p:notesMasterIdLst>
+    <p:notesMasterId r:id="rId31"/>
+  </p:notesMasterIdLst>
   <p:sldIdLst>
     <p:sldId id="256" r:id="rId2"/>
-    <p:sldId id="257" r:id="rId3"/>
-    <p:sldId id="284" r:id="rId4"/>
-    <p:sldId id="285" r:id="rId5"/>
-    <p:sldId id="258" r:id="rId6"/>
-    <p:sldId id="259" r:id="rId7"/>
-    <p:sldId id="273" r:id="rId8"/>
-    <p:sldId id="272" r:id="rId9"/>
-    <p:sldId id="283" r:id="rId10"/>
-    <p:sldId id="282" r:id="rId11"/>
-    <p:sldId id="274" r:id="rId12"/>
-    <p:sldId id="260" r:id="rId13"/>
-    <p:sldId id="261" r:id="rId14"/>
-    <p:sldId id="275" r:id="rId15"/>
-    <p:sldId id="263" r:id="rId16"/>
-    <p:sldId id="264" r:id="rId17"/>
-    <p:sldId id="276" r:id="rId18"/>
-    <p:sldId id="266" r:id="rId19"/>
-    <p:sldId id="267" r:id="rId20"/>
-    <p:sldId id="268" r:id="rId21"/>
-    <p:sldId id="269" r:id="rId22"/>
-    <p:sldId id="270" r:id="rId23"/>
-    <p:sldId id="277" r:id="rId24"/>
-    <p:sldId id="278" r:id="rId25"/>
-    <p:sldId id="279" r:id="rId26"/>
-    <p:sldId id="280" r:id="rId27"/>
-    <p:sldId id="281" r:id="rId28"/>
-    <p:sldId id="286" r:id="rId29"/>
+    <p:sldId id="287" r:id="rId3"/>
+    <p:sldId id="257" r:id="rId4"/>
+    <p:sldId id="284" r:id="rId5"/>
+    <p:sldId id="285" r:id="rId6"/>
+    <p:sldId id="258" r:id="rId7"/>
+    <p:sldId id="259" r:id="rId8"/>
+    <p:sldId id="273" r:id="rId9"/>
+    <p:sldId id="272" r:id="rId10"/>
+    <p:sldId id="283" r:id="rId11"/>
+    <p:sldId id="282" r:id="rId12"/>
+    <p:sldId id="274" r:id="rId13"/>
+    <p:sldId id="260" r:id="rId14"/>
+    <p:sldId id="261" r:id="rId15"/>
+    <p:sldId id="275" r:id="rId16"/>
+    <p:sldId id="263" r:id="rId17"/>
+    <p:sldId id="264" r:id="rId18"/>
+    <p:sldId id="276" r:id="rId19"/>
+    <p:sldId id="266" r:id="rId20"/>
+    <p:sldId id="267" r:id="rId21"/>
+    <p:sldId id="268" r:id="rId22"/>
+    <p:sldId id="269" r:id="rId23"/>
+    <p:sldId id="270" r:id="rId24"/>
+    <p:sldId id="277" r:id="rId25"/>
+    <p:sldId id="278" r:id="rId26"/>
+    <p:sldId id="279" r:id="rId27"/>
+    <p:sldId id="280" r:id="rId28"/>
+    <p:sldId id="281" r:id="rId29"/>
+    <p:sldId id="286" r:id="rId30"/>
   </p:sldIdLst>
   <p:sldSz cx="9144000" cy="6858000" type="screen4x3"/>
   <p:notesSz cx="6858000" cy="9144000"/>
@@ -150,6 +154,356 @@
 </p:presentation>
 </file>
 
+<file path=ppt/notesMasters/notesMaster1.xml><?xml version="1.0" encoding="utf-8"?>
+<p:notesMaster xmlns:a="http://schemas.openxmlformats.org/drawingml/2006/main" xmlns:r="http://schemas.openxmlformats.org/officeDocument/2006/relationships" xmlns:p="http://schemas.openxmlformats.org/presentationml/2006/main">
+  <p:cSld>
+    <p:bg>
+      <p:bgRef idx="1001">
+        <a:schemeClr val="bg1"/>
+      </p:bgRef>
+    </p:bg>
+    <p:spTree>
+      <p:nvGrpSpPr>
+        <p:cNvPr id="1" name=""/>
+        <p:cNvGrpSpPr/>
+        <p:nvPr/>
+      </p:nvGrpSpPr>
+      <p:grpSpPr>
+        <a:xfrm>
+          <a:off x="0" y="0"/>
+          <a:ext cx="0" cy="0"/>
+          <a:chOff x="0" y="0"/>
+          <a:chExt cx="0" cy="0"/>
+        </a:xfrm>
+      </p:grpSpPr>
+      <p:sp>
+        <p:nvSpPr>
+          <p:cNvPr id="2" name="Header Placeholder 1"/>
+          <p:cNvSpPr>
+            <a:spLocks noGrp="1"/>
+          </p:cNvSpPr>
+          <p:nvPr>
+            <p:ph type="hdr" sz="quarter"/>
+          </p:nvPr>
+        </p:nvSpPr>
+        <p:spPr>
+          <a:xfrm>
+            <a:off x="0" y="0"/>
+            <a:ext cx="2971800" cy="458788"/>
+          </a:xfrm>
+          <a:prstGeom prst="rect">
+            <a:avLst/>
+          </a:prstGeom>
+        </p:spPr>
+        <p:txBody>
+          <a:bodyPr vert="horz" lIns="91440" tIns="45720" rIns="91440" bIns="45720" rtlCol="0"/>
+          <a:lstStyle>
+            <a:lvl1pPr algn="l">
+              <a:defRPr sz="1200"/>
+            </a:lvl1pPr>
+          </a:lstStyle>
+          <a:p>
+            <a:endParaRPr lang="en-US"/>
+          </a:p>
+        </p:txBody>
+      </p:sp>
+      <p:sp>
+        <p:nvSpPr>
+          <p:cNvPr id="3" name="Date Placeholder 2"/>
+          <p:cNvSpPr>
+            <a:spLocks noGrp="1"/>
+          </p:cNvSpPr>
+          <p:nvPr>
+            <p:ph type="dt" idx="1"/>
+          </p:nvPr>
+        </p:nvSpPr>
+        <p:spPr>
+          <a:xfrm>
+            <a:off x="3884613" y="0"/>
+            <a:ext cx="2971800" cy="458788"/>
+          </a:xfrm>
+          <a:prstGeom prst="rect">
+            <a:avLst/>
+          </a:prstGeom>
+        </p:spPr>
+        <p:txBody>
+          <a:bodyPr vert="horz" lIns="91440" tIns="45720" rIns="91440" bIns="45720" rtlCol="0"/>
+          <a:lstStyle>
+            <a:lvl1pPr algn="r">
+              <a:defRPr sz="1200"/>
+            </a:lvl1pPr>
+          </a:lstStyle>
+          <a:p>
+            <a:fld id="{AF8989BE-A084-4905-9584-E639240066EF}" type="datetimeFigureOut">
+              <a:rPr lang="en-US" smtClean="0"/>
+              <a:t>11/15/2016</a:t>
+            </a:fld>
+            <a:endParaRPr lang="en-US"/>
+          </a:p>
+        </p:txBody>
+      </p:sp>
+      <p:sp>
+        <p:nvSpPr>
+          <p:cNvPr id="4" name="Slide Image Placeholder 3"/>
+          <p:cNvSpPr>
+            <a:spLocks noGrp="1" noRot="1" noChangeAspect="1"/>
+          </p:cNvSpPr>
+          <p:nvPr>
+            <p:ph type="sldImg" idx="2"/>
+          </p:nvPr>
+        </p:nvSpPr>
+        <p:spPr>
+          <a:xfrm>
+            <a:off x="1371600" y="1143000"/>
+            <a:ext cx="4114800" cy="3086100"/>
+          </a:xfrm>
+          <a:prstGeom prst="rect">
+            <a:avLst/>
+          </a:prstGeom>
+          <a:noFill/>
+          <a:ln w="12700">
+            <a:solidFill>
+              <a:prstClr val="black"/>
+            </a:solidFill>
+          </a:ln>
+        </p:spPr>
+        <p:txBody>
+          <a:bodyPr vert="horz" lIns="91440" tIns="45720" rIns="91440" bIns="45720" rtlCol="0" anchor="ctr"/>
+          <a:lstStyle/>
+          <a:p>
+            <a:endParaRPr lang="en-US"/>
+          </a:p>
+        </p:txBody>
+      </p:sp>
+      <p:sp>
+        <p:nvSpPr>
+          <p:cNvPr id="5" name="Notes Placeholder 4"/>
+          <p:cNvSpPr>
+            <a:spLocks noGrp="1"/>
+          </p:cNvSpPr>
+          <p:nvPr>
+            <p:ph type="body" sz="quarter" idx="3"/>
+          </p:nvPr>
+        </p:nvSpPr>
+        <p:spPr>
+          <a:xfrm>
+            <a:off x="685800" y="4400550"/>
+            <a:ext cx="5486400" cy="3600450"/>
+          </a:xfrm>
+          <a:prstGeom prst="rect">
+            <a:avLst/>
+          </a:prstGeom>
+        </p:spPr>
+        <p:txBody>
+          <a:bodyPr vert="horz" lIns="91440" tIns="45720" rIns="91440" bIns="45720" rtlCol="0"/>
+          <a:lstStyle/>
+          <a:p>
+            <a:pPr lvl="0"/>
+            <a:r>
+              <a:rPr lang="en-US"/>
+              <a:t>Edit Master text styles</a:t>
+            </a:r>
+          </a:p>
+          <a:p>
+            <a:pPr lvl="1"/>
+            <a:r>
+              <a:rPr lang="en-US"/>
+              <a:t>Second level</a:t>
+            </a:r>
+          </a:p>
+          <a:p>
+            <a:pPr lvl="2"/>
+            <a:r>
+              <a:rPr lang="en-US"/>
+              <a:t>Third level</a:t>
+            </a:r>
+          </a:p>
+          <a:p>
+            <a:pPr lvl="3"/>
+            <a:r>
+              <a:rPr lang="en-US"/>
+              <a:t>Fourth level</a:t>
+            </a:r>
+          </a:p>
+          <a:p>
+            <a:pPr lvl="4"/>
+            <a:r>
+              <a:rPr lang="en-US"/>
+              <a:t>Fifth level</a:t>
+            </a:r>
+            <a:endParaRPr lang="en-US"/>
+          </a:p>
+        </p:txBody>
+      </p:sp>
+      <p:sp>
+        <p:nvSpPr>
+          <p:cNvPr id="6" name="Footer Placeholder 5"/>
+          <p:cNvSpPr>
+            <a:spLocks noGrp="1"/>
+          </p:cNvSpPr>
+          <p:nvPr>
+            <p:ph type="ftr" sz="quarter" idx="4"/>
+          </p:nvPr>
+        </p:nvSpPr>
+        <p:spPr>
+          <a:xfrm>
+            <a:off x="0" y="8685213"/>
+            <a:ext cx="2971800" cy="458787"/>
+          </a:xfrm>
+          <a:prstGeom prst="rect">
+            <a:avLst/>
+          </a:prstGeom>
+        </p:spPr>
+        <p:txBody>
+          <a:bodyPr vert="horz" lIns="91440" tIns="45720" rIns="91440" bIns="45720" rtlCol="0" anchor="b"/>
+          <a:lstStyle>
+            <a:lvl1pPr algn="l">
+              <a:defRPr sz="1200"/>
+            </a:lvl1pPr>
+          </a:lstStyle>
+          <a:p>
+            <a:endParaRPr lang="en-US"/>
+          </a:p>
+        </p:txBody>
+      </p:sp>
+      <p:sp>
+        <p:nvSpPr>
+          <p:cNvPr id="7" name="Slide Number Placeholder 6"/>
+          <p:cNvSpPr>
+            <a:spLocks noGrp="1"/>
+          </p:cNvSpPr>
+          <p:nvPr>
+            <p:ph type="sldNum" sz="quarter" idx="5"/>
+          </p:nvPr>
+        </p:nvSpPr>
+        <p:spPr>
+          <a:xfrm>
+            <a:off x="3884613" y="8685213"/>
+            <a:ext cx="2971800" cy="458787"/>
+          </a:xfrm>
+          <a:prstGeom prst="rect">
+            <a:avLst/>
+          </a:prstGeom>
+        </p:spPr>
+        <p:txBody>
+          <a:bodyPr vert="horz" lIns="91440" tIns="45720" rIns="91440" bIns="45720" rtlCol="0" anchor="b"/>
+          <a:lstStyle>
+            <a:lvl1pPr algn="r">
+              <a:defRPr sz="1200"/>
+            </a:lvl1pPr>
+          </a:lstStyle>
+          <a:p>
+            <a:fld id="{0050DD76-7819-4400-913A-1152362BB94F}" type="slidenum">
+              <a:rPr lang="en-US" smtClean="0"/>
+              <a:t>‹#›</a:t>
+            </a:fld>
+            <a:endParaRPr lang="en-US"/>
+          </a:p>
+        </p:txBody>
+      </p:sp>
+    </p:spTree>
+    <p:extLst>
+      <p:ext uri="{BB962C8B-B14F-4D97-AF65-F5344CB8AC3E}">
+        <p14:creationId xmlns:p14="http://schemas.microsoft.com/office/powerpoint/2010/main" val="3453322652"/>
+      </p:ext>
+    </p:extLst>
+  </p:cSld>
+  <p:clrMap bg1="lt1" tx1="dk1" bg2="lt2" tx2="dk2" accent1="accent1" accent2="accent2" accent3="accent3" accent4="accent4" accent5="accent5" accent6="accent6" hlink="hlink" folHlink="folHlink"/>
+  <p:notesStyle>
+    <a:lvl1pPr marL="0" algn="l" defTabSz="914400" rtl="0" eaLnBrk="1" latinLnBrk="0" hangingPunct="1">
+      <a:defRPr sz="1200" kern="1200">
+        <a:solidFill>
+          <a:schemeClr val="tx1"/>
+        </a:solidFill>
+        <a:latin typeface="+mn-lt"/>
+        <a:ea typeface="+mn-ea"/>
+        <a:cs typeface="+mn-cs"/>
+      </a:defRPr>
+    </a:lvl1pPr>
+    <a:lvl2pPr marL="457200" algn="l" defTabSz="914400" rtl="0" eaLnBrk="1" latinLnBrk="0" hangingPunct="1">
+      <a:defRPr sz="1200" kern="1200">
+        <a:solidFill>
+          <a:schemeClr val="tx1"/>
+        </a:solidFill>
+        <a:latin typeface="+mn-lt"/>
+        <a:ea typeface="+mn-ea"/>
+        <a:cs typeface="+mn-cs"/>
+      </a:defRPr>
+    </a:lvl2pPr>
+    <a:lvl3pPr marL="914400" algn="l" defTabSz="914400" rtl="0" eaLnBrk="1" latinLnBrk="0" hangingPunct="1">
+      <a:defRPr sz="1200" kern="1200">
+        <a:solidFill>
+          <a:schemeClr val="tx1"/>
+        </a:solidFill>
+        <a:latin typeface="+mn-lt"/>
+        <a:ea typeface="+mn-ea"/>
+        <a:cs typeface="+mn-cs"/>
+      </a:defRPr>
+    </a:lvl3pPr>
+    <a:lvl4pPr marL="1371600" algn="l" defTabSz="914400" rtl="0" eaLnBrk="1" latinLnBrk="0" hangingPunct="1">
+      <a:defRPr sz="1200" kern="1200">
+        <a:solidFill>
+          <a:schemeClr val="tx1"/>
+        </a:solidFill>
+        <a:latin typeface="+mn-lt"/>
+        <a:ea typeface="+mn-ea"/>
+        <a:cs typeface="+mn-cs"/>
+      </a:defRPr>
+    </a:lvl4pPr>
+    <a:lvl5pPr marL="1828800" algn="l" defTabSz="914400" rtl="0" eaLnBrk="1" latinLnBrk="0" hangingPunct="1">
+      <a:defRPr sz="1200" kern="1200">
+        <a:solidFill>
+          <a:schemeClr val="tx1"/>
+        </a:solidFill>
+        <a:latin typeface="+mn-lt"/>
+        <a:ea typeface="+mn-ea"/>
+        <a:cs typeface="+mn-cs"/>
+      </a:defRPr>
+    </a:lvl5pPr>
+    <a:lvl6pPr marL="2286000" algn="l" defTabSz="914400" rtl="0" eaLnBrk="1" latinLnBrk="0" hangingPunct="1">
+      <a:defRPr sz="1200" kern="1200">
+        <a:solidFill>
+          <a:schemeClr val="tx1"/>
+        </a:solidFill>
+        <a:latin typeface="+mn-lt"/>
+        <a:ea typeface="+mn-ea"/>
+        <a:cs typeface="+mn-cs"/>
+      </a:defRPr>
+    </a:lvl6pPr>
+    <a:lvl7pPr marL="2743200" algn="l" defTabSz="914400" rtl="0" eaLnBrk="1" latinLnBrk="0" hangingPunct="1">
+      <a:defRPr sz="1200" kern="1200">
+        <a:solidFill>
+          <a:schemeClr val="tx1"/>
+        </a:solidFill>
+        <a:latin typeface="+mn-lt"/>
+        <a:ea typeface="+mn-ea"/>
+        <a:cs typeface="+mn-cs"/>
+      </a:defRPr>
+    </a:lvl7pPr>
+    <a:lvl8pPr marL="3200400" algn="l" defTabSz="914400" rtl="0" eaLnBrk="1" latinLnBrk="0" hangingPunct="1">
+      <a:defRPr sz="1200" kern="1200">
+        <a:solidFill>
+          <a:schemeClr val="tx1"/>
+        </a:solidFill>
+        <a:latin typeface="+mn-lt"/>
+        <a:ea typeface="+mn-ea"/>
+        <a:cs typeface="+mn-cs"/>
+      </a:defRPr>
+    </a:lvl8pPr>
+    <a:lvl9pPr marL="3657600" algn="l" defTabSz="914400" rtl="0" eaLnBrk="1" latinLnBrk="0" hangingPunct="1">
+      <a:defRPr sz="1200" kern="1200">
+        <a:solidFill>
+          <a:schemeClr val="tx1"/>
+        </a:solidFill>
+        <a:latin typeface="+mn-lt"/>
+        <a:ea typeface="+mn-ea"/>
+        <a:cs typeface="+mn-cs"/>
+      </a:defRPr>
+    </a:lvl9pPr>
+  </p:notesStyle>
+</p:notesMaster>
+</file>
+
 <file path=ppt/slideLayouts/slideLayout1.xml><?xml version="1.0" encoding="utf-8"?>
 <p:sldLayout xmlns:a="http://schemas.openxmlformats.org/drawingml/2006/main" xmlns:r="http://schemas.openxmlformats.org/officeDocument/2006/relationships" xmlns:p="http://schemas.openxmlformats.org/presentationml/2006/main" type="title" preserve="1">
   <p:cSld name="Title Slide">
@@ -192,7 +546,7 @@
           </a:lstStyle>
           <a:p>
             <a:r>
-              <a:rPr lang="en-US" smtClean="0"/>
+              <a:rPr lang="en-US"/>
               <a:t>Click to edit Master title style</a:t>
             </a:r>
             <a:endParaRPr lang="en-US" dirty="0"/>
@@ -309,7 +663,7 @@
           </a:lstStyle>
           <a:p>
             <a:r>
-              <a:rPr lang="en-US" smtClean="0"/>
+              <a:rPr lang="en-US"/>
               <a:t>Click to edit Master subtitle style</a:t>
             </a:r>
             <a:endParaRPr lang="en-US" dirty="0"/>
@@ -331,7 +685,7 @@
           <a:bodyPr/>
           <a:lstStyle/>
           <a:p>
-            <a:fld id="{35FCE708-3684-473C-A788-4D90E1C784B6}" type="datetimeFigureOut">
+            <a:fld id="{90F38F03-6DEE-45F0-A1B1-FB51AB28AD43}" type="datetime1">
               <a:rPr lang="en-US" smtClean="0"/>
               <a:t>11/15/2016</a:t>
             </a:fld>
@@ -438,7 +792,7 @@
           </a:lstStyle>
           <a:p>
             <a:r>
-              <a:rPr lang="en-US" smtClean="0"/>
+              <a:rPr lang="en-US"/>
               <a:t>Click to edit Master title style</a:t>
             </a:r>
             <a:endParaRPr lang="en-US" dirty="0"/>
@@ -517,7 +871,7 @@
           </a:lstStyle>
           <a:p>
             <a:r>
-              <a:rPr lang="en-US" smtClean="0"/>
+              <a:rPr lang="en-US"/>
               <a:t>Click icon to add picture</a:t>
             </a:r>
             <a:endParaRPr lang="en-US" dirty="0"/>
@@ -585,7 +939,7 @@
           <a:p>
             <a:pPr lvl="0"/>
             <a:r>
-              <a:rPr lang="en-US" smtClean="0"/>
+              <a:rPr lang="en-US"/>
               <a:t>Edit Master text styles</a:t>
             </a:r>
           </a:p>
@@ -606,7 +960,7 @@
           <a:bodyPr/>
           <a:lstStyle/>
           <a:p>
-            <a:fld id="{35FCE708-3684-473C-A788-4D90E1C784B6}" type="datetimeFigureOut">
+            <a:fld id="{6A6D2449-4FC2-48AE-8541-B6E08F928B71}" type="datetime1">
               <a:rPr lang="en-US" smtClean="0"/>
               <a:t>11/15/2016</a:t>
             </a:fld>
@@ -711,7 +1065,7 @@
           </a:lstStyle>
           <a:p>
             <a:r>
-              <a:rPr lang="en-US" smtClean="0"/>
+              <a:rPr lang="en-US"/>
               <a:t>Click to edit Master title style</a:t>
             </a:r>
             <a:endParaRPr lang="en-US" dirty="0"/>
@@ -779,7 +1133,7 @@
           <a:p>
             <a:pPr lvl="0"/>
             <a:r>
-              <a:rPr lang="en-US" smtClean="0"/>
+              <a:rPr lang="en-US"/>
               <a:t>Edit Master text styles</a:t>
             </a:r>
           </a:p>
@@ -800,7 +1154,7 @@
           <a:bodyPr/>
           <a:lstStyle/>
           <a:p>
-            <a:fld id="{35FCE708-3684-473C-A788-4D90E1C784B6}" type="datetimeFigureOut">
+            <a:fld id="{AF9A2DAD-A79E-446F-8C89-1B5F8F3DC056}" type="datetime1">
               <a:rPr lang="en-US" smtClean="0"/>
               <a:t>11/15/2016</a:t>
             </a:fld>
@@ -905,7 +1259,7 @@
           </a:lstStyle>
           <a:p>
             <a:r>
-              <a:rPr lang="en-US" smtClean="0"/>
+              <a:rPr lang="en-US"/>
               <a:t>Click to edit Master title style</a:t>
             </a:r>
             <a:endParaRPr lang="en-US" dirty="0"/>
@@ -980,7 +1334,7 @@
           <a:p>
             <a:pPr lvl="0"/>
             <a:r>
-              <a:rPr lang="en-US" smtClean="0"/>
+              <a:rPr lang="en-US"/>
               <a:t>Edit Master text styles</a:t>
             </a:r>
           </a:p>
@@ -1047,7 +1401,7 @@
           <a:p>
             <a:pPr lvl="0"/>
             <a:r>
-              <a:rPr lang="en-US" smtClean="0"/>
+              <a:rPr lang="en-US"/>
               <a:t>Edit Master text styles</a:t>
             </a:r>
           </a:p>
@@ -1068,7 +1422,7 @@
           <a:bodyPr/>
           <a:lstStyle/>
           <a:p>
-            <a:fld id="{35FCE708-3684-473C-A788-4D90E1C784B6}" type="datetimeFigureOut">
+            <a:fld id="{465BA4EC-730C-4F36-A096-225CA293DBD6}" type="datetime1">
               <a:rPr lang="en-US" smtClean="0"/>
               <a:t>11/15/2016</a:t>
             </a:fld>
@@ -1261,7 +1615,7 @@
           </a:lstStyle>
           <a:p>
             <a:r>
-              <a:rPr lang="en-US" smtClean="0"/>
+              <a:rPr lang="en-US"/>
               <a:t>Click to edit Master title style</a:t>
             </a:r>
             <a:endParaRPr lang="en-US" dirty="0"/>
@@ -1379,7 +1733,7 @@
           <a:p>
             <a:pPr lvl="0"/>
             <a:r>
-              <a:rPr lang="en-US" smtClean="0"/>
+              <a:rPr lang="en-US"/>
               <a:t>Edit Master text styles</a:t>
             </a:r>
           </a:p>
@@ -1400,7 +1754,7 @@
           <a:bodyPr/>
           <a:lstStyle/>
           <a:p>
-            <a:fld id="{35FCE708-3684-473C-A788-4D90E1C784B6}" type="datetimeFigureOut">
+            <a:fld id="{A0CDF337-E8A8-47C9-AAAE-C291CC18ECEB}" type="datetime1">
               <a:rPr lang="en-US" smtClean="0"/>
               <a:t>11/15/2016</a:t>
             </a:fld>
@@ -1500,7 +1854,7 @@
           </a:lstStyle>
           <a:p>
             <a:r>
-              <a:rPr lang="en-US" smtClean="0"/>
+              <a:rPr lang="en-US"/>
               <a:t>Click to edit Master title style</a:t>
             </a:r>
             <a:endParaRPr lang="en-US" dirty="0"/>
@@ -1572,7 +1926,7 @@
           <a:p>
             <a:pPr lvl="0"/>
             <a:r>
-              <a:rPr lang="en-US" smtClean="0"/>
+              <a:rPr lang="en-US"/>
               <a:t>Edit Master text styles</a:t>
             </a:r>
           </a:p>
@@ -1639,7 +1993,7 @@
           <a:p>
             <a:pPr lvl="0"/>
             <a:r>
-              <a:rPr lang="en-US" smtClean="0"/>
+              <a:rPr lang="en-US"/>
               <a:t>Edit Master text styles</a:t>
             </a:r>
           </a:p>
@@ -1710,7 +2064,7 @@
           <a:p>
             <a:pPr lvl="0"/>
             <a:r>
-              <a:rPr lang="en-US" smtClean="0"/>
+              <a:rPr lang="en-US"/>
               <a:t>Edit Master text styles</a:t>
             </a:r>
           </a:p>
@@ -1777,7 +2131,7 @@
           <a:p>
             <a:pPr lvl="0"/>
             <a:r>
-              <a:rPr lang="en-US" smtClean="0"/>
+              <a:rPr lang="en-US"/>
               <a:t>Edit Master text styles</a:t>
             </a:r>
           </a:p>
@@ -1848,7 +2202,7 @@
           <a:p>
             <a:pPr lvl="0"/>
             <a:r>
-              <a:rPr lang="en-US" smtClean="0"/>
+              <a:rPr lang="en-US"/>
               <a:t>Edit Master text styles</a:t>
             </a:r>
           </a:p>
@@ -1915,7 +2269,7 @@
           <a:p>
             <a:pPr lvl="0"/>
             <a:r>
-              <a:rPr lang="en-US" smtClean="0"/>
+              <a:rPr lang="en-US"/>
               <a:t>Edit Master text styles</a:t>
             </a:r>
           </a:p>
@@ -2010,7 +2364,7 @@
           <a:bodyPr/>
           <a:lstStyle/>
           <a:p>
-            <a:fld id="{35FCE708-3684-473C-A788-4D90E1C784B6}" type="datetimeFigureOut">
+            <a:fld id="{23F6DE2F-F0A1-451E-99BF-6527CEC27932}" type="datetime1">
               <a:rPr lang="en-US" smtClean="0"/>
               <a:t>11/15/2016</a:t>
             </a:fld>
@@ -2110,7 +2464,7 @@
           </a:lstStyle>
           <a:p>
             <a:r>
-              <a:rPr lang="en-US" smtClean="0"/>
+              <a:rPr lang="en-US"/>
               <a:t>Click to edit Master title style</a:t>
             </a:r>
             <a:endParaRPr lang="en-US" dirty="0"/>
@@ -2182,7 +2536,7 @@
           <a:p>
             <a:pPr lvl="0"/>
             <a:r>
-              <a:rPr lang="en-US" smtClean="0"/>
+              <a:rPr lang="en-US"/>
               <a:t>Edit Master text styles</a:t>
             </a:r>
           </a:p>
@@ -2260,7 +2614,7 @@
           </a:lstStyle>
           <a:p>
             <a:r>
-              <a:rPr lang="en-US" smtClean="0"/>
+              <a:rPr lang="en-US"/>
               <a:t>Click icon to add picture</a:t>
             </a:r>
             <a:endParaRPr lang="en-US" dirty="0"/>
@@ -2328,7 +2682,7 @@
           <a:p>
             <a:pPr lvl="0"/>
             <a:r>
-              <a:rPr lang="en-US" smtClean="0"/>
+              <a:rPr lang="en-US"/>
               <a:t>Edit Master text styles</a:t>
             </a:r>
           </a:p>
@@ -2399,7 +2753,7 @@
           <a:p>
             <a:pPr lvl="0"/>
             <a:r>
-              <a:rPr lang="en-US" smtClean="0"/>
+              <a:rPr lang="en-US"/>
               <a:t>Edit Master text styles</a:t>
             </a:r>
           </a:p>
@@ -2477,7 +2831,7 @@
           </a:lstStyle>
           <a:p>
             <a:r>
-              <a:rPr lang="en-US" smtClean="0"/>
+              <a:rPr lang="en-US"/>
               <a:t>Click icon to add picture</a:t>
             </a:r>
             <a:endParaRPr lang="en-US" dirty="0"/>
@@ -2545,7 +2899,7 @@
           <a:p>
             <a:pPr lvl="0"/>
             <a:r>
-              <a:rPr lang="en-US" smtClean="0"/>
+              <a:rPr lang="en-US"/>
               <a:t>Edit Master text styles</a:t>
             </a:r>
           </a:p>
@@ -2616,7 +2970,7 @@
           <a:p>
             <a:pPr lvl="0"/>
             <a:r>
-              <a:rPr lang="en-US" smtClean="0"/>
+              <a:rPr lang="en-US"/>
               <a:t>Edit Master text styles</a:t>
             </a:r>
           </a:p>
@@ -2694,7 +3048,7 @@
           </a:lstStyle>
           <a:p>
             <a:r>
-              <a:rPr lang="en-US" smtClean="0"/>
+              <a:rPr lang="en-US"/>
               <a:t>Click icon to add picture</a:t>
             </a:r>
             <a:endParaRPr lang="en-US" dirty="0"/>
@@ -2762,7 +3116,7 @@
           <a:p>
             <a:pPr lvl="0"/>
             <a:r>
-              <a:rPr lang="en-US" smtClean="0"/>
+              <a:rPr lang="en-US"/>
               <a:t>Edit Master text styles</a:t>
             </a:r>
           </a:p>
@@ -2857,7 +3211,7 @@
           <a:bodyPr/>
           <a:lstStyle/>
           <a:p>
-            <a:fld id="{35FCE708-3684-473C-A788-4D90E1C784B6}" type="datetimeFigureOut">
+            <a:fld id="{1F409D80-DDBD-4D97-9265-5606F0A89764}" type="datetime1">
               <a:rPr lang="en-US" smtClean="0"/>
               <a:t>11/15/2016</a:t>
             </a:fld>
@@ -2953,7 +3307,7 @@
           <a:lstStyle/>
           <a:p>
             <a:r>
-              <a:rPr lang="en-US" smtClean="0"/>
+              <a:rPr lang="en-US"/>
               <a:t>Click to edit Master title style</a:t>
             </a:r>
             <a:endParaRPr lang="en-US" dirty="0"/>
@@ -2977,35 +3331,35 @@
           <a:p>
             <a:pPr lvl="0"/>
             <a:r>
-              <a:rPr lang="en-US" smtClean="0"/>
+              <a:rPr lang="en-US"/>
               <a:t>Edit Master text styles</a:t>
             </a:r>
           </a:p>
           <a:p>
             <a:pPr lvl="1"/>
             <a:r>
-              <a:rPr lang="en-US" smtClean="0"/>
+              <a:rPr lang="en-US"/>
               <a:t>Second level</a:t>
             </a:r>
           </a:p>
           <a:p>
             <a:pPr lvl="2"/>
             <a:r>
-              <a:rPr lang="en-US" smtClean="0"/>
+              <a:rPr lang="en-US"/>
               <a:t>Third level</a:t>
             </a:r>
           </a:p>
           <a:p>
             <a:pPr lvl="3"/>
             <a:r>
-              <a:rPr lang="en-US" smtClean="0"/>
+              <a:rPr lang="en-US"/>
               <a:t>Fourth level</a:t>
             </a:r>
           </a:p>
           <a:p>
             <a:pPr lvl="4"/>
             <a:r>
-              <a:rPr lang="en-US" smtClean="0"/>
+              <a:rPr lang="en-US"/>
               <a:t>Fifth level</a:t>
             </a:r>
             <a:endParaRPr lang="en-US" dirty="0"/>
@@ -3027,7 +3381,7 @@
           <a:bodyPr/>
           <a:lstStyle/>
           <a:p>
-            <a:fld id="{35FCE708-3684-473C-A788-4D90E1C784B6}" type="datetimeFigureOut">
+            <a:fld id="{EB443706-E497-4DE6-8733-0B498BD86530}" type="datetime1">
               <a:rPr lang="en-US" smtClean="0"/>
               <a:t>11/15/2016</a:t>
             </a:fld>
@@ -3128,7 +3482,7 @@
           <a:lstStyle/>
           <a:p>
             <a:r>
-              <a:rPr lang="en-US" smtClean="0"/>
+              <a:rPr lang="en-US"/>
               <a:t>Click to edit Master title style</a:t>
             </a:r>
             <a:endParaRPr lang="en-US" dirty="0"/>
@@ -3157,35 +3511,35 @@
           <a:p>
             <a:pPr lvl="0"/>
             <a:r>
-              <a:rPr lang="en-US" smtClean="0"/>
+              <a:rPr lang="en-US"/>
               <a:t>Edit Master text styles</a:t>
             </a:r>
           </a:p>
           <a:p>
             <a:pPr lvl="1"/>
             <a:r>
-              <a:rPr lang="en-US" smtClean="0"/>
+              <a:rPr lang="en-US"/>
               <a:t>Second level</a:t>
             </a:r>
           </a:p>
           <a:p>
             <a:pPr lvl="2"/>
             <a:r>
-              <a:rPr lang="en-US" smtClean="0"/>
+              <a:rPr lang="en-US"/>
               <a:t>Third level</a:t>
             </a:r>
           </a:p>
           <a:p>
             <a:pPr lvl="3"/>
             <a:r>
-              <a:rPr lang="en-US" smtClean="0"/>
+              <a:rPr lang="en-US"/>
               <a:t>Fourth level</a:t>
             </a:r>
           </a:p>
           <a:p>
             <a:pPr lvl="4"/>
             <a:r>
-              <a:rPr lang="en-US" smtClean="0"/>
+              <a:rPr lang="en-US"/>
               <a:t>Fifth level</a:t>
             </a:r>
             <a:endParaRPr lang="en-US" dirty="0"/>
@@ -3207,7 +3561,7 @@
           <a:bodyPr/>
           <a:lstStyle/>
           <a:p>
-            <a:fld id="{35FCE708-3684-473C-A788-4D90E1C784B6}" type="datetimeFigureOut">
+            <a:fld id="{6F5BAF7F-477C-4EBB-A9FB-F63C3CA068D7}" type="datetime1">
               <a:rPr lang="en-US" smtClean="0"/>
               <a:t>11/15/2016</a:t>
             </a:fld>
@@ -3303,7 +3657,7 @@
           <a:lstStyle/>
           <a:p>
             <a:r>
-              <a:rPr lang="en-US" smtClean="0"/>
+              <a:rPr lang="en-US"/>
               <a:t>Click to edit Master title style</a:t>
             </a:r>
             <a:endParaRPr lang="en-US" dirty="0"/>
@@ -3327,35 +3681,35 @@
           <a:p>
             <a:pPr lvl="0"/>
             <a:r>
-              <a:rPr lang="en-US" smtClean="0"/>
+              <a:rPr lang="en-US"/>
               <a:t>Edit Master text styles</a:t>
             </a:r>
           </a:p>
           <a:p>
             <a:pPr lvl="1"/>
             <a:r>
-              <a:rPr lang="en-US" smtClean="0"/>
+              <a:rPr lang="en-US"/>
               <a:t>Second level</a:t>
             </a:r>
           </a:p>
           <a:p>
             <a:pPr lvl="2"/>
             <a:r>
-              <a:rPr lang="en-US" smtClean="0"/>
+              <a:rPr lang="en-US"/>
               <a:t>Third level</a:t>
             </a:r>
           </a:p>
           <a:p>
             <a:pPr lvl="3"/>
             <a:r>
-              <a:rPr lang="en-US" smtClean="0"/>
+              <a:rPr lang="en-US"/>
               <a:t>Fourth level</a:t>
             </a:r>
           </a:p>
           <a:p>
             <a:pPr lvl="4"/>
             <a:r>
-              <a:rPr lang="en-US" smtClean="0"/>
+              <a:rPr lang="en-US"/>
               <a:t>Fifth level</a:t>
             </a:r>
             <a:endParaRPr lang="en-US" dirty="0"/>
@@ -3377,7 +3731,7 @@
           <a:bodyPr/>
           <a:lstStyle/>
           <a:p>
-            <a:fld id="{35FCE708-3684-473C-A788-4D90E1C784B6}" type="datetimeFigureOut">
+            <a:fld id="{0CFF563B-03F4-4FE2-8C98-D1F6B7DF8912}" type="datetime1">
               <a:rPr lang="en-US" smtClean="0"/>
               <a:t>11/15/2016</a:t>
             </a:fld>
@@ -3482,7 +3836,7 @@
           </a:lstStyle>
           <a:p>
             <a:r>
-              <a:rPr lang="en-US" smtClean="0"/>
+              <a:rPr lang="en-US"/>
               <a:t>Click to edit Master title style</a:t>
             </a:r>
             <a:endParaRPr lang="en-US" dirty="0"/>
@@ -3600,7 +3954,7 @@
           <a:p>
             <a:pPr lvl="0"/>
             <a:r>
-              <a:rPr lang="en-US" smtClean="0"/>
+              <a:rPr lang="en-US"/>
               <a:t>Edit Master text styles</a:t>
             </a:r>
           </a:p>
@@ -3621,7 +3975,7 @@
           <a:bodyPr/>
           <a:lstStyle/>
           <a:p>
-            <a:fld id="{35FCE708-3684-473C-A788-4D90E1C784B6}" type="datetimeFigureOut">
+            <a:fld id="{11EB7ECE-9B0D-4EC1-884E-4813CB34D241}" type="datetime1">
               <a:rPr lang="en-US" smtClean="0"/>
               <a:t>11/15/2016</a:t>
             </a:fld>
@@ -3717,7 +4071,7 @@
           <a:lstStyle/>
           <a:p>
             <a:r>
-              <a:rPr lang="en-US" smtClean="0"/>
+              <a:rPr lang="en-US"/>
               <a:t>Click to edit Master title style</a:t>
             </a:r>
             <a:endParaRPr lang="en-US" dirty="0"/>
@@ -3776,35 +4130,35 @@
           <a:p>
             <a:pPr lvl="0"/>
             <a:r>
-              <a:rPr lang="en-US" smtClean="0"/>
+              <a:rPr lang="en-US"/>
               <a:t>Edit Master text styles</a:t>
             </a:r>
           </a:p>
           <a:p>
             <a:pPr lvl="1"/>
             <a:r>
-              <a:rPr lang="en-US" smtClean="0"/>
+              <a:rPr lang="en-US"/>
               <a:t>Second level</a:t>
             </a:r>
           </a:p>
           <a:p>
             <a:pPr lvl="2"/>
             <a:r>
-              <a:rPr lang="en-US" smtClean="0"/>
+              <a:rPr lang="en-US"/>
               <a:t>Third level</a:t>
             </a:r>
           </a:p>
           <a:p>
             <a:pPr lvl="3"/>
             <a:r>
-              <a:rPr lang="en-US" smtClean="0"/>
+              <a:rPr lang="en-US"/>
               <a:t>Fourth level</a:t>
             </a:r>
           </a:p>
           <a:p>
             <a:pPr lvl="4"/>
             <a:r>
-              <a:rPr lang="en-US" smtClean="0"/>
+              <a:rPr lang="en-US"/>
               <a:t>Fifth level</a:t>
             </a:r>
             <a:endParaRPr lang="en-US" dirty="0"/>
@@ -3863,35 +4217,35 @@
           <a:p>
             <a:pPr lvl="0"/>
             <a:r>
-              <a:rPr lang="en-US" smtClean="0"/>
+              <a:rPr lang="en-US"/>
               <a:t>Edit Master text styles</a:t>
             </a:r>
           </a:p>
           <a:p>
             <a:pPr lvl="1"/>
             <a:r>
-              <a:rPr lang="en-US" smtClean="0"/>
+              <a:rPr lang="en-US"/>
               <a:t>Second level</a:t>
             </a:r>
           </a:p>
           <a:p>
             <a:pPr lvl="2"/>
             <a:r>
-              <a:rPr lang="en-US" smtClean="0"/>
+              <a:rPr lang="en-US"/>
               <a:t>Third level</a:t>
             </a:r>
           </a:p>
           <a:p>
             <a:pPr lvl="3"/>
             <a:r>
-              <a:rPr lang="en-US" smtClean="0"/>
+              <a:rPr lang="en-US"/>
               <a:t>Fourth level</a:t>
             </a:r>
           </a:p>
           <a:p>
             <a:pPr lvl="4"/>
             <a:r>
-              <a:rPr lang="en-US" smtClean="0"/>
+              <a:rPr lang="en-US"/>
               <a:t>Fifth level</a:t>
             </a:r>
             <a:endParaRPr lang="en-US" dirty="0"/>
@@ -3913,7 +4267,7 @@
           <a:bodyPr/>
           <a:lstStyle/>
           <a:p>
-            <a:fld id="{35FCE708-3684-473C-A788-4D90E1C784B6}" type="datetimeFigureOut">
+            <a:fld id="{B011C5FA-C627-4ED6-9C27-370F7A82FE46}" type="datetime1">
               <a:rPr lang="en-US" smtClean="0"/>
               <a:t>11/15/2016</a:t>
             </a:fld>
@@ -4013,7 +4367,7 @@
           </a:lstStyle>
           <a:p>
             <a:r>
-              <a:rPr lang="en-US" smtClean="0"/>
+              <a:rPr lang="en-US"/>
               <a:t>Click to edit Master title style</a:t>
             </a:r>
             <a:endParaRPr lang="en-US" dirty="0"/>
@@ -4085,7 +4439,7 @@
           <a:p>
             <a:pPr lvl="0"/>
             <a:r>
-              <a:rPr lang="en-US" smtClean="0"/>
+              <a:rPr lang="en-US"/>
               <a:t>Edit Master text styles</a:t>
             </a:r>
           </a:p>
@@ -4143,35 +4497,35 @@
           <a:p>
             <a:pPr lvl="0"/>
             <a:r>
-              <a:rPr lang="en-US" smtClean="0"/>
+              <a:rPr lang="en-US"/>
               <a:t>Edit Master text styles</a:t>
             </a:r>
           </a:p>
           <a:p>
             <a:pPr lvl="1"/>
             <a:r>
-              <a:rPr lang="en-US" smtClean="0"/>
+              <a:rPr lang="en-US"/>
               <a:t>Second level</a:t>
             </a:r>
           </a:p>
           <a:p>
             <a:pPr lvl="2"/>
             <a:r>
-              <a:rPr lang="en-US" smtClean="0"/>
+              <a:rPr lang="en-US"/>
               <a:t>Third level</a:t>
             </a:r>
           </a:p>
           <a:p>
             <a:pPr lvl="3"/>
             <a:r>
-              <a:rPr lang="en-US" smtClean="0"/>
+              <a:rPr lang="en-US"/>
               <a:t>Fourth level</a:t>
             </a:r>
           </a:p>
           <a:p>
             <a:pPr lvl="4"/>
             <a:r>
-              <a:rPr lang="en-US" smtClean="0"/>
+              <a:rPr lang="en-US"/>
               <a:t>Fifth level</a:t>
             </a:r>
             <a:endParaRPr lang="en-US" dirty="0"/>
@@ -4243,7 +4597,7 @@
           <a:p>
             <a:pPr lvl="0"/>
             <a:r>
-              <a:rPr lang="en-US" smtClean="0"/>
+              <a:rPr lang="en-US"/>
               <a:t>Edit Master text styles</a:t>
             </a:r>
           </a:p>
@@ -4301,35 +4655,35 @@
           <a:p>
             <a:pPr lvl="0"/>
             <a:r>
-              <a:rPr lang="en-US" smtClean="0"/>
+              <a:rPr lang="en-US"/>
               <a:t>Edit Master text styles</a:t>
             </a:r>
           </a:p>
           <a:p>
             <a:pPr lvl="1"/>
             <a:r>
-              <a:rPr lang="en-US" smtClean="0"/>
+              <a:rPr lang="en-US"/>
               <a:t>Second level</a:t>
             </a:r>
           </a:p>
           <a:p>
             <a:pPr lvl="2"/>
             <a:r>
-              <a:rPr lang="en-US" smtClean="0"/>
+              <a:rPr lang="en-US"/>
               <a:t>Third level</a:t>
             </a:r>
           </a:p>
           <a:p>
             <a:pPr lvl="3"/>
             <a:r>
-              <a:rPr lang="en-US" smtClean="0"/>
+              <a:rPr lang="en-US"/>
               <a:t>Fourth level</a:t>
             </a:r>
           </a:p>
           <a:p>
             <a:pPr lvl="4"/>
             <a:r>
-              <a:rPr lang="en-US" smtClean="0"/>
+              <a:rPr lang="en-US"/>
               <a:t>Fifth level</a:t>
             </a:r>
             <a:endParaRPr lang="en-US" dirty="0"/>
@@ -4351,7 +4705,7 @@
           <a:bodyPr/>
           <a:lstStyle/>
           <a:p>
-            <a:fld id="{35FCE708-3684-473C-A788-4D90E1C784B6}" type="datetimeFigureOut">
+            <a:fld id="{2395790D-4E78-48D0-BE95-994360F40290}" type="datetime1">
               <a:rPr lang="en-US" smtClean="0"/>
               <a:t>11/15/2016</a:t>
             </a:fld>
@@ -4447,7 +4801,7 @@
           <a:lstStyle/>
           <a:p>
             <a:r>
-              <a:rPr lang="en-US" smtClean="0"/>
+              <a:rPr lang="en-US"/>
               <a:t>Click to edit Master title style</a:t>
             </a:r>
             <a:endParaRPr lang="en-US" dirty="0"/>
@@ -4469,7 +4823,7 @@
           <a:bodyPr/>
           <a:lstStyle/>
           <a:p>
-            <a:fld id="{35FCE708-3684-473C-A788-4D90E1C784B6}" type="datetimeFigureOut">
+            <a:fld id="{992B3F5D-207F-44F6-BD1A-C212722C67C6}" type="datetime1">
               <a:rPr lang="en-US" smtClean="0"/>
               <a:t>11/15/2016</a:t>
             </a:fld>
@@ -4564,7 +4918,7 @@
           <a:bodyPr/>
           <a:lstStyle/>
           <a:p>
-            <a:fld id="{35FCE708-3684-473C-A788-4D90E1C784B6}" type="datetimeFigureOut">
+            <a:fld id="{6EBDDD2F-627E-4011-A7D5-76C6B5C5FFE6}" type="datetime1">
               <a:rPr lang="en-US" smtClean="0"/>
               <a:t>11/15/2016</a:t>
             </a:fld>
@@ -4669,7 +5023,7 @@
           </a:lstStyle>
           <a:p>
             <a:r>
-              <a:rPr lang="en-US" smtClean="0"/>
+              <a:rPr lang="en-US"/>
               <a:t>Click to edit Master title style</a:t>
             </a:r>
             <a:endParaRPr lang="en-US" dirty="0"/>
@@ -4728,35 +5082,35 @@
           <a:p>
             <a:pPr lvl="0"/>
             <a:r>
-              <a:rPr lang="en-US" smtClean="0"/>
+              <a:rPr lang="en-US"/>
               <a:t>Edit Master text styles</a:t>
             </a:r>
           </a:p>
           <a:p>
             <a:pPr lvl="1"/>
             <a:r>
-              <a:rPr lang="en-US" smtClean="0"/>
+              <a:rPr lang="en-US"/>
               <a:t>Second level</a:t>
             </a:r>
           </a:p>
           <a:p>
             <a:pPr lvl="2"/>
             <a:r>
-              <a:rPr lang="en-US" smtClean="0"/>
+              <a:rPr lang="en-US"/>
               <a:t>Third level</a:t>
             </a:r>
           </a:p>
           <a:p>
             <a:pPr lvl="3"/>
             <a:r>
-              <a:rPr lang="en-US" smtClean="0"/>
+              <a:rPr lang="en-US"/>
               <a:t>Fourth level</a:t>
             </a:r>
           </a:p>
           <a:p>
             <a:pPr lvl="4"/>
             <a:r>
-              <a:rPr lang="en-US" smtClean="0"/>
+              <a:rPr lang="en-US"/>
               <a:t>Fifth level</a:t>
             </a:r>
             <a:endParaRPr lang="en-US" dirty="0"/>
@@ -4822,7 +5176,7 @@
           <a:p>
             <a:pPr lvl="0"/>
             <a:r>
-              <a:rPr lang="en-US" smtClean="0"/>
+              <a:rPr lang="en-US"/>
               <a:t>Edit Master text styles</a:t>
             </a:r>
           </a:p>
@@ -4843,7 +5197,7 @@
           <a:bodyPr/>
           <a:lstStyle/>
           <a:p>
-            <a:fld id="{35FCE708-3684-473C-A788-4D90E1C784B6}" type="datetimeFigureOut">
+            <a:fld id="{4507A8FF-83D3-4BDB-A699-D701E17E6C39}" type="datetime1">
               <a:rPr lang="en-US" smtClean="0"/>
               <a:t>11/15/2016</a:t>
             </a:fld>
@@ -4950,7 +5304,7 @@
           </a:lstStyle>
           <a:p>
             <a:r>
-              <a:rPr lang="en-US" smtClean="0"/>
+              <a:rPr lang="en-US"/>
               <a:t>Click to edit Master title style</a:t>
             </a:r>
             <a:endParaRPr lang="en-US" dirty="0"/>
@@ -5029,7 +5383,7 @@
           </a:lstStyle>
           <a:p>
             <a:r>
-              <a:rPr lang="en-US" smtClean="0"/>
+              <a:rPr lang="en-US"/>
               <a:t>Click icon to add picture</a:t>
             </a:r>
             <a:endParaRPr lang="en-US" dirty="0"/>
@@ -5097,7 +5451,7 @@
           <a:p>
             <a:pPr lvl="0"/>
             <a:r>
-              <a:rPr lang="en-US" smtClean="0"/>
+              <a:rPr lang="en-US"/>
               <a:t>Edit Master text styles</a:t>
             </a:r>
           </a:p>
@@ -5118,7 +5472,7 @@
           <a:bodyPr/>
           <a:lstStyle/>
           <a:p>
-            <a:fld id="{35FCE708-3684-473C-A788-4D90E1C784B6}" type="datetimeFigureOut">
+            <a:fld id="{59AC2082-7D9A-4D0C-B695-992D4AF9F6F7}" type="datetime1">
               <a:rPr lang="en-US" smtClean="0"/>
               <a:t>11/15/2016</a:t>
             </a:fld>
@@ -5580,7 +5934,7 @@
           <a:lstStyle/>
           <a:p>
             <a:r>
-              <a:rPr lang="en-US" smtClean="0"/>
+              <a:rPr lang="en-US"/>
               <a:t>Click to edit Master title style</a:t>
             </a:r>
             <a:endParaRPr lang="en-US" dirty="0"/>
@@ -5614,35 +5968,35 @@
           <a:p>
             <a:pPr lvl="0"/>
             <a:r>
-              <a:rPr lang="en-US" smtClean="0"/>
+              <a:rPr lang="en-US"/>
               <a:t>Edit Master text styles</a:t>
             </a:r>
           </a:p>
           <a:p>
             <a:pPr lvl="1"/>
             <a:r>
-              <a:rPr lang="en-US" smtClean="0"/>
+              <a:rPr lang="en-US"/>
               <a:t>Second level</a:t>
             </a:r>
           </a:p>
           <a:p>
             <a:pPr lvl="2"/>
             <a:r>
-              <a:rPr lang="en-US" smtClean="0"/>
+              <a:rPr lang="en-US"/>
               <a:t>Third level</a:t>
             </a:r>
           </a:p>
           <a:p>
             <a:pPr lvl="3"/>
             <a:r>
-              <a:rPr lang="en-US" smtClean="0"/>
+              <a:rPr lang="en-US"/>
               <a:t>Fourth level</a:t>
             </a:r>
           </a:p>
           <a:p>
             <a:pPr lvl="4"/>
             <a:r>
-              <a:rPr lang="en-US" smtClean="0"/>
+              <a:rPr lang="en-US"/>
               <a:t>Fifth level</a:t>
             </a:r>
             <a:endParaRPr lang="en-US" dirty="0"/>
@@ -5683,7 +6037,7 @@
             </a:lvl1pPr>
           </a:lstStyle>
           <a:p>
-            <a:fld id="{35FCE708-3684-473C-A788-4D90E1C784B6}" type="datetimeFigureOut">
+            <a:fld id="{CC052D49-4AE4-4A67-9C98-78B5A24F78B2}" type="datetime1">
               <a:rPr lang="en-US" smtClean="0"/>
               <a:t>11/15/2016</a:t>
             </a:fld>
@@ -5797,6 +6151,7 @@
     <p:sldLayoutId id="2147483807" r:id="rId16"/>
     <p:sldLayoutId id="2147483808" r:id="rId17"/>
   </p:sldLayoutIdLst>
+  <p:hf hdr="0" ftr="0" dt="0"/>
   <p:txStyles>
     <p:titleStyle>
       <a:lvl1pPr algn="l" defTabSz="457200" rtl="0" eaLnBrk="1" latinLnBrk="0" hangingPunct="1">
@@ -6202,14 +6557,9 @@
           <a:lstStyle/>
           <a:p>
             <a:r>
-              <a:rPr lang="en-US" dirty="0" smtClean="0"/>
-              <a:t>Twitter </a:t>
-            </a:r>
-            <a:r>
-              <a:rPr lang="en-US" dirty="0" smtClean="0"/>
-              <a:t>Analytics</a:t>
-            </a:r>
-            <a:endParaRPr lang="en-US" dirty="0"/>
+              <a:rPr lang="en-US" dirty="0"/>
+              <a:t>Twitter Analytics</a:t>
+            </a:r>
           </a:p>
         </p:txBody>
       </p:sp>
@@ -6236,27 +6586,27 @@
           <a:lstStyle/>
           <a:p>
             <a:r>
-              <a:rPr lang="en-US" sz="1800" dirty="0" smtClean="0"/>
+              <a:rPr lang="en-US" sz="1800" dirty="0"/>
               <a:t>Eric Newsom</a:t>
             </a:r>
           </a:p>
           <a:p>
             <a:r>
-              <a:rPr lang="en-US" sz="1800" dirty="0" err="1" smtClean="0"/>
+              <a:rPr lang="en-US" sz="1800" dirty="0" err="1"/>
               <a:t>Keifer</a:t>
             </a:r>
             <a:r>
-              <a:rPr lang="en-US" sz="1800" dirty="0" smtClean="0"/>
+              <a:rPr lang="en-US" sz="1800" dirty="0"/>
               <a:t> Laverty</a:t>
             </a:r>
           </a:p>
           <a:p>
             <a:r>
-              <a:rPr lang="en-US" sz="1800" dirty="0" smtClean="0"/>
+              <a:rPr lang="en-US" sz="1800" dirty="0"/>
               <a:t>Devon </a:t>
             </a:r>
             <a:r>
-              <a:rPr lang="en-US" sz="1800" dirty="0" err="1" smtClean="0"/>
+              <a:rPr lang="en-US" sz="1800" dirty="0" err="1"/>
               <a:t>moses</a:t>
             </a:r>
             <a:endParaRPr lang="en-US" sz="1800" dirty="0"/>
@@ -6273,13 +6623,6 @@
   <p:clrMapOvr>
     <a:masterClrMapping/>
   </p:clrMapOvr>
-  <p:timing>
-    <p:tnLst>
-      <p:par>
-        <p:cTn id="1" dur="indefinite" restart="never" nodeType="tmRoot"/>
-      </p:par>
-    </p:tnLst>
-  </p:timing>
 </p:sld>
 </file>
 
@@ -6316,10 +6659,113 @@
           <a:lstStyle/>
           <a:p>
             <a:r>
-              <a:rPr lang="en-US" dirty="0" smtClean="0"/>
+              <a:rPr lang="en-US" dirty="0"/>
+              <a:t>First Class Diagram</a:t>
+            </a:r>
+          </a:p>
+        </p:txBody>
+      </p:sp>
+      <p:pic>
+        <p:nvPicPr>
+          <p:cNvPr id="5" name="Content Placeholder 4"/>
+          <p:cNvPicPr>
+            <a:picLocks noGrp="1" noChangeAspect="1"/>
+          </p:cNvPicPr>
+          <p:nvPr>
+            <p:ph sz="half" idx="1"/>
+          </p:nvPr>
+        </p:nvPicPr>
+        <p:blipFill>
+          <a:blip r:embed="rId2" cstate="print">
+            <a:extLst>
+              <a:ext uri="{28A0092B-C50C-407E-A947-70E740481C1C}">
+                <a14:useLocalDpi xmlns:a14="http://schemas.microsoft.com/office/drawing/2010/main" val="0"/>
+              </a:ext>
+            </a:extLst>
+          </a:blip>
+          <a:stretch>
+            <a:fillRect/>
+          </a:stretch>
+        </p:blipFill>
+        <p:spPr>
+          <a:xfrm>
+            <a:off x="484710" y="1853248"/>
+            <a:ext cx="8239942" cy="4114800"/>
+          </a:xfrm>
+        </p:spPr>
+      </p:pic>
+      <p:sp>
+        <p:nvSpPr>
+          <p:cNvPr id="3" name="Slide Number Placeholder 2"/>
+          <p:cNvSpPr>
+            <a:spLocks noGrp="1"/>
+          </p:cNvSpPr>
+          <p:nvPr>
+            <p:ph type="sldNum" sz="quarter" idx="12"/>
+          </p:nvPr>
+        </p:nvSpPr>
+        <p:spPr/>
+        <p:txBody>
+          <a:bodyPr/>
+          <a:lstStyle/>
+          <a:p>
+            <a:fld id="{8DC966BA-83AE-4962-82F4-C3E6C28D279E}" type="slidenum">
+              <a:rPr lang="en-US" smtClean="0"/>
+              <a:t>10</a:t>
+            </a:fld>
+            <a:endParaRPr lang="en-US"/>
+          </a:p>
+        </p:txBody>
+      </p:sp>
+    </p:spTree>
+    <p:extLst>
+      <p:ext uri="{BB962C8B-B14F-4D97-AF65-F5344CB8AC3E}">
+        <p14:creationId xmlns:p14="http://schemas.microsoft.com/office/powerpoint/2010/main" val="3733697568"/>
+      </p:ext>
+    </p:extLst>
+  </p:cSld>
+  <p:clrMapOvr>
+    <a:masterClrMapping/>
+  </p:clrMapOvr>
+</p:sld>
+</file>
+
+<file path=ppt/slides/slide11.xml><?xml version="1.0" encoding="utf-8"?>
+<p:sld xmlns:a="http://schemas.openxmlformats.org/drawingml/2006/main" xmlns:r="http://schemas.openxmlformats.org/officeDocument/2006/relationships" xmlns:p="http://schemas.openxmlformats.org/presentationml/2006/main">
+  <p:cSld>
+    <p:spTree>
+      <p:nvGrpSpPr>
+        <p:cNvPr id="1" name=""/>
+        <p:cNvGrpSpPr/>
+        <p:nvPr/>
+      </p:nvGrpSpPr>
+      <p:grpSpPr>
+        <a:xfrm>
+          <a:off x="0" y="0"/>
+          <a:ext cx="0" cy="0"/>
+          <a:chOff x="0" y="0"/>
+          <a:chExt cx="0" cy="0"/>
+        </a:xfrm>
+      </p:grpSpPr>
+      <p:sp>
+        <p:nvSpPr>
+          <p:cNvPr id="2" name="Title 1"/>
+          <p:cNvSpPr>
+            <a:spLocks noGrp="1"/>
+          </p:cNvSpPr>
+          <p:nvPr>
+            <p:ph type="title"/>
+          </p:nvPr>
+        </p:nvSpPr>
+        <p:spPr/>
+        <p:txBody>
+          <a:bodyPr/>
+          <a:lstStyle/>
+          <a:p>
+            <a:r>
+              <a:rPr lang="en-US" dirty="0"/>
               <a:t>Updated Class Diagram</a:t>
             </a:r>
-            <a:endParaRPr lang="en-US" dirty="0"/>
           </a:p>
         </p:txBody>
       </p:sp>
@@ -6353,6 +6799,29 @@
           </a:prstGeom>
         </p:spPr>
       </p:pic>
+      <p:sp>
+        <p:nvSpPr>
+          <p:cNvPr id="3" name="Slide Number Placeholder 2"/>
+          <p:cNvSpPr>
+            <a:spLocks noGrp="1"/>
+          </p:cNvSpPr>
+          <p:nvPr>
+            <p:ph type="sldNum" sz="quarter" idx="12"/>
+          </p:nvPr>
+        </p:nvSpPr>
+        <p:spPr/>
+        <p:txBody>
+          <a:bodyPr/>
+          <a:lstStyle/>
+          <a:p>
+            <a:fld id="{8DC966BA-83AE-4962-82F4-C3E6C28D279E}" type="slidenum">
+              <a:rPr lang="en-US" smtClean="0"/>
+              <a:t>11</a:t>
+            </a:fld>
+            <a:endParaRPr lang="en-US"/>
+          </a:p>
+        </p:txBody>
+      </p:sp>
     </p:spTree>
     <p:extLst>
       <p:ext uri="{BB962C8B-B14F-4D97-AF65-F5344CB8AC3E}">
@@ -6363,109 +6832,6 @@
   <p:clrMapOvr>
     <a:masterClrMapping/>
   </p:clrMapOvr>
-  <p:timing>
-    <p:tnLst>
-      <p:par>
-        <p:cTn id="1" dur="indefinite" restart="never" nodeType="tmRoot"/>
-      </p:par>
-    </p:tnLst>
-  </p:timing>
-</p:sld>
-</file>
-
-<file path=ppt/slides/slide11.xml><?xml version="1.0" encoding="utf-8"?>
-<p:sld xmlns:a="http://schemas.openxmlformats.org/drawingml/2006/main" xmlns:r="http://schemas.openxmlformats.org/officeDocument/2006/relationships" xmlns:p="http://schemas.openxmlformats.org/presentationml/2006/main">
-  <p:cSld>
-    <p:spTree>
-      <p:nvGrpSpPr>
-        <p:cNvPr id="1" name=""/>
-        <p:cNvGrpSpPr/>
-        <p:nvPr/>
-      </p:nvGrpSpPr>
-      <p:grpSpPr>
-        <a:xfrm>
-          <a:off x="0" y="0"/>
-          <a:ext cx="0" cy="0"/>
-          <a:chOff x="0" y="0"/>
-          <a:chExt cx="0" cy="0"/>
-        </a:xfrm>
-      </p:grpSpPr>
-      <p:sp>
-        <p:nvSpPr>
-          <p:cNvPr id="2" name="Title 1"/>
-          <p:cNvSpPr>
-            <a:spLocks noGrp="1"/>
-          </p:cNvSpPr>
-          <p:nvPr>
-            <p:ph type="title"/>
-          </p:nvPr>
-        </p:nvSpPr>
-        <p:spPr/>
-        <p:txBody>
-          <a:bodyPr/>
-          <a:lstStyle/>
-          <a:p>
-            <a:r>
-              <a:rPr lang="en-US" dirty="0" smtClean="0"/>
-              <a:t>Requirement Priorities</a:t>
-            </a:r>
-            <a:endParaRPr lang="en-US" dirty="0"/>
-          </a:p>
-        </p:txBody>
-      </p:sp>
-      <p:sp>
-        <p:nvSpPr>
-          <p:cNvPr id="3" name="Content Placeholder 2"/>
-          <p:cNvSpPr>
-            <a:spLocks noGrp="1"/>
-          </p:cNvSpPr>
-          <p:nvPr>
-            <p:ph idx="1"/>
-          </p:nvPr>
-        </p:nvSpPr>
-        <p:spPr>
-          <a:xfrm>
-            <a:off x="990600" y="2514600"/>
-            <a:ext cx="6711654" cy="4195481"/>
-          </a:xfrm>
-        </p:spPr>
-        <p:txBody>
-          <a:bodyPr/>
-          <a:lstStyle/>
-          <a:p>
-            <a:r>
-              <a:rPr lang="en-US" sz="2400" dirty="0" smtClean="0"/>
-              <a:t>We determined that with the allotted time frame we should assign priorities to the functional requirements we desired to implement.</a:t>
-            </a:r>
-          </a:p>
-          <a:p>
-            <a:r>
-              <a:rPr lang="en-US" sz="2400" dirty="0" smtClean="0"/>
-              <a:t>Priorities were assigned based on what we believed was necessary for execution, as well as what was technically feasible.</a:t>
-            </a:r>
-          </a:p>
-          <a:p>
-            <a:endParaRPr lang="en-US" dirty="0"/>
-          </a:p>
-        </p:txBody>
-      </p:sp>
-    </p:spTree>
-    <p:extLst>
-      <p:ext uri="{BB962C8B-B14F-4D97-AF65-F5344CB8AC3E}">
-        <p14:creationId xmlns:p14="http://schemas.microsoft.com/office/powerpoint/2010/main" val="750550833"/>
-      </p:ext>
-    </p:extLst>
-  </p:cSld>
-  <p:clrMapOvr>
-    <a:masterClrMapping/>
-  </p:clrMapOvr>
-  <p:timing>
-    <p:tnLst>
-      <p:par>
-        <p:cTn id="1" dur="indefinite" restart="never" nodeType="tmRoot"/>
-      </p:par>
-    </p:tnLst>
-  </p:timing>
 </p:sld>
 </file>
 
@@ -6502,10 +6868,120 @@
           <a:lstStyle/>
           <a:p>
             <a:r>
-              <a:rPr lang="en-US" dirty="0" smtClean="0"/>
+              <a:rPr lang="en-US" dirty="0"/>
               <a:t>Requirement Priorities</a:t>
             </a:r>
+          </a:p>
+        </p:txBody>
+      </p:sp>
+      <p:sp>
+        <p:nvSpPr>
+          <p:cNvPr id="3" name="Content Placeholder 2"/>
+          <p:cNvSpPr>
+            <a:spLocks noGrp="1"/>
+          </p:cNvSpPr>
+          <p:nvPr>
+            <p:ph idx="1"/>
+          </p:nvPr>
+        </p:nvSpPr>
+        <p:spPr>
+          <a:xfrm>
+            <a:off x="990600" y="2514600"/>
+            <a:ext cx="6711654" cy="4195481"/>
+          </a:xfrm>
+        </p:spPr>
+        <p:txBody>
+          <a:bodyPr/>
+          <a:lstStyle/>
+          <a:p>
+            <a:r>
+              <a:rPr lang="en-US" sz="2400" dirty="0"/>
+              <a:t>We determined that with the allotted time frame we should assign priorities to the functional requirements we desired to implement.</a:t>
+            </a:r>
+          </a:p>
+          <a:p>
+            <a:r>
+              <a:rPr lang="en-US" sz="2400" dirty="0"/>
+              <a:t>Priorities were assigned based on what we believed was necessary for execution, as well as what was technically feasible.</a:t>
+            </a:r>
+          </a:p>
+          <a:p>
             <a:endParaRPr lang="en-US" dirty="0"/>
+          </a:p>
+        </p:txBody>
+      </p:sp>
+      <p:sp>
+        <p:nvSpPr>
+          <p:cNvPr id="4" name="Slide Number Placeholder 3"/>
+          <p:cNvSpPr>
+            <a:spLocks noGrp="1"/>
+          </p:cNvSpPr>
+          <p:nvPr>
+            <p:ph type="sldNum" sz="quarter" idx="12"/>
+          </p:nvPr>
+        </p:nvSpPr>
+        <p:spPr/>
+        <p:txBody>
+          <a:bodyPr/>
+          <a:lstStyle/>
+          <a:p>
+            <a:fld id="{8DC966BA-83AE-4962-82F4-C3E6C28D279E}" type="slidenum">
+              <a:rPr lang="en-US" smtClean="0"/>
+              <a:t>12</a:t>
+            </a:fld>
+            <a:endParaRPr lang="en-US"/>
+          </a:p>
+        </p:txBody>
+      </p:sp>
+    </p:spTree>
+    <p:extLst>
+      <p:ext uri="{BB962C8B-B14F-4D97-AF65-F5344CB8AC3E}">
+        <p14:creationId xmlns:p14="http://schemas.microsoft.com/office/powerpoint/2010/main" val="750550833"/>
+      </p:ext>
+    </p:extLst>
+  </p:cSld>
+  <p:clrMapOvr>
+    <a:masterClrMapping/>
+  </p:clrMapOvr>
+</p:sld>
+</file>
+
+<file path=ppt/slides/slide13.xml><?xml version="1.0" encoding="utf-8"?>
+<p:sld xmlns:a="http://schemas.openxmlformats.org/drawingml/2006/main" xmlns:r="http://schemas.openxmlformats.org/officeDocument/2006/relationships" xmlns:p="http://schemas.openxmlformats.org/presentationml/2006/main">
+  <p:cSld>
+    <p:spTree>
+      <p:nvGrpSpPr>
+        <p:cNvPr id="1" name=""/>
+        <p:cNvGrpSpPr/>
+        <p:nvPr/>
+      </p:nvGrpSpPr>
+      <p:grpSpPr>
+        <a:xfrm>
+          <a:off x="0" y="0"/>
+          <a:ext cx="0" cy="0"/>
+          <a:chOff x="0" y="0"/>
+          <a:chExt cx="0" cy="0"/>
+        </a:xfrm>
+      </p:grpSpPr>
+      <p:sp>
+        <p:nvSpPr>
+          <p:cNvPr id="2" name="Title 1"/>
+          <p:cNvSpPr>
+            <a:spLocks noGrp="1"/>
+          </p:cNvSpPr>
+          <p:nvPr>
+            <p:ph type="title"/>
+          </p:nvPr>
+        </p:nvSpPr>
+        <p:spPr/>
+        <p:txBody>
+          <a:bodyPr/>
+          <a:lstStyle/>
+          <a:p>
+            <a:r>
+              <a:rPr lang="en-US" dirty="0"/>
+              <a:t>Requirement Priorities</a:t>
+            </a:r>
           </a:p>
         </p:txBody>
       </p:sp>
@@ -6519,7 +6995,7 @@
             <p:ph sz="half" idx="2"/>
             <p:extLst>
               <p:ext uri="{D42A27DB-BD31-4B8C-83A1-F6EECF244321}">
-                <p14:modId xmlns:p14="http://schemas.microsoft.com/office/powerpoint/2010/main" val="1625232739"/>
+                <p14:modId xmlns:p14="http://schemas.microsoft.com/office/powerpoint/2010/main" val="2058732548"/>
               </p:ext>
             </p:extLst>
           </p:nvPr>
@@ -6563,42 +7039,42 @@
                     <a:bodyPr/>
                     <a:lstStyle/>
                     <a:p>
+                      <a:pPr algn="ctr"/>
                       <a:r>
-                        <a:rPr lang="en-US" dirty="0" smtClean="0"/>
+                        <a:rPr lang="en-US" dirty="0"/>
                         <a:t>Highest</a:t>
                       </a:r>
-                      <a:endParaRPr lang="en-US" dirty="0"/>
                     </a:p>
                   </a:txBody>
-                  <a:tcPr/>
+                  <a:tcPr anchor="ctr"/>
                 </a:tc>
                 <a:tc>
                   <a:txBody>
                     <a:bodyPr/>
                     <a:lstStyle/>
                     <a:p>
+                      <a:pPr algn="ctr"/>
                       <a:r>
-                        <a:rPr lang="en-US" dirty="0" smtClean="0"/>
+                        <a:rPr lang="en-US" dirty="0"/>
                         <a:t>Middle</a:t>
                       </a:r>
-                      <a:endParaRPr lang="en-US" dirty="0"/>
                     </a:p>
                   </a:txBody>
-                  <a:tcPr/>
+                  <a:tcPr anchor="ctr"/>
                 </a:tc>
                 <a:tc>
                   <a:txBody>
                     <a:bodyPr/>
                     <a:lstStyle/>
                     <a:p>
+                      <a:pPr algn="ctr"/>
                       <a:r>
-                        <a:rPr lang="en-US" dirty="0" smtClean="0"/>
+                        <a:rPr lang="en-US" dirty="0"/>
                         <a:t>Lowest</a:t>
                       </a:r>
-                      <a:endParaRPr lang="en-US" dirty="0"/>
                     </a:p>
                   </a:txBody>
-                  <a:tcPr/>
+                  <a:tcPr anchor="ctr"/>
                 </a:tc>
                 <a:extLst>
                   <a:ext uri="{0D108BD9-81ED-4DB2-BD59-A6C34878D82A}">
@@ -6612,9 +7088,9 @@
                     <a:bodyPr/>
                     <a:lstStyle/>
                     <a:p>
-                      <a:pPr marL="0" algn="l" defTabSz="457200" rtl="0" eaLnBrk="1" latinLnBrk="0" hangingPunct="1"/>
+                      <a:pPr marL="0" algn="ctr" defTabSz="457200" rtl="0" eaLnBrk="1" latinLnBrk="0" hangingPunct="1"/>
                       <a:r>
-                        <a:rPr lang="en-US" sz="1800" kern="1200" dirty="0" smtClean="0">
+                        <a:rPr lang="en-US" sz="1800" kern="1200" dirty="0">
                           <a:solidFill>
                             <a:schemeClr val="dk1"/>
                           </a:solidFill>
@@ -6624,49 +7100,42 @@
                         </a:rPr>
                         <a:t>Twitter and Database Connections.</a:t>
                       </a:r>
-                      <a:endParaRPr lang="en-US" sz="1800" kern="1200" dirty="0">
-                        <a:solidFill>
-                          <a:schemeClr val="dk1"/>
-                        </a:solidFill>
-                        <a:latin typeface="+mn-lt"/>
-                        <a:ea typeface="+mn-ea"/>
-                        <a:cs typeface="+mn-cs"/>
-                      </a:endParaRPr>
                     </a:p>
                   </a:txBody>
-                  <a:tcPr/>
+                  <a:tcPr anchor="ctr"/>
                 </a:tc>
                 <a:tc>
                   <a:txBody>
                     <a:bodyPr/>
                     <a:lstStyle/>
                     <a:p>
+                      <a:pPr algn="ctr"/>
                       <a:r>
-                        <a:rPr lang="en-US" dirty="0" smtClean="0"/>
+                        <a:rPr lang="en-US" dirty="0"/>
                         <a:t>Storing</a:t>
                       </a:r>
                       <a:r>
-                        <a:rPr lang="en-US" baseline="0" dirty="0" smtClean="0"/>
+                        <a:rPr lang="en-US" baseline="0" dirty="0"/>
                         <a:t> collected tweets into database.</a:t>
                       </a:r>
                       <a:endParaRPr lang="en-US" dirty="0"/>
                     </a:p>
                   </a:txBody>
-                  <a:tcPr/>
+                  <a:tcPr anchor="ctr"/>
                 </a:tc>
                 <a:tc>
                   <a:txBody>
                     <a:bodyPr/>
                     <a:lstStyle/>
                     <a:p>
+                      <a:pPr algn="ctr"/>
                       <a:r>
-                        <a:rPr lang="en-US" dirty="0" smtClean="0"/>
+                        <a:rPr lang="en-US" dirty="0"/>
                         <a:t>Data Visualization.</a:t>
                       </a:r>
-                      <a:endParaRPr lang="en-US" dirty="0"/>
                     </a:p>
                   </a:txBody>
-                  <a:tcPr/>
+                  <a:tcPr anchor="ctr"/>
                 </a:tc>
                 <a:extLst>
                   <a:ext uri="{0D108BD9-81ED-4DB2-BD59-A6C34878D82A}">
@@ -6680,54 +7149,57 @@
                     <a:bodyPr/>
                     <a:lstStyle/>
                     <a:p>
+                      <a:pPr algn="ctr"/>
                       <a:r>
-                        <a:rPr lang="en-US" dirty="0" smtClean="0"/>
+                        <a:rPr lang="en-US" dirty="0"/>
                         <a:t>Query</a:t>
                       </a:r>
                       <a:r>
-                        <a:rPr lang="en-US" baseline="0" dirty="0" smtClean="0"/>
+                        <a:rPr lang="en-US" baseline="0" dirty="0"/>
                         <a:t> Creation.</a:t>
                       </a:r>
                       <a:endParaRPr lang="en-US" dirty="0"/>
                     </a:p>
                   </a:txBody>
-                  <a:tcPr/>
+                  <a:tcPr anchor="ctr"/>
                 </a:tc>
                 <a:tc>
                   <a:txBody>
                     <a:bodyPr/>
                     <a:lstStyle/>
                     <a:p>
+                      <a:pPr algn="ctr"/>
                       <a:r>
-                        <a:rPr lang="en-US" dirty="0" smtClean="0"/>
+                        <a:rPr lang="en-US" dirty="0"/>
                         <a:t>GUI</a:t>
                       </a:r>
                       <a:r>
-                        <a:rPr lang="en-US" baseline="0" dirty="0" smtClean="0"/>
+                        <a:rPr lang="en-US" baseline="0" dirty="0"/>
                         <a:t> Creation for inputs.</a:t>
                       </a:r>
                       <a:endParaRPr lang="en-US" dirty="0"/>
                     </a:p>
                   </a:txBody>
-                  <a:tcPr/>
+                  <a:tcPr anchor="ctr"/>
                 </a:tc>
                 <a:tc>
                   <a:txBody>
                     <a:bodyPr/>
                     <a:lstStyle/>
                     <a:p>
+                      <a:pPr algn="ctr"/>
                       <a:r>
-                        <a:rPr lang="en-US" dirty="0" smtClean="0"/>
+                        <a:rPr lang="en-US" dirty="0"/>
                         <a:t>Search</a:t>
                       </a:r>
                       <a:r>
-                        <a:rPr lang="en-US" baseline="0" dirty="0" smtClean="0"/>
+                        <a:rPr lang="en-US" baseline="0" dirty="0"/>
                         <a:t> by date.</a:t>
                       </a:r>
                       <a:endParaRPr lang="en-US" dirty="0"/>
                     </a:p>
                   </a:txBody>
-                  <a:tcPr/>
+                  <a:tcPr anchor="ctr"/>
                 </a:tc>
                 <a:extLst>
                   <a:ext uri="{0D108BD9-81ED-4DB2-BD59-A6C34878D82A}">
@@ -6741,46 +7213,47 @@
                     <a:bodyPr/>
                     <a:lstStyle/>
                     <a:p>
+                      <a:pPr algn="ctr"/>
                       <a:r>
-                        <a:rPr lang="en-US" dirty="0" smtClean="0"/>
+                        <a:rPr lang="en-US" dirty="0"/>
                         <a:t>Profanity</a:t>
                       </a:r>
                       <a:r>
-                        <a:rPr lang="en-US" baseline="0" dirty="0" smtClean="0"/>
+                        <a:rPr lang="en-US" baseline="0" dirty="0"/>
                         <a:t> Filtering.</a:t>
                       </a:r>
                       <a:endParaRPr lang="en-US" dirty="0"/>
                     </a:p>
                   </a:txBody>
-                  <a:tcPr/>
+                  <a:tcPr anchor="ctr"/>
                 </a:tc>
                 <a:tc>
                   <a:txBody>
                     <a:bodyPr/>
                     <a:lstStyle/>
                     <a:p>
+                      <a:pPr algn="ctr"/>
                       <a:r>
-                        <a:rPr lang="en-US" dirty="0" smtClean="0"/>
+                        <a:rPr lang="en-US" dirty="0"/>
                         <a:t>Display results of queries.</a:t>
                       </a:r>
-                      <a:endParaRPr lang="en-US" dirty="0"/>
                     </a:p>
                   </a:txBody>
-                  <a:tcPr/>
+                  <a:tcPr anchor="ctr"/>
                 </a:tc>
                 <a:tc>
                   <a:txBody>
                     <a:bodyPr/>
                     <a:lstStyle/>
                     <a:p>
+                      <a:pPr algn="ctr"/>
                       <a:r>
-                        <a:rPr lang="en-US" dirty="0" smtClean="0"/>
+                        <a:rPr lang="en-US" dirty="0"/>
                         <a:t>Generate data reports.</a:t>
                       </a:r>
-                      <a:endParaRPr lang="en-US" dirty="0"/>
                     </a:p>
                   </a:txBody>
-                  <a:tcPr/>
+                  <a:tcPr anchor="ctr"/>
                 </a:tc>
                 <a:extLst>
                   <a:ext uri="{0D108BD9-81ED-4DB2-BD59-A6C34878D82A}">
@@ -6792,6 +7265,29 @@
           </a:graphicData>
         </a:graphic>
       </p:graphicFrame>
+      <p:sp>
+        <p:nvSpPr>
+          <p:cNvPr id="3" name="Slide Number Placeholder 2"/>
+          <p:cNvSpPr>
+            <a:spLocks noGrp="1"/>
+          </p:cNvSpPr>
+          <p:nvPr>
+            <p:ph type="sldNum" sz="quarter" idx="12"/>
+          </p:nvPr>
+        </p:nvSpPr>
+        <p:spPr/>
+        <p:txBody>
+          <a:bodyPr/>
+          <a:lstStyle/>
+          <a:p>
+            <a:fld id="{8DC966BA-83AE-4962-82F4-C3E6C28D279E}" type="slidenum">
+              <a:rPr lang="en-US" smtClean="0"/>
+              <a:t>13</a:t>
+            </a:fld>
+            <a:endParaRPr lang="en-US"/>
+          </a:p>
+        </p:txBody>
+      </p:sp>
     </p:spTree>
     <p:extLst>
       <p:ext uri="{BB962C8B-B14F-4D97-AF65-F5344CB8AC3E}">
@@ -6802,168 +7298,6 @@
   <p:clrMapOvr>
     <a:masterClrMapping/>
   </p:clrMapOvr>
-  <p:timing>
-    <p:tnLst>
-      <p:par>
-        <p:cTn id="1" dur="indefinite" restart="never" nodeType="tmRoot"/>
-      </p:par>
-    </p:tnLst>
-  </p:timing>
-</p:sld>
-</file>
-
-<file path=ppt/slides/slide13.xml><?xml version="1.0" encoding="utf-8"?>
-<p:sld xmlns:a="http://schemas.openxmlformats.org/drawingml/2006/main" xmlns:r="http://schemas.openxmlformats.org/officeDocument/2006/relationships" xmlns:p="http://schemas.openxmlformats.org/presentationml/2006/main">
-  <p:cSld>
-    <p:spTree>
-      <p:nvGrpSpPr>
-        <p:cNvPr id="1" name=""/>
-        <p:cNvGrpSpPr/>
-        <p:nvPr/>
-      </p:nvGrpSpPr>
-      <p:grpSpPr>
-        <a:xfrm>
-          <a:off x="0" y="0"/>
-          <a:ext cx="0" cy="0"/>
-          <a:chOff x="0" y="0"/>
-          <a:chExt cx="0" cy="0"/>
-        </a:xfrm>
-      </p:grpSpPr>
-      <p:sp>
-        <p:nvSpPr>
-          <p:cNvPr id="2" name="Title 1"/>
-          <p:cNvSpPr>
-            <a:spLocks noGrp="1"/>
-          </p:cNvSpPr>
-          <p:nvPr>
-            <p:ph type="title"/>
-          </p:nvPr>
-        </p:nvSpPr>
-        <p:spPr/>
-        <p:txBody>
-          <a:bodyPr/>
-          <a:lstStyle/>
-          <a:p>
-            <a:r>
-              <a:rPr lang="en-US" dirty="0" smtClean="0"/>
-              <a:t>Overall Design Decisions</a:t>
-            </a:r>
-            <a:endParaRPr lang="en-US" dirty="0"/>
-          </a:p>
-        </p:txBody>
-      </p:sp>
-      <p:sp>
-        <p:nvSpPr>
-          <p:cNvPr id="5" name="Content Placeholder 4"/>
-          <p:cNvSpPr>
-            <a:spLocks noGrp="1"/>
-          </p:cNvSpPr>
-          <p:nvPr>
-            <p:ph idx="1"/>
-          </p:nvPr>
-        </p:nvSpPr>
-        <p:spPr>
-          <a:xfrm>
-            <a:off x="828436" y="2286000"/>
-            <a:ext cx="6711654" cy="4195481"/>
-          </a:xfrm>
-        </p:spPr>
-        <p:txBody>
-          <a:bodyPr/>
-          <a:lstStyle/>
-          <a:p>
-            <a:r>
-              <a:rPr lang="en-US" dirty="0" smtClean="0"/>
-              <a:t>We believed that we would benefit from the Object-Oriented nature of Java.</a:t>
-            </a:r>
-          </a:p>
-          <a:p>
-            <a:r>
-              <a:rPr lang="en-US" dirty="0" smtClean="0"/>
-              <a:t>This allowed us to create our own tweet object for uniformity across the application.</a:t>
-            </a:r>
-            <a:endParaRPr lang="en-US" dirty="0" smtClean="0"/>
-          </a:p>
-          <a:p>
-            <a:r>
-              <a:rPr lang="en-US" dirty="0" smtClean="0"/>
-              <a:t>We also had prior experience with Java and more specifically the twitter4j library and the JDBC library used for connections to Twitter and Databases.</a:t>
-            </a:r>
-            <a:endParaRPr lang="en-US" dirty="0" smtClean="0"/>
-          </a:p>
-        </p:txBody>
-      </p:sp>
-      <p:sp>
-        <p:nvSpPr>
-          <p:cNvPr id="4" name="TextBox 3"/>
-          <p:cNvSpPr txBox="1"/>
-          <p:nvPr/>
-        </p:nvSpPr>
-        <p:spPr>
-          <a:xfrm>
-            <a:off x="1143000" y="1385547"/>
-            <a:ext cx="2133600" cy="461665"/>
-          </a:xfrm>
-          <a:prstGeom prst="rect">
-            <a:avLst/>
-          </a:prstGeom>
-          <a:noFill/>
-        </p:spPr>
-        <p:txBody>
-          <a:bodyPr wrap="square" rtlCol="0">
-            <a:spAutoFit/>
-          </a:bodyPr>
-          <a:lstStyle/>
-          <a:p>
-            <a:r>
-              <a:rPr lang="en-US" sz="2400" dirty="0" smtClean="0">
-                <a:ln w="0"/>
-                <a:solidFill>
-                  <a:schemeClr val="accent1"/>
-                </a:solidFill>
-                <a:effectLst>
-                  <a:outerShdw blurRad="38100" dist="25400" dir="5400000" algn="ctr" rotWithShape="0">
-                    <a:srgbClr val="6E747A">
-                      <a:alpha val="43000"/>
-                    </a:srgbClr>
-                  </a:outerShdw>
-                </a:effectLst>
-              </a:rPr>
-              <a:t>Why Java?</a:t>
-            </a:r>
-            <a:endParaRPr lang="en-US" sz="2400" dirty="0">
-              <a:ln w="0"/>
-              <a:solidFill>
-                <a:schemeClr val="accent1"/>
-              </a:solidFill>
-              <a:effectLst>
-                <a:outerShdw blurRad="38100" dist="25400" dir="5400000" algn="ctr" rotWithShape="0">
-                  <a:srgbClr val="6E747A">
-                    <a:alpha val="43000"/>
-                  </a:srgbClr>
-                </a:outerShdw>
-              </a:effectLst>
-            </a:endParaRPr>
-          </a:p>
-        </p:txBody>
-      </p:sp>
-    </p:spTree>
-    <p:extLst>
-      <p:ext uri="{BB962C8B-B14F-4D97-AF65-F5344CB8AC3E}">
-        <p14:creationId xmlns:p14="http://schemas.microsoft.com/office/powerpoint/2010/main" val="255775997"/>
-      </p:ext>
-    </p:extLst>
-  </p:cSld>
-  <p:clrMapOvr>
-    <a:masterClrMapping/>
-  </p:clrMapOvr>
-  <p:timing>
-    <p:tnLst>
-      <p:par>
-        <p:cTn id="1" dur="indefinite" restart="never" nodeType="tmRoot"/>
-      </p:par>
-    </p:tnLst>
-  </p:timing>
 </p:sld>
 </file>
 
@@ -7000,10 +7334,9 @@
           <a:lstStyle/>
           <a:p>
             <a:r>
-              <a:rPr lang="en-US" dirty="0" smtClean="0"/>
+              <a:rPr lang="en-US" dirty="0"/>
               <a:t>Overall Design Decisions</a:t>
             </a:r>
-            <a:endParaRPr lang="en-US" dirty="0"/>
           </a:p>
         </p:txBody>
       </p:sp>
@@ -7019,33 +7352,30 @@
         </p:nvSpPr>
         <p:spPr>
           <a:xfrm>
-            <a:off x="855615" y="2438400"/>
+            <a:off x="828436" y="2286000"/>
             <a:ext cx="6711654" cy="4195481"/>
           </a:xfrm>
         </p:spPr>
         <p:txBody>
-          <a:bodyPr>
-            <a:normAutofit/>
-          </a:bodyPr>
-          <a:lstStyle/>
-          <a:p>
-            <a:r>
-              <a:rPr lang="en-US" sz="2200" dirty="0" smtClean="0"/>
-              <a:t>We desired a platform that would be free of cost as we will only be utilizing it for 3 months.</a:t>
-            </a:r>
-          </a:p>
-          <a:p>
-            <a:r>
-              <a:rPr lang="en-US" sz="2200" dirty="0" smtClean="0"/>
-              <a:t>Of all the free SQL databases AWS provided the most disk space.</a:t>
-            </a:r>
-          </a:p>
-          <a:p>
-            <a:r>
-              <a:rPr lang="en-US" sz="2200" dirty="0" smtClean="0"/>
-              <a:t>We chose to use a relational SQL database because we have prior experience working with them.</a:t>
-            </a:r>
-            <a:endParaRPr lang="en-US" sz="2200" dirty="0" smtClean="0"/>
+          <a:bodyPr/>
+          <a:lstStyle/>
+          <a:p>
+            <a:r>
+              <a:rPr lang="en-US" dirty="0"/>
+              <a:t>We believed that we would benefit from the Object-Oriented nature of Java.</a:t>
+            </a:r>
+          </a:p>
+          <a:p>
+            <a:r>
+              <a:rPr lang="en-US" dirty="0"/>
+              <a:t>This allowed us to create our own tweet object for uniformity across the application.</a:t>
+            </a:r>
+          </a:p>
+          <a:p>
+            <a:r>
+              <a:rPr lang="en-US" dirty="0"/>
+              <a:t>We also had prior experience with Java and more specifically the twitter4j library and the JDBC library used for connections to Twitter and Databases.</a:t>
+            </a:r>
           </a:p>
         </p:txBody>
       </p:sp>
@@ -7057,8 +7387,8 @@
         </p:nvSpPr>
         <p:spPr>
           <a:xfrm>
-            <a:off x="855615" y="1383100"/>
-            <a:ext cx="5181600" cy="400110"/>
+            <a:off x="1143000" y="1385547"/>
+            <a:ext cx="2133600" cy="461665"/>
           </a:xfrm>
           <a:prstGeom prst="rect">
             <a:avLst/>
@@ -7072,7 +7402,7 @@
           <a:lstStyle/>
           <a:p>
             <a:r>
-              <a:rPr lang="en-US" sz="2000" dirty="0" smtClean="0">
+              <a:rPr lang="en-US" sz="2400" dirty="0">
                 <a:ln w="0"/>
                 <a:solidFill>
                   <a:schemeClr val="accent1"/>
@@ -7085,41 +7415,44 @@
                   </a:outerShdw>
                 </a:effectLst>
               </a:rPr>
-              <a:t>Why Amazon Web Services?</a:t>
-            </a:r>
-            <a:endParaRPr lang="en-US" sz="2000" dirty="0">
-              <a:ln w="0"/>
-              <a:solidFill>
-                <a:schemeClr val="accent1"/>
-              </a:solidFill>
-              <a:effectLst>
-                <a:outerShdw blurRad="38100" dist="25400" dir="5400000" algn="ctr" rotWithShape="0">
-                  <a:srgbClr val="6E747A">
-                    <a:alpha val="43000"/>
-                  </a:srgbClr>
-                </a:outerShdw>
-              </a:effectLst>
-            </a:endParaRPr>
+              <a:t>Why Java?</a:t>
+            </a:r>
+          </a:p>
+        </p:txBody>
+      </p:sp>
+      <p:sp>
+        <p:nvSpPr>
+          <p:cNvPr id="3" name="Slide Number Placeholder 2"/>
+          <p:cNvSpPr>
+            <a:spLocks noGrp="1"/>
+          </p:cNvSpPr>
+          <p:nvPr>
+            <p:ph type="sldNum" sz="quarter" idx="12"/>
+          </p:nvPr>
+        </p:nvSpPr>
+        <p:spPr/>
+        <p:txBody>
+          <a:bodyPr/>
+          <a:lstStyle/>
+          <a:p>
+            <a:fld id="{8DC966BA-83AE-4962-82F4-C3E6C28D279E}" type="slidenum">
+              <a:rPr lang="en-US" smtClean="0"/>
+              <a:t>14</a:t>
+            </a:fld>
+            <a:endParaRPr lang="en-US"/>
           </a:p>
         </p:txBody>
       </p:sp>
     </p:spTree>
     <p:extLst>
       <p:ext uri="{BB962C8B-B14F-4D97-AF65-F5344CB8AC3E}">
-        <p14:creationId xmlns:p14="http://schemas.microsoft.com/office/powerpoint/2010/main" val="3516665486"/>
+        <p14:creationId xmlns:p14="http://schemas.microsoft.com/office/powerpoint/2010/main" val="255775997"/>
       </p:ext>
     </p:extLst>
   </p:cSld>
   <p:clrMapOvr>
     <a:masterClrMapping/>
   </p:clrMapOvr>
-  <p:timing>
-    <p:tnLst>
-      <p:par>
-        <p:cTn id="1" dur="indefinite" restart="never" nodeType="tmRoot"/>
-      </p:par>
-    </p:tnLst>
-  </p:timing>
 </p:sld>
 </file>
 
@@ -7156,31 +7489,26 @@
           <a:lstStyle/>
           <a:p>
             <a:r>
-              <a:rPr lang="en-US" dirty="0" smtClean="0"/>
-              <a:t>Spiral </a:t>
-            </a:r>
-            <a:r>
-              <a:rPr lang="en-US" dirty="0" smtClean="0"/>
-              <a:t>1</a:t>
-            </a:r>
-            <a:endParaRPr lang="en-US" dirty="0"/>
-          </a:p>
-        </p:txBody>
-      </p:sp>
-      <p:sp>
-        <p:nvSpPr>
-          <p:cNvPr id="4" name="Content Placeholder 3"/>
-          <p:cNvSpPr>
-            <a:spLocks noGrp="1"/>
-          </p:cNvSpPr>
-          <p:nvPr>
-            <p:ph sz="half" idx="1"/>
+              <a:rPr lang="en-US" dirty="0"/>
+              <a:t>Overall Design Decisions</a:t>
+            </a:r>
+          </a:p>
+        </p:txBody>
+      </p:sp>
+      <p:sp>
+        <p:nvSpPr>
+          <p:cNvPr id="5" name="Content Placeholder 4"/>
+          <p:cNvSpPr>
+            <a:spLocks noGrp="1"/>
+          </p:cNvSpPr>
+          <p:nvPr>
+            <p:ph idx="1"/>
           </p:nvPr>
         </p:nvSpPr>
         <p:spPr>
           <a:xfrm>
-            <a:off x="914400" y="2438400"/>
-            <a:ext cx="7325700" cy="4195763"/>
+            <a:off x="855615" y="2438400"/>
+            <a:ext cx="6711654" cy="4195481"/>
           </a:xfrm>
         </p:spPr>
         <p:txBody>
@@ -7190,28 +7518,27 @@
           <a:lstStyle/>
           <a:p>
             <a:r>
-              <a:rPr lang="en-US" sz="2100" dirty="0" smtClean="0"/>
-              <a:t>Setup connections to twitter and the database.</a:t>
-            </a:r>
-          </a:p>
-          <a:p>
-            <a:r>
-              <a:rPr lang="en-US" sz="2100" dirty="0" smtClean="0"/>
-              <a:t>Search Twitter and Database by keyword.</a:t>
-            </a:r>
-          </a:p>
-          <a:p>
-            <a:r>
-              <a:rPr lang="en-US" sz="2100" dirty="0" smtClean="0"/>
-              <a:t>Allow insertion of results from twitter into the database.</a:t>
-            </a:r>
-            <a:endParaRPr lang="en-US" sz="2100" dirty="0"/>
-          </a:p>
-        </p:txBody>
-      </p:sp>
-      <p:sp>
-        <p:nvSpPr>
-          <p:cNvPr id="6" name="TextBox 5"/>
+              <a:rPr lang="en-US" sz="2200" dirty="0"/>
+              <a:t>We desired a platform that would be free of cost as we will only be utilizing it for 3 months.</a:t>
+            </a:r>
+          </a:p>
+          <a:p>
+            <a:r>
+              <a:rPr lang="en-US" sz="2200" dirty="0"/>
+              <a:t>Of all the free SQL databases AWS provided the most disk space.</a:t>
+            </a:r>
+          </a:p>
+          <a:p>
+            <a:r>
+              <a:rPr lang="en-US" sz="2200" dirty="0"/>
+              <a:t>We chose to use a relational SQL database because we have prior experience working with them.</a:t>
+            </a:r>
+          </a:p>
+        </p:txBody>
+      </p:sp>
+      <p:sp>
+        <p:nvSpPr>
+          <p:cNvPr id="4" name="TextBox 3"/>
           <p:cNvSpPr txBox="1"/>
           <p:nvPr/>
         </p:nvSpPr>
@@ -7232,7 +7559,7 @@
           <a:lstStyle/>
           <a:p>
             <a:r>
-              <a:rPr lang="en-US" sz="2000" dirty="0" smtClean="0">
+              <a:rPr lang="en-US" sz="2000" dirty="0">
                 <a:ln w="0"/>
                 <a:solidFill>
                   <a:schemeClr val="accent1"/>
@@ -7245,41 +7572,44 @@
                   </a:outerShdw>
                 </a:effectLst>
               </a:rPr>
-              <a:t>Requirements</a:t>
-            </a:r>
-            <a:endParaRPr lang="en-US" sz="2000" dirty="0">
-              <a:ln w="0"/>
-              <a:solidFill>
-                <a:schemeClr val="accent1"/>
-              </a:solidFill>
-              <a:effectLst>
-                <a:outerShdw blurRad="38100" dist="25400" dir="5400000" algn="ctr" rotWithShape="0">
-                  <a:srgbClr val="6E747A">
-                    <a:alpha val="43000"/>
-                  </a:srgbClr>
-                </a:outerShdw>
-              </a:effectLst>
-            </a:endParaRPr>
+              <a:t>Why Amazon Web Services?</a:t>
+            </a:r>
+          </a:p>
+        </p:txBody>
+      </p:sp>
+      <p:sp>
+        <p:nvSpPr>
+          <p:cNvPr id="3" name="Slide Number Placeholder 2"/>
+          <p:cNvSpPr>
+            <a:spLocks noGrp="1"/>
+          </p:cNvSpPr>
+          <p:nvPr>
+            <p:ph type="sldNum" sz="quarter" idx="12"/>
+          </p:nvPr>
+        </p:nvSpPr>
+        <p:spPr/>
+        <p:txBody>
+          <a:bodyPr/>
+          <a:lstStyle/>
+          <a:p>
+            <a:fld id="{8DC966BA-83AE-4962-82F4-C3E6C28D279E}" type="slidenum">
+              <a:rPr lang="en-US" smtClean="0"/>
+              <a:t>15</a:t>
+            </a:fld>
+            <a:endParaRPr lang="en-US"/>
           </a:p>
         </p:txBody>
       </p:sp>
     </p:spTree>
     <p:extLst>
       <p:ext uri="{BB962C8B-B14F-4D97-AF65-F5344CB8AC3E}">
-        <p14:creationId xmlns:p14="http://schemas.microsoft.com/office/powerpoint/2010/main" val="851733143"/>
+        <p14:creationId xmlns:p14="http://schemas.microsoft.com/office/powerpoint/2010/main" val="3516665486"/>
       </p:ext>
     </p:extLst>
   </p:cSld>
   <p:clrMapOvr>
     <a:masterClrMapping/>
   </p:clrMapOvr>
-  <p:timing>
-    <p:tnLst>
-      <p:par>
-        <p:cTn id="1" dur="indefinite" restart="never" nodeType="tmRoot"/>
-      </p:par>
-    </p:tnLst>
-  </p:timing>
 </p:sld>
 </file>
 
@@ -7316,92 +7646,56 @@
           <a:lstStyle/>
           <a:p>
             <a:r>
-              <a:rPr lang="en-US" dirty="0" smtClean="0"/>
-              <a:t>Spiral </a:t>
-            </a:r>
-            <a:r>
-              <a:rPr lang="en-US" dirty="0" smtClean="0"/>
-              <a:t>1</a:t>
-            </a:r>
-            <a:endParaRPr lang="en-US" dirty="0"/>
-          </a:p>
-        </p:txBody>
-      </p:sp>
-      <p:sp>
-        <p:nvSpPr>
-          <p:cNvPr id="3" name="Content Placeholder 2"/>
-          <p:cNvSpPr>
-            <a:spLocks noGrp="1"/>
-          </p:cNvSpPr>
-          <p:nvPr>
-            <p:ph idx="1"/>
-          </p:nvPr>
-        </p:nvSpPr>
-        <p:spPr/>
-        <p:txBody>
-          <a:bodyPr/>
-          <a:lstStyle/>
-          <a:p>
-            <a:r>
-              <a:rPr lang="en-US" dirty="0" smtClean="0"/>
-              <a:t>We decided to implement three classes in the first spiral.</a:t>
-            </a:r>
-          </a:p>
-          <a:p>
-            <a:pPr lvl="1"/>
-            <a:r>
-              <a:rPr lang="en-US" dirty="0" err="1" smtClean="0"/>
-              <a:t>TwitterInstance</a:t>
-            </a:r>
-            <a:r>
-              <a:rPr lang="en-US" dirty="0" smtClean="0"/>
-              <a:t> is a class that establishes a connection to twitter and allows the submission of queries.</a:t>
-            </a:r>
-          </a:p>
-          <a:p>
-            <a:pPr lvl="1"/>
-            <a:r>
-              <a:rPr lang="en-US" dirty="0" err="1" smtClean="0"/>
-              <a:t>SQLInstance</a:t>
-            </a:r>
-            <a:r>
-              <a:rPr lang="en-US" dirty="0" smtClean="0"/>
-              <a:t> is a class that establishes a connection to our database and allows insertion and selection of tweets</a:t>
-            </a:r>
-          </a:p>
-          <a:p>
-            <a:pPr lvl="1"/>
-            <a:r>
-              <a:rPr lang="en-US" dirty="0" err="1" smtClean="0"/>
-              <a:t>dataCollector</a:t>
-            </a:r>
-            <a:r>
-              <a:rPr lang="en-US" dirty="0" smtClean="0"/>
-              <a:t> is a class that utilizes </a:t>
-            </a:r>
-            <a:r>
-              <a:rPr lang="en-US" dirty="0" err="1" smtClean="0"/>
-              <a:t>TwitterInstance</a:t>
-            </a:r>
-            <a:r>
-              <a:rPr lang="en-US" dirty="0" smtClean="0"/>
-              <a:t> and </a:t>
-            </a:r>
-            <a:r>
-              <a:rPr lang="en-US" dirty="0" err="1" smtClean="0"/>
-              <a:t>SQLInstance</a:t>
-            </a:r>
-            <a:r>
-              <a:rPr lang="en-US" dirty="0" smtClean="0"/>
-              <a:t> to collect and move data between the two.</a:t>
-            </a:r>
-            <a:endParaRPr lang="en-US" dirty="0" smtClean="0"/>
-          </a:p>
-        </p:txBody>
-      </p:sp>
-      <p:sp>
-        <p:nvSpPr>
-          <p:cNvPr id="4" name="TextBox 3"/>
+              <a:rPr lang="en-US" dirty="0"/>
+              <a:t>Spiral 1</a:t>
+            </a:r>
+          </a:p>
+        </p:txBody>
+      </p:sp>
+      <p:sp>
+        <p:nvSpPr>
+          <p:cNvPr id="4" name="Content Placeholder 3"/>
+          <p:cNvSpPr>
+            <a:spLocks noGrp="1"/>
+          </p:cNvSpPr>
+          <p:nvPr>
+            <p:ph sz="half" idx="1"/>
+          </p:nvPr>
+        </p:nvSpPr>
+        <p:spPr>
+          <a:xfrm>
+            <a:off x="914400" y="2438400"/>
+            <a:ext cx="7325700" cy="4195763"/>
+          </a:xfrm>
+        </p:spPr>
+        <p:txBody>
+          <a:bodyPr>
+            <a:normAutofit/>
+          </a:bodyPr>
+          <a:lstStyle/>
+          <a:p>
+            <a:r>
+              <a:rPr lang="en-US" sz="2100" dirty="0"/>
+              <a:t>Setup connections to twitter and the database.</a:t>
+            </a:r>
+          </a:p>
+          <a:p>
+            <a:r>
+              <a:rPr lang="en-US" sz="2100" dirty="0"/>
+              <a:t>Search Twitter and Database by keyword.</a:t>
+            </a:r>
+          </a:p>
+          <a:p>
+            <a:r>
+              <a:rPr lang="en-US" sz="2100" dirty="0"/>
+              <a:t>Allow insertion of results from twitter into the database.</a:t>
+            </a:r>
+          </a:p>
+        </p:txBody>
+      </p:sp>
+      <p:sp>
+        <p:nvSpPr>
+          <p:cNvPr id="6" name="TextBox 5"/>
           <p:cNvSpPr txBox="1"/>
           <p:nvPr/>
         </p:nvSpPr>
@@ -7422,7 +7716,7 @@
           <a:lstStyle/>
           <a:p>
             <a:r>
-              <a:rPr lang="en-US" sz="2000" dirty="0" smtClean="0">
+              <a:rPr lang="en-US" sz="2000" dirty="0">
                 <a:ln w="0"/>
                 <a:solidFill>
                   <a:schemeClr val="accent1"/>
@@ -7435,41 +7729,44 @@
                   </a:outerShdw>
                 </a:effectLst>
               </a:rPr>
-              <a:t>Design</a:t>
-            </a:r>
-            <a:endParaRPr lang="en-US" sz="2000" dirty="0">
-              <a:ln w="0"/>
-              <a:solidFill>
-                <a:schemeClr val="accent1"/>
-              </a:solidFill>
-              <a:effectLst>
-                <a:outerShdw blurRad="38100" dist="25400" dir="5400000" algn="ctr" rotWithShape="0">
-                  <a:srgbClr val="6E747A">
-                    <a:alpha val="43000"/>
-                  </a:srgbClr>
-                </a:outerShdw>
-              </a:effectLst>
-            </a:endParaRPr>
+              <a:t>Requirements</a:t>
+            </a:r>
+          </a:p>
+        </p:txBody>
+      </p:sp>
+      <p:sp>
+        <p:nvSpPr>
+          <p:cNvPr id="3" name="Slide Number Placeholder 2"/>
+          <p:cNvSpPr>
+            <a:spLocks noGrp="1"/>
+          </p:cNvSpPr>
+          <p:nvPr>
+            <p:ph type="sldNum" sz="quarter" idx="12"/>
+          </p:nvPr>
+        </p:nvSpPr>
+        <p:spPr/>
+        <p:txBody>
+          <a:bodyPr/>
+          <a:lstStyle/>
+          <a:p>
+            <a:fld id="{8DC966BA-83AE-4962-82F4-C3E6C28D279E}" type="slidenum">
+              <a:rPr lang="en-US" smtClean="0"/>
+              <a:t>16</a:t>
+            </a:fld>
+            <a:endParaRPr lang="en-US"/>
           </a:p>
         </p:txBody>
       </p:sp>
     </p:spTree>
     <p:extLst>
       <p:ext uri="{BB962C8B-B14F-4D97-AF65-F5344CB8AC3E}">
-        <p14:creationId xmlns:p14="http://schemas.microsoft.com/office/powerpoint/2010/main" val="1316655818"/>
+        <p14:creationId xmlns:p14="http://schemas.microsoft.com/office/powerpoint/2010/main" val="851733143"/>
       </p:ext>
     </p:extLst>
   </p:cSld>
   <p:clrMapOvr>
     <a:masterClrMapping/>
   </p:clrMapOvr>
-  <p:timing>
-    <p:tnLst>
-      <p:par>
-        <p:cTn id="1" dur="indefinite" restart="never" nodeType="tmRoot"/>
-      </p:par>
-    </p:tnLst>
-  </p:timing>
 </p:sld>
 </file>
 
@@ -7506,14 +7803,9 @@
           <a:lstStyle/>
           <a:p>
             <a:r>
-              <a:rPr lang="en-US" dirty="0" smtClean="0"/>
-              <a:t>Spiral </a:t>
-            </a:r>
-            <a:r>
-              <a:rPr lang="en-US" dirty="0" smtClean="0"/>
-              <a:t>1</a:t>
-            </a:r>
-            <a:endParaRPr lang="en-US" dirty="0"/>
+              <a:rPr lang="en-US" dirty="0"/>
+              <a:t>Spiral 1</a:t>
+            </a:r>
           </a:p>
         </p:txBody>
       </p:sp>
@@ -7527,23 +7819,64 @@
             <p:ph idx="1"/>
           </p:nvPr>
         </p:nvSpPr>
-        <p:spPr>
-          <a:xfrm>
-            <a:off x="828436" y="2514600"/>
-            <a:ext cx="6711654" cy="4195481"/>
-          </a:xfrm>
-        </p:spPr>
-        <p:txBody>
-          <a:bodyPr/>
-          <a:lstStyle/>
-          <a:p>
-            <a:r>
-              <a:rPr lang="en-US" dirty="0" smtClean="0"/>
-              <a:t>In our database we decided to have a Tweets tables to store content and information about tweets and a Users table to store users and information about them in the future.</a:t>
-            </a:r>
-          </a:p>
-          <a:p>
-            <a:endParaRPr lang="en-US" dirty="0" smtClean="0"/>
+        <p:spPr/>
+        <p:txBody>
+          <a:bodyPr/>
+          <a:lstStyle/>
+          <a:p>
+            <a:r>
+              <a:rPr lang="en-US" dirty="0"/>
+              <a:t>We decided to design three classes in the first spiral.</a:t>
+            </a:r>
+          </a:p>
+          <a:p>
+            <a:pPr lvl="1"/>
+            <a:r>
+              <a:rPr lang="en-US" dirty="0" err="1"/>
+              <a:t>TwitterInstance</a:t>
+            </a:r>
+            <a:r>
+              <a:rPr lang="en-US" dirty="0"/>
+              <a:t> is a class that establishes a connection to Twitter and allows the submission of queries.</a:t>
+            </a:r>
+          </a:p>
+          <a:p>
+            <a:pPr lvl="1"/>
+            <a:r>
+              <a:rPr lang="en-US" dirty="0" err="1"/>
+              <a:t>SQLInstance</a:t>
+            </a:r>
+            <a:r>
+              <a:rPr lang="en-US" dirty="0"/>
+              <a:t> is a class that establishes a connection to our database and allows insertion and selection of tweets</a:t>
+            </a:r>
+          </a:p>
+          <a:p>
+            <a:pPr lvl="1"/>
+            <a:r>
+              <a:rPr lang="en-US" dirty="0" err="1"/>
+              <a:t>dataCollector</a:t>
+            </a:r>
+            <a:r>
+              <a:rPr lang="en-US" dirty="0"/>
+              <a:t> is a class that utilizes </a:t>
+            </a:r>
+            <a:r>
+              <a:rPr lang="en-US" dirty="0" err="1"/>
+              <a:t>TwitterInstance</a:t>
+            </a:r>
+            <a:r>
+              <a:rPr lang="en-US" dirty="0"/>
+              <a:t> and </a:t>
+            </a:r>
+            <a:r>
+              <a:rPr lang="en-US" dirty="0" err="1"/>
+              <a:t>SQLInstance</a:t>
+            </a:r>
+            <a:r>
+              <a:rPr lang="en-US" dirty="0"/>
+              <a:t> to collect and move data between the two.</a:t>
+            </a:r>
           </a:p>
         </p:txBody>
       </p:sp>
@@ -7570,7 +7903,7 @@
           <a:lstStyle/>
           <a:p>
             <a:r>
-              <a:rPr lang="en-US" sz="2000" dirty="0" smtClean="0">
+              <a:rPr lang="en-US" sz="2000" dirty="0">
                 <a:ln w="0"/>
                 <a:solidFill>
                   <a:schemeClr val="accent1"/>
@@ -7585,39 +7918,42 @@
               </a:rPr>
               <a:t>Design</a:t>
             </a:r>
-            <a:endParaRPr lang="en-US" sz="2000" dirty="0">
-              <a:ln w="0"/>
-              <a:solidFill>
-                <a:schemeClr val="accent1"/>
-              </a:solidFill>
-              <a:effectLst>
-                <a:outerShdw blurRad="38100" dist="25400" dir="5400000" algn="ctr" rotWithShape="0">
-                  <a:srgbClr val="6E747A">
-                    <a:alpha val="43000"/>
-                  </a:srgbClr>
-                </a:outerShdw>
-              </a:effectLst>
-            </a:endParaRPr>
+          </a:p>
+        </p:txBody>
+      </p:sp>
+      <p:sp>
+        <p:nvSpPr>
+          <p:cNvPr id="5" name="Slide Number Placeholder 4"/>
+          <p:cNvSpPr>
+            <a:spLocks noGrp="1"/>
+          </p:cNvSpPr>
+          <p:nvPr>
+            <p:ph type="sldNum" sz="quarter" idx="12"/>
+          </p:nvPr>
+        </p:nvSpPr>
+        <p:spPr/>
+        <p:txBody>
+          <a:bodyPr/>
+          <a:lstStyle/>
+          <a:p>
+            <a:fld id="{8DC966BA-83AE-4962-82F4-C3E6C28D279E}" type="slidenum">
+              <a:rPr lang="en-US" smtClean="0"/>
+              <a:t>17</a:t>
+            </a:fld>
+            <a:endParaRPr lang="en-US"/>
           </a:p>
         </p:txBody>
       </p:sp>
     </p:spTree>
     <p:extLst>
       <p:ext uri="{BB962C8B-B14F-4D97-AF65-F5344CB8AC3E}">
-        <p14:creationId xmlns:p14="http://schemas.microsoft.com/office/powerpoint/2010/main" val="2989600552"/>
+        <p14:creationId xmlns:p14="http://schemas.microsoft.com/office/powerpoint/2010/main" val="1316655818"/>
       </p:ext>
     </p:extLst>
   </p:cSld>
   <p:clrMapOvr>
     <a:masterClrMapping/>
   </p:clrMapOvr>
-  <p:timing>
-    <p:tnLst>
-      <p:par>
-        <p:cTn id="1" dur="indefinite" restart="never" nodeType="tmRoot"/>
-      </p:par>
-    </p:tnLst>
-  </p:timing>
 </p:sld>
 </file>
 
@@ -7654,86 +7990,39 @@
           <a:lstStyle/>
           <a:p>
             <a:r>
-              <a:rPr lang="en-US" dirty="0" smtClean="0"/>
-              <a:t>Spiral </a:t>
-            </a:r>
-            <a:r>
-              <a:rPr lang="en-US" dirty="0" smtClean="0"/>
-              <a:t>1</a:t>
-            </a:r>
+              <a:rPr lang="en-US" dirty="0"/>
+              <a:t>Spiral 1</a:t>
+            </a:r>
+          </a:p>
+        </p:txBody>
+      </p:sp>
+      <p:sp>
+        <p:nvSpPr>
+          <p:cNvPr id="3" name="Content Placeholder 2"/>
+          <p:cNvSpPr>
+            <a:spLocks noGrp="1"/>
+          </p:cNvSpPr>
+          <p:nvPr>
+            <p:ph idx="1"/>
+          </p:nvPr>
+        </p:nvSpPr>
+        <p:spPr>
+          <a:xfrm>
+            <a:off x="828436" y="2514600"/>
+            <a:ext cx="6711654" cy="4195481"/>
+          </a:xfrm>
+        </p:spPr>
+        <p:txBody>
+          <a:bodyPr/>
+          <a:lstStyle/>
+          <a:p>
+            <a:r>
+              <a:rPr lang="en-US" dirty="0"/>
+              <a:t>In our database we decided to have a Tweets tables to store content and information about tweets and a Users table to store users and information about them in the future.</a:t>
+            </a:r>
+          </a:p>
+          <a:p>
             <a:endParaRPr lang="en-US" dirty="0"/>
-          </a:p>
-        </p:txBody>
-      </p:sp>
-      <p:sp>
-        <p:nvSpPr>
-          <p:cNvPr id="3" name="Content Placeholder 2"/>
-          <p:cNvSpPr>
-            <a:spLocks noGrp="1"/>
-          </p:cNvSpPr>
-          <p:nvPr>
-            <p:ph idx="1"/>
-          </p:nvPr>
-        </p:nvSpPr>
-        <p:spPr/>
-        <p:txBody>
-          <a:bodyPr/>
-          <a:lstStyle/>
-          <a:p>
-            <a:r>
-              <a:rPr lang="en-US" dirty="0" smtClean="0"/>
-              <a:t>We performed unit testing on the first spiral by utilizing </a:t>
-            </a:r>
-            <a:r>
-              <a:rPr lang="en-US" dirty="0" err="1" smtClean="0"/>
-              <a:t>dataCollector</a:t>
-            </a:r>
-            <a:r>
-              <a:rPr lang="en-US" dirty="0" smtClean="0"/>
-              <a:t> as our “dummy main” and testing the functionality of </a:t>
-            </a:r>
-            <a:r>
-              <a:rPr lang="en-US" dirty="0" err="1" smtClean="0"/>
-              <a:t>TwitterInstance</a:t>
-            </a:r>
-            <a:r>
-              <a:rPr lang="en-US" dirty="0" smtClean="0"/>
-              <a:t> and </a:t>
-            </a:r>
-            <a:r>
-              <a:rPr lang="en-US" dirty="0" err="1" smtClean="0"/>
-              <a:t>SQLInstance</a:t>
-            </a:r>
-            <a:r>
-              <a:rPr lang="en-US" dirty="0" smtClean="0"/>
-              <a:t>.</a:t>
-            </a:r>
-            <a:endParaRPr lang="en-US" dirty="0" smtClean="0"/>
-          </a:p>
-          <a:p>
-            <a:r>
-              <a:rPr lang="en-US" dirty="0" smtClean="0"/>
-              <a:t>Query results from Twitter were slow and made us consider speed up options in the future.</a:t>
-            </a:r>
-            <a:endParaRPr lang="en-US" dirty="0" smtClean="0"/>
-          </a:p>
-          <a:p>
-            <a:r>
-              <a:rPr lang="en-US" dirty="0" smtClean="0"/>
-              <a:t>Twitter4J and JDBC had different structures for returning </a:t>
-            </a:r>
-            <a:r>
-              <a:rPr lang="en-US" dirty="0" smtClean="0"/>
-              <a:t>data, therefore we needed a uniform object for tweets.</a:t>
-            </a:r>
-            <a:endParaRPr lang="en-US" dirty="0"/>
-          </a:p>
-          <a:p>
-            <a:r>
-              <a:rPr lang="en-US" dirty="0" smtClean="0"/>
-              <a:t>Realized that profanity was an issue and needed to come up with a way to filter tweets containing profanity.</a:t>
-            </a:r>
-            <a:endParaRPr lang="en-US" dirty="0" smtClean="0"/>
           </a:p>
         </p:txBody>
       </p:sp>
@@ -7760,7 +8049,7 @@
           <a:lstStyle/>
           <a:p>
             <a:r>
-              <a:rPr lang="en-US" sz="2000" dirty="0" smtClean="0">
+              <a:rPr lang="en-US" sz="2000" dirty="0">
                 <a:ln w="0"/>
                 <a:solidFill>
                   <a:schemeClr val="accent1"/>
@@ -7773,41 +8062,44 @@
                   </a:outerShdw>
                 </a:effectLst>
               </a:rPr>
-              <a:t>Evaluation</a:t>
-            </a:r>
-            <a:endParaRPr lang="en-US" sz="2000" dirty="0">
-              <a:ln w="0"/>
-              <a:solidFill>
-                <a:schemeClr val="accent1"/>
-              </a:solidFill>
-              <a:effectLst>
-                <a:outerShdw blurRad="38100" dist="25400" dir="5400000" algn="ctr" rotWithShape="0">
-                  <a:srgbClr val="6E747A">
-                    <a:alpha val="43000"/>
-                  </a:srgbClr>
-                </a:outerShdw>
-              </a:effectLst>
-            </a:endParaRPr>
+              <a:t>Design</a:t>
+            </a:r>
+          </a:p>
+        </p:txBody>
+      </p:sp>
+      <p:sp>
+        <p:nvSpPr>
+          <p:cNvPr id="5" name="Slide Number Placeholder 4"/>
+          <p:cNvSpPr>
+            <a:spLocks noGrp="1"/>
+          </p:cNvSpPr>
+          <p:nvPr>
+            <p:ph type="sldNum" sz="quarter" idx="12"/>
+          </p:nvPr>
+        </p:nvSpPr>
+        <p:spPr/>
+        <p:txBody>
+          <a:bodyPr/>
+          <a:lstStyle/>
+          <a:p>
+            <a:fld id="{8DC966BA-83AE-4962-82F4-C3E6C28D279E}" type="slidenum">
+              <a:rPr lang="en-US" smtClean="0"/>
+              <a:t>18</a:t>
+            </a:fld>
+            <a:endParaRPr lang="en-US"/>
           </a:p>
         </p:txBody>
       </p:sp>
     </p:spTree>
     <p:extLst>
       <p:ext uri="{BB962C8B-B14F-4D97-AF65-F5344CB8AC3E}">
-        <p14:creationId xmlns:p14="http://schemas.microsoft.com/office/powerpoint/2010/main" val="1511380619"/>
+        <p14:creationId xmlns:p14="http://schemas.microsoft.com/office/powerpoint/2010/main" val="2989600552"/>
       </p:ext>
     </p:extLst>
   </p:cSld>
   <p:clrMapOvr>
     <a:masterClrMapping/>
   </p:clrMapOvr>
-  <p:timing>
-    <p:tnLst>
-      <p:par>
-        <p:cTn id="1" dur="indefinite" restart="never" nodeType="tmRoot"/>
-      </p:par>
-    </p:tnLst>
-  </p:timing>
 </p:sld>
 </file>
 
@@ -7844,14 +8136,9 @@
           <a:lstStyle/>
           <a:p>
             <a:r>
-              <a:rPr lang="en-US" dirty="0" smtClean="0"/>
-              <a:t>Spiral </a:t>
-            </a:r>
-            <a:r>
-              <a:rPr lang="en-US" dirty="0" smtClean="0"/>
-              <a:t>2</a:t>
-            </a:r>
-            <a:endParaRPr lang="en-US" dirty="0"/>
+              <a:rPr lang="en-US" dirty="0"/>
+              <a:t>Spiral 1</a:t>
+            </a:r>
           </a:p>
         </p:txBody>
       </p:sp>
@@ -7865,43 +8152,57 @@
             <p:ph idx="1"/>
           </p:nvPr>
         </p:nvSpPr>
-        <p:spPr>
-          <a:xfrm>
-            <a:off x="826946" y="2514600"/>
-            <a:ext cx="6711654" cy="4195481"/>
-          </a:xfrm>
-        </p:spPr>
-        <p:txBody>
-          <a:bodyPr>
-            <a:normAutofit/>
-          </a:bodyPr>
-          <a:lstStyle/>
-          <a:p>
-            <a:r>
-              <a:rPr lang="en-US" sz="2400" dirty="0" smtClean="0"/>
-              <a:t>Creation of a Menu to easily test upcoming features.</a:t>
-            </a:r>
-            <a:endParaRPr lang="en-US" sz="2400" dirty="0" smtClean="0"/>
-          </a:p>
-          <a:p>
-            <a:r>
-              <a:rPr lang="en-US" sz="2400" dirty="0" smtClean="0"/>
-              <a:t>Implement a basic profanity filter to allow flagging of tweets containing profanity.</a:t>
-            </a:r>
-            <a:endParaRPr lang="en-US" sz="2400" dirty="0" smtClean="0"/>
-          </a:p>
-          <a:p>
-            <a:r>
-              <a:rPr lang="en-US" sz="2400" dirty="0" smtClean="0"/>
-              <a:t>Creation of a tweet object to be uniformly used throughout the program.</a:t>
-            </a:r>
-          </a:p>
-          <a:p>
-            <a:r>
-              <a:rPr lang="en-US" sz="2400" dirty="0" smtClean="0"/>
-              <a:t>Implement search by username for Twitter and Database.</a:t>
-            </a:r>
-            <a:endParaRPr lang="en-US" sz="2400" dirty="0"/>
+        <p:spPr/>
+        <p:txBody>
+          <a:bodyPr/>
+          <a:lstStyle/>
+          <a:p>
+            <a:r>
+              <a:rPr lang="en-US" dirty="0"/>
+              <a:t>We performed unit testing on the first spiral by utilizing </a:t>
+            </a:r>
+            <a:r>
+              <a:rPr lang="en-US" dirty="0" err="1"/>
+              <a:t>dataCollector</a:t>
+            </a:r>
+            <a:r>
+              <a:rPr lang="en-US" dirty="0"/>
+              <a:t> as our “dummy main” and testing the functionality of </a:t>
+            </a:r>
+            <a:r>
+              <a:rPr lang="en-US" dirty="0" err="1"/>
+              <a:t>TwitterInstance</a:t>
+            </a:r>
+            <a:r>
+              <a:rPr lang="en-US" dirty="0"/>
+              <a:t> and </a:t>
+            </a:r>
+            <a:r>
+              <a:rPr lang="en-US" dirty="0" err="1"/>
+              <a:t>SQLInstance</a:t>
+            </a:r>
+            <a:r>
+              <a:rPr lang="en-US" dirty="0"/>
+              <a:t>.</a:t>
+            </a:r>
+          </a:p>
+          <a:p>
+            <a:r>
+              <a:rPr lang="en-US" dirty="0"/>
+              <a:t>Query results from Twitter were slow and made us consider speed up options in the future.</a:t>
+            </a:r>
+          </a:p>
+          <a:p>
+            <a:r>
+              <a:rPr lang="en-US" dirty="0"/>
+              <a:t>Twitter4J and JDBC had different structures for returning data, therefore we needed a uniform object for tweets.</a:t>
+            </a:r>
+          </a:p>
+          <a:p>
+            <a:r>
+              <a:rPr lang="en-US" dirty="0"/>
+              <a:t>Realized that profanity was an issue and needed to come up with a way to filter tweets containing profanity.</a:t>
+            </a:r>
           </a:p>
         </p:txBody>
       </p:sp>
@@ -7928,7 +8229,7 @@
           <a:lstStyle/>
           <a:p>
             <a:r>
-              <a:rPr lang="en-US" sz="2000" dirty="0" smtClean="0">
+              <a:rPr lang="en-US" sz="2000" dirty="0">
                 <a:ln w="0"/>
                 <a:solidFill>
                   <a:schemeClr val="accent1"/>
@@ -7941,41 +8242,44 @@
                   </a:outerShdw>
                 </a:effectLst>
               </a:rPr>
-              <a:t>Requirements</a:t>
-            </a:r>
-            <a:endParaRPr lang="en-US" sz="2000" dirty="0">
-              <a:ln w="0"/>
-              <a:solidFill>
-                <a:schemeClr val="accent1"/>
-              </a:solidFill>
-              <a:effectLst>
-                <a:outerShdw blurRad="38100" dist="25400" dir="5400000" algn="ctr" rotWithShape="0">
-                  <a:srgbClr val="6E747A">
-                    <a:alpha val="43000"/>
-                  </a:srgbClr>
-                </a:outerShdw>
-              </a:effectLst>
-            </a:endParaRPr>
+              <a:t>Evaluation</a:t>
+            </a:r>
+          </a:p>
+        </p:txBody>
+      </p:sp>
+      <p:sp>
+        <p:nvSpPr>
+          <p:cNvPr id="5" name="Slide Number Placeholder 4"/>
+          <p:cNvSpPr>
+            <a:spLocks noGrp="1"/>
+          </p:cNvSpPr>
+          <p:nvPr>
+            <p:ph type="sldNum" sz="quarter" idx="12"/>
+          </p:nvPr>
+        </p:nvSpPr>
+        <p:spPr/>
+        <p:txBody>
+          <a:bodyPr/>
+          <a:lstStyle/>
+          <a:p>
+            <a:fld id="{8DC966BA-83AE-4962-82F4-C3E6C28D279E}" type="slidenum">
+              <a:rPr lang="en-US" smtClean="0"/>
+              <a:t>19</a:t>
+            </a:fld>
+            <a:endParaRPr lang="en-US"/>
           </a:p>
         </p:txBody>
       </p:sp>
     </p:spTree>
     <p:extLst>
       <p:ext uri="{BB962C8B-B14F-4D97-AF65-F5344CB8AC3E}">
-        <p14:creationId xmlns:p14="http://schemas.microsoft.com/office/powerpoint/2010/main" val="621650070"/>
+        <p14:creationId xmlns:p14="http://schemas.microsoft.com/office/powerpoint/2010/main" val="1511380619"/>
       </p:ext>
     </p:extLst>
   </p:cSld>
   <p:clrMapOvr>
     <a:masterClrMapping/>
   </p:clrMapOvr>
-  <p:timing>
-    <p:tnLst>
-      <p:par>
-        <p:cTn id="1" dur="indefinite" restart="never" nodeType="tmRoot"/>
-      </p:par>
-    </p:tnLst>
-  </p:timing>
 </p:sld>
 </file>
 
@@ -8006,90 +8310,115 @@
             <p:ph type="title"/>
           </p:nvPr>
         </p:nvSpPr>
-        <p:spPr>
-          <a:xfrm>
-            <a:off x="484710" y="533400"/>
-            <a:ext cx="7055380" cy="1400530"/>
-          </a:xfrm>
-        </p:spPr>
-        <p:txBody>
-          <a:bodyPr/>
-          <a:lstStyle/>
-          <a:p>
-            <a:r>
-              <a:rPr lang="en-US" dirty="0" smtClean="0"/>
+        <p:spPr/>
+        <p:txBody>
+          <a:bodyPr/>
+          <a:lstStyle/>
+          <a:p>
+            <a:r>
+              <a:rPr lang="en-US" dirty="0"/>
+              <a:t>Agenda</a:t>
+            </a:r>
+          </a:p>
+        </p:txBody>
+      </p:sp>
+      <p:sp>
+        <p:nvSpPr>
+          <p:cNvPr id="3" name="Content Placeholder 2"/>
+          <p:cNvSpPr>
+            <a:spLocks noGrp="1"/>
+          </p:cNvSpPr>
+          <p:nvPr>
+            <p:ph idx="1"/>
+          </p:nvPr>
+        </p:nvSpPr>
+        <p:spPr/>
+        <p:txBody>
+          <a:bodyPr/>
+          <a:lstStyle/>
+          <a:p>
+            <a:r>
+              <a:rPr lang="en-US" dirty="0"/>
               <a:t>Project Overview</a:t>
             </a:r>
-            <a:endParaRPr lang="en-US" dirty="0"/>
-          </a:p>
-        </p:txBody>
-      </p:sp>
-      <p:sp>
-        <p:nvSpPr>
-          <p:cNvPr id="3" name="Content Placeholder 2"/>
-          <p:cNvSpPr>
-            <a:spLocks noGrp="1"/>
-          </p:cNvSpPr>
-          <p:nvPr>
-            <p:ph idx="1"/>
-          </p:nvPr>
-        </p:nvSpPr>
-        <p:spPr>
-          <a:xfrm>
-            <a:off x="828436" y="2057400"/>
-            <a:ext cx="6711654" cy="4195481"/>
-          </a:xfrm>
-        </p:spPr>
-        <p:txBody>
-          <a:bodyPr/>
-          <a:lstStyle/>
-          <a:p>
-            <a:r>
-              <a:rPr lang="en-US" sz="2200" dirty="0" smtClean="0"/>
-              <a:t>Search for tweets and store into our database.</a:t>
-            </a:r>
-            <a:endParaRPr lang="en-US" sz="2200" dirty="0"/>
-          </a:p>
-          <a:p>
-            <a:r>
-              <a:rPr lang="en-US" sz="2200" dirty="0" smtClean="0"/>
-              <a:t>Our projected user base is businesses or individuals that desire to improve their social media presence.</a:t>
-            </a:r>
-          </a:p>
-          <a:p>
-            <a:r>
-              <a:rPr lang="en-US" sz="2200" dirty="0" smtClean="0"/>
-              <a:t>We will accomplish this by providing a platform for them to analyze their own Twitter usage and trends in consumer interests.</a:t>
-            </a:r>
-          </a:p>
-          <a:p>
-            <a:pPr marL="0" indent="0">
-              <a:buNone/>
-            </a:pPr>
-            <a:endParaRPr lang="en-US" dirty="0" smtClean="0"/>
-          </a:p>
-          <a:p>
-            <a:endParaRPr lang="en-US" dirty="0" smtClean="0"/>
+          </a:p>
+          <a:p>
+            <a:r>
+              <a:rPr lang="en-US" dirty="0"/>
+              <a:t>Requirements</a:t>
+            </a:r>
+          </a:p>
+          <a:p>
+            <a:r>
+              <a:rPr lang="en-US" dirty="0"/>
+              <a:t>Design Decisions</a:t>
+            </a:r>
+          </a:p>
+          <a:p>
+            <a:r>
+              <a:rPr lang="en-US" dirty="0"/>
+              <a:t>Spiral 1</a:t>
+            </a:r>
+          </a:p>
+          <a:p>
+            <a:r>
+              <a:rPr lang="en-US" dirty="0"/>
+              <a:t>Spiral 2</a:t>
+            </a:r>
+          </a:p>
+          <a:p>
+            <a:r>
+              <a:rPr lang="en-US" dirty="0"/>
+              <a:t>Spiral 3</a:t>
+            </a:r>
+          </a:p>
+          <a:p>
+            <a:r>
+              <a:rPr lang="en-US" dirty="0"/>
+              <a:t>Moving Forward</a:t>
+            </a:r>
+          </a:p>
+          <a:p>
+            <a:r>
+              <a:rPr lang="en-US" dirty="0"/>
+              <a:t>Demo</a:t>
+            </a:r>
+          </a:p>
+        </p:txBody>
+      </p:sp>
+      <p:sp>
+        <p:nvSpPr>
+          <p:cNvPr id="4" name="Slide Number Placeholder 3"/>
+          <p:cNvSpPr>
+            <a:spLocks noGrp="1"/>
+          </p:cNvSpPr>
+          <p:nvPr>
+            <p:ph type="sldNum" sz="quarter" idx="12"/>
+          </p:nvPr>
+        </p:nvSpPr>
+        <p:spPr/>
+        <p:txBody>
+          <a:bodyPr/>
+          <a:lstStyle/>
+          <a:p>
+            <a:fld id="{8DC966BA-83AE-4962-82F4-C3E6C28D279E}" type="slidenum">
+              <a:rPr lang="en-US" smtClean="0"/>
+              <a:t>2</a:t>
+            </a:fld>
+            <a:endParaRPr lang="en-US"/>
           </a:p>
         </p:txBody>
       </p:sp>
     </p:spTree>
     <p:extLst>
       <p:ext uri="{BB962C8B-B14F-4D97-AF65-F5344CB8AC3E}">
-        <p14:creationId xmlns:p14="http://schemas.microsoft.com/office/powerpoint/2010/main" val="4272061366"/>
+        <p14:creationId xmlns:p14="http://schemas.microsoft.com/office/powerpoint/2010/main" val="3730403172"/>
       </p:ext>
     </p:extLst>
   </p:cSld>
   <p:clrMapOvr>
     <a:masterClrMapping/>
   </p:clrMapOvr>
-  <p:timing>
-    <p:tnLst>
-      <p:par>
-        <p:cTn id="1" dur="indefinite" restart="never" nodeType="tmRoot"/>
-      </p:par>
-    </p:tnLst>
-  </p:timing>
 </p:sld>
 </file>
 
@@ -8126,14 +8455,9 @@
           <a:lstStyle/>
           <a:p>
             <a:r>
-              <a:rPr lang="en-US" dirty="0" smtClean="0"/>
-              <a:t>Spiral </a:t>
-            </a:r>
-            <a:r>
-              <a:rPr lang="en-US" dirty="0" smtClean="0"/>
-              <a:t>2</a:t>
-            </a:r>
-            <a:endParaRPr lang="en-US" dirty="0"/>
+              <a:rPr lang="en-US" dirty="0"/>
+              <a:t>Spiral 2</a:t>
+            </a:r>
           </a:p>
         </p:txBody>
       </p:sp>
@@ -8149,52 +8473,38 @@
         </p:nvSpPr>
         <p:spPr>
           <a:xfrm>
-            <a:off x="828436" y="2362200"/>
+            <a:off x="826946" y="2514600"/>
             <a:ext cx="6711654" cy="4195481"/>
           </a:xfrm>
         </p:spPr>
         <p:txBody>
-          <a:bodyPr/>
-          <a:lstStyle/>
-          <a:p>
-            <a:r>
-              <a:rPr lang="en-US" dirty="0" smtClean="0"/>
-              <a:t>We desired a User Interface that allowed for input of keyword, username, desired number of results, data to search from, and filtering profanity.</a:t>
-            </a:r>
-            <a:endParaRPr lang="en-US" dirty="0"/>
-          </a:p>
-          <a:p>
-            <a:r>
-              <a:rPr lang="en-US" dirty="0"/>
-              <a:t>We needed a list of profane words to check the contents of the tweets against.</a:t>
-            </a:r>
-          </a:p>
-          <a:p>
-            <a:r>
-              <a:rPr lang="en-US" dirty="0" smtClean="0"/>
-              <a:t>A tweet object that stored information about a tweet in a </a:t>
-            </a:r>
-            <a:r>
-              <a:rPr lang="en-US" dirty="0" smtClean="0"/>
-              <a:t>uniform matter that could be utilized in both </a:t>
-            </a:r>
-            <a:r>
-              <a:rPr lang="en-US" dirty="0" err="1" smtClean="0"/>
-              <a:t>TwitterInstance</a:t>
-            </a:r>
-            <a:r>
-              <a:rPr lang="en-US" dirty="0" smtClean="0"/>
-              <a:t> and </a:t>
-            </a:r>
-            <a:r>
-              <a:rPr lang="en-US" dirty="0" err="1" smtClean="0"/>
-              <a:t>SQLInstance</a:t>
-            </a:r>
-            <a:r>
-              <a:rPr lang="en-US" dirty="0" smtClean="0"/>
-              <a:t>.</a:t>
-            </a:r>
-            <a:endParaRPr lang="en-US" dirty="0" smtClean="0"/>
+          <a:bodyPr>
+            <a:normAutofit/>
+          </a:bodyPr>
+          <a:lstStyle/>
+          <a:p>
+            <a:r>
+              <a:rPr lang="en-US" sz="2400" dirty="0"/>
+              <a:t>Creation of a Menu to easily test upcoming features.</a:t>
+            </a:r>
+          </a:p>
+          <a:p>
+            <a:r>
+              <a:rPr lang="en-US" sz="2400" dirty="0"/>
+              <a:t>Implement a basic profanity filter to allow flagging of tweets containing profanity.</a:t>
+            </a:r>
+          </a:p>
+          <a:p>
+            <a:r>
+              <a:rPr lang="en-US" sz="2400" dirty="0"/>
+              <a:t>Creation of a tweet object to be uniformly used throughout the program.</a:t>
+            </a:r>
+          </a:p>
+          <a:p>
+            <a:r>
+              <a:rPr lang="en-US" sz="2400" dirty="0"/>
+              <a:t>Implement search by username for Twitter and Database.</a:t>
+            </a:r>
           </a:p>
         </p:txBody>
       </p:sp>
@@ -8221,7 +8531,7 @@
           <a:lstStyle/>
           <a:p>
             <a:r>
-              <a:rPr lang="en-US" sz="2000" dirty="0" smtClean="0">
+              <a:rPr lang="en-US" sz="2000" dirty="0">
                 <a:ln w="0"/>
                 <a:solidFill>
                   <a:schemeClr val="accent1"/>
@@ -8234,41 +8544,44 @@
                   </a:outerShdw>
                 </a:effectLst>
               </a:rPr>
-              <a:t>Design</a:t>
-            </a:r>
-            <a:endParaRPr lang="en-US" sz="2000" dirty="0">
-              <a:ln w="0"/>
-              <a:solidFill>
-                <a:schemeClr val="accent1"/>
-              </a:solidFill>
-              <a:effectLst>
-                <a:outerShdw blurRad="38100" dist="25400" dir="5400000" algn="ctr" rotWithShape="0">
-                  <a:srgbClr val="6E747A">
-                    <a:alpha val="43000"/>
-                  </a:srgbClr>
-                </a:outerShdw>
-              </a:effectLst>
-            </a:endParaRPr>
+              <a:t>Requirements</a:t>
+            </a:r>
+          </a:p>
+        </p:txBody>
+      </p:sp>
+      <p:sp>
+        <p:nvSpPr>
+          <p:cNvPr id="5" name="Slide Number Placeholder 4"/>
+          <p:cNvSpPr>
+            <a:spLocks noGrp="1"/>
+          </p:cNvSpPr>
+          <p:nvPr>
+            <p:ph type="sldNum" sz="quarter" idx="12"/>
+          </p:nvPr>
+        </p:nvSpPr>
+        <p:spPr/>
+        <p:txBody>
+          <a:bodyPr/>
+          <a:lstStyle/>
+          <a:p>
+            <a:fld id="{8DC966BA-83AE-4962-82F4-C3E6C28D279E}" type="slidenum">
+              <a:rPr lang="en-US" smtClean="0"/>
+              <a:t>20</a:t>
+            </a:fld>
+            <a:endParaRPr lang="en-US"/>
           </a:p>
         </p:txBody>
       </p:sp>
     </p:spTree>
     <p:extLst>
       <p:ext uri="{BB962C8B-B14F-4D97-AF65-F5344CB8AC3E}">
-        <p14:creationId xmlns:p14="http://schemas.microsoft.com/office/powerpoint/2010/main" val="2176929393"/>
+        <p14:creationId xmlns:p14="http://schemas.microsoft.com/office/powerpoint/2010/main" val="621650070"/>
       </p:ext>
     </p:extLst>
   </p:cSld>
   <p:clrMapOvr>
     <a:masterClrMapping/>
   </p:clrMapOvr>
-  <p:timing>
-    <p:tnLst>
-      <p:par>
-        <p:cTn id="1" dur="indefinite" restart="never" nodeType="tmRoot"/>
-      </p:par>
-    </p:tnLst>
-  </p:timing>
 </p:sld>
 </file>
 
@@ -8305,14 +8618,9 @@
           <a:lstStyle/>
           <a:p>
             <a:r>
-              <a:rPr lang="en-US" dirty="0" smtClean="0"/>
-              <a:t>Spiral </a:t>
-            </a:r>
-            <a:r>
-              <a:rPr lang="en-US" dirty="0" smtClean="0"/>
-              <a:t>2</a:t>
-            </a:r>
-            <a:endParaRPr lang="en-US" dirty="0"/>
+              <a:rPr lang="en-US" dirty="0"/>
+              <a:t>Spiral 2</a:t>
+            </a:r>
           </a:p>
         </p:txBody>
       </p:sp>
@@ -8328,27 +8636,46 @@
         </p:nvSpPr>
         <p:spPr>
           <a:xfrm>
-            <a:off x="828436" y="2438400"/>
+            <a:off x="828436" y="2362200"/>
             <a:ext cx="6711654" cy="4195481"/>
           </a:xfrm>
         </p:spPr>
         <p:txBody>
-          <a:bodyPr>
-            <a:normAutofit/>
-          </a:bodyPr>
-          <a:lstStyle/>
-          <a:p>
-            <a:r>
-              <a:rPr lang="en-US" sz="2400" dirty="0" smtClean="0"/>
-              <a:t>We utilized Eclipse’s Window Builder plug-in to create the User Interface we desired.</a:t>
-            </a:r>
-          </a:p>
-          <a:p>
-            <a:r>
-              <a:rPr lang="en-US" sz="2400" dirty="0" smtClean="0"/>
-              <a:t>We created an array of profane words that we could iterate through and check for the presence of each word in the content of our tweets.</a:t>
-            </a:r>
-            <a:endParaRPr lang="en-US" sz="2400" dirty="0"/>
+          <a:bodyPr/>
+          <a:lstStyle/>
+          <a:p>
+            <a:r>
+              <a:rPr lang="en-US" dirty="0"/>
+              <a:t>We desired a User Interface that allowed for input of keyword, username, desired number of results, data to search from, and filtering profanity.</a:t>
+            </a:r>
+          </a:p>
+          <a:p>
+            <a:r>
+              <a:rPr lang="en-US" dirty="0"/>
+              <a:t>We needed a list of profane words to check the contents of the tweets against.</a:t>
+            </a:r>
+          </a:p>
+          <a:p>
+            <a:r>
+              <a:rPr lang="en-US" dirty="0"/>
+              <a:t>A tweet object that stored information about a tweet in a uniform matter that could be utilized in both </a:t>
+            </a:r>
+            <a:r>
+              <a:rPr lang="en-US" dirty="0" err="1"/>
+              <a:t>TwitterInstance</a:t>
+            </a:r>
+            <a:r>
+              <a:rPr lang="en-US" dirty="0"/>
+              <a:t> and </a:t>
+            </a:r>
+            <a:r>
+              <a:rPr lang="en-US" dirty="0" err="1"/>
+              <a:t>SQLInstance</a:t>
+            </a:r>
+            <a:r>
+              <a:rPr lang="en-US" dirty="0"/>
+              <a:t>.</a:t>
+            </a:r>
           </a:p>
         </p:txBody>
       </p:sp>
@@ -8375,7 +8702,7 @@
           <a:lstStyle/>
           <a:p>
             <a:r>
-              <a:rPr lang="en-US" sz="2000" dirty="0" smtClean="0">
+              <a:rPr lang="en-US" sz="2000" dirty="0">
                 <a:ln w="0"/>
                 <a:solidFill>
                   <a:schemeClr val="accent1"/>
@@ -8388,41 +8715,44 @@
                   </a:outerShdw>
                 </a:effectLst>
               </a:rPr>
-              <a:t>Implementation</a:t>
-            </a:r>
-            <a:endParaRPr lang="en-US" sz="2000" dirty="0">
-              <a:ln w="0"/>
-              <a:solidFill>
-                <a:schemeClr val="accent1"/>
-              </a:solidFill>
-              <a:effectLst>
-                <a:outerShdw blurRad="38100" dist="25400" dir="5400000" algn="ctr" rotWithShape="0">
-                  <a:srgbClr val="6E747A">
-                    <a:alpha val="43000"/>
-                  </a:srgbClr>
-                </a:outerShdw>
-              </a:effectLst>
-            </a:endParaRPr>
+              <a:t>Design</a:t>
+            </a:r>
+          </a:p>
+        </p:txBody>
+      </p:sp>
+      <p:sp>
+        <p:nvSpPr>
+          <p:cNvPr id="5" name="Slide Number Placeholder 4"/>
+          <p:cNvSpPr>
+            <a:spLocks noGrp="1"/>
+          </p:cNvSpPr>
+          <p:nvPr>
+            <p:ph type="sldNum" sz="quarter" idx="12"/>
+          </p:nvPr>
+        </p:nvSpPr>
+        <p:spPr/>
+        <p:txBody>
+          <a:bodyPr/>
+          <a:lstStyle/>
+          <a:p>
+            <a:fld id="{8DC966BA-83AE-4962-82F4-C3E6C28D279E}" type="slidenum">
+              <a:rPr lang="en-US" smtClean="0"/>
+              <a:t>21</a:t>
+            </a:fld>
+            <a:endParaRPr lang="en-US"/>
           </a:p>
         </p:txBody>
       </p:sp>
     </p:spTree>
     <p:extLst>
       <p:ext uri="{BB962C8B-B14F-4D97-AF65-F5344CB8AC3E}">
-        <p14:creationId xmlns:p14="http://schemas.microsoft.com/office/powerpoint/2010/main" val="1248476427"/>
+        <p14:creationId xmlns:p14="http://schemas.microsoft.com/office/powerpoint/2010/main" val="2176929393"/>
       </p:ext>
     </p:extLst>
   </p:cSld>
   <p:clrMapOvr>
     <a:masterClrMapping/>
   </p:clrMapOvr>
-  <p:timing>
-    <p:tnLst>
-      <p:par>
-        <p:cTn id="1" dur="indefinite" restart="never" nodeType="tmRoot"/>
-      </p:par>
-    </p:tnLst>
-  </p:timing>
 </p:sld>
 </file>
 
@@ -8459,14 +8789,9 @@
           <a:lstStyle/>
           <a:p>
             <a:r>
-              <a:rPr lang="en-US" dirty="0" smtClean="0"/>
-              <a:t>Spiral </a:t>
-            </a:r>
-            <a:r>
-              <a:rPr lang="en-US" dirty="0" smtClean="0"/>
-              <a:t>2</a:t>
-            </a:r>
-            <a:endParaRPr lang="en-US" dirty="0"/>
+              <a:rPr lang="en-US" dirty="0"/>
+              <a:t>Spiral 2</a:t>
+            </a:r>
           </a:p>
         </p:txBody>
       </p:sp>
@@ -8482,7 +8807,7 @@
         </p:nvSpPr>
         <p:spPr>
           <a:xfrm>
-            <a:off x="813347" y="2514600"/>
+            <a:off x="828436" y="2438400"/>
             <a:ext cx="6711654" cy="4195481"/>
           </a:xfrm>
         </p:spPr>
@@ -8493,22 +8818,15 @@
           <a:lstStyle/>
           <a:p>
             <a:r>
-              <a:rPr lang="en-US" dirty="0" smtClean="0"/>
-              <a:t>The implementation of a Tweet object was very beneficial to the execution of the rest of our application.</a:t>
-            </a:r>
-          </a:p>
-          <a:p>
-            <a:r>
-              <a:rPr lang="en-US" dirty="0" smtClean="0"/>
-              <a:t>We also realized that implementing an efficient and effective profanity filter isn’t feasible in our timeframe. </a:t>
-            </a:r>
-          </a:p>
-          <a:p>
-            <a:r>
-              <a:rPr lang="en-US" dirty="0" smtClean="0"/>
-              <a:t>With evolution of our profanity filter we needed a function to update profanity flags in the database.</a:t>
-            </a:r>
-            <a:endParaRPr lang="en-US" dirty="0"/>
+              <a:rPr lang="en-US" sz="2400" dirty="0"/>
+              <a:t>We utilized Eclipse’s Window Builder plug-in to create the User Interface we desired.</a:t>
+            </a:r>
+          </a:p>
+          <a:p>
+            <a:r>
+              <a:rPr lang="en-US" sz="2400" dirty="0"/>
+              <a:t>We created an array of profane words that we could iterate through and check for the presence of each word in the content of our tweets.</a:t>
+            </a:r>
           </a:p>
         </p:txBody>
       </p:sp>
@@ -8520,7 +8838,7 @@
         </p:nvSpPr>
         <p:spPr>
           <a:xfrm>
-            <a:off x="860142" y="1377819"/>
+            <a:off x="855615" y="1383100"/>
             <a:ext cx="5181600" cy="400110"/>
           </a:xfrm>
           <a:prstGeom prst="rect">
@@ -8535,7 +8853,7 @@
           <a:lstStyle/>
           <a:p>
             <a:r>
-              <a:rPr lang="en-US" sz="2000" dirty="0" smtClean="0">
+              <a:rPr lang="en-US" sz="2000" dirty="0">
                 <a:ln w="0"/>
                 <a:solidFill>
                   <a:schemeClr val="accent1"/>
@@ -8548,41 +8866,44 @@
                   </a:outerShdw>
                 </a:effectLst>
               </a:rPr>
-              <a:t>Evaluation</a:t>
-            </a:r>
-            <a:endParaRPr lang="en-US" sz="2000" dirty="0">
-              <a:ln w="0"/>
-              <a:solidFill>
-                <a:schemeClr val="accent1"/>
-              </a:solidFill>
-              <a:effectLst>
-                <a:outerShdw blurRad="38100" dist="25400" dir="5400000" algn="ctr" rotWithShape="0">
-                  <a:srgbClr val="6E747A">
-                    <a:alpha val="43000"/>
-                  </a:srgbClr>
-                </a:outerShdw>
-              </a:effectLst>
-            </a:endParaRPr>
+              <a:t>Implementation</a:t>
+            </a:r>
+          </a:p>
+        </p:txBody>
+      </p:sp>
+      <p:sp>
+        <p:nvSpPr>
+          <p:cNvPr id="5" name="Slide Number Placeholder 4"/>
+          <p:cNvSpPr>
+            <a:spLocks noGrp="1"/>
+          </p:cNvSpPr>
+          <p:nvPr>
+            <p:ph type="sldNum" sz="quarter" idx="12"/>
+          </p:nvPr>
+        </p:nvSpPr>
+        <p:spPr/>
+        <p:txBody>
+          <a:bodyPr/>
+          <a:lstStyle/>
+          <a:p>
+            <a:fld id="{8DC966BA-83AE-4962-82F4-C3E6C28D279E}" type="slidenum">
+              <a:rPr lang="en-US" smtClean="0"/>
+              <a:t>22</a:t>
+            </a:fld>
+            <a:endParaRPr lang="en-US"/>
           </a:p>
         </p:txBody>
       </p:sp>
     </p:spTree>
     <p:extLst>
       <p:ext uri="{BB962C8B-B14F-4D97-AF65-F5344CB8AC3E}">
-        <p14:creationId xmlns:p14="http://schemas.microsoft.com/office/powerpoint/2010/main" val="2674745970"/>
+        <p14:creationId xmlns:p14="http://schemas.microsoft.com/office/powerpoint/2010/main" val="1248476427"/>
       </p:ext>
     </p:extLst>
   </p:cSld>
   <p:clrMapOvr>
     <a:masterClrMapping/>
   </p:clrMapOvr>
-  <p:timing>
-    <p:tnLst>
-      <p:par>
-        <p:cTn id="1" dur="indefinite" restart="never" nodeType="tmRoot"/>
-      </p:par>
-    </p:tnLst>
-  </p:timing>
 </p:sld>
 </file>
 
@@ -8619,14 +8940,9 @@
           <a:lstStyle/>
           <a:p>
             <a:r>
-              <a:rPr lang="en-US" dirty="0" smtClean="0"/>
-              <a:t>Spiral </a:t>
-            </a:r>
-            <a:r>
               <a:rPr lang="en-US" dirty="0"/>
-              <a:t>3</a:t>
-            </a:r>
-            <a:endParaRPr lang="en-US" dirty="0"/>
+              <a:t>Spiral 2</a:t>
+            </a:r>
           </a:p>
         </p:txBody>
       </p:sp>
@@ -8653,16 +8969,21 @@
           <a:lstStyle/>
           <a:p>
             <a:r>
-              <a:rPr lang="en-US" sz="2400" dirty="0" smtClean="0"/>
-              <a:t>Generate a table of tweets from our search queries.</a:t>
-            </a:r>
-          </a:p>
-          <a:p>
-            <a:r>
-              <a:rPr lang="en-US" sz="2400" dirty="0" smtClean="0"/>
-              <a:t>Create a function to update profanity flags of tweets stored in the database.</a:t>
-            </a:r>
-            <a:endParaRPr lang="en-US" sz="2400" dirty="0"/>
+              <a:rPr lang="en-US" dirty="0"/>
+              <a:t>The implementation of a Tweet object was very beneficial to the execution of the rest of our application.</a:t>
+            </a:r>
+          </a:p>
+          <a:p>
+            <a:r>
+              <a:rPr lang="en-US" dirty="0"/>
+              <a:t>We also realized that implementing an efficient and effective profanity filter isn’t feasible in our timeframe. </a:t>
+            </a:r>
+          </a:p>
+          <a:p>
+            <a:r>
+              <a:rPr lang="en-US" dirty="0"/>
+              <a:t>With evolution of our profanity filter we needed a function to update profanity flags in the database.</a:t>
+            </a:r>
           </a:p>
         </p:txBody>
       </p:sp>
@@ -8689,7 +9010,7 @@
           <a:lstStyle/>
           <a:p>
             <a:r>
-              <a:rPr lang="en-US" sz="2000" dirty="0" smtClean="0">
+              <a:rPr lang="en-US" sz="2000" dirty="0">
                 <a:ln w="0"/>
                 <a:solidFill>
                   <a:schemeClr val="accent1"/>
@@ -8702,41 +9023,44 @@
                   </a:outerShdw>
                 </a:effectLst>
               </a:rPr>
-              <a:t>Requirements</a:t>
-            </a:r>
-            <a:endParaRPr lang="en-US" sz="2000" dirty="0">
-              <a:ln w="0"/>
-              <a:solidFill>
-                <a:schemeClr val="accent1"/>
-              </a:solidFill>
-              <a:effectLst>
-                <a:outerShdw blurRad="38100" dist="25400" dir="5400000" algn="ctr" rotWithShape="0">
-                  <a:srgbClr val="6E747A">
-                    <a:alpha val="43000"/>
-                  </a:srgbClr>
-                </a:outerShdw>
-              </a:effectLst>
-            </a:endParaRPr>
+              <a:t>Evaluation</a:t>
+            </a:r>
+          </a:p>
+        </p:txBody>
+      </p:sp>
+      <p:sp>
+        <p:nvSpPr>
+          <p:cNvPr id="5" name="Slide Number Placeholder 4"/>
+          <p:cNvSpPr>
+            <a:spLocks noGrp="1"/>
+          </p:cNvSpPr>
+          <p:nvPr>
+            <p:ph type="sldNum" sz="quarter" idx="12"/>
+          </p:nvPr>
+        </p:nvSpPr>
+        <p:spPr/>
+        <p:txBody>
+          <a:bodyPr/>
+          <a:lstStyle/>
+          <a:p>
+            <a:fld id="{8DC966BA-83AE-4962-82F4-C3E6C28D279E}" type="slidenum">
+              <a:rPr lang="en-US" smtClean="0"/>
+              <a:t>23</a:t>
+            </a:fld>
+            <a:endParaRPr lang="en-US"/>
           </a:p>
         </p:txBody>
       </p:sp>
     </p:spTree>
     <p:extLst>
       <p:ext uri="{BB962C8B-B14F-4D97-AF65-F5344CB8AC3E}">
-        <p14:creationId xmlns:p14="http://schemas.microsoft.com/office/powerpoint/2010/main" val="226324016"/>
+        <p14:creationId xmlns:p14="http://schemas.microsoft.com/office/powerpoint/2010/main" val="2674745970"/>
       </p:ext>
     </p:extLst>
   </p:cSld>
   <p:clrMapOvr>
     <a:masterClrMapping/>
   </p:clrMapOvr>
-  <p:timing>
-    <p:tnLst>
-      <p:par>
-        <p:cTn id="1" dur="indefinite" restart="never" nodeType="tmRoot"/>
-      </p:par>
-    </p:tnLst>
-  </p:timing>
 </p:sld>
 </file>
 
@@ -8773,14 +9097,9 @@
           <a:lstStyle/>
           <a:p>
             <a:r>
-              <a:rPr lang="en-US" dirty="0" smtClean="0"/>
-              <a:t>Spiral </a:t>
-            </a:r>
-            <a:r>
               <a:rPr lang="en-US" dirty="0"/>
-              <a:t>3</a:t>
-            </a:r>
-            <a:endParaRPr lang="en-US" dirty="0"/>
+              <a:t>Spiral 3</a:t>
+            </a:r>
           </a:p>
         </p:txBody>
       </p:sp>
@@ -8807,16 +9126,15 @@
           <a:lstStyle/>
           <a:p>
             <a:r>
-              <a:rPr lang="en-US" sz="2400" dirty="0" smtClean="0"/>
-              <a:t>We needed a dynamic table that could hold 0 – 100 tweets with resizable columns.</a:t>
-            </a:r>
-          </a:p>
-          <a:p>
-            <a:r>
-              <a:rPr lang="en-US" sz="2400" dirty="0" smtClean="0"/>
-              <a:t>The function used to update profanity flags needed to gather all tweets and check them against the most recent profanity filter.</a:t>
-            </a:r>
-            <a:endParaRPr lang="en-US" sz="2400" dirty="0"/>
+              <a:rPr lang="en-US" sz="2400" dirty="0"/>
+              <a:t>Generate a table of tweets from our search queries.</a:t>
+            </a:r>
+          </a:p>
+          <a:p>
+            <a:r>
+              <a:rPr lang="en-US" sz="2400" dirty="0"/>
+              <a:t>Create a function to update profanity flags of tweets stored in the database.</a:t>
+            </a:r>
           </a:p>
         </p:txBody>
       </p:sp>
@@ -8843,7 +9161,7 @@
           <a:lstStyle/>
           <a:p>
             <a:r>
-              <a:rPr lang="en-US" sz="2000" dirty="0" smtClean="0">
+              <a:rPr lang="en-US" sz="2000" dirty="0">
                 <a:ln w="0"/>
                 <a:solidFill>
                   <a:schemeClr val="accent1"/>
@@ -8856,41 +9174,44 @@
                   </a:outerShdw>
                 </a:effectLst>
               </a:rPr>
-              <a:t>Design</a:t>
-            </a:r>
-            <a:endParaRPr lang="en-US" sz="2000" dirty="0">
-              <a:ln w="0"/>
-              <a:solidFill>
-                <a:schemeClr val="accent1"/>
-              </a:solidFill>
-              <a:effectLst>
-                <a:outerShdw blurRad="38100" dist="25400" dir="5400000" algn="ctr" rotWithShape="0">
-                  <a:srgbClr val="6E747A">
-                    <a:alpha val="43000"/>
-                  </a:srgbClr>
-                </a:outerShdw>
-              </a:effectLst>
-            </a:endParaRPr>
+              <a:t>Requirements</a:t>
+            </a:r>
+          </a:p>
+        </p:txBody>
+      </p:sp>
+      <p:sp>
+        <p:nvSpPr>
+          <p:cNvPr id="5" name="Slide Number Placeholder 4"/>
+          <p:cNvSpPr>
+            <a:spLocks noGrp="1"/>
+          </p:cNvSpPr>
+          <p:nvPr>
+            <p:ph type="sldNum" sz="quarter" idx="12"/>
+          </p:nvPr>
+        </p:nvSpPr>
+        <p:spPr/>
+        <p:txBody>
+          <a:bodyPr/>
+          <a:lstStyle/>
+          <a:p>
+            <a:fld id="{8DC966BA-83AE-4962-82F4-C3E6C28D279E}" type="slidenum">
+              <a:rPr lang="en-US" smtClean="0"/>
+              <a:t>24</a:t>
+            </a:fld>
+            <a:endParaRPr lang="en-US"/>
           </a:p>
         </p:txBody>
       </p:sp>
     </p:spTree>
     <p:extLst>
       <p:ext uri="{BB962C8B-B14F-4D97-AF65-F5344CB8AC3E}">
-        <p14:creationId xmlns:p14="http://schemas.microsoft.com/office/powerpoint/2010/main" val="776152960"/>
+        <p14:creationId xmlns:p14="http://schemas.microsoft.com/office/powerpoint/2010/main" val="226324016"/>
       </p:ext>
     </p:extLst>
   </p:cSld>
   <p:clrMapOvr>
     <a:masterClrMapping/>
   </p:clrMapOvr>
-  <p:timing>
-    <p:tnLst>
-      <p:par>
-        <p:cTn id="1" dur="indefinite" restart="never" nodeType="tmRoot"/>
-      </p:par>
-    </p:tnLst>
-  </p:timing>
 </p:sld>
 </file>
 
@@ -8927,14 +9248,9 @@
           <a:lstStyle/>
           <a:p>
             <a:r>
-              <a:rPr lang="en-US" dirty="0" smtClean="0"/>
-              <a:t>Spiral </a:t>
-            </a:r>
-            <a:r>
               <a:rPr lang="en-US" dirty="0"/>
-              <a:t>3</a:t>
-            </a:r>
-            <a:endParaRPr lang="en-US" dirty="0"/>
+              <a:t>Spiral 3</a:t>
+            </a:r>
           </a:p>
         </p:txBody>
       </p:sp>
@@ -8961,16 +9277,14 @@
           <a:lstStyle/>
           <a:p>
             <a:r>
-              <a:rPr lang="en-US" sz="2400" dirty="0" smtClean="0"/>
-              <a:t>We used a </a:t>
-            </a:r>
-            <a:r>
-              <a:rPr lang="en-US" sz="2400" dirty="0" err="1" smtClean="0"/>
-              <a:t>Jtable</a:t>
-            </a:r>
-            <a:r>
-              <a:rPr lang="en-US" sz="2400" dirty="0" smtClean="0"/>
-              <a:t> within a scroll pane to generate a dynamic table that also had resizing functionality.</a:t>
+              <a:rPr lang="en-US" sz="2400" dirty="0"/>
+              <a:t>We needed a dynamic table that could hold 0 – 100 tweets with resizable columns.</a:t>
+            </a:r>
+          </a:p>
+          <a:p>
+            <a:r>
+              <a:rPr lang="en-US" sz="2400" dirty="0"/>
+              <a:t>The function used to update profanity flags needed to gather all tweets and check them against the most recent profanity filter.</a:t>
             </a:r>
           </a:p>
         </p:txBody>
@@ -8998,7 +9312,7 @@
           <a:lstStyle/>
           <a:p>
             <a:r>
-              <a:rPr lang="en-US" sz="2000" dirty="0" smtClean="0">
+              <a:rPr lang="en-US" sz="2000" dirty="0">
                 <a:ln w="0"/>
                 <a:solidFill>
                   <a:schemeClr val="accent1"/>
@@ -9011,41 +9325,44 @@
                   </a:outerShdw>
                 </a:effectLst>
               </a:rPr>
-              <a:t>Implementation</a:t>
-            </a:r>
-            <a:endParaRPr lang="en-US" sz="2000" dirty="0">
-              <a:ln w="0"/>
-              <a:solidFill>
-                <a:schemeClr val="accent1"/>
-              </a:solidFill>
-              <a:effectLst>
-                <a:outerShdw blurRad="38100" dist="25400" dir="5400000" algn="ctr" rotWithShape="0">
-                  <a:srgbClr val="6E747A">
-                    <a:alpha val="43000"/>
-                  </a:srgbClr>
-                </a:outerShdw>
-              </a:effectLst>
-            </a:endParaRPr>
+              <a:t>Design</a:t>
+            </a:r>
+          </a:p>
+        </p:txBody>
+      </p:sp>
+      <p:sp>
+        <p:nvSpPr>
+          <p:cNvPr id="5" name="Slide Number Placeholder 4"/>
+          <p:cNvSpPr>
+            <a:spLocks noGrp="1"/>
+          </p:cNvSpPr>
+          <p:nvPr>
+            <p:ph type="sldNum" sz="quarter" idx="12"/>
+          </p:nvPr>
+        </p:nvSpPr>
+        <p:spPr/>
+        <p:txBody>
+          <a:bodyPr/>
+          <a:lstStyle/>
+          <a:p>
+            <a:fld id="{8DC966BA-83AE-4962-82F4-C3E6C28D279E}" type="slidenum">
+              <a:rPr lang="en-US" smtClean="0"/>
+              <a:t>25</a:t>
+            </a:fld>
+            <a:endParaRPr lang="en-US"/>
           </a:p>
         </p:txBody>
       </p:sp>
     </p:spTree>
     <p:extLst>
       <p:ext uri="{BB962C8B-B14F-4D97-AF65-F5344CB8AC3E}">
-        <p14:creationId xmlns:p14="http://schemas.microsoft.com/office/powerpoint/2010/main" val="1433099088"/>
+        <p14:creationId xmlns:p14="http://schemas.microsoft.com/office/powerpoint/2010/main" val="776152960"/>
       </p:ext>
     </p:extLst>
   </p:cSld>
   <p:clrMapOvr>
     <a:masterClrMapping/>
   </p:clrMapOvr>
-  <p:timing>
-    <p:tnLst>
-      <p:par>
-        <p:cTn id="1" dur="indefinite" restart="never" nodeType="tmRoot"/>
-      </p:par>
-    </p:tnLst>
-  </p:timing>
 </p:sld>
 </file>
 
@@ -9082,14 +9399,9 @@
           <a:lstStyle/>
           <a:p>
             <a:r>
-              <a:rPr lang="en-US" dirty="0" smtClean="0"/>
-              <a:t>Spiral </a:t>
-            </a:r>
-            <a:r>
               <a:rPr lang="en-US" dirty="0"/>
-              <a:t>3</a:t>
-            </a:r>
-            <a:endParaRPr lang="en-US" dirty="0"/>
+              <a:t>Spiral 3</a:t>
+            </a:r>
           </a:p>
         </p:txBody>
       </p:sp>
@@ -9116,12 +9428,17 @@
           <a:lstStyle/>
           <a:p>
             <a:r>
-              <a:rPr lang="en-US" sz="2400" dirty="0" smtClean="0"/>
-              <a:t>Updating all tweets stored in database is a cumbersome process and needed a more efficient implementation.</a:t>
-            </a:r>
-          </a:p>
-          <a:p>
-            <a:endParaRPr lang="en-US" sz="2400" dirty="0" smtClean="0"/>
+              <a:rPr lang="en-US" sz="2400" dirty="0"/>
+              <a:t>We used a </a:t>
+            </a:r>
+            <a:r>
+              <a:rPr lang="en-US" sz="2400" dirty="0" err="1"/>
+              <a:t>Jtable</a:t>
+            </a:r>
+            <a:r>
+              <a:rPr lang="en-US" sz="2400" dirty="0"/>
+              <a:t> within a scroll pane to generate a dynamic table that also had resizing functionality.</a:t>
+            </a:r>
           </a:p>
         </p:txBody>
       </p:sp>
@@ -9148,7 +9465,7 @@
           <a:lstStyle/>
           <a:p>
             <a:r>
-              <a:rPr lang="en-US" sz="2000" dirty="0" smtClean="0">
+              <a:rPr lang="en-US" sz="2000" dirty="0">
                 <a:ln w="0"/>
                 <a:solidFill>
                   <a:schemeClr val="accent1"/>
@@ -9161,41 +9478,44 @@
                   </a:outerShdw>
                 </a:effectLst>
               </a:rPr>
-              <a:t>Evaluation</a:t>
-            </a:r>
-            <a:endParaRPr lang="en-US" sz="2000" dirty="0">
-              <a:ln w="0"/>
-              <a:solidFill>
-                <a:schemeClr val="accent1"/>
-              </a:solidFill>
-              <a:effectLst>
-                <a:outerShdw blurRad="38100" dist="25400" dir="5400000" algn="ctr" rotWithShape="0">
-                  <a:srgbClr val="6E747A">
-                    <a:alpha val="43000"/>
-                  </a:srgbClr>
-                </a:outerShdw>
-              </a:effectLst>
-            </a:endParaRPr>
+              <a:t>Implementation</a:t>
+            </a:r>
+          </a:p>
+        </p:txBody>
+      </p:sp>
+      <p:sp>
+        <p:nvSpPr>
+          <p:cNvPr id="5" name="Slide Number Placeholder 4"/>
+          <p:cNvSpPr>
+            <a:spLocks noGrp="1"/>
+          </p:cNvSpPr>
+          <p:nvPr>
+            <p:ph type="sldNum" sz="quarter" idx="12"/>
+          </p:nvPr>
+        </p:nvSpPr>
+        <p:spPr/>
+        <p:txBody>
+          <a:bodyPr/>
+          <a:lstStyle/>
+          <a:p>
+            <a:fld id="{8DC966BA-83AE-4962-82F4-C3E6C28D279E}" type="slidenum">
+              <a:rPr lang="en-US" smtClean="0"/>
+              <a:t>26</a:t>
+            </a:fld>
+            <a:endParaRPr lang="en-US"/>
           </a:p>
         </p:txBody>
       </p:sp>
     </p:spTree>
     <p:extLst>
       <p:ext uri="{BB962C8B-B14F-4D97-AF65-F5344CB8AC3E}">
-        <p14:creationId xmlns:p14="http://schemas.microsoft.com/office/powerpoint/2010/main" val="2967023163"/>
+        <p14:creationId xmlns:p14="http://schemas.microsoft.com/office/powerpoint/2010/main" val="1433099088"/>
       </p:ext>
     </p:extLst>
   </p:cSld>
   <p:clrMapOvr>
     <a:masterClrMapping/>
   </p:clrMapOvr>
-  <p:timing>
-    <p:tnLst>
-      <p:par>
-        <p:cTn id="1" dur="indefinite" restart="never" nodeType="tmRoot"/>
-      </p:par>
-    </p:tnLst>
-  </p:timing>
 </p:sld>
 </file>
 
@@ -9232,10 +9552,9 @@
           <a:lstStyle/>
           <a:p>
             <a:r>
-              <a:rPr lang="en-US" dirty="0" smtClean="0"/>
-              <a:t>Moving Forward</a:t>
-            </a:r>
-            <a:endParaRPr lang="en-US" dirty="0"/>
+              <a:rPr lang="en-US" dirty="0"/>
+              <a:t>Spiral 3</a:t>
+            </a:r>
           </a:p>
         </p:txBody>
       </p:sp>
@@ -9251,8 +9570,8 @@
         </p:nvSpPr>
         <p:spPr>
           <a:xfrm>
-            <a:off x="828436" y="1853248"/>
-            <a:ext cx="6711654" cy="4323433"/>
+            <a:off x="813347" y="2514600"/>
+            <a:ext cx="6711654" cy="4195481"/>
           </a:xfrm>
         </p:spPr>
         <p:txBody>
@@ -9262,56 +9581,89 @@
           <a:lstStyle/>
           <a:p>
             <a:r>
-              <a:rPr lang="en-US" sz="2400" dirty="0" smtClean="0"/>
-              <a:t>Add search by date functionality.</a:t>
-            </a:r>
-          </a:p>
-          <a:p>
-            <a:r>
-              <a:rPr lang="en-US" sz="2400" dirty="0" smtClean="0"/>
-              <a:t>Implement and update function to periodically update all stored tweets retweet and favorite counts.</a:t>
-            </a:r>
-          </a:p>
-          <a:p>
-            <a:r>
-              <a:rPr lang="en-US" sz="2400" dirty="0" smtClean="0"/>
-              <a:t>Implement a function to check whether stored tweets are still active.</a:t>
-            </a:r>
-          </a:p>
-          <a:p>
-            <a:r>
-              <a:rPr lang="en-US" sz="2400" dirty="0" smtClean="0"/>
-              <a:t>Add more analyzation and visualization tools.</a:t>
-            </a:r>
-          </a:p>
-          <a:p>
-            <a:r>
-              <a:rPr lang="en-US" sz="2400" dirty="0" smtClean="0"/>
-              <a:t>Add a function to periodically collect data.</a:t>
-            </a:r>
-          </a:p>
-          <a:p>
-            <a:endParaRPr lang="en-US" sz="2400" dirty="0" smtClean="0"/>
+              <a:rPr lang="en-US" sz="2400" dirty="0"/>
+              <a:t>Updating all tweets stored in database is a cumbersome process and needed a more efficient implementation.</a:t>
+            </a:r>
+          </a:p>
+          <a:p>
+            <a:endParaRPr lang="en-US" sz="2400" dirty="0"/>
+          </a:p>
+        </p:txBody>
+      </p:sp>
+      <p:sp>
+        <p:nvSpPr>
+          <p:cNvPr id="4" name="TextBox 3"/>
+          <p:cNvSpPr txBox="1"/>
+          <p:nvPr/>
+        </p:nvSpPr>
+        <p:spPr>
+          <a:xfrm>
+            <a:off x="860142" y="1377819"/>
+            <a:ext cx="5181600" cy="400110"/>
+          </a:xfrm>
+          <a:prstGeom prst="rect">
+            <a:avLst/>
+          </a:prstGeom>
+          <a:noFill/>
+        </p:spPr>
+        <p:txBody>
+          <a:bodyPr wrap="square" rtlCol="0">
+            <a:spAutoFit/>
+          </a:bodyPr>
+          <a:lstStyle/>
+          <a:p>
+            <a:r>
+              <a:rPr lang="en-US" sz="2000" dirty="0">
+                <a:ln w="0"/>
+                <a:solidFill>
+                  <a:schemeClr val="accent1"/>
+                </a:solidFill>
+                <a:effectLst>
+                  <a:outerShdw blurRad="38100" dist="25400" dir="5400000" algn="ctr" rotWithShape="0">
+                    <a:srgbClr val="6E747A">
+                      <a:alpha val="43000"/>
+                    </a:srgbClr>
+                  </a:outerShdw>
+                </a:effectLst>
+              </a:rPr>
+              <a:t>Evaluation</a:t>
+            </a:r>
+          </a:p>
+        </p:txBody>
+      </p:sp>
+      <p:sp>
+        <p:nvSpPr>
+          <p:cNvPr id="5" name="Slide Number Placeholder 4"/>
+          <p:cNvSpPr>
+            <a:spLocks noGrp="1"/>
+          </p:cNvSpPr>
+          <p:nvPr>
+            <p:ph type="sldNum" sz="quarter" idx="12"/>
+          </p:nvPr>
+        </p:nvSpPr>
+        <p:spPr/>
+        <p:txBody>
+          <a:bodyPr/>
+          <a:lstStyle/>
+          <a:p>
+            <a:fld id="{8DC966BA-83AE-4962-82F4-C3E6C28D279E}" type="slidenum">
+              <a:rPr lang="en-US" smtClean="0"/>
+              <a:t>27</a:t>
+            </a:fld>
+            <a:endParaRPr lang="en-US"/>
           </a:p>
         </p:txBody>
       </p:sp>
     </p:spTree>
     <p:extLst>
       <p:ext uri="{BB962C8B-B14F-4D97-AF65-F5344CB8AC3E}">
-        <p14:creationId xmlns:p14="http://schemas.microsoft.com/office/powerpoint/2010/main" val="3242697235"/>
+        <p14:creationId xmlns:p14="http://schemas.microsoft.com/office/powerpoint/2010/main" val="2967023163"/>
       </p:ext>
     </p:extLst>
   </p:cSld>
   <p:clrMapOvr>
     <a:masterClrMapping/>
   </p:clrMapOvr>
-  <p:timing>
-    <p:tnLst>
-      <p:par>
-        <p:cTn id="1" dur="indefinite" restart="never" nodeType="tmRoot"/>
-      </p:par>
-    </p:tnLst>
-  </p:timing>
 </p:sld>
 </file>
 
@@ -9342,6 +9694,137 @@
             <p:ph type="title"/>
           </p:nvPr>
         </p:nvSpPr>
+        <p:spPr/>
+        <p:txBody>
+          <a:bodyPr/>
+          <a:lstStyle/>
+          <a:p>
+            <a:r>
+              <a:rPr lang="en-US" dirty="0"/>
+              <a:t>Moving Forward</a:t>
+            </a:r>
+          </a:p>
+        </p:txBody>
+      </p:sp>
+      <p:sp>
+        <p:nvSpPr>
+          <p:cNvPr id="3" name="Content Placeholder 2"/>
+          <p:cNvSpPr>
+            <a:spLocks noGrp="1"/>
+          </p:cNvSpPr>
+          <p:nvPr>
+            <p:ph idx="1"/>
+          </p:nvPr>
+        </p:nvSpPr>
+        <p:spPr>
+          <a:xfrm>
+            <a:off x="828436" y="1853248"/>
+            <a:ext cx="6711654" cy="4323433"/>
+          </a:xfrm>
+        </p:spPr>
+        <p:txBody>
+          <a:bodyPr>
+            <a:normAutofit/>
+          </a:bodyPr>
+          <a:lstStyle/>
+          <a:p>
+            <a:r>
+              <a:rPr lang="en-US" sz="2400" dirty="0"/>
+              <a:t>Add search by date functionality.</a:t>
+            </a:r>
+          </a:p>
+          <a:p>
+            <a:r>
+              <a:rPr lang="en-US" sz="2400" dirty="0"/>
+              <a:t>Implement and update function to periodically update all stored tweets retweet and favorite counts.</a:t>
+            </a:r>
+          </a:p>
+          <a:p>
+            <a:r>
+              <a:rPr lang="en-US" sz="2400" dirty="0"/>
+              <a:t>Implement a function to check whether stored tweets are still active.</a:t>
+            </a:r>
+          </a:p>
+          <a:p>
+            <a:r>
+              <a:rPr lang="en-US" sz="2400" dirty="0"/>
+              <a:t>Add more analyzation and visualization tools.</a:t>
+            </a:r>
+          </a:p>
+          <a:p>
+            <a:r>
+              <a:rPr lang="en-US" sz="2400" dirty="0"/>
+              <a:t>Add a function to periodically collect data.</a:t>
+            </a:r>
+          </a:p>
+          <a:p>
+            <a:endParaRPr lang="en-US" sz="2400" dirty="0"/>
+          </a:p>
+        </p:txBody>
+      </p:sp>
+      <p:sp>
+        <p:nvSpPr>
+          <p:cNvPr id="4" name="Slide Number Placeholder 3"/>
+          <p:cNvSpPr>
+            <a:spLocks noGrp="1"/>
+          </p:cNvSpPr>
+          <p:nvPr>
+            <p:ph type="sldNum" sz="quarter" idx="12"/>
+          </p:nvPr>
+        </p:nvSpPr>
+        <p:spPr/>
+        <p:txBody>
+          <a:bodyPr/>
+          <a:lstStyle/>
+          <a:p>
+            <a:fld id="{8DC966BA-83AE-4962-82F4-C3E6C28D279E}" type="slidenum">
+              <a:rPr lang="en-US" smtClean="0"/>
+              <a:t>28</a:t>
+            </a:fld>
+            <a:endParaRPr lang="en-US"/>
+          </a:p>
+        </p:txBody>
+      </p:sp>
+    </p:spTree>
+    <p:extLst>
+      <p:ext uri="{BB962C8B-B14F-4D97-AF65-F5344CB8AC3E}">
+        <p14:creationId xmlns:p14="http://schemas.microsoft.com/office/powerpoint/2010/main" val="3242697235"/>
+      </p:ext>
+    </p:extLst>
+  </p:cSld>
+  <p:clrMapOvr>
+    <a:masterClrMapping/>
+  </p:clrMapOvr>
+</p:sld>
+</file>
+
+<file path=ppt/slides/slide29.xml><?xml version="1.0" encoding="utf-8"?>
+<p:sld xmlns:a="http://schemas.openxmlformats.org/drawingml/2006/main" xmlns:r="http://schemas.openxmlformats.org/officeDocument/2006/relationships" xmlns:p="http://schemas.openxmlformats.org/presentationml/2006/main">
+  <p:cSld>
+    <p:spTree>
+      <p:nvGrpSpPr>
+        <p:cNvPr id="1" name=""/>
+        <p:cNvGrpSpPr/>
+        <p:nvPr/>
+      </p:nvGrpSpPr>
+      <p:grpSpPr>
+        <a:xfrm>
+          <a:off x="0" y="0"/>
+          <a:ext cx="0" cy="0"/>
+          <a:chOff x="0" y="0"/>
+          <a:chExt cx="0" cy="0"/>
+        </a:xfrm>
+      </p:grpSpPr>
+      <p:sp>
+        <p:nvSpPr>
+          <p:cNvPr id="2" name="Title 1"/>
+          <p:cNvSpPr>
+            <a:spLocks noGrp="1"/>
+          </p:cNvSpPr>
+          <p:nvPr>
+            <p:ph type="title"/>
+          </p:nvPr>
+        </p:nvSpPr>
         <p:spPr>
           <a:xfrm>
             <a:off x="1143000" y="2286000"/>
@@ -9354,10 +9837,9 @@
           <a:p>
             <a:pPr algn="ctr"/>
             <a:r>
-              <a:rPr lang="en-US" sz="13800" dirty="0" smtClean="0"/>
+              <a:rPr lang="en-US" sz="13800" dirty="0"/>
               <a:t>DEMO</a:t>
             </a:r>
-            <a:endParaRPr lang="en-US" sz="13800" dirty="0"/>
           </a:p>
         </p:txBody>
       </p:sp>
@@ -9376,6 +9858,29 @@
           <a:bodyPr/>
           <a:lstStyle/>
           <a:p>
+            <a:endParaRPr lang="en-US"/>
+          </a:p>
+        </p:txBody>
+      </p:sp>
+      <p:sp>
+        <p:nvSpPr>
+          <p:cNvPr id="4" name="Slide Number Placeholder 3"/>
+          <p:cNvSpPr>
+            <a:spLocks noGrp="1"/>
+          </p:cNvSpPr>
+          <p:nvPr>
+            <p:ph type="sldNum" sz="quarter" idx="12"/>
+          </p:nvPr>
+        </p:nvSpPr>
+        <p:spPr/>
+        <p:txBody>
+          <a:bodyPr/>
+          <a:lstStyle/>
+          <a:p>
+            <a:fld id="{8DC966BA-83AE-4962-82F4-C3E6C28D279E}" type="slidenum">
+              <a:rPr lang="en-US" smtClean="0"/>
+              <a:t>29</a:t>
+            </a:fld>
             <a:endParaRPr lang="en-US"/>
           </a:p>
         </p:txBody>
@@ -9390,13 +9895,6 @@
   <p:clrMapOvr>
     <a:masterClrMapping/>
   </p:clrMapOvr>
-  <p:timing>
-    <p:tnLst>
-      <p:par>
-        <p:cTn id="1" dur="indefinite" restart="never" nodeType="tmRoot"/>
-      </p:par>
-    </p:tnLst>
-  </p:timing>
 </p:sld>
 </file>
 
@@ -9427,16 +9925,143 @@
             <p:ph type="title"/>
           </p:nvPr>
         </p:nvSpPr>
+        <p:spPr>
+          <a:xfrm>
+            <a:off x="484710" y="533400"/>
+            <a:ext cx="7055380" cy="1400530"/>
+          </a:xfrm>
+        </p:spPr>
+        <p:txBody>
+          <a:bodyPr/>
+          <a:lstStyle/>
+          <a:p>
+            <a:r>
+              <a:rPr lang="en-US" dirty="0"/>
+              <a:t>Project Overview</a:t>
+            </a:r>
+          </a:p>
+        </p:txBody>
+      </p:sp>
+      <p:sp>
+        <p:nvSpPr>
+          <p:cNvPr id="3" name="Content Placeholder 2"/>
+          <p:cNvSpPr>
+            <a:spLocks noGrp="1"/>
+          </p:cNvSpPr>
+          <p:nvPr>
+            <p:ph idx="1"/>
+          </p:nvPr>
+        </p:nvSpPr>
+        <p:spPr>
+          <a:xfrm>
+            <a:off x="828436" y="2057400"/>
+            <a:ext cx="6711654" cy="4195481"/>
+          </a:xfrm>
+        </p:spPr>
+        <p:txBody>
+          <a:bodyPr/>
+          <a:lstStyle/>
+          <a:p>
+            <a:r>
+              <a:rPr lang="en-US" sz="2200" dirty="0"/>
+              <a:t>Search for tweets and store into our database.</a:t>
+            </a:r>
+          </a:p>
+          <a:p>
+            <a:r>
+              <a:rPr lang="en-US" sz="2200" dirty="0"/>
+              <a:t>Our projected user base is businesses or individuals that desire to improve their social media presence.</a:t>
+            </a:r>
+          </a:p>
+          <a:p>
+            <a:r>
+              <a:rPr lang="en-US" sz="2200" dirty="0"/>
+              <a:t>We will accomplish this by providing a platform for them to analyze their own Twitter usage and trends in consumer interests.</a:t>
+            </a:r>
+          </a:p>
+          <a:p>
+            <a:pPr marL="0" indent="0">
+              <a:buNone/>
+            </a:pPr>
+            <a:endParaRPr lang="en-US" dirty="0"/>
+          </a:p>
+          <a:p>
+            <a:endParaRPr lang="en-US" dirty="0"/>
+          </a:p>
+        </p:txBody>
+      </p:sp>
+      <p:sp>
+        <p:nvSpPr>
+          <p:cNvPr id="4" name="Slide Number Placeholder 3"/>
+          <p:cNvSpPr>
+            <a:spLocks noGrp="1"/>
+          </p:cNvSpPr>
+          <p:nvPr>
+            <p:ph type="sldNum" sz="quarter" idx="12"/>
+          </p:nvPr>
+        </p:nvSpPr>
         <p:spPr/>
         <p:txBody>
           <a:bodyPr/>
           <a:lstStyle/>
           <a:p>
-            <a:r>
-              <a:rPr lang="en-US" dirty="0" smtClean="0"/>
+            <a:fld id="{8DC966BA-83AE-4962-82F4-C3E6C28D279E}" type="slidenum">
+              <a:rPr lang="en-US" smtClean="0"/>
+              <a:t>3</a:t>
+            </a:fld>
+            <a:endParaRPr lang="en-US"/>
+          </a:p>
+        </p:txBody>
+      </p:sp>
+    </p:spTree>
+    <p:extLst>
+      <p:ext uri="{BB962C8B-B14F-4D97-AF65-F5344CB8AC3E}">
+        <p14:creationId xmlns:p14="http://schemas.microsoft.com/office/powerpoint/2010/main" val="4272061366"/>
+      </p:ext>
+    </p:extLst>
+  </p:cSld>
+  <p:clrMapOvr>
+    <a:masterClrMapping/>
+  </p:clrMapOvr>
+</p:sld>
+</file>
+
+<file path=ppt/slides/slide4.xml><?xml version="1.0" encoding="utf-8"?>
+<p:sld xmlns:a="http://schemas.openxmlformats.org/drawingml/2006/main" xmlns:r="http://schemas.openxmlformats.org/officeDocument/2006/relationships" xmlns:p="http://schemas.openxmlformats.org/presentationml/2006/main">
+  <p:cSld>
+    <p:spTree>
+      <p:nvGrpSpPr>
+        <p:cNvPr id="1" name=""/>
+        <p:cNvGrpSpPr/>
+        <p:nvPr/>
+      </p:nvGrpSpPr>
+      <p:grpSpPr>
+        <a:xfrm>
+          <a:off x="0" y="0"/>
+          <a:ext cx="0" cy="0"/>
+          <a:chOff x="0" y="0"/>
+          <a:chExt cx="0" cy="0"/>
+        </a:xfrm>
+      </p:grpSpPr>
+      <p:sp>
+        <p:nvSpPr>
+          <p:cNvPr id="2" name="Title 1"/>
+          <p:cNvSpPr>
+            <a:spLocks noGrp="1"/>
+          </p:cNvSpPr>
+          <p:nvPr>
+            <p:ph type="title"/>
+          </p:nvPr>
+        </p:nvSpPr>
+        <p:spPr/>
+        <p:txBody>
+          <a:bodyPr/>
+          <a:lstStyle/>
+          <a:p>
+            <a:r>
+              <a:rPr lang="en-US" dirty="0"/>
               <a:t>Use Case Diagram</a:t>
             </a:r>
-            <a:endParaRPr lang="en-US" dirty="0"/>
           </a:p>
         </p:txBody>
       </p:sp>
@@ -9470,6 +10095,29 @@
           </a:prstGeom>
         </p:spPr>
       </p:pic>
+      <p:sp>
+        <p:nvSpPr>
+          <p:cNvPr id="4" name="Slide Number Placeholder 3"/>
+          <p:cNvSpPr>
+            <a:spLocks noGrp="1"/>
+          </p:cNvSpPr>
+          <p:nvPr>
+            <p:ph type="sldNum" sz="quarter" idx="12"/>
+          </p:nvPr>
+        </p:nvSpPr>
+        <p:spPr/>
+        <p:txBody>
+          <a:bodyPr/>
+          <a:lstStyle/>
+          <a:p>
+            <a:fld id="{8DC966BA-83AE-4962-82F4-C3E6C28D279E}" type="slidenum">
+              <a:rPr lang="en-US" smtClean="0"/>
+              <a:t>4</a:t>
+            </a:fld>
+            <a:endParaRPr lang="en-US"/>
+          </a:p>
+        </p:txBody>
+      </p:sp>
     </p:spTree>
     <p:extLst>
       <p:ext uri="{BB962C8B-B14F-4D97-AF65-F5344CB8AC3E}">
@@ -9480,17 +10128,10 @@
   <p:clrMapOvr>
     <a:masterClrMapping/>
   </p:clrMapOvr>
-  <p:timing>
-    <p:tnLst>
-      <p:par>
-        <p:cTn id="1" dur="indefinite" restart="never" nodeType="tmRoot"/>
-      </p:par>
-    </p:tnLst>
-  </p:timing>
 </p:sld>
 </file>
 
-<file path=ppt/slides/slide4.xml><?xml version="1.0" encoding="utf-8"?>
+<file path=ppt/slides/slide5.xml><?xml version="1.0" encoding="utf-8"?>
 <p:sld xmlns:a="http://schemas.openxmlformats.org/drawingml/2006/main" xmlns:r="http://schemas.openxmlformats.org/officeDocument/2006/relationships" xmlns:p="http://schemas.openxmlformats.org/presentationml/2006/main">
   <p:cSld>
     <p:spTree>
@@ -9523,10 +10164,9 @@
           <a:lstStyle/>
           <a:p>
             <a:r>
-              <a:rPr lang="en-US" dirty="0" smtClean="0"/>
+              <a:rPr lang="en-US" dirty="0"/>
               <a:t>Sequence Diagram</a:t>
             </a:r>
-            <a:endParaRPr lang="en-US" dirty="0"/>
           </a:p>
         </p:txBody>
       </p:sp>
@@ -9559,6 +10199,29 @@
           </a:prstGeom>
         </p:spPr>
       </p:pic>
+      <p:sp>
+        <p:nvSpPr>
+          <p:cNvPr id="4" name="Slide Number Placeholder 3"/>
+          <p:cNvSpPr>
+            <a:spLocks noGrp="1"/>
+          </p:cNvSpPr>
+          <p:nvPr>
+            <p:ph type="sldNum" sz="quarter" idx="12"/>
+          </p:nvPr>
+        </p:nvSpPr>
+        <p:spPr/>
+        <p:txBody>
+          <a:bodyPr/>
+          <a:lstStyle/>
+          <a:p>
+            <a:fld id="{8DC966BA-83AE-4962-82F4-C3E6C28D279E}" type="slidenum">
+              <a:rPr lang="en-US" smtClean="0"/>
+              <a:t>5</a:t>
+            </a:fld>
+            <a:endParaRPr lang="en-US"/>
+          </a:p>
+        </p:txBody>
+      </p:sp>
     </p:spTree>
     <p:extLst>
       <p:ext uri="{BB962C8B-B14F-4D97-AF65-F5344CB8AC3E}">
@@ -9569,17 +10232,10 @@
   <p:clrMapOvr>
     <a:masterClrMapping/>
   </p:clrMapOvr>
-  <p:timing>
-    <p:tnLst>
-      <p:par>
-        <p:cTn id="1" dur="indefinite" restart="never" nodeType="tmRoot"/>
-      </p:par>
-    </p:tnLst>
-  </p:timing>
 </p:sld>
 </file>
 
-<file path=ppt/slides/slide5.xml><?xml version="1.0" encoding="utf-8"?>
+<file path=ppt/slides/slide6.xml><?xml version="1.0" encoding="utf-8"?>
 <p:sld xmlns:a="http://schemas.openxmlformats.org/drawingml/2006/main" xmlns:r="http://schemas.openxmlformats.org/officeDocument/2006/relationships" xmlns:p="http://schemas.openxmlformats.org/presentationml/2006/main">
   <p:cSld>
     <p:spTree>
@@ -9617,10 +10273,9 @@
           <a:lstStyle/>
           <a:p>
             <a:r>
-              <a:rPr lang="en-US" dirty="0" smtClean="0"/>
+              <a:rPr lang="en-US" dirty="0"/>
               <a:t>Spiral Design Methodology</a:t>
             </a:r>
-            <a:endParaRPr lang="en-US" dirty="0"/>
           </a:p>
         </p:txBody>
       </p:sp>
@@ -9633,14 +10288,14 @@
           <p:nvPr>
             <p:extLst>
               <p:ext uri="{D42A27DB-BD31-4B8C-83A1-F6EECF244321}">
-                <p14:modId xmlns:p14="http://schemas.microsoft.com/office/powerpoint/2010/main" val="2841872613"/>
+                <p14:modId xmlns:p14="http://schemas.microsoft.com/office/powerpoint/2010/main" val="4028712884"/>
               </p:ext>
             </p:extLst>
           </p:nvPr>
         </p:nvGraphicFramePr>
         <p:xfrm>
           <a:off x="914400" y="1905000"/>
-          <a:ext cx="7315202" cy="3866058"/>
+          <a:ext cx="7315202" cy="3708756"/>
         </p:xfrm>
         <a:graphic>
           <a:graphicData uri="http://schemas.openxmlformats.org/drawingml/2006/table">
@@ -9670,7 +10325,7 @@
                     <a:bodyPr/>
                     <a:lstStyle/>
                     <a:p>
-                      <a:pPr marL="0" marR="0" indent="0" algn="l" defTabSz="457200" rtl="0" eaLnBrk="1" fontAlgn="auto" latinLnBrk="0" hangingPunct="1">
+                      <a:pPr marL="0" marR="0" indent="0" algn="ctr" defTabSz="457200" rtl="0" eaLnBrk="1" fontAlgn="auto" latinLnBrk="0" hangingPunct="1">
                         <a:lnSpc>
                           <a:spcPct val="100000"/>
                         </a:lnSpc>
@@ -9688,22 +10343,23 @@
                         <a:defRPr/>
                       </a:pPr>
                       <a:r>
-                        <a:rPr lang="en-US" dirty="0" smtClean="0"/>
+                        <a:rPr lang="en-US" dirty="0"/>
                         <a:t>Pros</a:t>
                       </a:r>
                     </a:p>
                     <a:p>
+                      <a:pPr algn="ctr"/>
                       <a:endParaRPr lang="en-US" dirty="0"/>
                     </a:p>
                   </a:txBody>
-                  <a:tcPr/>
+                  <a:tcPr anchor="ctr"/>
                 </a:tc>
                 <a:tc>
                   <a:txBody>
                     <a:bodyPr/>
                     <a:lstStyle/>
                     <a:p>
-                      <a:pPr marL="0" marR="0" indent="0" algn="l" defTabSz="457200" rtl="0" eaLnBrk="1" fontAlgn="auto" latinLnBrk="0" hangingPunct="1">
+                      <a:pPr marL="0" marR="0" indent="0" algn="ctr" defTabSz="457200" rtl="0" eaLnBrk="1" fontAlgn="auto" latinLnBrk="0" hangingPunct="1">
                         <a:lnSpc>
                           <a:spcPct val="100000"/>
                         </a:lnSpc>
@@ -9721,15 +10377,16 @@
                         <a:defRPr/>
                       </a:pPr>
                       <a:r>
-                        <a:rPr lang="en-US" dirty="0" smtClean="0"/>
+                        <a:rPr lang="en-US" dirty="0"/>
                         <a:t>Cons</a:t>
                       </a:r>
                     </a:p>
                     <a:p>
+                      <a:pPr algn="ctr"/>
                       <a:endParaRPr lang="en-US" dirty="0"/>
                     </a:p>
                   </a:txBody>
-                  <a:tcPr/>
+                  <a:tcPr anchor="ctr"/>
                 </a:tc>
                 <a:extLst>
                   <a:ext uri="{0D108BD9-81ED-4DB2-BD59-A6C34878D82A}">
@@ -9761,20 +10418,17 @@
                         <a:defRPr/>
                       </a:pPr>
                       <a:r>
-                        <a:rPr lang="en-US" dirty="0" smtClean="0"/>
+                        <a:rPr lang="en-US" dirty="0"/>
                         <a:t>Allows for maximum features in the allotted</a:t>
                       </a:r>
                       <a:r>
-                        <a:rPr lang="en-US" baseline="0" dirty="0" smtClean="0"/>
+                        <a:rPr lang="en-US" baseline="0" dirty="0"/>
                         <a:t> time frame.</a:t>
                       </a:r>
-                      <a:endParaRPr lang="en-US" dirty="0" smtClean="0"/>
-                    </a:p>
-                    <a:p>
                       <a:endParaRPr lang="en-US" dirty="0"/>
                     </a:p>
                   </a:txBody>
-                  <a:tcPr/>
+                  <a:tcPr anchor="ctr"/>
                 </a:tc>
                 <a:tc>
                   <a:txBody>
@@ -9799,20 +10453,17 @@
                         <a:defRPr/>
                       </a:pPr>
                       <a:r>
-                        <a:rPr lang="en-US" dirty="0" smtClean="0"/>
+                        <a:rPr lang="en-US" dirty="0"/>
                         <a:t>Spirals may</a:t>
                       </a:r>
                       <a:r>
-                        <a:rPr lang="en-US" baseline="0" dirty="0" smtClean="0"/>
+                        <a:rPr lang="en-US" baseline="0" dirty="0"/>
                         <a:t> continue indefinitely.</a:t>
                       </a:r>
-                      <a:endParaRPr lang="en-US" dirty="0" smtClean="0"/>
-                    </a:p>
-                    <a:p>
                       <a:endParaRPr lang="en-US" dirty="0"/>
                     </a:p>
                   </a:txBody>
-                  <a:tcPr/>
+                  <a:tcPr anchor="ctr"/>
                 </a:tc>
                 <a:extLst>
                   <a:ext uri="{0D108BD9-81ED-4DB2-BD59-A6C34878D82A}">
@@ -9844,20 +10495,20 @@
                         <a:defRPr/>
                       </a:pPr>
                       <a:r>
-                        <a:rPr lang="en-US" dirty="0" smtClean="0"/>
+                        <a:rPr lang="en-US" dirty="0"/>
                         <a:t>Can</a:t>
                       </a:r>
                       <a:r>
-                        <a:rPr lang="en-US" baseline="0" dirty="0" smtClean="0"/>
-                        <a:t> accommodate changing requirements</a:t>
+                        <a:rPr lang="en-US" baseline="0" dirty="0"/>
+                        <a:t> accommodate changing requirements.</a:t>
                       </a:r>
-                      <a:endParaRPr lang="en-US" dirty="0" smtClean="0"/>
+                      <a:endParaRPr lang="en-US" dirty="0"/>
                     </a:p>
                     <a:p>
                       <a:endParaRPr lang="en-US" dirty="0"/>
                     </a:p>
                   </a:txBody>
-                  <a:tcPr/>
+                  <a:tcPr anchor="ctr"/>
                 </a:tc>
                 <a:tc>
                   <a:txBody>
@@ -9865,17 +10516,17 @@
                     <a:lstStyle/>
                     <a:p>
                       <a:r>
-                        <a:rPr lang="en-US" dirty="0" smtClean="0"/>
+                        <a:rPr lang="en-US" dirty="0"/>
                         <a:t>Large number of spirals</a:t>
                       </a:r>
                       <a:r>
-                        <a:rPr lang="en-US" baseline="0" dirty="0" smtClean="0"/>
+                        <a:rPr lang="en-US" baseline="0" dirty="0"/>
                         <a:t> requires many versions and much documentation.</a:t>
                       </a:r>
                       <a:endParaRPr lang="en-US" dirty="0"/>
                     </a:p>
                   </a:txBody>
-                  <a:tcPr/>
+                  <a:tcPr anchor="ctr"/>
                 </a:tc>
                 <a:extLst>
                   <a:ext uri="{0D108BD9-81ED-4DB2-BD59-A6C34878D82A}">
@@ -9890,13 +10541,13 @@
                     <a:lstStyle/>
                     <a:p>
                       <a:r>
-                        <a:rPr lang="en-US" baseline="0" dirty="0" smtClean="0"/>
+                        <a:rPr lang="en-US" baseline="0" dirty="0"/>
                         <a:t>Working versions at the end of every cycle.</a:t>
                       </a:r>
                       <a:endParaRPr lang="en-US" dirty="0"/>
                     </a:p>
                   </a:txBody>
-                  <a:tcPr/>
+                  <a:tcPr anchor="ctr"/>
                 </a:tc>
                 <a:tc>
                   <a:txBody>
@@ -9906,7 +10557,7 @@
                       <a:endParaRPr lang="en-US" dirty="0"/>
                     </a:p>
                   </a:txBody>
-                  <a:tcPr/>
+                  <a:tcPr anchor="ctr"/>
                 </a:tc>
                 <a:extLst>
                   <a:ext uri="{0D108BD9-81ED-4DB2-BD59-A6C34878D82A}">
@@ -9921,17 +10572,17 @@
                     <a:lstStyle/>
                     <a:p>
                       <a:r>
-                        <a:rPr lang="en-US" dirty="0" smtClean="0"/>
+                        <a:rPr lang="en-US" dirty="0"/>
                         <a:t>Easily allows for modular</a:t>
                       </a:r>
                       <a:r>
-                        <a:rPr lang="en-US" baseline="0" dirty="0" smtClean="0"/>
+                        <a:rPr lang="en-US" baseline="0" dirty="0"/>
                         <a:t> testing.</a:t>
                       </a:r>
                       <a:endParaRPr lang="en-US" dirty="0"/>
                     </a:p>
                   </a:txBody>
-                  <a:tcPr/>
+                  <a:tcPr anchor="ctr"/>
                 </a:tc>
                 <a:tc>
                   <a:txBody>
@@ -9941,7 +10592,7 @@
                       <a:endParaRPr lang="en-US" dirty="0"/>
                     </a:p>
                   </a:txBody>
-                  <a:tcPr/>
+                  <a:tcPr anchor="ctr"/>
                 </a:tc>
                 <a:extLst>
                   <a:ext uri="{0D108BD9-81ED-4DB2-BD59-A6C34878D82A}">
@@ -9953,6 +10604,29 @@
           </a:graphicData>
         </a:graphic>
       </p:graphicFrame>
+      <p:sp>
+        <p:nvSpPr>
+          <p:cNvPr id="4" name="Slide Number Placeholder 3"/>
+          <p:cNvSpPr>
+            <a:spLocks noGrp="1"/>
+          </p:cNvSpPr>
+          <p:nvPr>
+            <p:ph type="sldNum" sz="quarter" idx="12"/>
+          </p:nvPr>
+        </p:nvSpPr>
+        <p:spPr/>
+        <p:txBody>
+          <a:bodyPr/>
+          <a:lstStyle/>
+          <a:p>
+            <a:fld id="{8DC966BA-83AE-4962-82F4-C3E6C28D279E}" type="slidenum">
+              <a:rPr lang="en-US" smtClean="0"/>
+              <a:t>6</a:t>
+            </a:fld>
+            <a:endParaRPr lang="en-US"/>
+          </a:p>
+        </p:txBody>
+      </p:sp>
     </p:spTree>
     <p:extLst>
       <p:ext uri="{BB962C8B-B14F-4D97-AF65-F5344CB8AC3E}">
@@ -9963,192 +10637,6 @@
   <p:clrMapOvr>
     <a:masterClrMapping/>
   </p:clrMapOvr>
-  <p:timing>
-    <p:tnLst>
-      <p:par>
-        <p:cTn id="1" dur="indefinite" restart="never" nodeType="tmRoot"/>
-      </p:par>
-    </p:tnLst>
-  </p:timing>
-</p:sld>
-</file>
-
-<file path=ppt/slides/slide6.xml><?xml version="1.0" encoding="utf-8"?>
-<p:sld xmlns:a="http://schemas.openxmlformats.org/drawingml/2006/main" xmlns:r="http://schemas.openxmlformats.org/officeDocument/2006/relationships" xmlns:p="http://schemas.openxmlformats.org/presentationml/2006/main">
-  <p:cSld>
-    <p:spTree>
-      <p:nvGrpSpPr>
-        <p:cNvPr id="1" name=""/>
-        <p:cNvGrpSpPr/>
-        <p:nvPr/>
-      </p:nvGrpSpPr>
-      <p:grpSpPr>
-        <a:xfrm>
-          <a:off x="0" y="0"/>
-          <a:ext cx="0" cy="0"/>
-          <a:chOff x="0" y="0"/>
-          <a:chExt cx="0" cy="0"/>
-        </a:xfrm>
-      </p:grpSpPr>
-      <p:sp>
-        <p:nvSpPr>
-          <p:cNvPr id="5" name="Title 4"/>
-          <p:cNvSpPr>
-            <a:spLocks noGrp="1"/>
-          </p:cNvSpPr>
-          <p:nvPr>
-            <p:ph type="title"/>
-          </p:nvPr>
-        </p:nvSpPr>
-        <p:spPr/>
-        <p:txBody>
-          <a:bodyPr>
-            <a:normAutofit/>
-          </a:bodyPr>
-          <a:lstStyle/>
-          <a:p>
-            <a:r>
-              <a:rPr lang="en-US" dirty="0" smtClean="0"/>
-              <a:t>Overall </a:t>
-            </a:r>
-            <a:r>
-              <a:rPr lang="en-US" dirty="0" smtClean="0"/>
-              <a:t>Functional Requirements</a:t>
-            </a:r>
-            <a:endParaRPr lang="en-US" dirty="0"/>
-          </a:p>
-        </p:txBody>
-      </p:sp>
-      <p:sp>
-        <p:nvSpPr>
-          <p:cNvPr id="6" name="Content Placeholder 5"/>
-          <p:cNvSpPr>
-            <a:spLocks noGrp="1"/>
-          </p:cNvSpPr>
-          <p:nvPr>
-            <p:ph sz="half" idx="1"/>
-          </p:nvPr>
-        </p:nvSpPr>
-        <p:spPr>
-          <a:xfrm>
-            <a:off x="838200" y="2438400"/>
-            <a:ext cx="7401900" cy="4195763"/>
-          </a:xfrm>
-        </p:spPr>
-        <p:txBody>
-          <a:bodyPr/>
-          <a:lstStyle/>
-          <a:p>
-            <a:pPr marL="0" indent="0">
-              <a:buNone/>
-            </a:pPr>
-            <a:endParaRPr lang="en-US" dirty="0" smtClean="0"/>
-          </a:p>
-          <a:p>
-            <a:pPr lvl="1"/>
-            <a:r>
-              <a:rPr lang="en-US" sz="2400" dirty="0" smtClean="0"/>
-              <a:t>A desired string or username to search for.</a:t>
-            </a:r>
-            <a:endParaRPr lang="en-US" sz="2400" dirty="0"/>
-          </a:p>
-          <a:p>
-            <a:pPr lvl="1"/>
-            <a:r>
-              <a:rPr lang="en-US" sz="2400" dirty="0" smtClean="0"/>
-              <a:t>The desired set of data to search from.</a:t>
-            </a:r>
-            <a:endParaRPr lang="en-US" sz="2400" dirty="0"/>
-          </a:p>
-          <a:p>
-            <a:pPr lvl="1"/>
-            <a:r>
-              <a:rPr lang="en-US" sz="2400" dirty="0" smtClean="0"/>
-              <a:t>The desired amount of tweets to be returned.</a:t>
-            </a:r>
-            <a:endParaRPr lang="en-US" sz="2400" dirty="0"/>
-          </a:p>
-          <a:p>
-            <a:pPr lvl="1"/>
-            <a:r>
-              <a:rPr lang="en-US" sz="2400" dirty="0" smtClean="0"/>
-              <a:t>Desired search filters. (e.g. No Replies, No Profanity, etc.)</a:t>
-            </a:r>
-            <a:endParaRPr lang="en-US" sz="2400" dirty="0"/>
-          </a:p>
-        </p:txBody>
-      </p:sp>
-      <p:sp>
-        <p:nvSpPr>
-          <p:cNvPr id="7" name="TextBox 6"/>
-          <p:cNvSpPr txBox="1"/>
-          <p:nvPr/>
-        </p:nvSpPr>
-        <p:spPr>
-          <a:xfrm>
-            <a:off x="990600" y="1853248"/>
-            <a:ext cx="1752600" cy="461665"/>
-          </a:xfrm>
-          <a:prstGeom prst="rect">
-            <a:avLst/>
-          </a:prstGeom>
-          <a:noFill/>
-        </p:spPr>
-        <p:txBody>
-          <a:bodyPr wrap="square" rtlCol="0">
-            <a:spAutoFit/>
-          </a:bodyPr>
-          <a:lstStyle/>
-          <a:p>
-            <a:r>
-              <a:rPr lang="en-US" sz="2400" dirty="0" smtClean="0">
-                <a:ln w="0"/>
-                <a:solidFill>
-                  <a:schemeClr val="accent1"/>
-                </a:solidFill>
-                <a:effectLst>
-                  <a:outerShdw blurRad="38100" dist="25400" dir="5400000" algn="ctr" rotWithShape="0">
-                    <a:srgbClr val="6E747A">
-                      <a:alpha val="43000"/>
-                    </a:srgbClr>
-                  </a:outerShdw>
-                </a:effectLst>
-              </a:rPr>
-              <a:t>Inputs</a:t>
-            </a:r>
-            <a:endParaRPr lang="en-US" sz="2400" dirty="0">
-              <a:ln w="0"/>
-              <a:solidFill>
-                <a:schemeClr val="accent1"/>
-              </a:solidFill>
-              <a:effectLst>
-                <a:outerShdw blurRad="38100" dist="25400" dir="5400000" algn="ctr" rotWithShape="0">
-                  <a:srgbClr val="6E747A">
-                    <a:alpha val="43000"/>
-                  </a:srgbClr>
-                </a:outerShdw>
-              </a:effectLst>
-            </a:endParaRPr>
-          </a:p>
-        </p:txBody>
-      </p:sp>
-    </p:spTree>
-    <p:extLst>
-      <p:ext uri="{BB962C8B-B14F-4D97-AF65-F5344CB8AC3E}">
-        <p14:creationId xmlns:p14="http://schemas.microsoft.com/office/powerpoint/2010/main" val="1813398057"/>
-      </p:ext>
-    </p:extLst>
-  </p:cSld>
-  <p:clrMapOvr>
-    <a:masterClrMapping/>
-  </p:clrMapOvr>
-  <p:timing>
-    <p:tnLst>
-      <p:par>
-        <p:cTn id="1" dur="indefinite" restart="never" nodeType="tmRoot"/>
-      </p:par>
-    </p:tnLst>
-  </p:timing>
 </p:sld>
 </file>
 
@@ -10187,63 +10675,64 @@
           <a:lstStyle/>
           <a:p>
             <a:r>
-              <a:rPr lang="en-US" dirty="0" smtClean="0"/>
-              <a:t>Overall </a:t>
-            </a:r>
-            <a:r>
-              <a:rPr lang="en-US" dirty="0" smtClean="0"/>
-              <a:t>Functional Requirements</a:t>
-            </a:r>
-            <a:endParaRPr lang="en-US" dirty="0"/>
-          </a:p>
-        </p:txBody>
-      </p:sp>
-      <p:sp>
-        <p:nvSpPr>
-          <p:cNvPr id="10" name="Content Placeholder 9"/>
-          <p:cNvSpPr>
-            <a:spLocks noGrp="1"/>
-          </p:cNvSpPr>
-          <p:nvPr>
-            <p:ph sz="half" idx="2"/>
+              <a:rPr lang="en-US" dirty="0"/>
+              <a:t>Overall Functional Requirements</a:t>
+            </a:r>
+          </a:p>
+        </p:txBody>
+      </p:sp>
+      <p:sp>
+        <p:nvSpPr>
+          <p:cNvPr id="6" name="Content Placeholder 5"/>
+          <p:cNvSpPr>
+            <a:spLocks noGrp="1"/>
+          </p:cNvSpPr>
+          <p:nvPr>
+            <p:ph sz="half" idx="1"/>
           </p:nvPr>
         </p:nvSpPr>
         <p:spPr>
           <a:xfrm>
-            <a:off x="838200" y="2895600"/>
-            <a:ext cx="7315199" cy="4200245"/>
+            <a:off x="838200" y="2438400"/>
+            <a:ext cx="7401900" cy="4195763"/>
           </a:xfrm>
         </p:spPr>
         <p:txBody>
-          <a:bodyPr>
-            <a:normAutofit/>
-          </a:bodyPr>
-          <a:lstStyle/>
+          <a:bodyPr/>
+          <a:lstStyle/>
+          <a:p>
+            <a:pPr marL="0" indent="0">
+              <a:buNone/>
+            </a:pPr>
+            <a:endParaRPr lang="en-US" dirty="0"/>
+          </a:p>
           <a:p>
             <a:pPr lvl="1"/>
             <a:r>
               <a:rPr lang="en-US" sz="2400" dirty="0"/>
-              <a:t>Search </a:t>
-            </a:r>
-            <a:r>
-              <a:rPr lang="en-US" sz="2400" dirty="0" smtClean="0"/>
-              <a:t>Twitter or Database for desired string or username. </a:t>
+              <a:t>A desired phrase or username to search for.</a:t>
             </a:r>
           </a:p>
           <a:p>
             <a:pPr lvl="1"/>
             <a:r>
-              <a:rPr lang="en-US" sz="2400" dirty="0" smtClean="0"/>
-              <a:t>Transform the datatypes returned by Twitter/Database into our common data structure.</a:t>
+              <a:rPr lang="en-US" sz="2400" dirty="0"/>
+              <a:t>The desired set of data to search from.</a:t>
             </a:r>
           </a:p>
           <a:p>
             <a:pPr lvl="1"/>
             <a:r>
-              <a:rPr lang="en-US" sz="2400" dirty="0" smtClean="0"/>
-              <a:t>Assign profanity flags to each tweet.</a:t>
-            </a:r>
-            <a:endParaRPr lang="en-US" sz="2400" dirty="0"/>
+              <a:rPr lang="en-US" sz="2400" dirty="0"/>
+              <a:t>The desired amount of tweets to be returned.</a:t>
+            </a:r>
+          </a:p>
+          <a:p>
+            <a:pPr lvl="1"/>
+            <a:r>
+              <a:rPr lang="en-US" sz="2400" dirty="0"/>
+              <a:t>Desired search filters. (e.g. No Replies, No Profanity, etc.)</a:t>
+            </a:r>
           </a:p>
         </p:txBody>
       </p:sp>
@@ -10256,7 +10745,7 @@
         <p:spPr>
           <a:xfrm>
             <a:off x="990600" y="1853248"/>
-            <a:ext cx="2514600" cy="461665"/>
+            <a:ext cx="1752600" cy="461665"/>
           </a:xfrm>
           <a:prstGeom prst="rect">
             <a:avLst/>
@@ -10270,7 +10759,7 @@
           <a:lstStyle/>
           <a:p>
             <a:r>
-              <a:rPr lang="en-US" sz="2400" dirty="0" smtClean="0">
+              <a:rPr lang="en-US" sz="2400" dirty="0">
                 <a:ln w="0"/>
                 <a:solidFill>
                   <a:schemeClr val="accent1"/>
@@ -10283,41 +10772,44 @@
                   </a:outerShdw>
                 </a:effectLst>
               </a:rPr>
-              <a:t>Transformations</a:t>
-            </a:r>
-            <a:endParaRPr lang="en-US" sz="2400" dirty="0">
-              <a:ln w="0"/>
-              <a:solidFill>
-                <a:schemeClr val="accent1"/>
-              </a:solidFill>
-              <a:effectLst>
-                <a:outerShdw blurRad="38100" dist="25400" dir="5400000" algn="ctr" rotWithShape="0">
-                  <a:srgbClr val="6E747A">
-                    <a:alpha val="43000"/>
-                  </a:srgbClr>
-                </a:outerShdw>
-              </a:effectLst>
-            </a:endParaRPr>
+              <a:t>Inputs</a:t>
+            </a:r>
+          </a:p>
+        </p:txBody>
+      </p:sp>
+      <p:sp>
+        <p:nvSpPr>
+          <p:cNvPr id="2" name="Slide Number Placeholder 1"/>
+          <p:cNvSpPr>
+            <a:spLocks noGrp="1"/>
+          </p:cNvSpPr>
+          <p:nvPr>
+            <p:ph type="sldNum" sz="quarter" idx="12"/>
+          </p:nvPr>
+        </p:nvSpPr>
+        <p:spPr/>
+        <p:txBody>
+          <a:bodyPr/>
+          <a:lstStyle/>
+          <a:p>
+            <a:fld id="{8DC966BA-83AE-4962-82F4-C3E6C28D279E}" type="slidenum">
+              <a:rPr lang="en-US" smtClean="0"/>
+              <a:t>7</a:t>
+            </a:fld>
+            <a:endParaRPr lang="en-US"/>
           </a:p>
         </p:txBody>
       </p:sp>
     </p:spTree>
     <p:extLst>
       <p:ext uri="{BB962C8B-B14F-4D97-AF65-F5344CB8AC3E}">
-        <p14:creationId xmlns:p14="http://schemas.microsoft.com/office/powerpoint/2010/main" val="4034616578"/>
+        <p14:creationId xmlns:p14="http://schemas.microsoft.com/office/powerpoint/2010/main" val="1813398057"/>
       </p:ext>
     </p:extLst>
   </p:cSld>
   <p:clrMapOvr>
     <a:masterClrMapping/>
   </p:clrMapOvr>
-  <p:timing>
-    <p:tnLst>
-      <p:par>
-        <p:cTn id="1" dur="indefinite" restart="never" nodeType="tmRoot"/>
-      </p:par>
-    </p:tnLst>
-  </p:timing>
 </p:sld>
 </file>
 
@@ -10356,31 +10848,26 @@
           <a:lstStyle/>
           <a:p>
             <a:r>
-              <a:rPr lang="en-US" dirty="0" smtClean="0"/>
-              <a:t>Overall </a:t>
-            </a:r>
-            <a:r>
-              <a:rPr lang="en-US" dirty="0" smtClean="0"/>
-              <a:t>Functional Requirements</a:t>
-            </a:r>
-            <a:endParaRPr lang="en-US" dirty="0"/>
-          </a:p>
-        </p:txBody>
-      </p:sp>
-      <p:sp>
-        <p:nvSpPr>
-          <p:cNvPr id="6" name="Content Placeholder 5"/>
-          <p:cNvSpPr>
-            <a:spLocks noGrp="1"/>
-          </p:cNvSpPr>
-          <p:nvPr>
-            <p:ph sz="half" idx="1"/>
+              <a:rPr lang="en-US" dirty="0"/>
+              <a:t>Overall Functional Requirements</a:t>
+            </a:r>
+          </a:p>
+        </p:txBody>
+      </p:sp>
+      <p:sp>
+        <p:nvSpPr>
+          <p:cNvPr id="10" name="Content Placeholder 9"/>
+          <p:cNvSpPr>
+            <a:spLocks noGrp="1"/>
+          </p:cNvSpPr>
+          <p:nvPr>
+            <p:ph sz="half" idx="2"/>
           </p:nvPr>
         </p:nvSpPr>
         <p:spPr>
           <a:xfrm>
-            <a:off x="838200" y="2819400"/>
-            <a:ext cx="7401900" cy="4195763"/>
+            <a:off x="838200" y="2895600"/>
+            <a:ext cx="7315199" cy="4200245"/>
           </a:xfrm>
         </p:spPr>
         <p:txBody>
@@ -10391,31 +10878,36 @@
           <a:p>
             <a:pPr lvl="1"/>
             <a:r>
-              <a:rPr lang="en-US" sz="2400" dirty="0" smtClean="0"/>
-              <a:t>Displays the tweets returned from Twitter or our database in an organized table.</a:t>
-            </a:r>
-            <a:endParaRPr lang="en-US" sz="2400" dirty="0" smtClean="0"/>
+              <a:rPr lang="en-US" sz="2400" dirty="0"/>
+              <a:t>Search Twitter or Database for desired phrase or username. </a:t>
+            </a:r>
           </a:p>
           <a:p>
             <a:pPr lvl="1"/>
             <a:r>
-              <a:rPr lang="en-US" sz="2400" dirty="0" smtClean="0"/>
-              <a:t>Organize data collected into visual representations depending on user preferences.</a:t>
-            </a:r>
-            <a:endParaRPr lang="en-US" sz="2400" dirty="0" smtClean="0"/>
-          </a:p>
-        </p:txBody>
-      </p:sp>
-      <p:sp>
-        <p:nvSpPr>
-          <p:cNvPr id="3" name="TextBox 2"/>
+              <a:rPr lang="en-US" sz="2400" dirty="0"/>
+              <a:t>Transform the datatypes returned by Twitter/Database into our common data structure.</a:t>
+            </a:r>
+          </a:p>
+          <a:p>
+            <a:pPr lvl="1"/>
+            <a:r>
+              <a:rPr lang="en-US" sz="2400" dirty="0"/>
+              <a:t>Assign profanity flags to each tweet.</a:t>
+            </a:r>
+          </a:p>
+        </p:txBody>
+      </p:sp>
+      <p:sp>
+        <p:nvSpPr>
+          <p:cNvPr id="7" name="TextBox 6"/>
           <p:cNvSpPr txBox="1"/>
           <p:nvPr/>
         </p:nvSpPr>
         <p:spPr>
           <a:xfrm>
             <a:off x="990600" y="1853248"/>
-            <a:ext cx="1752600" cy="461665"/>
+            <a:ext cx="2514600" cy="461665"/>
           </a:xfrm>
           <a:prstGeom prst="rect">
             <a:avLst/>
@@ -10429,7 +10921,7 @@
           <a:lstStyle/>
           <a:p>
             <a:r>
-              <a:rPr lang="en-US" sz="2400" dirty="0" smtClean="0">
+              <a:rPr lang="en-US" sz="2400" dirty="0">
                 <a:ln w="0"/>
                 <a:solidFill>
                   <a:schemeClr val="accent1"/>
@@ -10442,41 +10934,44 @@
                   </a:outerShdw>
                 </a:effectLst>
               </a:rPr>
-              <a:t>Outputs</a:t>
-            </a:r>
-            <a:endParaRPr lang="en-US" sz="2400" dirty="0">
-              <a:ln w="0"/>
-              <a:solidFill>
-                <a:schemeClr val="accent1"/>
-              </a:solidFill>
-              <a:effectLst>
-                <a:outerShdw blurRad="38100" dist="25400" dir="5400000" algn="ctr" rotWithShape="0">
-                  <a:srgbClr val="6E747A">
-                    <a:alpha val="43000"/>
-                  </a:srgbClr>
-                </a:outerShdw>
-              </a:effectLst>
-            </a:endParaRPr>
+              <a:t>Transformations</a:t>
+            </a:r>
+          </a:p>
+        </p:txBody>
+      </p:sp>
+      <p:sp>
+        <p:nvSpPr>
+          <p:cNvPr id="2" name="Slide Number Placeholder 1"/>
+          <p:cNvSpPr>
+            <a:spLocks noGrp="1"/>
+          </p:cNvSpPr>
+          <p:nvPr>
+            <p:ph type="sldNum" sz="quarter" idx="12"/>
+          </p:nvPr>
+        </p:nvSpPr>
+        <p:spPr/>
+        <p:txBody>
+          <a:bodyPr/>
+          <a:lstStyle/>
+          <a:p>
+            <a:fld id="{8DC966BA-83AE-4962-82F4-C3E6C28D279E}" type="slidenum">
+              <a:rPr lang="en-US" smtClean="0"/>
+              <a:t>8</a:t>
+            </a:fld>
+            <a:endParaRPr lang="en-US"/>
           </a:p>
         </p:txBody>
       </p:sp>
     </p:spTree>
     <p:extLst>
       <p:ext uri="{BB962C8B-B14F-4D97-AF65-F5344CB8AC3E}">
-        <p14:creationId xmlns:p14="http://schemas.microsoft.com/office/powerpoint/2010/main" val="3940443391"/>
+        <p14:creationId xmlns:p14="http://schemas.microsoft.com/office/powerpoint/2010/main" val="4034616578"/>
       </p:ext>
     </p:extLst>
   </p:cSld>
   <p:clrMapOvr>
     <a:masterClrMapping/>
   </p:clrMapOvr>
-  <p:timing>
-    <p:tnLst>
-      <p:par>
-        <p:cTn id="1" dur="indefinite" restart="never" nodeType="tmRoot"/>
-      </p:par>
-    </p:tnLst>
-  </p:timing>
 </p:sld>
 </file>
 
@@ -10499,7 +10994,7 @@
       </p:grpSpPr>
       <p:sp>
         <p:nvSpPr>
-          <p:cNvPr id="2" name="Title 1"/>
+          <p:cNvPr id="5" name="Title 4"/>
           <p:cNvSpPr>
             <a:spLocks noGrp="1"/>
           </p:cNvSpPr>
@@ -10509,63 +11004,129 @@
         </p:nvSpPr>
         <p:spPr/>
         <p:txBody>
-          <a:bodyPr/>
-          <a:lstStyle/>
-          <a:p>
-            <a:r>
-              <a:rPr lang="en-US" dirty="0" smtClean="0"/>
-              <a:t>First Class Diagram</a:t>
-            </a:r>
-            <a:endParaRPr lang="en-US" dirty="0"/>
-          </a:p>
-        </p:txBody>
-      </p:sp>
-      <p:pic>
-        <p:nvPicPr>
-          <p:cNvPr id="5" name="Content Placeholder 4"/>
-          <p:cNvPicPr>
-            <a:picLocks noGrp="1" noChangeAspect="1"/>
-          </p:cNvPicPr>
+          <a:bodyPr>
+            <a:normAutofit/>
+          </a:bodyPr>
+          <a:lstStyle/>
+          <a:p>
+            <a:r>
+              <a:rPr lang="en-US" dirty="0"/>
+              <a:t>Overall Functional Requirements</a:t>
+            </a:r>
+          </a:p>
+        </p:txBody>
+      </p:sp>
+      <p:sp>
+        <p:nvSpPr>
+          <p:cNvPr id="6" name="Content Placeholder 5"/>
+          <p:cNvSpPr>
+            <a:spLocks noGrp="1"/>
+          </p:cNvSpPr>
           <p:nvPr>
             <p:ph sz="half" idx="1"/>
           </p:nvPr>
-        </p:nvPicPr>
-        <p:blipFill>
-          <a:blip r:embed="rId2" cstate="print">
-            <a:extLst>
-              <a:ext uri="{28A0092B-C50C-407E-A947-70E740481C1C}">
-                <a14:useLocalDpi xmlns:a14="http://schemas.microsoft.com/office/drawing/2010/main" val="0"/>
-              </a:ext>
-            </a:extLst>
-          </a:blip>
-          <a:stretch>
-            <a:fillRect/>
-          </a:stretch>
-        </p:blipFill>
+        </p:nvSpPr>
         <p:spPr>
           <a:xfrm>
-            <a:off x="484710" y="1853248"/>
-            <a:ext cx="8239942" cy="4114800"/>
+            <a:off x="838200" y="2819400"/>
+            <a:ext cx="7401900" cy="4195763"/>
           </a:xfrm>
         </p:spPr>
-      </p:pic>
+        <p:txBody>
+          <a:bodyPr>
+            <a:normAutofit/>
+          </a:bodyPr>
+          <a:lstStyle/>
+          <a:p>
+            <a:pPr lvl="1"/>
+            <a:r>
+              <a:rPr lang="en-US" sz="2400" dirty="0"/>
+              <a:t>Displays the tweets returned from Twitter or our database in an organized table.</a:t>
+            </a:r>
+          </a:p>
+          <a:p>
+            <a:pPr lvl="1"/>
+            <a:r>
+              <a:rPr lang="en-US" sz="2400" dirty="0"/>
+              <a:t>Organize data collected into visual representations depending on user preferences.</a:t>
+            </a:r>
+          </a:p>
+        </p:txBody>
+      </p:sp>
+      <p:sp>
+        <p:nvSpPr>
+          <p:cNvPr id="3" name="TextBox 2"/>
+          <p:cNvSpPr txBox="1"/>
+          <p:nvPr/>
+        </p:nvSpPr>
+        <p:spPr>
+          <a:xfrm>
+            <a:off x="990600" y="1853248"/>
+            <a:ext cx="1752600" cy="461665"/>
+          </a:xfrm>
+          <a:prstGeom prst="rect">
+            <a:avLst/>
+          </a:prstGeom>
+          <a:noFill/>
+        </p:spPr>
+        <p:txBody>
+          <a:bodyPr wrap="square" rtlCol="0">
+            <a:spAutoFit/>
+          </a:bodyPr>
+          <a:lstStyle/>
+          <a:p>
+            <a:r>
+              <a:rPr lang="en-US" sz="2400" dirty="0">
+                <a:ln w="0"/>
+                <a:solidFill>
+                  <a:schemeClr val="accent1"/>
+                </a:solidFill>
+                <a:effectLst>
+                  <a:outerShdw blurRad="38100" dist="25400" dir="5400000" algn="ctr" rotWithShape="0">
+                    <a:srgbClr val="6E747A">
+                      <a:alpha val="43000"/>
+                    </a:srgbClr>
+                  </a:outerShdw>
+                </a:effectLst>
+              </a:rPr>
+              <a:t>Outputs</a:t>
+            </a:r>
+          </a:p>
+        </p:txBody>
+      </p:sp>
+      <p:sp>
+        <p:nvSpPr>
+          <p:cNvPr id="2" name="Slide Number Placeholder 1"/>
+          <p:cNvSpPr>
+            <a:spLocks noGrp="1"/>
+          </p:cNvSpPr>
+          <p:nvPr>
+            <p:ph type="sldNum" sz="quarter" idx="12"/>
+          </p:nvPr>
+        </p:nvSpPr>
+        <p:spPr/>
+        <p:txBody>
+          <a:bodyPr/>
+          <a:lstStyle/>
+          <a:p>
+            <a:fld id="{8DC966BA-83AE-4962-82F4-C3E6C28D279E}" type="slidenum">
+              <a:rPr lang="en-US" smtClean="0"/>
+              <a:t>9</a:t>
+            </a:fld>
+            <a:endParaRPr lang="en-US"/>
+          </a:p>
+        </p:txBody>
+      </p:sp>
     </p:spTree>
     <p:extLst>
       <p:ext uri="{BB962C8B-B14F-4D97-AF65-F5344CB8AC3E}">
-        <p14:creationId xmlns:p14="http://schemas.microsoft.com/office/powerpoint/2010/main" val="3733697568"/>
+        <p14:creationId xmlns:p14="http://schemas.microsoft.com/office/powerpoint/2010/main" val="3940443391"/>
       </p:ext>
     </p:extLst>
   </p:cSld>
   <p:clrMapOvr>
     <a:masterClrMapping/>
   </p:clrMapOvr>
-  <p:timing>
-    <p:tnLst>
-      <p:par>
-        <p:cTn id="1" dur="indefinite" restart="never" nodeType="tmRoot"/>
-      </p:par>
-    </p:tnLst>
-  </p:timing>
 </p:sld>
 </file>
 
@@ -10861,4 +11422,299 @@
     </a:ext>
   </a:extLst>
 </a:theme>
+</file>
+
+<file path=ppt/theme/theme2.xml><?xml version="1.0" encoding="utf-8"?>
+<a:theme xmlns:a="http://schemas.openxmlformats.org/drawingml/2006/main" name="Office Theme">
+  <a:themeElements>
+    <a:clrScheme name="Office">
+      <a:dk1>
+        <a:sysClr val="windowText" lastClr="000000"/>
+      </a:dk1>
+      <a:lt1>
+        <a:sysClr val="window" lastClr="FFFFFF"/>
+      </a:lt1>
+      <a:dk2>
+        <a:srgbClr val="44546A"/>
+      </a:dk2>
+      <a:lt2>
+        <a:srgbClr val="E7E6E6"/>
+      </a:lt2>
+      <a:accent1>
+        <a:srgbClr val="5B9BD5"/>
+      </a:accent1>
+      <a:accent2>
+        <a:srgbClr val="ED7D31"/>
+      </a:accent2>
+      <a:accent3>
+        <a:srgbClr val="A5A5A5"/>
+      </a:accent3>
+      <a:accent4>
+        <a:srgbClr val="FFC000"/>
+      </a:accent4>
+      <a:accent5>
+        <a:srgbClr val="4472C4"/>
+      </a:accent5>
+      <a:accent6>
+        <a:srgbClr val="70AD47"/>
+      </a:accent6>
+      <a:hlink>
+        <a:srgbClr val="0563C1"/>
+      </a:hlink>
+      <a:folHlink>
+        <a:srgbClr val="954F72"/>
+      </a:folHlink>
+    </a:clrScheme>
+    <a:fontScheme name="Office">
+      <a:majorFont>
+        <a:latin typeface="Calibri Light" panose="020F0302020204030204"/>
+        <a:ea typeface=""/>
+        <a:cs typeface=""/>
+        <a:font script="Jpan" typeface="游ゴシック Light"/>
+        <a:font script="Hang" typeface="맑은 고딕"/>
+        <a:font script="Hans" typeface="等线 Light"/>
+        <a:font script="Hant" typeface="新細明體"/>
+        <a:font script="Arab" typeface="Times New Roman"/>
+        <a:font script="Hebr" typeface="Times New Roman"/>
+        <a:font script="Thai" typeface="Angsana New"/>
+        <a:font script="Ethi" typeface="Nyala"/>
+        <a:font script="Beng" typeface="Vrinda"/>
+        <a:font script="Gujr" typeface="Shruti"/>
+        <a:font script="Khmr" typeface="MoolBoran"/>
+        <a:font script="Knda" typeface="Tunga"/>
+        <a:font script="Guru" typeface="Raavi"/>
+        <a:font script="Cans" typeface="Euphemia"/>
+        <a:font script="Cher" typeface="Plantagenet Cherokee"/>
+        <a:font script="Yiii" typeface="Microsoft Yi Baiti"/>
+        <a:font script="Tibt" typeface="Microsoft Himalaya"/>
+        <a:font script="Thaa" typeface="MV Boli"/>
+        <a:font script="Deva" typeface="Mangal"/>
+        <a:font script="Telu" typeface="Gautami"/>
+        <a:font script="Taml" typeface="Latha"/>
+        <a:font script="Syrc" typeface="Estrangelo Edessa"/>
+        <a:font script="Orya" typeface="Kalinga"/>
+        <a:font script="Mlym" typeface="Kartika"/>
+        <a:font script="Laoo" typeface="DokChampa"/>
+        <a:font script="Sinh" typeface="Iskoola Pota"/>
+        <a:font script="Mong" typeface="Mongolian Baiti"/>
+        <a:font script="Viet" typeface="Times New Roman"/>
+        <a:font script="Uigh" typeface="Microsoft Uighur"/>
+        <a:font script="Geor" typeface="Sylfaen"/>
+        <a:font script="Armn" typeface="Arial"/>
+        <a:font script="Bugi" typeface="Leelawadee UI"/>
+        <a:font script="Bopo" typeface="Microsoft JhengHei"/>
+        <a:font script="Java" typeface="Javanese Text"/>
+        <a:font script="Lisu" typeface="Segoe UI"/>
+        <a:font script="Mymr" typeface="Myanmar Text"/>
+        <a:font script="Nkoo" typeface="Ebrima"/>
+        <a:font script="Olck" typeface="Nirmala UI"/>
+        <a:font script="Osma" typeface="Ebrima"/>
+        <a:font script="Phag" typeface="Phagspa"/>
+        <a:font script="Syrn" typeface="Estrangelo Edessa"/>
+        <a:font script="Syrj" typeface="Estrangelo Edessa"/>
+        <a:font script="Syre" typeface="Estrangelo Edessa"/>
+        <a:font script="Sora" typeface="Nirmala UI"/>
+        <a:font script="Tale" typeface="Microsoft Tai Le"/>
+        <a:font script="Talu" typeface="Microsoft New Tai Lue"/>
+        <a:font script="Tfng" typeface="Ebrima"/>
+      </a:majorFont>
+      <a:minorFont>
+        <a:latin typeface="Calibri" panose="020F0502020204030204"/>
+        <a:ea typeface=""/>
+        <a:cs typeface=""/>
+        <a:font script="Jpan" typeface="游ゴシック"/>
+        <a:font script="Hang" typeface="맑은 고딕"/>
+        <a:font script="Hans" typeface="等线"/>
+        <a:font script="Hant" typeface="新細明體"/>
+        <a:font script="Arab" typeface="Arial"/>
+        <a:font script="Hebr" typeface="Arial"/>
+        <a:font script="Thai" typeface="Cordia New"/>
+        <a:font script="Ethi" typeface="Nyala"/>
+        <a:font script="Beng" typeface="Vrinda"/>
+        <a:font script="Gujr" typeface="Shruti"/>
+        <a:font script="Khmr" typeface="DaunPenh"/>
+        <a:font script="Knda" typeface="Tunga"/>
+        <a:font script="Guru" typeface="Raavi"/>
+        <a:font script="Cans" typeface="Euphemia"/>
+        <a:font script="Cher" typeface="Plantagenet Cherokee"/>
+        <a:font script="Yiii" typeface="Microsoft Yi Baiti"/>
+        <a:font script="Tibt" typeface="Microsoft Himalaya"/>
+        <a:font script="Thaa" typeface="MV Boli"/>
+        <a:font script="Deva" typeface="Mangal"/>
+        <a:font script="Telu" typeface="Gautami"/>
+        <a:font script="Taml" typeface="Latha"/>
+        <a:font script="Syrc" typeface="Estrangelo Edessa"/>
+        <a:font script="Orya" typeface="Kalinga"/>
+        <a:font script="Mlym" typeface="Kartika"/>
+        <a:font script="Laoo" typeface="DokChampa"/>
+        <a:font script="Sinh" typeface="Iskoola Pota"/>
+        <a:font script="Mong" typeface="Mongolian Baiti"/>
+        <a:font script="Viet" typeface="Arial"/>
+        <a:font script="Uigh" typeface="Microsoft Uighur"/>
+        <a:font script="Geor" typeface="Sylfaen"/>
+        <a:font script="Armn" typeface="Arial"/>
+        <a:font script="Bugi" typeface="Leelawadee UI"/>
+        <a:font script="Bopo" typeface="Microsoft JhengHei"/>
+        <a:font script="Java" typeface="Javanese Text"/>
+        <a:font script="Lisu" typeface="Segoe UI"/>
+        <a:font script="Mymr" typeface="Myanmar Text"/>
+        <a:font script="Nkoo" typeface="Ebrima"/>
+        <a:font script="Olck" typeface="Nirmala UI"/>
+        <a:font script="Osma" typeface="Ebrima"/>
+        <a:font script="Phag" typeface="Phagspa"/>
+        <a:font script="Syrn" typeface="Estrangelo Edessa"/>
+        <a:font script="Syrj" typeface="Estrangelo Edessa"/>
+        <a:font script="Syre" typeface="Estrangelo Edessa"/>
+        <a:font script="Sora" typeface="Nirmala UI"/>
+        <a:font script="Tale" typeface="Microsoft Tai Le"/>
+        <a:font script="Talu" typeface="Microsoft New Tai Lue"/>
+        <a:font script="Tfng" typeface="Ebrima"/>
+      </a:minorFont>
+    </a:fontScheme>
+    <a:fmtScheme name="Office">
+      <a:fillStyleLst>
+        <a:solidFill>
+          <a:schemeClr val="phClr"/>
+        </a:solidFill>
+        <a:gradFill rotWithShape="1">
+          <a:gsLst>
+            <a:gs pos="0">
+              <a:schemeClr val="phClr">
+                <a:lumMod val="110000"/>
+                <a:satMod val="105000"/>
+                <a:tint val="67000"/>
+              </a:schemeClr>
+            </a:gs>
+            <a:gs pos="50000">
+              <a:schemeClr val="phClr">
+                <a:lumMod val="105000"/>
+                <a:satMod val="103000"/>
+                <a:tint val="73000"/>
+              </a:schemeClr>
+            </a:gs>
+            <a:gs pos="100000">
+              <a:schemeClr val="phClr">
+                <a:lumMod val="105000"/>
+                <a:satMod val="109000"/>
+                <a:tint val="81000"/>
+              </a:schemeClr>
+            </a:gs>
+          </a:gsLst>
+          <a:lin ang="5400000" scaled="0"/>
+        </a:gradFill>
+        <a:gradFill rotWithShape="1">
+          <a:gsLst>
+            <a:gs pos="0">
+              <a:schemeClr val="phClr">
+                <a:satMod val="103000"/>
+                <a:lumMod val="102000"/>
+                <a:tint val="94000"/>
+              </a:schemeClr>
+            </a:gs>
+            <a:gs pos="50000">
+              <a:schemeClr val="phClr">
+                <a:satMod val="110000"/>
+                <a:lumMod val="100000"/>
+                <a:shade val="100000"/>
+              </a:schemeClr>
+            </a:gs>
+            <a:gs pos="100000">
+              <a:schemeClr val="phClr">
+                <a:lumMod val="99000"/>
+                <a:satMod val="120000"/>
+                <a:shade val="78000"/>
+              </a:schemeClr>
+            </a:gs>
+          </a:gsLst>
+          <a:lin ang="5400000" scaled="0"/>
+        </a:gradFill>
+      </a:fillStyleLst>
+      <a:lnStyleLst>
+        <a:ln w="6350" cap="flat" cmpd="sng" algn="ctr">
+          <a:solidFill>
+            <a:schemeClr val="phClr"/>
+          </a:solidFill>
+          <a:prstDash val="solid"/>
+          <a:miter lim="800000"/>
+        </a:ln>
+        <a:ln w="12700" cap="flat" cmpd="sng" algn="ctr">
+          <a:solidFill>
+            <a:schemeClr val="phClr"/>
+          </a:solidFill>
+          <a:prstDash val="solid"/>
+          <a:miter lim="800000"/>
+        </a:ln>
+        <a:ln w="19050" cap="flat" cmpd="sng" algn="ctr">
+          <a:solidFill>
+            <a:schemeClr val="phClr"/>
+          </a:solidFill>
+          <a:prstDash val="solid"/>
+          <a:miter lim="800000"/>
+        </a:ln>
+      </a:lnStyleLst>
+      <a:effectStyleLst>
+        <a:effectStyle>
+          <a:effectLst/>
+        </a:effectStyle>
+        <a:effectStyle>
+          <a:effectLst/>
+        </a:effectStyle>
+        <a:effectStyle>
+          <a:effectLst>
+            <a:outerShdw blurRad="57150" dist="19050" dir="5400000" algn="ctr" rotWithShape="0">
+              <a:srgbClr val="000000">
+                <a:alpha val="63000"/>
+              </a:srgbClr>
+            </a:outerShdw>
+          </a:effectLst>
+        </a:effectStyle>
+      </a:effectStyleLst>
+      <a:bgFillStyleLst>
+        <a:solidFill>
+          <a:schemeClr val="phClr"/>
+        </a:solidFill>
+        <a:solidFill>
+          <a:schemeClr val="phClr">
+            <a:tint val="95000"/>
+            <a:satMod val="170000"/>
+          </a:schemeClr>
+        </a:solidFill>
+        <a:gradFill rotWithShape="1">
+          <a:gsLst>
+            <a:gs pos="0">
+              <a:schemeClr val="phClr">
+                <a:tint val="93000"/>
+                <a:satMod val="150000"/>
+                <a:shade val="98000"/>
+                <a:lumMod val="102000"/>
+              </a:schemeClr>
+            </a:gs>
+            <a:gs pos="50000">
+              <a:schemeClr val="phClr">
+                <a:tint val="98000"/>
+                <a:satMod val="130000"/>
+                <a:shade val="90000"/>
+                <a:lumMod val="103000"/>
+              </a:schemeClr>
+            </a:gs>
+            <a:gs pos="100000">
+              <a:schemeClr val="phClr">
+                <a:shade val="63000"/>
+                <a:satMod val="120000"/>
+              </a:schemeClr>
+            </a:gs>
+          </a:gsLst>
+          <a:lin ang="5400000" scaled="0"/>
+        </a:gradFill>
+      </a:bgFillStyleLst>
+    </a:fmtScheme>
+  </a:themeElements>
+  <a:objectDefaults/>
+  <a:extraClrSchemeLst/>
+  <a:extLst>
+    <a:ext uri="{05A4C25C-085E-4340-85A3-A5531E510DB2}">
+      <thm15:themeFamily xmlns:thm15="http://schemas.microsoft.com/office/thememl/2012/main" name="Office Theme" id="{62F939B6-93AF-4DB8-9C6B-D6C7DFDC589F}" vid="{4A3C46E8-61CC-4603-A589-7422A47A8E4A}"/>
+    </a:ext>
+  </a:extLst>
+</a:theme>
 </file>